--- a/竖立图片.pptx
+++ b/竖立图片.pptx
@@ -2,12 +2,13 @@
 <file path=ppt/presentation.xml><?xml version="1.0" encoding="utf-8"?>
 <p:presentation xmlns:a="http://schemas.openxmlformats.org/drawingml/2006/main" xmlns:r="http://schemas.openxmlformats.org/officeDocument/2006/relationships" xmlns:p="http://schemas.openxmlformats.org/presentationml/2006/main" saveSubsetFonts="1">
   <p:sldMasterIdLst>
-    <p:sldMasterId id="2147483672" r:id="rId1"/>
+    <p:sldMasterId id="2147483696" r:id="rId1"/>
   </p:sldMasterIdLst>
   <p:sldIdLst>
     <p:sldId id="256" r:id="rId2"/>
+    <p:sldId id="257" r:id="rId3"/>
   </p:sldIdLst>
-  <p:sldSz cx="18000663" cy="18000663"/>
+  <p:sldSz cx="18000663" cy="32000825"/>
   <p:notesSz cx="6858000" cy="9144000"/>
   <p:defaultTextStyle>
     <a:defPPr>
@@ -104,6 +105,11 @@
       </a:defRPr>
     </a:lvl9pPr>
   </p:defaultTextStyle>
+  <p:extLst>
+    <p:ext uri="{EFAFB233-063F-42B5-8137-9DF3F51BA10A}">
+      <p15:sldGuideLst xmlns:p15="http://schemas.microsoft.com/office/powerpoint/2012/main"/>
+    </p:ext>
+  </p:extLst>
 </p:presentation>
 </file>
 
@@ -136,8 +142,8 @@
         </p:nvSpPr>
         <p:spPr>
           <a:xfrm>
-            <a:off x="1350050" y="2945943"/>
-            <a:ext cx="15300564" cy="6266897"/>
+            <a:off x="1350050" y="5237174"/>
+            <a:ext cx="15300564" cy="11141028"/>
           </a:xfrm>
         </p:spPr>
         <p:txBody>
@@ -168,8 +174,8 @@
         </p:nvSpPr>
         <p:spPr>
           <a:xfrm>
-            <a:off x="2250083" y="9454516"/>
-            <a:ext cx="13500497" cy="4345992"/>
+            <a:off x="2250083" y="16807843"/>
+            <a:ext cx="13500497" cy="7726123"/>
           </a:xfrm>
         </p:spPr>
         <p:txBody>
@@ -238,7 +244,7 @@
           <a:p>
             <a:fld id="{2299E4BB-02C3-4A57-A065-9F5735F024BE}" type="datetimeFigureOut">
               <a:rPr lang="zh-CN" altLang="en-US" smtClean="0"/>
-              <a:t>2024/3/2</a:t>
+              <a:t>2024/3/5</a:t>
             </a:fld>
             <a:endParaRPr lang="zh-CN" altLang="en-US"/>
           </a:p>
@@ -289,7 +295,7 @@
     </p:spTree>
     <p:extLst>
       <p:ext uri="{BB962C8B-B14F-4D97-AF65-F5344CB8AC3E}">
-        <p14:creationId xmlns:p14="http://schemas.microsoft.com/office/powerpoint/2010/main" val="291997780"/>
+        <p14:creationId xmlns:p14="http://schemas.microsoft.com/office/powerpoint/2010/main" val="4203240138"/>
       </p:ext>
     </p:extLst>
   </p:cSld>
@@ -408,7 +414,7 @@
           <a:p>
             <a:fld id="{2299E4BB-02C3-4A57-A065-9F5735F024BE}" type="datetimeFigureOut">
               <a:rPr lang="zh-CN" altLang="en-US" smtClean="0"/>
-              <a:t>2024/3/2</a:t>
+              <a:t>2024/3/5</a:t>
             </a:fld>
             <a:endParaRPr lang="zh-CN" altLang="en-US"/>
           </a:p>
@@ -459,7 +465,7 @@
     </p:spTree>
     <p:extLst>
       <p:ext uri="{BB962C8B-B14F-4D97-AF65-F5344CB8AC3E}">
-        <p14:creationId xmlns:p14="http://schemas.microsoft.com/office/powerpoint/2010/main" val="4156299409"/>
+        <p14:creationId xmlns:p14="http://schemas.microsoft.com/office/powerpoint/2010/main" val="3657852743"/>
       </p:ext>
     </p:extLst>
   </p:cSld>
@@ -498,8 +504,8 @@
         </p:nvSpPr>
         <p:spPr>
           <a:xfrm>
-            <a:off x="12881725" y="958369"/>
-            <a:ext cx="3881393" cy="15254730"/>
+            <a:off x="12881725" y="1703748"/>
+            <a:ext cx="3881393" cy="27119220"/>
           </a:xfrm>
         </p:spPr>
         <p:txBody>
@@ -526,8 +532,8 @@
         </p:nvSpPr>
         <p:spPr>
           <a:xfrm>
-            <a:off x="1237546" y="958369"/>
-            <a:ext cx="11419171" cy="15254730"/>
+            <a:off x="1237546" y="1703748"/>
+            <a:ext cx="11419171" cy="27119220"/>
           </a:xfrm>
         </p:spPr>
         <p:txBody>
@@ -588,7 +594,7 @@
           <a:p>
             <a:fld id="{2299E4BB-02C3-4A57-A065-9F5735F024BE}" type="datetimeFigureOut">
               <a:rPr lang="zh-CN" altLang="en-US" smtClean="0"/>
-              <a:t>2024/3/2</a:t>
+              <a:t>2024/3/5</a:t>
             </a:fld>
             <a:endParaRPr lang="zh-CN" altLang="en-US"/>
           </a:p>
@@ -639,7 +645,7 @@
     </p:spTree>
     <p:extLst>
       <p:ext uri="{BB962C8B-B14F-4D97-AF65-F5344CB8AC3E}">
-        <p14:creationId xmlns:p14="http://schemas.microsoft.com/office/powerpoint/2010/main" val="652537768"/>
+        <p14:creationId xmlns:p14="http://schemas.microsoft.com/office/powerpoint/2010/main" val="1694094067"/>
       </p:ext>
     </p:extLst>
   </p:cSld>
@@ -758,7 +764,7 @@
           <a:p>
             <a:fld id="{2299E4BB-02C3-4A57-A065-9F5735F024BE}" type="datetimeFigureOut">
               <a:rPr lang="zh-CN" altLang="en-US" smtClean="0"/>
-              <a:t>2024/3/2</a:t>
+              <a:t>2024/3/5</a:t>
             </a:fld>
             <a:endParaRPr lang="zh-CN" altLang="en-US"/>
           </a:p>
@@ -809,7 +815,7 @@
     </p:spTree>
     <p:extLst>
       <p:ext uri="{BB962C8B-B14F-4D97-AF65-F5344CB8AC3E}">
-        <p14:creationId xmlns:p14="http://schemas.microsoft.com/office/powerpoint/2010/main" val="3978961245"/>
+        <p14:creationId xmlns:p14="http://schemas.microsoft.com/office/powerpoint/2010/main" val="3905059480"/>
       </p:ext>
     </p:extLst>
   </p:cSld>
@@ -848,8 +854,8 @@
         </p:nvSpPr>
         <p:spPr>
           <a:xfrm>
-            <a:off x="1228171" y="4487671"/>
-            <a:ext cx="15525572" cy="7487774"/>
+            <a:off x="1228171" y="7977993"/>
+            <a:ext cx="15525572" cy="13311452"/>
           </a:xfrm>
         </p:spPr>
         <p:txBody>
@@ -880,8 +886,8 @@
         </p:nvSpPr>
         <p:spPr>
           <a:xfrm>
-            <a:off x="1228171" y="12046282"/>
-            <a:ext cx="15525572" cy="3937644"/>
+            <a:off x="1228171" y="21415376"/>
+            <a:ext cx="15525572" cy="7000178"/>
           </a:xfrm>
         </p:spPr>
         <p:txBody>
@@ -1002,7 +1008,7 @@
           <a:p>
             <a:fld id="{2299E4BB-02C3-4A57-A065-9F5735F024BE}" type="datetimeFigureOut">
               <a:rPr lang="zh-CN" altLang="en-US" smtClean="0"/>
-              <a:t>2024/3/2</a:t>
+              <a:t>2024/3/5</a:t>
             </a:fld>
             <a:endParaRPr lang="zh-CN" altLang="en-US"/>
           </a:p>
@@ -1053,7 +1059,7 @@
     </p:spTree>
     <p:extLst>
       <p:ext uri="{BB962C8B-B14F-4D97-AF65-F5344CB8AC3E}">
-        <p14:creationId xmlns:p14="http://schemas.microsoft.com/office/powerpoint/2010/main" val="3695170921"/>
+        <p14:creationId xmlns:p14="http://schemas.microsoft.com/office/powerpoint/2010/main" val="3996300486"/>
       </p:ext>
     </p:extLst>
   </p:cSld>
@@ -1115,8 +1121,8 @@
         </p:nvSpPr>
         <p:spPr>
           <a:xfrm>
-            <a:off x="1237545" y="4791843"/>
-            <a:ext cx="7650282" cy="11421255"/>
+            <a:off x="1237545" y="8518738"/>
+            <a:ext cx="7650282" cy="20304229"/>
           </a:xfrm>
         </p:spPr>
         <p:txBody>
@@ -1172,8 +1178,8 @@
         </p:nvSpPr>
         <p:spPr>
           <a:xfrm>
-            <a:off x="9112836" y="4791843"/>
-            <a:ext cx="7650282" cy="11421255"/>
+            <a:off x="9112836" y="8518738"/>
+            <a:ext cx="7650282" cy="20304229"/>
           </a:xfrm>
         </p:spPr>
         <p:txBody>
@@ -1234,7 +1240,7 @@
           <a:p>
             <a:fld id="{2299E4BB-02C3-4A57-A065-9F5735F024BE}" type="datetimeFigureOut">
               <a:rPr lang="zh-CN" altLang="en-US" smtClean="0"/>
-              <a:t>2024/3/2</a:t>
+              <a:t>2024/3/5</a:t>
             </a:fld>
             <a:endParaRPr lang="zh-CN" altLang="en-US"/>
           </a:p>
@@ -1285,7 +1291,7 @@
     </p:spTree>
     <p:extLst>
       <p:ext uri="{BB962C8B-B14F-4D97-AF65-F5344CB8AC3E}">
-        <p14:creationId xmlns:p14="http://schemas.microsoft.com/office/powerpoint/2010/main" val="2321217933"/>
+        <p14:creationId xmlns:p14="http://schemas.microsoft.com/office/powerpoint/2010/main" val="3475640834"/>
       </p:ext>
     </p:extLst>
   </p:cSld>
@@ -1324,8 +1330,8 @@
         </p:nvSpPr>
         <p:spPr>
           <a:xfrm>
-            <a:off x="1239890" y="958373"/>
-            <a:ext cx="15525572" cy="3479296"/>
+            <a:off x="1239890" y="1703755"/>
+            <a:ext cx="15525572" cy="6185347"/>
           </a:xfrm>
         </p:spPr>
         <p:txBody>
@@ -1352,8 +1358,8 @@
         </p:nvSpPr>
         <p:spPr>
           <a:xfrm>
-            <a:off x="1239892" y="4412664"/>
-            <a:ext cx="7615123" cy="2162578"/>
+            <a:off x="1239892" y="7844649"/>
+            <a:ext cx="7615123" cy="3844541"/>
           </a:xfrm>
         </p:spPr>
         <p:txBody>
@@ -1417,8 +1423,8 @@
         </p:nvSpPr>
         <p:spPr>
           <a:xfrm>
-            <a:off x="1239892" y="6575242"/>
-            <a:ext cx="7615123" cy="9671191"/>
+            <a:off x="1239892" y="11689190"/>
+            <a:ext cx="7615123" cy="17193038"/>
           </a:xfrm>
         </p:spPr>
         <p:txBody>
@@ -1474,8 +1480,8 @@
         </p:nvSpPr>
         <p:spPr>
           <a:xfrm>
-            <a:off x="9112837" y="4412664"/>
-            <a:ext cx="7652626" cy="2162578"/>
+            <a:off x="9112837" y="7844649"/>
+            <a:ext cx="7652626" cy="3844541"/>
           </a:xfrm>
         </p:spPr>
         <p:txBody>
@@ -1539,8 +1545,8 @@
         </p:nvSpPr>
         <p:spPr>
           <a:xfrm>
-            <a:off x="9112837" y="6575242"/>
-            <a:ext cx="7652626" cy="9671191"/>
+            <a:off x="9112837" y="11689190"/>
+            <a:ext cx="7652626" cy="17193038"/>
           </a:xfrm>
         </p:spPr>
         <p:txBody>
@@ -1601,7 +1607,7 @@
           <a:p>
             <a:fld id="{2299E4BB-02C3-4A57-A065-9F5735F024BE}" type="datetimeFigureOut">
               <a:rPr lang="zh-CN" altLang="en-US" smtClean="0"/>
-              <a:t>2024/3/2</a:t>
+              <a:t>2024/3/5</a:t>
             </a:fld>
             <a:endParaRPr lang="zh-CN" altLang="en-US"/>
           </a:p>
@@ -1652,7 +1658,7 @@
     </p:spTree>
     <p:extLst>
       <p:ext uri="{BB962C8B-B14F-4D97-AF65-F5344CB8AC3E}">
-        <p14:creationId xmlns:p14="http://schemas.microsoft.com/office/powerpoint/2010/main" val="3458360917"/>
+        <p14:creationId xmlns:p14="http://schemas.microsoft.com/office/powerpoint/2010/main" val="162705156"/>
       </p:ext>
     </p:extLst>
   </p:cSld>
@@ -1719,7 +1725,7 @@
           <a:p>
             <a:fld id="{2299E4BB-02C3-4A57-A065-9F5735F024BE}" type="datetimeFigureOut">
               <a:rPr lang="zh-CN" altLang="en-US" smtClean="0"/>
-              <a:t>2024/3/2</a:t>
+              <a:t>2024/3/5</a:t>
             </a:fld>
             <a:endParaRPr lang="zh-CN" altLang="en-US"/>
           </a:p>
@@ -1770,7 +1776,7 @@
     </p:spTree>
     <p:extLst>
       <p:ext uri="{BB962C8B-B14F-4D97-AF65-F5344CB8AC3E}">
-        <p14:creationId xmlns:p14="http://schemas.microsoft.com/office/powerpoint/2010/main" val="1733776605"/>
+        <p14:creationId xmlns:p14="http://schemas.microsoft.com/office/powerpoint/2010/main" val="3868525008"/>
       </p:ext>
     </p:extLst>
   </p:cSld>
@@ -1814,7 +1820,7 @@
           <a:p>
             <a:fld id="{2299E4BB-02C3-4A57-A065-9F5735F024BE}" type="datetimeFigureOut">
               <a:rPr lang="zh-CN" altLang="en-US" smtClean="0"/>
-              <a:t>2024/3/2</a:t>
+              <a:t>2024/3/5</a:t>
             </a:fld>
             <a:endParaRPr lang="zh-CN" altLang="en-US"/>
           </a:p>
@@ -1865,7 +1871,7 @@
     </p:spTree>
     <p:extLst>
       <p:ext uri="{BB962C8B-B14F-4D97-AF65-F5344CB8AC3E}">
-        <p14:creationId xmlns:p14="http://schemas.microsoft.com/office/powerpoint/2010/main" val="2241280397"/>
+        <p14:creationId xmlns:p14="http://schemas.microsoft.com/office/powerpoint/2010/main" val="2683350601"/>
       </p:ext>
     </p:extLst>
   </p:cSld>
@@ -1904,8 +1910,8 @@
         </p:nvSpPr>
         <p:spPr>
           <a:xfrm>
-            <a:off x="1239890" y="1200044"/>
-            <a:ext cx="5805682" cy="4200155"/>
+            <a:off x="1239890" y="2133388"/>
+            <a:ext cx="5805682" cy="7466859"/>
           </a:xfrm>
         </p:spPr>
         <p:txBody>
@@ -1936,8 +1942,8 @@
         </p:nvSpPr>
         <p:spPr>
           <a:xfrm>
-            <a:off x="7652626" y="2591766"/>
-            <a:ext cx="9112836" cy="12792138"/>
+            <a:off x="7652626" y="4607533"/>
+            <a:ext cx="9112836" cy="22741327"/>
           </a:xfrm>
         </p:spPr>
         <p:txBody>
@@ -2021,8 +2027,8 @@
         </p:nvSpPr>
         <p:spPr>
           <a:xfrm>
-            <a:off x="1239890" y="5400199"/>
-            <a:ext cx="5805682" cy="10004536"/>
+            <a:off x="1239890" y="9600248"/>
+            <a:ext cx="5805682" cy="17785646"/>
           </a:xfrm>
         </p:spPr>
         <p:txBody>
@@ -2091,7 +2097,7 @@
           <a:p>
             <a:fld id="{2299E4BB-02C3-4A57-A065-9F5735F024BE}" type="datetimeFigureOut">
               <a:rPr lang="zh-CN" altLang="en-US" smtClean="0"/>
-              <a:t>2024/3/2</a:t>
+              <a:t>2024/3/5</a:t>
             </a:fld>
             <a:endParaRPr lang="zh-CN" altLang="en-US"/>
           </a:p>
@@ -2142,7 +2148,7 @@
     </p:spTree>
     <p:extLst>
       <p:ext uri="{BB962C8B-B14F-4D97-AF65-F5344CB8AC3E}">
-        <p14:creationId xmlns:p14="http://schemas.microsoft.com/office/powerpoint/2010/main" val="3674994781"/>
+        <p14:creationId xmlns:p14="http://schemas.microsoft.com/office/powerpoint/2010/main" val="3418351402"/>
       </p:ext>
     </p:extLst>
   </p:cSld>
@@ -2181,8 +2187,8 @@
         </p:nvSpPr>
         <p:spPr>
           <a:xfrm>
-            <a:off x="1239890" y="1200044"/>
-            <a:ext cx="5805682" cy="4200155"/>
+            <a:off x="1239890" y="2133388"/>
+            <a:ext cx="5805682" cy="7466859"/>
           </a:xfrm>
         </p:spPr>
         <p:txBody>
@@ -2213,8 +2219,8 @@
         </p:nvSpPr>
         <p:spPr>
           <a:xfrm>
-            <a:off x="7652626" y="2591766"/>
-            <a:ext cx="9112836" cy="12792138"/>
+            <a:off x="7652626" y="4607533"/>
+            <a:ext cx="9112836" cy="22741327"/>
           </a:xfrm>
         </p:spPr>
         <p:txBody>
@@ -2278,8 +2284,8 @@
         </p:nvSpPr>
         <p:spPr>
           <a:xfrm>
-            <a:off x="1239890" y="5400199"/>
-            <a:ext cx="5805682" cy="10004536"/>
+            <a:off x="1239890" y="9600248"/>
+            <a:ext cx="5805682" cy="17785646"/>
           </a:xfrm>
         </p:spPr>
         <p:txBody>
@@ -2348,7 +2354,7 @@
           <a:p>
             <a:fld id="{2299E4BB-02C3-4A57-A065-9F5735F024BE}" type="datetimeFigureOut">
               <a:rPr lang="zh-CN" altLang="en-US" smtClean="0"/>
-              <a:t>2024/3/2</a:t>
+              <a:t>2024/3/5</a:t>
             </a:fld>
             <a:endParaRPr lang="zh-CN" altLang="en-US"/>
           </a:p>
@@ -2399,7 +2405,7 @@
     </p:spTree>
     <p:extLst>
       <p:ext uri="{BB962C8B-B14F-4D97-AF65-F5344CB8AC3E}">
-        <p14:creationId xmlns:p14="http://schemas.microsoft.com/office/powerpoint/2010/main" val="568420655"/>
+        <p14:creationId xmlns:p14="http://schemas.microsoft.com/office/powerpoint/2010/main" val="3983952907"/>
       </p:ext>
     </p:extLst>
   </p:cSld>
@@ -2443,8 +2449,8 @@
         </p:nvSpPr>
         <p:spPr>
           <a:xfrm>
-            <a:off x="1237546" y="958373"/>
-            <a:ext cx="15525572" cy="3479296"/>
+            <a:off x="1237546" y="1703755"/>
+            <a:ext cx="15525572" cy="6185347"/>
           </a:xfrm>
           <a:prstGeom prst="rect">
             <a:avLst/>
@@ -2476,8 +2482,8 @@
         </p:nvSpPr>
         <p:spPr>
           <a:xfrm>
-            <a:off x="1237546" y="4791843"/>
-            <a:ext cx="15525572" cy="11421255"/>
+            <a:off x="1237546" y="8518738"/>
+            <a:ext cx="15525572" cy="20304229"/>
           </a:xfrm>
           <a:prstGeom prst="rect">
             <a:avLst/>
@@ -2538,8 +2544,8 @@
         </p:nvSpPr>
         <p:spPr>
           <a:xfrm>
-            <a:off x="1237546" y="16683952"/>
-            <a:ext cx="4050149" cy="958369"/>
+            <a:off x="1237546" y="29660031"/>
+            <a:ext cx="4050149" cy="1703748"/>
           </a:xfrm>
           <a:prstGeom prst="rect">
             <a:avLst/>
@@ -2561,7 +2567,7 @@
           <a:p>
             <a:fld id="{2299E4BB-02C3-4A57-A065-9F5735F024BE}" type="datetimeFigureOut">
               <a:rPr lang="zh-CN" altLang="en-US" smtClean="0"/>
-              <a:t>2024/3/2</a:t>
+              <a:t>2024/3/5</a:t>
             </a:fld>
             <a:endParaRPr lang="zh-CN" altLang="en-US"/>
           </a:p>
@@ -2579,8 +2585,8 @@
         </p:nvSpPr>
         <p:spPr>
           <a:xfrm>
-            <a:off x="5962720" y="16683952"/>
-            <a:ext cx="6075224" cy="958369"/>
+            <a:off x="5962720" y="29660031"/>
+            <a:ext cx="6075224" cy="1703748"/>
           </a:xfrm>
           <a:prstGeom prst="rect">
             <a:avLst/>
@@ -2616,8 +2622,8 @@
         </p:nvSpPr>
         <p:spPr>
           <a:xfrm>
-            <a:off x="12712968" y="16683952"/>
-            <a:ext cx="4050149" cy="958369"/>
+            <a:off x="12712968" y="29660031"/>
+            <a:ext cx="4050149" cy="1703748"/>
           </a:xfrm>
           <a:prstGeom prst="rect">
             <a:avLst/>
@@ -2648,23 +2654,23 @@
     </p:spTree>
     <p:extLst>
       <p:ext uri="{BB962C8B-B14F-4D97-AF65-F5344CB8AC3E}">
-        <p14:creationId xmlns:p14="http://schemas.microsoft.com/office/powerpoint/2010/main" val="4196152553"/>
+        <p14:creationId xmlns:p14="http://schemas.microsoft.com/office/powerpoint/2010/main" val="1203770038"/>
       </p:ext>
     </p:extLst>
   </p:cSld>
   <p:clrMap bg1="lt1" tx1="dk1" bg2="lt2" tx2="dk2" accent1="accent1" accent2="accent2" accent3="accent3" accent4="accent4" accent5="accent5" accent6="accent6" hlink="hlink" folHlink="folHlink"/>
   <p:sldLayoutIdLst>
-    <p:sldLayoutId id="2147483673" r:id="rId1"/>
-    <p:sldLayoutId id="2147483674" r:id="rId2"/>
-    <p:sldLayoutId id="2147483675" r:id="rId3"/>
-    <p:sldLayoutId id="2147483676" r:id="rId4"/>
-    <p:sldLayoutId id="2147483677" r:id="rId5"/>
-    <p:sldLayoutId id="2147483678" r:id="rId6"/>
-    <p:sldLayoutId id="2147483679" r:id="rId7"/>
-    <p:sldLayoutId id="2147483680" r:id="rId8"/>
-    <p:sldLayoutId id="2147483681" r:id="rId9"/>
-    <p:sldLayoutId id="2147483682" r:id="rId10"/>
-    <p:sldLayoutId id="2147483683" r:id="rId11"/>
+    <p:sldLayoutId id="2147483697" r:id="rId1"/>
+    <p:sldLayoutId id="2147483698" r:id="rId2"/>
+    <p:sldLayoutId id="2147483699" r:id="rId3"/>
+    <p:sldLayoutId id="2147483700" r:id="rId4"/>
+    <p:sldLayoutId id="2147483701" r:id="rId5"/>
+    <p:sldLayoutId id="2147483702" r:id="rId6"/>
+    <p:sldLayoutId id="2147483703" r:id="rId7"/>
+    <p:sldLayoutId id="2147483704" r:id="rId8"/>
+    <p:sldLayoutId id="2147483705" r:id="rId9"/>
+    <p:sldLayoutId id="2147483706" r:id="rId10"/>
+    <p:sldLayoutId id="2147483707" r:id="rId11"/>
   </p:sldLayoutIdLst>
   <p:txStyles>
     <p:titleStyle>
@@ -2980,8 +2986,8 @@
         </p:nvGrpSpPr>
         <p:grpSpPr>
           <a:xfrm>
-            <a:off x="1866589" y="1008638"/>
-            <a:ext cx="15370031" cy="13409777"/>
+            <a:off x="1866592" y="8008721"/>
+            <a:ext cx="15370031" cy="13409778"/>
             <a:chOff x="1866589" y="1008638"/>
             <a:chExt cx="15370031" cy="13409777"/>
           </a:xfrm>
@@ -3000,8 +3006,8 @@
           </p:nvSpPr>
           <p:spPr>
             <a:xfrm>
-              <a:off x="15262897" y="1456764"/>
-              <a:ext cx="1960289" cy="415372"/>
+              <a:off x="15262898" y="1456765"/>
+              <a:ext cx="1960289" cy="400110"/>
             </a:xfrm>
             <a:prstGeom prst="rect">
               <a:avLst/>
@@ -3022,14 +3028,6 @@
                 </a:rPr>
                 <a:t>解码器</a:t>
               </a:r>
-              <a:endParaRPr lang="zh-CN" altLang="en-US" sz="2000" b="1" dirty="0">
-                <a:solidFill>
-                  <a:schemeClr val="tx1"/>
-                </a:solidFill>
-                <a:effectLst/>
-                <a:latin typeface="宋体" panose="02010600030101010101" pitchFamily="2" charset="-122"/>
-                <a:ea typeface="宋体" panose="02010600030101010101" pitchFamily="2" charset="-122"/>
-              </a:endParaRPr>
             </a:p>
           </p:txBody>
         </p:sp>
@@ -3080,7 +3078,7 @@
             <a:lstStyle/>
             <a:p>
               <a:pPr algn="ctr"/>
-              <a:endParaRPr lang="zh-CN" altLang="en-US" b="1"/>
+              <a:endParaRPr lang="zh-CN" altLang="en-US" sz="1801" b="1"/>
             </a:p>
           </p:txBody>
         </p:sp>
@@ -3131,7 +3129,7 @@
             <a:lstStyle/>
             <a:p>
               <a:pPr algn="ctr"/>
-              <a:endParaRPr lang="zh-CN" altLang="en-US" b="1"/>
+              <a:endParaRPr lang="zh-CN" altLang="en-US" sz="1801" b="1"/>
             </a:p>
           </p:txBody>
         </p:sp>
@@ -3225,7 +3223,7 @@
                 <a:lstStyle/>
                 <a:p>
                   <a:pPr algn="ctr"/>
-                  <a:endParaRPr lang="zh-CN" altLang="en-US" sz="1050" b="1" dirty="0">
+                  <a:endParaRPr lang="zh-CN" altLang="en-US" sz="1051" b="1" dirty="0">
                     <a:solidFill>
                       <a:schemeClr val="tx1"/>
                     </a:solidFill>
@@ -3285,7 +3283,7 @@
                 <a:lstStyle/>
                 <a:p>
                   <a:pPr algn="ctr"/>
-                  <a:endParaRPr lang="zh-CN" altLang="en-US" sz="1050" b="1" dirty="0">
+                  <a:endParaRPr lang="zh-CN" altLang="en-US" sz="1051" b="1" dirty="0">
                     <a:solidFill>
                       <a:schemeClr val="tx1"/>
                     </a:solidFill>
@@ -3345,7 +3343,7 @@
                 <a:lstStyle/>
                 <a:p>
                   <a:pPr algn="ctr"/>
-                  <a:endParaRPr lang="zh-CN" altLang="en-US" sz="1050" b="1" dirty="0">
+                  <a:endParaRPr lang="zh-CN" altLang="en-US" sz="1051" b="1" dirty="0">
                     <a:solidFill>
                       <a:schemeClr val="tx1"/>
                     </a:solidFill>
@@ -3405,7 +3403,7 @@
                 <a:lstStyle/>
                 <a:p>
                   <a:pPr algn="ctr"/>
-                  <a:endParaRPr lang="zh-CN" altLang="en-US" sz="1050" b="1" dirty="0">
+                  <a:endParaRPr lang="zh-CN" altLang="en-US" sz="1051" b="1" dirty="0">
                     <a:solidFill>
                       <a:schemeClr val="tx1"/>
                     </a:solidFill>
@@ -3465,7 +3463,7 @@
                 <a:lstStyle/>
                 <a:p>
                   <a:pPr algn="ctr"/>
-                  <a:endParaRPr lang="zh-CN" altLang="en-US" sz="1050" b="1" dirty="0">
+                  <a:endParaRPr lang="zh-CN" altLang="en-US" sz="1051" b="1" dirty="0">
                     <a:solidFill>
                       <a:schemeClr val="tx1"/>
                     </a:solidFill>
@@ -3525,7 +3523,7 @@
                 <a:lstStyle/>
                 <a:p>
                   <a:pPr algn="ctr"/>
-                  <a:endParaRPr lang="zh-CN" altLang="en-US" sz="1050" b="1" dirty="0">
+                  <a:endParaRPr lang="zh-CN" altLang="en-US" sz="1051" b="1" dirty="0">
                     <a:solidFill>
                       <a:schemeClr val="tx1"/>
                     </a:solidFill>
@@ -3854,7 +3852,7 @@
                   <a:lstStyle/>
                   <a:p>
                     <a:pPr algn="ctr"/>
-                    <a:endParaRPr lang="zh-CN" altLang="en-US" b="1"/>
+                    <a:endParaRPr lang="zh-CN" altLang="en-US" sz="1801" b="1"/>
                   </a:p>
                 </p:txBody>
               </p:sp>
@@ -3930,7 +3928,7 @@
                     <a:lstStyle/>
                     <a:p>
                       <a:pPr algn="ctr"/>
-                      <a:endParaRPr lang="zh-CN" altLang="en-US" sz="1050" b="1" dirty="0">
+                      <a:endParaRPr lang="zh-CN" altLang="en-US" sz="1051" b="1" dirty="0">
                         <a:solidFill>
                           <a:schemeClr val="tx1"/>
                         </a:solidFill>
@@ -3992,7 +3990,7 @@
                     <a:lstStyle/>
                     <a:p>
                       <a:pPr algn="ctr"/>
-                      <a:endParaRPr lang="zh-CN" altLang="en-US" sz="1050" b="1" dirty="0">
+                      <a:endParaRPr lang="zh-CN" altLang="en-US" sz="1051" b="1" dirty="0">
                         <a:solidFill>
                           <a:schemeClr val="tx1"/>
                         </a:solidFill>
@@ -4054,7 +4052,7 @@
                     <a:lstStyle/>
                     <a:p>
                       <a:pPr algn="ctr"/>
-                      <a:endParaRPr lang="zh-CN" altLang="en-US" sz="1050" b="1" dirty="0">
+                      <a:endParaRPr lang="zh-CN" altLang="en-US" sz="1051" b="1" dirty="0">
                         <a:solidFill>
                           <a:schemeClr val="tx1"/>
                         </a:solidFill>
@@ -4116,7 +4114,7 @@
                     <a:lstStyle/>
                     <a:p>
                       <a:pPr algn="ctr"/>
-                      <a:endParaRPr lang="zh-CN" altLang="en-US" sz="1050" b="1" dirty="0">
+                      <a:endParaRPr lang="zh-CN" altLang="en-US" sz="1051" b="1" dirty="0">
                         <a:solidFill>
                           <a:schemeClr val="tx1"/>
                         </a:solidFill>
@@ -4196,7 +4194,7 @@
                   <a:lstStyle/>
                   <a:p>
                     <a:pPr algn="ctr"/>
-                    <a:endParaRPr lang="zh-CN" altLang="en-US" b="1"/>
+                    <a:endParaRPr lang="zh-CN" altLang="en-US" sz="1801" b="1"/>
                   </a:p>
                 </p:txBody>
               </p:sp>
@@ -4272,7 +4270,7 @@
                     <a:lstStyle/>
                     <a:p>
                       <a:pPr algn="ctr"/>
-                      <a:endParaRPr lang="zh-CN" altLang="en-US" sz="1050" b="1" dirty="0">
+                      <a:endParaRPr lang="zh-CN" altLang="en-US" sz="1051" b="1" dirty="0">
                         <a:solidFill>
                           <a:schemeClr val="tx1"/>
                         </a:solidFill>
@@ -4334,7 +4332,7 @@
                     <a:lstStyle/>
                     <a:p>
                       <a:pPr algn="ctr"/>
-                      <a:endParaRPr lang="zh-CN" altLang="en-US" sz="1050" b="1" dirty="0">
+                      <a:endParaRPr lang="zh-CN" altLang="en-US" sz="1051" b="1" dirty="0">
                         <a:solidFill>
                           <a:schemeClr val="tx1"/>
                         </a:solidFill>
@@ -4396,7 +4394,7 @@
                     <a:lstStyle/>
                     <a:p>
                       <a:pPr algn="ctr"/>
-                      <a:endParaRPr lang="zh-CN" altLang="en-US" sz="1050" b="1" dirty="0">
+                      <a:endParaRPr lang="zh-CN" altLang="en-US" sz="1051" b="1" dirty="0">
                         <a:solidFill>
                           <a:schemeClr val="tx1"/>
                         </a:solidFill>
@@ -4458,7 +4456,7 @@
                     <a:lstStyle/>
                     <a:p>
                       <a:pPr algn="ctr"/>
-                      <a:endParaRPr lang="zh-CN" altLang="en-US" sz="1050" b="1" dirty="0">
+                      <a:endParaRPr lang="zh-CN" altLang="en-US" sz="1051" b="1" dirty="0">
                         <a:solidFill>
                           <a:schemeClr val="tx1"/>
                         </a:solidFill>
@@ -4521,7 +4519,7 @@
                 <a:lstStyle/>
                 <a:p>
                   <a:pPr algn="ctr"/>
-                  <a:endParaRPr lang="zh-CN" altLang="en-US" b="1" dirty="0"/>
+                  <a:endParaRPr lang="zh-CN" altLang="en-US" sz="1801" b="1" dirty="0"/>
                 </a:p>
               </p:txBody>
             </p:sp>
@@ -4555,6 +4553,7 @@
                     </a:bodyPr>
                     <a:lstStyle/>
                     <a:p>
+                      <a:pPr/>
                       <a14:m>
                         <m:oMathPara xmlns:m="http://schemas.openxmlformats.org/officeDocument/2006/math">
                           <m:oMathParaPr>
@@ -4564,14 +4563,14 @@
                             <m:sSub>
                               <m:sSubPr>
                                 <m:ctrlPr>
-                                  <a:rPr lang="en-US" altLang="zh-CN" sz="2400" b="1" i="1" smtClean="0">
+                                  <a:rPr lang="en-US" altLang="zh-CN" sz="2400" b="1" i="1">
                                     <a:latin typeface="Cambria Math" panose="02040503050406030204" pitchFamily="18" charset="0"/>
                                   </a:rPr>
                                 </m:ctrlPr>
                               </m:sSubPr>
                               <m:e>
                                 <m:r>
-                                  <a:rPr lang="en-US" altLang="zh-CN" sz="2400" b="1" i="1" smtClean="0">
+                                  <a:rPr lang="en-US" altLang="zh-CN" sz="2400" b="1" i="1">
                                     <a:latin typeface="Cambria Math" panose="02040503050406030204" pitchFamily="18" charset="0"/>
                                   </a:rPr>
                                   <m:t>𝒓</m:t>
@@ -4579,7 +4578,7 @@
                               </m:e>
                               <m:sub>
                                 <m:r>
-                                  <a:rPr lang="en-US" altLang="zh-CN" sz="2400" b="1" i="1" smtClean="0">
+                                  <a:rPr lang="en-US" altLang="zh-CN" sz="2400" b="1" i="1">
                                     <a:latin typeface="Cambria Math" panose="02040503050406030204" pitchFamily="18" charset="0"/>
                                   </a:rPr>
                                   <m:t>𝟐</m:t>
@@ -4655,8 +4654,8 @@
                   </p:nvSpPr>
                   <p:spPr>
                     <a:xfrm>
-                      <a:off x="9982625" y="10142797"/>
-                      <a:ext cx="445017" cy="369332"/>
+                      <a:off x="9982624" y="10142798"/>
+                      <a:ext cx="445018" cy="369332"/>
                     </a:xfrm>
                     <a:prstGeom prst="rect">
                       <a:avLst/>
@@ -4669,6 +4668,7 @@
                     </a:bodyPr>
                     <a:lstStyle/>
                     <a:p>
+                      <a:pPr/>
                       <a14:m>
                         <m:oMathPara xmlns:m="http://schemas.openxmlformats.org/officeDocument/2006/math">
                           <m:oMathParaPr>
@@ -4678,14 +4678,14 @@
                             <m:sSub>
                               <m:sSubPr>
                                 <m:ctrlPr>
-                                  <a:rPr lang="en-US" altLang="zh-CN" sz="2400" b="1" i="1" smtClean="0">
+                                  <a:rPr lang="en-US" altLang="zh-CN" sz="2400" b="1" i="1">
                                     <a:latin typeface="Cambria Math" panose="02040503050406030204" pitchFamily="18" charset="0"/>
                                   </a:rPr>
                                 </m:ctrlPr>
                               </m:sSubPr>
                               <m:e>
                                 <m:r>
-                                  <a:rPr lang="en-US" altLang="zh-CN" sz="2400" b="1" i="1" smtClean="0">
+                                  <a:rPr lang="en-US" altLang="zh-CN" sz="2400" b="1" i="1">
                                     <a:latin typeface="Cambria Math" panose="02040503050406030204" pitchFamily="18" charset="0"/>
                                   </a:rPr>
                                   <m:t>𝒆</m:t>
@@ -4693,7 +4693,7 @@
                               </m:e>
                               <m:sub>
                                 <m:r>
-                                  <a:rPr lang="en-US" altLang="zh-CN" sz="2400" b="1" i="1" smtClean="0">
+                                  <a:rPr lang="en-US" altLang="zh-CN" sz="2400" b="1" i="1">
                                     <a:latin typeface="Cambria Math" panose="02040503050406030204" pitchFamily="18" charset="0"/>
                                   </a:rPr>
                                   <m:t>𝟐</m:t>
@@ -4725,8 +4725,8 @@
                   </p:nvSpPr>
                   <p:spPr>
                     <a:xfrm>
-                      <a:off x="9982625" y="10142797"/>
-                      <a:ext cx="445017" cy="369332"/>
+                      <a:off x="9982624" y="10142798"/>
+                      <a:ext cx="445018" cy="369332"/>
                     </a:xfrm>
                     <a:prstGeom prst="rect">
                       <a:avLst/>
@@ -4842,7 +4842,7 @@
                   <a:lstStyle/>
                   <a:p>
                     <a:pPr algn="ctr"/>
-                    <a:endParaRPr lang="zh-CN" altLang="en-US" b="1"/>
+                    <a:endParaRPr lang="zh-CN" altLang="en-US" sz="1801" b="1"/>
                   </a:p>
                 </p:txBody>
               </p:sp>
@@ -4918,7 +4918,7 @@
                     <a:lstStyle/>
                     <a:p>
                       <a:pPr algn="ctr"/>
-                      <a:endParaRPr lang="zh-CN" altLang="en-US" sz="1050" b="1" dirty="0">
+                      <a:endParaRPr lang="zh-CN" altLang="en-US" sz="1051" b="1" dirty="0">
                         <a:solidFill>
                           <a:schemeClr val="tx1"/>
                         </a:solidFill>
@@ -4980,7 +4980,7 @@
                     <a:lstStyle/>
                     <a:p>
                       <a:pPr algn="ctr"/>
-                      <a:endParaRPr lang="zh-CN" altLang="en-US" sz="1050" b="1" dirty="0">
+                      <a:endParaRPr lang="zh-CN" altLang="en-US" sz="1051" b="1" dirty="0">
                         <a:solidFill>
                           <a:schemeClr val="tx1"/>
                         </a:solidFill>
@@ -5042,7 +5042,7 @@
                     <a:lstStyle/>
                     <a:p>
                       <a:pPr algn="ctr"/>
-                      <a:endParaRPr lang="zh-CN" altLang="en-US" sz="1050" b="1" dirty="0">
+                      <a:endParaRPr lang="zh-CN" altLang="en-US" sz="1051" b="1" dirty="0">
                         <a:solidFill>
                           <a:schemeClr val="tx1"/>
                         </a:solidFill>
@@ -5104,7 +5104,7 @@
                     <a:lstStyle/>
                     <a:p>
                       <a:pPr algn="ctr"/>
-                      <a:endParaRPr lang="zh-CN" altLang="en-US" sz="1050" b="1" dirty="0">
+                      <a:endParaRPr lang="zh-CN" altLang="en-US" sz="1051" b="1" dirty="0">
                         <a:solidFill>
                           <a:schemeClr val="tx1"/>
                         </a:solidFill>
@@ -5184,7 +5184,7 @@
                   <a:lstStyle/>
                   <a:p>
                     <a:pPr algn="ctr"/>
-                    <a:endParaRPr lang="zh-CN" altLang="en-US" b="1"/>
+                    <a:endParaRPr lang="zh-CN" altLang="en-US" sz="1801" b="1"/>
                   </a:p>
                 </p:txBody>
               </p:sp>
@@ -5260,7 +5260,7 @@
                     <a:lstStyle/>
                     <a:p>
                       <a:pPr algn="ctr"/>
-                      <a:endParaRPr lang="zh-CN" altLang="en-US" sz="1050" b="1" dirty="0">
+                      <a:endParaRPr lang="zh-CN" altLang="en-US" sz="1051" b="1" dirty="0">
                         <a:solidFill>
                           <a:schemeClr val="tx1"/>
                         </a:solidFill>
@@ -5322,7 +5322,7 @@
                     <a:lstStyle/>
                     <a:p>
                       <a:pPr algn="ctr"/>
-                      <a:endParaRPr lang="zh-CN" altLang="en-US" sz="1050" b="1" dirty="0">
+                      <a:endParaRPr lang="zh-CN" altLang="en-US" sz="1051" b="1" dirty="0">
                         <a:solidFill>
                           <a:schemeClr val="tx1"/>
                         </a:solidFill>
@@ -5384,7 +5384,7 @@
                     <a:lstStyle/>
                     <a:p>
                       <a:pPr algn="ctr"/>
-                      <a:endParaRPr lang="zh-CN" altLang="en-US" sz="1050" b="1" dirty="0">
+                      <a:endParaRPr lang="zh-CN" altLang="en-US" sz="1051" b="1" dirty="0">
                         <a:solidFill>
                           <a:schemeClr val="tx1"/>
                         </a:solidFill>
@@ -5446,7 +5446,7 @@
                     <a:lstStyle/>
                     <a:p>
                       <a:pPr algn="ctr"/>
-                      <a:endParaRPr lang="zh-CN" altLang="en-US" sz="1050" b="1" dirty="0">
+                      <a:endParaRPr lang="zh-CN" altLang="en-US" sz="1051" b="1" dirty="0">
                         <a:solidFill>
                           <a:schemeClr val="tx1"/>
                         </a:solidFill>
@@ -5509,7 +5509,7 @@
                 <a:lstStyle/>
                 <a:p>
                   <a:pPr algn="ctr"/>
-                  <a:endParaRPr lang="zh-CN" altLang="en-US" b="1" dirty="0"/>
+                  <a:endParaRPr lang="zh-CN" altLang="en-US" sz="1801" b="1" dirty="0"/>
                 </a:p>
               </p:txBody>
             </p:sp>
@@ -5543,6 +5543,7 @@
                     </a:bodyPr>
                     <a:lstStyle/>
                     <a:p>
+                      <a:pPr/>
                       <a14:m>
                         <m:oMathPara xmlns:m="http://schemas.openxmlformats.org/officeDocument/2006/math">
                           <m:oMathParaPr>
@@ -5552,14 +5553,14 @@
                             <m:sSub>
                               <m:sSubPr>
                                 <m:ctrlPr>
-                                  <a:rPr lang="en-US" altLang="zh-CN" sz="2400" b="1" i="1" smtClean="0">
+                                  <a:rPr lang="en-US" altLang="zh-CN" sz="2400" b="1" i="1">
                                     <a:latin typeface="Cambria Math" panose="02040503050406030204" pitchFamily="18" charset="0"/>
                                   </a:rPr>
                                 </m:ctrlPr>
                               </m:sSubPr>
                               <m:e>
                                 <m:r>
-                                  <a:rPr lang="en-US" altLang="zh-CN" sz="2400" b="1" i="1" smtClean="0">
+                                  <a:rPr lang="en-US" altLang="zh-CN" sz="2400" b="1" i="1">
                                     <a:latin typeface="Cambria Math" panose="02040503050406030204" pitchFamily="18" charset="0"/>
                                   </a:rPr>
                                   <m:t>𝒓</m:t>
@@ -5567,7 +5568,7 @@
                               </m:e>
                               <m:sub>
                                 <m:r>
-                                  <a:rPr lang="en-US" altLang="zh-CN" sz="2400" b="1" i="1" smtClean="0">
+                                  <a:rPr lang="en-US" altLang="zh-CN" sz="2400" b="1" i="1">
                                     <a:latin typeface="Cambria Math" panose="02040503050406030204" pitchFamily="18" charset="0"/>
                                   </a:rPr>
                                   <m:t>𝒏</m:t>
@@ -5643,8 +5644,8 @@
                   </p:nvSpPr>
                   <p:spPr>
                     <a:xfrm>
-                      <a:off x="9982625" y="10142797"/>
-                      <a:ext cx="445017" cy="369332"/>
+                      <a:off x="9982624" y="10142798"/>
+                      <a:ext cx="445018" cy="369332"/>
                     </a:xfrm>
                     <a:prstGeom prst="rect">
                       <a:avLst/>
@@ -5657,6 +5658,7 @@
                     </a:bodyPr>
                     <a:lstStyle/>
                     <a:p>
+                      <a:pPr/>
                       <a14:m>
                         <m:oMathPara xmlns:m="http://schemas.openxmlformats.org/officeDocument/2006/math">
                           <m:oMathParaPr>
@@ -5666,14 +5668,14 @@
                             <m:sSub>
                               <m:sSubPr>
                                 <m:ctrlPr>
-                                  <a:rPr lang="en-US" altLang="zh-CN" sz="2400" b="1" i="1" smtClean="0">
+                                  <a:rPr lang="en-US" altLang="zh-CN" sz="2400" b="1" i="1">
                                     <a:latin typeface="Cambria Math" panose="02040503050406030204" pitchFamily="18" charset="0"/>
                                   </a:rPr>
                                 </m:ctrlPr>
                               </m:sSubPr>
                               <m:e>
                                 <m:r>
-                                  <a:rPr lang="en-US" altLang="zh-CN" sz="2400" b="1" i="1" smtClean="0">
+                                  <a:rPr lang="en-US" altLang="zh-CN" sz="2400" b="1" i="1">
                                     <a:latin typeface="Cambria Math" panose="02040503050406030204" pitchFamily="18" charset="0"/>
                                   </a:rPr>
                                   <m:t>𝒆</m:t>
@@ -5681,7 +5683,7 @@
                               </m:e>
                               <m:sub>
                                 <m:r>
-                                  <a:rPr lang="en-US" altLang="zh-CN" sz="2400" b="1" i="1" smtClean="0">
+                                  <a:rPr lang="en-US" altLang="zh-CN" sz="2400" b="1" i="1">
                                     <a:latin typeface="Cambria Math" panose="02040503050406030204" pitchFamily="18" charset="0"/>
                                   </a:rPr>
                                   <m:t>𝒏</m:t>
@@ -5713,8 +5715,8 @@
                   </p:nvSpPr>
                   <p:spPr>
                     <a:xfrm>
-                      <a:off x="9982625" y="10142797"/>
-                      <a:ext cx="445017" cy="369332"/>
+                      <a:off x="9982624" y="10142798"/>
+                      <a:ext cx="445018" cy="369332"/>
                     </a:xfrm>
                     <a:prstGeom prst="rect">
                       <a:avLst/>
@@ -5810,7 +5812,7 @@
                 <a:lstStyle/>
                 <a:p>
                   <a:pPr algn="ctr"/>
-                  <a:endParaRPr lang="zh-CN" altLang="en-US" b="1"/>
+                  <a:endParaRPr lang="zh-CN" altLang="en-US" sz="1801" b="1"/>
                 </a:p>
               </p:txBody>
             </p:sp>
@@ -5886,7 +5888,7 @@
                   <a:lstStyle/>
                   <a:p>
                     <a:pPr algn="ctr"/>
-                    <a:endParaRPr lang="zh-CN" altLang="en-US" sz="1050" b="1" dirty="0">
+                    <a:endParaRPr lang="zh-CN" altLang="en-US" sz="1051" b="1" dirty="0">
                       <a:solidFill>
                         <a:schemeClr val="tx1"/>
                       </a:solidFill>
@@ -5948,7 +5950,7 @@
                   <a:lstStyle/>
                   <a:p>
                     <a:pPr algn="ctr"/>
-                    <a:endParaRPr lang="zh-CN" altLang="en-US" sz="1050" b="1" dirty="0">
+                    <a:endParaRPr lang="zh-CN" altLang="en-US" sz="1051" b="1" dirty="0">
                       <a:solidFill>
                         <a:schemeClr val="tx1"/>
                       </a:solidFill>
@@ -6010,7 +6012,7 @@
                   <a:lstStyle/>
                   <a:p>
                     <a:pPr algn="ctr"/>
-                    <a:endParaRPr lang="zh-CN" altLang="en-US" sz="1050" b="1" dirty="0">
+                    <a:endParaRPr lang="zh-CN" altLang="en-US" sz="1051" b="1" dirty="0">
                       <a:solidFill>
                         <a:schemeClr val="tx1"/>
                       </a:solidFill>
@@ -6072,7 +6074,7 @@
                   <a:lstStyle/>
                   <a:p>
                     <a:pPr algn="ctr"/>
-                    <a:endParaRPr lang="zh-CN" altLang="en-US" sz="1050" b="1" dirty="0">
+                    <a:endParaRPr lang="zh-CN" altLang="en-US" sz="1051" b="1" dirty="0">
                       <a:solidFill>
                         <a:schemeClr val="tx1"/>
                       </a:solidFill>
@@ -6152,7 +6154,7 @@
                 <a:lstStyle/>
                 <a:p>
                   <a:pPr algn="ctr"/>
-                  <a:endParaRPr lang="zh-CN" altLang="en-US" b="1"/>
+                  <a:endParaRPr lang="zh-CN" altLang="en-US" sz="1801" b="1"/>
                 </a:p>
               </p:txBody>
             </p:sp>
@@ -6228,7 +6230,7 @@
                   <a:lstStyle/>
                   <a:p>
                     <a:pPr algn="ctr"/>
-                    <a:endParaRPr lang="zh-CN" altLang="en-US" sz="1050" b="1" dirty="0">
+                    <a:endParaRPr lang="zh-CN" altLang="en-US" sz="1051" b="1" dirty="0">
                       <a:solidFill>
                         <a:schemeClr val="tx1"/>
                       </a:solidFill>
@@ -6290,7 +6292,7 @@
                   <a:lstStyle/>
                   <a:p>
                     <a:pPr algn="ctr"/>
-                    <a:endParaRPr lang="zh-CN" altLang="en-US" sz="1050" b="1" dirty="0">
+                    <a:endParaRPr lang="zh-CN" altLang="en-US" sz="1051" b="1" dirty="0">
                       <a:solidFill>
                         <a:schemeClr val="tx1"/>
                       </a:solidFill>
@@ -6352,7 +6354,7 @@
                   <a:lstStyle/>
                   <a:p>
                     <a:pPr algn="ctr"/>
-                    <a:endParaRPr lang="zh-CN" altLang="en-US" sz="1050" b="1" dirty="0">
+                    <a:endParaRPr lang="zh-CN" altLang="en-US" sz="1051" b="1" dirty="0">
                       <a:solidFill>
                         <a:schemeClr val="tx1"/>
                       </a:solidFill>
@@ -6414,7 +6416,7 @@
                   <a:lstStyle/>
                   <a:p>
                     <a:pPr algn="ctr"/>
-                    <a:endParaRPr lang="zh-CN" altLang="en-US" sz="1050" b="1" dirty="0">
+                    <a:endParaRPr lang="zh-CN" altLang="en-US" sz="1051" b="1" dirty="0">
                       <a:solidFill>
                         <a:schemeClr val="tx1"/>
                       </a:solidFill>
@@ -6477,7 +6479,7 @@
               <a:lstStyle/>
               <a:p>
                 <a:pPr algn="ctr"/>
-                <a:endParaRPr lang="zh-CN" altLang="en-US" b="1" dirty="0"/>
+                <a:endParaRPr lang="zh-CN" altLang="en-US" sz="1801" b="1" dirty="0"/>
               </a:p>
             </p:txBody>
           </p:sp>
@@ -6497,7 +6499,7 @@
                 </p:nvSpPr>
                 <p:spPr>
                   <a:xfrm>
-                    <a:off x="8325615" y="10158083"/>
+                    <a:off x="8325616" y="10158083"/>
                     <a:ext cx="378314" cy="369332"/>
                   </a:xfrm>
                   <a:prstGeom prst="rect">
@@ -6511,6 +6513,7 @@
                   </a:bodyPr>
                   <a:lstStyle/>
                   <a:p>
+                    <a:pPr/>
                     <a14:m>
                       <m:oMathPara xmlns:m="http://schemas.openxmlformats.org/officeDocument/2006/math">
                         <m:oMathParaPr>
@@ -6520,14 +6523,14 @@
                           <m:sSub>
                             <m:sSubPr>
                               <m:ctrlPr>
-                                <a:rPr lang="en-US" altLang="zh-CN" sz="2400" b="1" i="1" smtClean="0">
+                                <a:rPr lang="en-US" altLang="zh-CN" sz="2400" b="1" i="1">
                                   <a:latin typeface="Cambria Math" panose="02040503050406030204" pitchFamily="18" charset="0"/>
                                 </a:rPr>
                               </m:ctrlPr>
                             </m:sSubPr>
                             <m:e>
                               <m:r>
-                                <a:rPr lang="en-US" altLang="zh-CN" sz="2400" b="1" i="1" smtClean="0">
+                                <a:rPr lang="en-US" altLang="zh-CN" sz="2400" b="1" i="1">
                                   <a:latin typeface="Cambria Math" panose="02040503050406030204" pitchFamily="18" charset="0"/>
                                 </a:rPr>
                                 <m:t>𝒓</m:t>
@@ -6535,7 +6538,7 @@
                             </m:e>
                             <m:sub>
                               <m:r>
-                                <a:rPr lang="en-US" altLang="zh-CN" sz="2400" b="1" i="1" smtClean="0">
+                                <a:rPr lang="en-US" altLang="zh-CN" sz="2400" b="1" i="1">
                                   <a:latin typeface="Cambria Math" panose="02040503050406030204" pitchFamily="18" charset="0"/>
                                 </a:rPr>
                                 <m:t>𝟏</m:t>
@@ -6567,7 +6570,7 @@
                 </p:nvSpPr>
                 <p:spPr>
                   <a:xfrm>
-                    <a:off x="8325615" y="10158083"/>
+                    <a:off x="8325616" y="10158083"/>
                     <a:ext cx="378314" cy="369332"/>
                   </a:xfrm>
                   <a:prstGeom prst="rect">
@@ -6576,7 +6579,7 @@
                   <a:blipFill>
                     <a:blip r:embed="rId6"/>
                     <a:stretch>
-                      <a:fillRect l="-11290" r="-9677" b="-14754"/>
+                      <a:fillRect l="-11290" r="-9677" b="-16667"/>
                     </a:stretch>
                   </a:blipFill>
                 </p:spPr>
@@ -6611,7 +6614,7 @@
                 </p:nvSpPr>
                 <p:spPr>
                   <a:xfrm>
-                    <a:off x="7642956" y="10136305"/>
+                    <a:off x="7642956" y="10136306"/>
                     <a:ext cx="445017" cy="369332"/>
                   </a:xfrm>
                   <a:prstGeom prst="rect">
@@ -6625,6 +6628,7 @@
                   </a:bodyPr>
                   <a:lstStyle/>
                   <a:p>
+                    <a:pPr/>
                     <a14:m>
                       <m:oMathPara xmlns:m="http://schemas.openxmlformats.org/officeDocument/2006/math">
                         <m:oMathParaPr>
@@ -6634,14 +6638,14 @@
                           <m:sSub>
                             <m:sSubPr>
                               <m:ctrlPr>
-                                <a:rPr lang="en-US" altLang="zh-CN" sz="2400" b="1" i="1" smtClean="0">
+                                <a:rPr lang="en-US" altLang="zh-CN" sz="2400" b="1" i="1">
                                   <a:latin typeface="Cambria Math" panose="02040503050406030204" pitchFamily="18" charset="0"/>
                                 </a:rPr>
                               </m:ctrlPr>
                             </m:sSubPr>
                             <m:e>
                               <m:r>
-                                <a:rPr lang="en-US" altLang="zh-CN" sz="2400" b="1" i="1" smtClean="0">
+                                <a:rPr lang="en-US" altLang="zh-CN" sz="2400" b="1" i="1">
                                   <a:latin typeface="Cambria Math" panose="02040503050406030204" pitchFamily="18" charset="0"/>
                                 </a:rPr>
                                 <m:t>𝒆</m:t>
@@ -6649,7 +6653,7 @@
                             </m:e>
                             <m:sub>
                               <m:r>
-                                <a:rPr lang="en-US" altLang="zh-CN" sz="2400" b="1" i="1" smtClean="0">
+                                <a:rPr lang="en-US" altLang="zh-CN" sz="2400" b="1" i="1">
                                   <a:latin typeface="Cambria Math" panose="02040503050406030204" pitchFamily="18" charset="0"/>
                                 </a:rPr>
                                 <m:t>𝟏</m:t>
@@ -6681,7 +6685,7 @@
                 </p:nvSpPr>
                 <p:spPr>
                   <a:xfrm>
-                    <a:off x="7642956" y="10136305"/>
+                    <a:off x="7642956" y="10136306"/>
                     <a:ext cx="445017" cy="369332"/>
                   </a:xfrm>
                   <a:prstGeom prst="rect">
@@ -6690,7 +6694,7 @@
                   <a:blipFill>
                     <a:blip r:embed="rId7"/>
                     <a:stretch>
-                      <a:fillRect l="-2740" b="-16667"/>
+                      <a:fillRect l="-2740" b="-14754"/>
                     </a:stretch>
                   </a:blipFill>
                 </p:spPr>
@@ -6723,7 +6727,7 @@
             </p:nvSpPr>
             <p:spPr>
               <a:xfrm>
-                <a:off x="11563031" y="9212083"/>
+                <a:off x="11563030" y="9212083"/>
                 <a:ext cx="693185" cy="461665"/>
               </a:xfrm>
               <a:prstGeom prst="rect">
@@ -6813,7 +6817,7 @@
                 <a:lstStyle/>
                 <a:p>
                   <a:pPr algn="ctr"/>
-                  <a:endParaRPr lang="zh-CN" altLang="en-US" b="1"/>
+                  <a:endParaRPr lang="zh-CN" altLang="en-US" sz="1801" b="1"/>
                 </a:p>
               </p:txBody>
             </p:sp>
@@ -6865,7 +6869,7 @@
                 <a:lstStyle/>
                 <a:p>
                   <a:pPr algn="ctr"/>
-                  <a:endParaRPr lang="zh-CN" altLang="en-US" b="1"/>
+                  <a:endParaRPr lang="zh-CN" altLang="en-US" sz="1801" b="1"/>
                 </a:p>
               </p:txBody>
             </p:sp>
@@ -6922,7 +6926,6 @@
                       <a:solidFill>
                         <a:schemeClr val="tx1"/>
                       </a:solidFill>
-                      <a:effectLst/>
                       <a:latin typeface="宋体" panose="02010600030101010101" pitchFamily="2" charset="-122"/>
                       <a:ea typeface="宋体" panose="02010600030101010101" pitchFamily="2" charset="-122"/>
                     </a:rPr>
@@ -6933,7 +6936,6 @@
                       <a:solidFill>
                         <a:schemeClr val="tx1"/>
                       </a:solidFill>
-                      <a:effectLst/>
                       <a:latin typeface="Times New Roman" panose="02020603050405020304" pitchFamily="18" charset="0"/>
                       <a:ea typeface="宋体" panose="02010600030101010101" pitchFamily="2" charset="-122"/>
                       <a:cs typeface="Times New Roman" panose="02020603050405020304" pitchFamily="18" charset="0"/>
@@ -6945,7 +6947,6 @@
                       <a:solidFill>
                         <a:schemeClr val="tx1"/>
                       </a:solidFill>
-                      <a:effectLst/>
                       <a:latin typeface="宋体" panose="02010600030101010101" pitchFamily="2" charset="-122"/>
                       <a:ea typeface="宋体" panose="02010600030101010101" pitchFamily="2" charset="-122"/>
                     </a:rPr>
@@ -7086,7 +7087,6 @@
                     <a:solidFill>
                       <a:schemeClr val="tx1"/>
                     </a:solidFill>
-                    <a:effectLst/>
                     <a:latin typeface="宋体" panose="02010600030101010101" pitchFamily="2" charset="-122"/>
                     <a:ea typeface="宋体" panose="02010600030101010101" pitchFamily="2" charset="-122"/>
                   </a:rPr>
@@ -7299,9 +7299,9 @@
             <p:grpSpPr>
               <a:xfrm>
                 <a:off x="8077982" y="4533103"/>
-                <a:ext cx="327470" cy="1499822"/>
+                <a:ext cx="327470" cy="1499821"/>
                 <a:chOff x="7773282" y="4694497"/>
-                <a:chExt cx="327470" cy="1499822"/>
+                <a:chExt cx="327470" cy="1499821"/>
               </a:xfrm>
             </p:grpSpPr>
             <p:sp>
@@ -7354,7 +7354,7 @@
                 <a:lstStyle/>
                 <a:p>
                   <a:pPr algn="ctr"/>
-                  <a:endParaRPr lang="zh-CN" altLang="en-US" b="1"/>
+                  <a:endParaRPr lang="zh-CN" altLang="en-US" sz="1801" b="1"/>
                 </a:p>
               </p:txBody>
             </p:sp>
@@ -7414,7 +7414,7 @@
                 <a:lstStyle/>
                 <a:p>
                   <a:pPr algn="ctr"/>
-                  <a:endParaRPr lang="zh-CN" altLang="en-US" sz="1050" b="1" dirty="0">
+                  <a:endParaRPr lang="zh-CN" altLang="en-US" sz="1051" b="1" dirty="0">
                     <a:solidFill>
                       <a:schemeClr val="tx1"/>
                     </a:solidFill>
@@ -7480,7 +7480,7 @@
                 <a:lstStyle/>
                 <a:p>
                   <a:pPr algn="ctr"/>
-                  <a:endParaRPr lang="zh-CN" altLang="en-US" sz="1050" b="1" dirty="0">
+                  <a:endParaRPr lang="zh-CN" altLang="en-US" sz="1051" b="1" dirty="0">
                     <a:solidFill>
                       <a:schemeClr val="tx1"/>
                     </a:solidFill>
@@ -7546,7 +7546,7 @@
                 <a:lstStyle/>
                 <a:p>
                   <a:pPr algn="ctr"/>
-                  <a:endParaRPr lang="zh-CN" altLang="en-US" sz="1050" b="1" dirty="0">
+                  <a:endParaRPr lang="zh-CN" altLang="en-US" sz="1051" b="1" dirty="0">
                     <a:solidFill>
                       <a:schemeClr val="tx1"/>
                     </a:solidFill>
@@ -7612,7 +7612,7 @@
                 <a:lstStyle/>
                 <a:p>
                   <a:pPr algn="ctr"/>
-                  <a:endParaRPr lang="zh-CN" altLang="en-US" sz="1050" b="1" dirty="0">
+                  <a:endParaRPr lang="zh-CN" altLang="en-US" sz="1051" b="1" dirty="0">
                     <a:solidFill>
                       <a:schemeClr val="tx1"/>
                     </a:solidFill>
@@ -7638,7 +7638,7 @@
                   </p:nvSpPr>
                   <p:spPr>
                     <a:xfrm>
-                      <a:off x="7773282" y="5824987"/>
+                      <a:off x="7773282" y="5824986"/>
                       <a:ext cx="165045" cy="369332"/>
                     </a:xfrm>
                     <a:prstGeom prst="rect">
@@ -7652,6 +7652,7 @@
                     </a:bodyPr>
                     <a:lstStyle/>
                     <a:p>
+                      <a:pPr/>
                       <a14:m>
                         <m:oMathPara xmlns:m="http://schemas.openxmlformats.org/officeDocument/2006/math">
                           <m:oMathParaPr>
@@ -7661,14 +7662,14 @@
                             <m:sSub>
                               <m:sSubPr>
                                 <m:ctrlPr>
-                                  <a:rPr lang="en-US" altLang="zh-CN" sz="2400" b="1" i="1" smtClean="0">
+                                  <a:rPr lang="en-US" altLang="zh-CN" sz="2400" b="1" i="1">
                                     <a:latin typeface="Cambria Math" panose="02040503050406030204" pitchFamily="18" charset="0"/>
                                   </a:rPr>
                                 </m:ctrlPr>
                               </m:sSubPr>
                               <m:e>
                                 <m:r>
-                                  <a:rPr lang="en-US" altLang="zh-CN" sz="2400" b="1" i="1" smtClean="0">
+                                  <a:rPr lang="en-US" altLang="zh-CN" sz="2400" b="1" i="1">
                                     <a:latin typeface="Cambria Math" panose="02040503050406030204" pitchFamily="18" charset="0"/>
                                   </a:rPr>
                                   <m:t>𝒎</m:t>
@@ -7676,7 +7677,7 @@
                               </m:e>
                               <m:sub>
                                 <m:r>
-                                  <a:rPr lang="en-US" altLang="zh-CN" sz="2400" b="1" i="1" smtClean="0">
+                                  <a:rPr lang="en-US" altLang="zh-CN" sz="2400" b="1" i="1">
                                     <a:latin typeface="Cambria Math" panose="02040503050406030204" pitchFamily="18" charset="0"/>
                                   </a:rPr>
                                   <m:t>𝟏</m:t>
@@ -7708,7 +7709,7 @@
                   </p:nvSpPr>
                   <p:spPr>
                     <a:xfrm>
-                      <a:off x="7773282" y="5824987"/>
+                      <a:off x="7773282" y="5824986"/>
                       <a:ext cx="165045" cy="369332"/>
                     </a:xfrm>
                     <a:prstGeom prst="rect">
@@ -7752,9 +7753,9 @@
             <p:grpSpPr>
               <a:xfrm>
                 <a:off x="10145792" y="4559475"/>
-                <a:ext cx="327470" cy="1499822"/>
+                <a:ext cx="327470" cy="1499821"/>
                 <a:chOff x="7773282" y="4694497"/>
-                <a:chExt cx="327470" cy="1499822"/>
+                <a:chExt cx="327470" cy="1499821"/>
               </a:xfrm>
             </p:grpSpPr>
             <p:sp>
@@ -7807,7 +7808,7 @@
                 <a:lstStyle/>
                 <a:p>
                   <a:pPr algn="ctr"/>
-                  <a:endParaRPr lang="zh-CN" altLang="en-US" b="1"/>
+                  <a:endParaRPr lang="zh-CN" altLang="en-US" sz="1801" b="1"/>
                 </a:p>
               </p:txBody>
             </p:sp>
@@ -7867,7 +7868,7 @@
                 <a:lstStyle/>
                 <a:p>
                   <a:pPr algn="ctr"/>
-                  <a:endParaRPr lang="zh-CN" altLang="en-US" sz="1050" b="1" dirty="0">
+                  <a:endParaRPr lang="zh-CN" altLang="en-US" sz="1051" b="1" dirty="0">
                     <a:solidFill>
                       <a:schemeClr val="tx1"/>
                     </a:solidFill>
@@ -7933,7 +7934,7 @@
                 <a:lstStyle/>
                 <a:p>
                   <a:pPr algn="ctr"/>
-                  <a:endParaRPr lang="zh-CN" altLang="en-US" sz="1050" b="1" dirty="0">
+                  <a:endParaRPr lang="zh-CN" altLang="en-US" sz="1051" b="1" dirty="0">
                     <a:solidFill>
                       <a:schemeClr val="tx1"/>
                     </a:solidFill>
@@ -7999,7 +8000,7 @@
                 <a:lstStyle/>
                 <a:p>
                   <a:pPr algn="ctr"/>
-                  <a:endParaRPr lang="zh-CN" altLang="en-US" sz="1050" b="1" dirty="0">
+                  <a:endParaRPr lang="zh-CN" altLang="en-US" sz="1051" b="1" dirty="0">
                     <a:solidFill>
                       <a:schemeClr val="tx1"/>
                     </a:solidFill>
@@ -8065,7 +8066,7 @@
                 <a:lstStyle/>
                 <a:p>
                   <a:pPr algn="ctr"/>
-                  <a:endParaRPr lang="zh-CN" altLang="en-US" sz="1050" b="1" dirty="0">
+                  <a:endParaRPr lang="zh-CN" altLang="en-US" sz="1051" b="1" dirty="0">
                     <a:solidFill>
                       <a:schemeClr val="tx1"/>
                     </a:solidFill>
@@ -8091,7 +8092,7 @@
                   </p:nvSpPr>
                   <p:spPr>
                     <a:xfrm>
-                      <a:off x="7773282" y="5824987"/>
+                      <a:off x="7773282" y="5824986"/>
                       <a:ext cx="165045" cy="369332"/>
                     </a:xfrm>
                     <a:prstGeom prst="rect">
@@ -8105,6 +8106,7 @@
                     </a:bodyPr>
                     <a:lstStyle/>
                     <a:p>
+                      <a:pPr/>
                       <a14:m>
                         <m:oMathPara xmlns:m="http://schemas.openxmlformats.org/officeDocument/2006/math">
                           <m:oMathParaPr>
@@ -8114,14 +8116,14 @@
                             <m:sSub>
                               <m:sSubPr>
                                 <m:ctrlPr>
-                                  <a:rPr lang="en-US" altLang="zh-CN" sz="2400" b="1" i="1" smtClean="0">
+                                  <a:rPr lang="en-US" altLang="zh-CN" sz="2400" b="1" i="1">
                                     <a:latin typeface="Cambria Math" panose="02040503050406030204" pitchFamily="18" charset="0"/>
                                   </a:rPr>
                                 </m:ctrlPr>
                               </m:sSubPr>
                               <m:e>
                                 <m:r>
-                                  <a:rPr lang="en-US" altLang="zh-CN" sz="2400" b="1" i="1" smtClean="0">
+                                  <a:rPr lang="en-US" altLang="zh-CN" sz="2400" b="1" i="1">
                                     <a:latin typeface="Cambria Math" panose="02040503050406030204" pitchFamily="18" charset="0"/>
                                   </a:rPr>
                                   <m:t>𝒎</m:t>
@@ -8129,7 +8131,7 @@
                               </m:e>
                               <m:sub>
                                 <m:r>
-                                  <a:rPr lang="en-US" altLang="zh-CN" sz="2400" b="1" i="1" smtClean="0">
+                                  <a:rPr lang="en-US" altLang="zh-CN" sz="2400" b="1" i="1">
                                     <a:latin typeface="Cambria Math" panose="02040503050406030204" pitchFamily="18" charset="0"/>
                                   </a:rPr>
                                   <m:t>𝟐</m:t>
@@ -8161,7 +8163,7 @@
                   </p:nvSpPr>
                   <p:spPr>
                     <a:xfrm>
-                      <a:off x="7773282" y="5824987"/>
+                      <a:off x="7773282" y="5824986"/>
                       <a:ext cx="165045" cy="369332"/>
                     </a:xfrm>
                     <a:prstGeom prst="rect">
@@ -8170,7 +8172,7 @@
                     <a:blipFill>
                       <a:blip r:embed="rId9"/>
                       <a:stretch>
-                        <a:fillRect l="-48148" r="-200000" b="-14754"/>
+                        <a:fillRect l="-48148" r="-200000" b="-16667"/>
                       </a:stretch>
                     </a:blipFill>
                   </p:spPr>
@@ -8205,9 +8207,9 @@
             <p:grpSpPr>
               <a:xfrm>
                 <a:off x="13333798" y="4559475"/>
-                <a:ext cx="327470" cy="1499822"/>
+                <a:ext cx="327470" cy="1499821"/>
                 <a:chOff x="7773282" y="4694497"/>
-                <a:chExt cx="327470" cy="1499822"/>
+                <a:chExt cx="327470" cy="1499821"/>
               </a:xfrm>
             </p:grpSpPr>
             <p:sp>
@@ -8260,7 +8262,7 @@
                 <a:lstStyle/>
                 <a:p>
                   <a:pPr algn="ctr"/>
-                  <a:endParaRPr lang="zh-CN" altLang="en-US" b="1"/>
+                  <a:endParaRPr lang="zh-CN" altLang="en-US" sz="1801" b="1"/>
                 </a:p>
               </p:txBody>
             </p:sp>
@@ -8320,7 +8322,7 @@
                 <a:lstStyle/>
                 <a:p>
                   <a:pPr algn="ctr"/>
-                  <a:endParaRPr lang="zh-CN" altLang="en-US" sz="1050" b="1" dirty="0">
+                  <a:endParaRPr lang="zh-CN" altLang="en-US" sz="1051" b="1" dirty="0">
                     <a:solidFill>
                       <a:schemeClr val="tx1"/>
                     </a:solidFill>
@@ -8386,7 +8388,7 @@
                 <a:lstStyle/>
                 <a:p>
                   <a:pPr algn="ctr"/>
-                  <a:endParaRPr lang="zh-CN" altLang="en-US" sz="1050" b="1" dirty="0">
+                  <a:endParaRPr lang="zh-CN" altLang="en-US" sz="1051" b="1" dirty="0">
                     <a:solidFill>
                       <a:schemeClr val="tx1"/>
                     </a:solidFill>
@@ -8452,7 +8454,7 @@
                 <a:lstStyle/>
                 <a:p>
                   <a:pPr algn="ctr"/>
-                  <a:endParaRPr lang="zh-CN" altLang="en-US" sz="1050" b="1" dirty="0">
+                  <a:endParaRPr lang="zh-CN" altLang="en-US" sz="1051" b="1" dirty="0">
                     <a:solidFill>
                       <a:schemeClr val="tx1"/>
                     </a:solidFill>
@@ -8518,7 +8520,7 @@
                 <a:lstStyle/>
                 <a:p>
                   <a:pPr algn="ctr"/>
-                  <a:endParaRPr lang="zh-CN" altLang="en-US" sz="1050" b="1" dirty="0">
+                  <a:endParaRPr lang="zh-CN" altLang="en-US" sz="1051" b="1" dirty="0">
                     <a:solidFill>
                       <a:schemeClr val="tx1"/>
                     </a:solidFill>
@@ -8544,7 +8546,7 @@
                   </p:nvSpPr>
                   <p:spPr>
                     <a:xfrm>
-                      <a:off x="7773282" y="5824987"/>
+                      <a:off x="7773282" y="5824986"/>
                       <a:ext cx="165045" cy="369332"/>
                     </a:xfrm>
                     <a:prstGeom prst="rect">
@@ -8558,6 +8560,7 @@
                     </a:bodyPr>
                     <a:lstStyle/>
                     <a:p>
+                      <a:pPr/>
                       <a14:m>
                         <m:oMathPara xmlns:m="http://schemas.openxmlformats.org/officeDocument/2006/math">
                           <m:oMathParaPr>
@@ -8567,14 +8570,14 @@
                             <m:sSub>
                               <m:sSubPr>
                                 <m:ctrlPr>
-                                  <a:rPr lang="en-US" altLang="zh-CN" sz="2400" b="1" i="1" smtClean="0">
+                                  <a:rPr lang="en-US" altLang="zh-CN" sz="2400" b="1" i="1">
                                     <a:latin typeface="Cambria Math" panose="02040503050406030204" pitchFamily="18" charset="0"/>
                                   </a:rPr>
                                 </m:ctrlPr>
                               </m:sSubPr>
                               <m:e>
                                 <m:r>
-                                  <a:rPr lang="en-US" altLang="zh-CN" sz="2400" b="1" i="1" smtClean="0">
+                                  <a:rPr lang="en-US" altLang="zh-CN" sz="2400" b="1" i="1">
                                     <a:latin typeface="Cambria Math" panose="02040503050406030204" pitchFamily="18" charset="0"/>
                                   </a:rPr>
                                   <m:t>𝒎</m:t>
@@ -8582,7 +8585,7 @@
                               </m:e>
                               <m:sub>
                                 <m:r>
-                                  <a:rPr lang="en-US" altLang="zh-CN" sz="2400" b="1" i="1" smtClean="0">
+                                  <a:rPr lang="en-US" altLang="zh-CN" sz="2400" b="1" i="1">
                                     <a:latin typeface="Cambria Math" panose="02040503050406030204" pitchFamily="18" charset="0"/>
                                   </a:rPr>
                                   <m:t>𝒏</m:t>
@@ -8614,7 +8617,7 @@
                   </p:nvSpPr>
                   <p:spPr>
                     <a:xfrm>
-                      <a:off x="7773282" y="5824987"/>
+                      <a:off x="7773282" y="5824986"/>
                       <a:ext cx="165045" cy="369332"/>
                     </a:xfrm>
                     <a:prstGeom prst="rect">
@@ -8623,7 +8626,7 @@
                     <a:blipFill>
                       <a:blip r:embed="rId10"/>
                       <a:stretch>
-                        <a:fillRect l="-48148" r="-192593" b="-9836"/>
+                        <a:fillRect l="-48148" r="-192593" b="-10000"/>
                       </a:stretch>
                     </a:blipFill>
                   </p:spPr>
@@ -8935,7 +8938,7 @@
                 </p:nvSpPr>
                 <p:spPr>
                   <a:xfrm>
-                    <a:off x="10090039" y="12894937"/>
+                    <a:off x="10090039" y="12894936"/>
                     <a:ext cx="165045" cy="369332"/>
                   </a:xfrm>
                   <a:prstGeom prst="rect">
@@ -8949,6 +8952,7 @@
                   </a:bodyPr>
                   <a:lstStyle/>
                   <a:p>
+                    <a:pPr/>
                     <a14:m>
                       <m:oMathPara xmlns:m="http://schemas.openxmlformats.org/officeDocument/2006/math">
                         <m:oMathParaPr>
@@ -8956,7 +8960,7 @@
                         </m:oMathParaPr>
                         <m:oMath xmlns:m="http://schemas.openxmlformats.org/officeDocument/2006/math">
                           <m:r>
-                            <a:rPr lang="en-US" altLang="zh-CN" sz="2400" b="1" i="1" smtClean="0">
+                            <a:rPr lang="en-US" altLang="zh-CN" sz="2400" b="1" i="1">
                               <a:latin typeface="Cambria Math" panose="02040503050406030204" pitchFamily="18" charset="0"/>
                             </a:rPr>
                             <m:t>𝒔</m:t>
@@ -8986,7 +8990,7 @@
                 </p:nvSpPr>
                 <p:spPr>
                   <a:xfrm>
-                    <a:off x="10090039" y="12894937"/>
+                    <a:off x="10090039" y="12894936"/>
                     <a:ext cx="165045" cy="369332"/>
                   </a:xfrm>
                   <a:prstGeom prst="rect">
@@ -9122,7 +9126,7 @@
                     <a:lstStyle/>
                     <a:p>
                       <a:pPr algn="ctr"/>
-                      <a:endParaRPr lang="zh-CN" altLang="en-US" b="1"/>
+                      <a:endParaRPr lang="zh-CN" altLang="en-US" sz="1801" b="1"/>
                     </a:p>
                   </p:txBody>
                 </p:sp>
@@ -9196,7 +9200,7 @@
                       <a:lstStyle/>
                       <a:p>
                         <a:pPr algn="ctr"/>
-                        <a:endParaRPr lang="zh-CN" altLang="en-US" sz="1050" b="1" dirty="0">
+                        <a:endParaRPr lang="zh-CN" altLang="en-US" sz="1051" b="1" dirty="0">
                           <a:solidFill>
                             <a:schemeClr val="tx1"/>
                           </a:solidFill>
@@ -9256,7 +9260,7 @@
                       <a:lstStyle/>
                       <a:p>
                         <a:pPr algn="ctr"/>
-                        <a:endParaRPr lang="zh-CN" altLang="en-US" sz="1050" b="1" dirty="0">
+                        <a:endParaRPr lang="zh-CN" altLang="en-US" sz="1051" b="1" dirty="0">
                           <a:solidFill>
                             <a:schemeClr val="tx1"/>
                           </a:solidFill>
@@ -9316,7 +9320,7 @@
                       <a:lstStyle/>
                       <a:p>
                         <a:pPr algn="ctr"/>
-                        <a:endParaRPr lang="zh-CN" altLang="en-US" sz="1050" b="1" dirty="0">
+                        <a:endParaRPr lang="zh-CN" altLang="en-US" sz="1051" b="1" dirty="0">
                           <a:solidFill>
                             <a:schemeClr val="tx1"/>
                           </a:solidFill>
@@ -9376,7 +9380,7 @@
                       <a:lstStyle/>
                       <a:p>
                         <a:pPr algn="ctr"/>
-                        <a:endParaRPr lang="zh-CN" altLang="en-US" sz="1050" b="1" dirty="0">
+                        <a:endParaRPr lang="zh-CN" altLang="en-US" sz="1051" b="1" dirty="0">
                           <a:solidFill>
                             <a:schemeClr val="tx1"/>
                           </a:solidFill>
@@ -9404,8 +9408,8 @@
                     </p:nvSpPr>
                     <p:spPr>
                       <a:xfrm>
-                        <a:off x="5868133" y="5766053"/>
-                        <a:ext cx="165045" cy="369332"/>
+                        <a:off x="5868132" y="5766053"/>
+                        <a:ext cx="165046" cy="369332"/>
                       </a:xfrm>
                       <a:prstGeom prst="rect">
                         <a:avLst/>
@@ -9418,6 +9422,7 @@
                       </a:bodyPr>
                       <a:lstStyle/>
                       <a:p>
+                        <a:pPr/>
                         <a14:m>
                           <m:oMathPara xmlns:m="http://schemas.openxmlformats.org/officeDocument/2006/math">
                             <m:oMathParaPr>
@@ -9425,7 +9430,7 @@
                             </m:oMathParaPr>
                             <m:oMath xmlns:m="http://schemas.openxmlformats.org/officeDocument/2006/math">
                               <m:r>
-                                <a:rPr lang="en-US" altLang="zh-CN" sz="2400" b="1" i="1" smtClean="0">
+                                <a:rPr lang="en-US" altLang="zh-CN" sz="2400" b="1" i="1">
                                   <a:latin typeface="Cambria Math" panose="02040503050406030204" pitchFamily="18" charset="0"/>
                                 </a:rPr>
                                 <m:t>𝒔</m:t>
@@ -9455,8 +9460,8 @@
                     </p:nvSpPr>
                     <p:spPr>
                       <a:xfrm>
-                        <a:off x="5868133" y="5766053"/>
-                        <a:ext cx="165045" cy="369332"/>
+                        <a:off x="5868132" y="5766053"/>
+                        <a:ext cx="165046" cy="369332"/>
                       </a:xfrm>
                       <a:prstGeom prst="rect">
                         <a:avLst/>
@@ -10473,7 +10478,7 @@
               <a:lstStyle/>
               <a:p>
                 <a:pPr algn="ctr"/>
-                <a:endParaRPr lang="zh-CN" altLang="en-US" b="1" dirty="0"/>
+                <a:endParaRPr lang="zh-CN" altLang="en-US" sz="1801" b="1" dirty="0"/>
               </a:p>
             </p:txBody>
           </p:sp>
@@ -10565,7 +10570,7 @@
                   <a:lstStyle/>
                   <a:p>
                     <a:pPr algn="ctr"/>
-                    <a:endParaRPr lang="zh-CN" altLang="en-US" b="1"/>
+                    <a:endParaRPr lang="zh-CN" altLang="en-US" sz="1801" b="1"/>
                   </a:p>
                 </p:txBody>
               </p:sp>
@@ -10639,7 +10644,7 @@
                     <a:lstStyle/>
                     <a:p>
                       <a:pPr algn="ctr"/>
-                      <a:endParaRPr lang="zh-CN" altLang="en-US" sz="1050" b="1" dirty="0">
+                      <a:endParaRPr lang="zh-CN" altLang="en-US" sz="1051" b="1" dirty="0">
                         <a:solidFill>
                           <a:schemeClr val="tx1"/>
                         </a:solidFill>
@@ -10699,7 +10704,7 @@
                     <a:lstStyle/>
                     <a:p>
                       <a:pPr algn="ctr"/>
-                      <a:endParaRPr lang="zh-CN" altLang="en-US" sz="1050" b="1" dirty="0">
+                      <a:endParaRPr lang="zh-CN" altLang="en-US" sz="1051" b="1" dirty="0">
                         <a:solidFill>
                           <a:schemeClr val="tx1"/>
                         </a:solidFill>
@@ -10759,7 +10764,7 @@
                     <a:lstStyle/>
                     <a:p>
                       <a:pPr algn="ctr"/>
-                      <a:endParaRPr lang="zh-CN" altLang="en-US" sz="1050" b="1" dirty="0">
+                      <a:endParaRPr lang="zh-CN" altLang="en-US" sz="1051" b="1" dirty="0">
                         <a:solidFill>
                           <a:schemeClr val="tx1"/>
                         </a:solidFill>
@@ -10819,7 +10824,7 @@
                     <a:lstStyle/>
                     <a:p>
                       <a:pPr algn="ctr"/>
-                      <a:endParaRPr lang="zh-CN" altLang="en-US" sz="1050" b="1" dirty="0">
+                      <a:endParaRPr lang="zh-CN" altLang="en-US" sz="1051" b="1" dirty="0">
                         <a:solidFill>
                           <a:schemeClr val="tx1"/>
                         </a:solidFill>
@@ -11248,7 +11253,7 @@
             </p:nvSpPr>
             <p:spPr>
               <a:xfrm>
-                <a:off x="11563031" y="4809230"/>
+                <a:off x="11563030" y="4809230"/>
                 <a:ext cx="693185" cy="461665"/>
               </a:xfrm>
               <a:prstGeom prst="rect">
@@ -11421,7 +11426,7 @@
             <p:spPr>
               <a:xfrm>
                 <a:off x="3753755" y="10109666"/>
-                <a:ext cx="1960289" cy="415372"/>
+                <a:ext cx="1960289" cy="400110"/>
               </a:xfrm>
               <a:prstGeom prst="rect">
                 <a:avLst/>
@@ -11442,14 +11447,6 @@
                   </a:rPr>
                   <a:t>结构信息</a:t>
                 </a:r>
-                <a:endParaRPr lang="zh-CN" altLang="en-US" sz="2000" b="1" dirty="0">
-                  <a:solidFill>
-                    <a:schemeClr val="tx1"/>
-                  </a:solidFill>
-                  <a:effectLst/>
-                  <a:latin typeface="宋体" panose="02010600030101010101" pitchFamily="2" charset="-122"/>
-                  <a:ea typeface="宋体" panose="02010600030101010101" pitchFamily="2" charset="-122"/>
-                </a:endParaRPr>
               </a:p>
             </p:txBody>
           </p:sp>
@@ -11469,7 +11466,7 @@
           <p:spPr>
             <a:xfrm>
               <a:off x="15276331" y="6374858"/>
-              <a:ext cx="1960289" cy="415372"/>
+              <a:ext cx="1960289" cy="400110"/>
             </a:xfrm>
             <a:prstGeom prst="rect">
               <a:avLst/>
@@ -11490,14 +11487,6 @@
                 </a:rPr>
                 <a:t>编码器</a:t>
               </a:r>
-              <a:endParaRPr lang="zh-CN" altLang="en-US" sz="2000" b="1" dirty="0">
-                <a:solidFill>
-                  <a:schemeClr val="tx1"/>
-                </a:solidFill>
-                <a:effectLst/>
-                <a:latin typeface="宋体" panose="02010600030101010101" pitchFamily="2" charset="-122"/>
-                <a:ea typeface="宋体" panose="02010600030101010101" pitchFamily="2" charset="-122"/>
-              </a:endParaRPr>
             </a:p>
           </p:txBody>
         </p:sp>
@@ -11506,6 +11495,7837 @@
     <p:extLst>
       <p:ext uri="{BB962C8B-B14F-4D97-AF65-F5344CB8AC3E}">
         <p14:creationId xmlns:p14="http://schemas.microsoft.com/office/powerpoint/2010/main" val="1057782474"/>
+      </p:ext>
+    </p:extLst>
+  </p:cSld>
+  <p:clrMapOvr>
+    <a:masterClrMapping/>
+  </p:clrMapOvr>
+</p:sld>
+</file>
+
+<file path=ppt/slides/slide2.xml><?xml version="1.0" encoding="utf-8"?>
+<p:sld xmlns:a="http://schemas.openxmlformats.org/drawingml/2006/main" xmlns:r="http://schemas.openxmlformats.org/officeDocument/2006/relationships" xmlns:p="http://schemas.openxmlformats.org/presentationml/2006/main">
+  <p:cSld>
+    <p:spTree>
+      <p:nvGrpSpPr>
+        <p:cNvPr id="1" name=""/>
+        <p:cNvGrpSpPr/>
+        <p:nvPr/>
+      </p:nvGrpSpPr>
+      <p:grpSpPr>
+        <a:xfrm>
+          <a:off x="0" y="0"/>
+          <a:ext cx="0" cy="0"/>
+          <a:chOff x="0" y="0"/>
+          <a:chExt cx="0" cy="0"/>
+        </a:xfrm>
+      </p:grpSpPr>
+      <p:grpSp>
+        <p:nvGrpSpPr>
+          <p:cNvPr id="4" name="组合 3">
+            <a:extLst>
+              <a:ext uri="{FF2B5EF4-FFF2-40B4-BE49-F238E27FC236}">
+                <a16:creationId xmlns:a16="http://schemas.microsoft.com/office/drawing/2014/main" id="{6FED5256-0D9F-71AF-E182-48208DC43FBA}"/>
+              </a:ext>
+            </a:extLst>
+          </p:cNvPr>
+          <p:cNvGrpSpPr/>
+          <p:nvPr/>
+        </p:nvGrpSpPr>
+        <p:grpSpPr>
+          <a:xfrm rot="16200000">
+            <a:off x="8618241" y="747110"/>
+            <a:ext cx="1339747" cy="8131764"/>
+            <a:chOff x="11742441" y="709010"/>
+            <a:chExt cx="1339747" cy="8131764"/>
+          </a:xfrm>
+        </p:grpSpPr>
+        <p:sp>
+          <p:nvSpPr>
+            <p:cNvPr id="5" name="矩形: 圆角 4">
+              <a:extLst>
+                <a:ext uri="{FF2B5EF4-FFF2-40B4-BE49-F238E27FC236}">
+                  <a16:creationId xmlns:a16="http://schemas.microsoft.com/office/drawing/2014/main" id="{786575F4-5E79-8191-1F27-E44BB8C38F84}"/>
+                </a:ext>
+              </a:extLst>
+            </p:cNvPr>
+            <p:cNvSpPr/>
+            <p:nvPr/>
+          </p:nvSpPr>
+          <p:spPr>
+            <a:xfrm>
+              <a:off x="11742441" y="921010"/>
+              <a:ext cx="1110763" cy="7919764"/>
+            </a:xfrm>
+            <a:prstGeom prst="roundRect">
+              <a:avLst/>
+            </a:prstGeom>
+            <a:solidFill>
+              <a:schemeClr val="accent2">
+                <a:lumMod val="60000"/>
+                <a:lumOff val="40000"/>
+              </a:schemeClr>
+            </a:solidFill>
+            <a:ln w="28575">
+              <a:solidFill>
+                <a:schemeClr val="bg1">
+                  <a:lumMod val="50000"/>
+                </a:schemeClr>
+              </a:solidFill>
+              <a:prstDash val="solid"/>
+            </a:ln>
+          </p:spPr>
+          <p:style>
+            <a:lnRef idx="2">
+              <a:schemeClr val="accent1">
+                <a:shade val="15000"/>
+              </a:schemeClr>
+            </a:lnRef>
+            <a:fillRef idx="1">
+              <a:schemeClr val="accent1"/>
+            </a:fillRef>
+            <a:effectRef idx="0">
+              <a:schemeClr val="accent1"/>
+            </a:effectRef>
+            <a:fontRef idx="minor">
+              <a:schemeClr val="lt1"/>
+            </a:fontRef>
+          </p:style>
+          <p:txBody>
+            <a:bodyPr rtlCol="0" anchor="ctr"/>
+            <a:lstStyle/>
+            <a:p>
+              <a:pPr algn="ctr"/>
+              <a:endParaRPr lang="zh-CN" altLang="en-US"/>
+            </a:p>
+          </p:txBody>
+        </p:sp>
+        <p:sp>
+          <p:nvSpPr>
+            <p:cNvPr id="6" name="矩形: 圆角 5">
+              <a:extLst>
+                <a:ext uri="{FF2B5EF4-FFF2-40B4-BE49-F238E27FC236}">
+                  <a16:creationId xmlns:a16="http://schemas.microsoft.com/office/drawing/2014/main" id="{C2C73DB3-F606-9E39-FF48-7120334BE122}"/>
+                </a:ext>
+              </a:extLst>
+            </p:cNvPr>
+            <p:cNvSpPr/>
+            <p:nvPr/>
+          </p:nvSpPr>
+          <p:spPr>
+            <a:xfrm>
+              <a:off x="11856378" y="815010"/>
+              <a:ext cx="1110763" cy="7919764"/>
+            </a:xfrm>
+            <a:prstGeom prst="roundRect">
+              <a:avLst/>
+            </a:prstGeom>
+            <a:solidFill>
+              <a:schemeClr val="accent2">
+                <a:lumMod val="40000"/>
+                <a:lumOff val="60000"/>
+              </a:schemeClr>
+            </a:solidFill>
+            <a:ln w="28575">
+              <a:solidFill>
+                <a:schemeClr val="bg1">
+                  <a:lumMod val="50000"/>
+                </a:schemeClr>
+              </a:solidFill>
+              <a:prstDash val="solid"/>
+            </a:ln>
+          </p:spPr>
+          <p:style>
+            <a:lnRef idx="2">
+              <a:schemeClr val="accent1">
+                <a:shade val="15000"/>
+              </a:schemeClr>
+            </a:lnRef>
+            <a:fillRef idx="1">
+              <a:schemeClr val="accent1"/>
+            </a:fillRef>
+            <a:effectRef idx="0">
+              <a:schemeClr val="accent1"/>
+            </a:effectRef>
+            <a:fontRef idx="minor">
+              <a:schemeClr val="lt1"/>
+            </a:fontRef>
+          </p:style>
+          <p:txBody>
+            <a:bodyPr rtlCol="0" anchor="ctr"/>
+            <a:lstStyle/>
+            <a:p>
+              <a:pPr algn="ctr"/>
+              <a:endParaRPr lang="zh-CN" altLang="en-US"/>
+            </a:p>
+          </p:txBody>
+        </p:sp>
+        <p:sp>
+          <p:nvSpPr>
+            <p:cNvPr id="7" name="矩形: 圆角 6">
+              <a:extLst>
+                <a:ext uri="{FF2B5EF4-FFF2-40B4-BE49-F238E27FC236}">
+                  <a16:creationId xmlns:a16="http://schemas.microsoft.com/office/drawing/2014/main" id="{49869D7D-B6CE-D287-D7D9-87301D9AE75B}"/>
+                </a:ext>
+              </a:extLst>
+            </p:cNvPr>
+            <p:cNvSpPr/>
+            <p:nvPr/>
+          </p:nvSpPr>
+          <p:spPr>
+            <a:xfrm>
+              <a:off x="11971425" y="709010"/>
+              <a:ext cx="1110763" cy="7919764"/>
+            </a:xfrm>
+            <a:prstGeom prst="roundRect">
+              <a:avLst/>
+            </a:prstGeom>
+            <a:solidFill>
+              <a:schemeClr val="accent2">
+                <a:lumMod val="20000"/>
+                <a:lumOff val="80000"/>
+              </a:schemeClr>
+            </a:solidFill>
+            <a:ln w="28575">
+              <a:solidFill>
+                <a:schemeClr val="bg1">
+                  <a:lumMod val="50000"/>
+                </a:schemeClr>
+              </a:solidFill>
+              <a:prstDash val="solid"/>
+            </a:ln>
+          </p:spPr>
+          <p:style>
+            <a:lnRef idx="2">
+              <a:schemeClr val="accent1">
+                <a:shade val="15000"/>
+              </a:schemeClr>
+            </a:lnRef>
+            <a:fillRef idx="1">
+              <a:schemeClr val="accent1"/>
+            </a:fillRef>
+            <a:effectRef idx="0">
+              <a:schemeClr val="accent1"/>
+            </a:effectRef>
+            <a:fontRef idx="minor">
+              <a:schemeClr val="lt1"/>
+            </a:fontRef>
+          </p:style>
+          <p:txBody>
+            <a:bodyPr vert="eaVert" rtlCol="0" anchor="ctr"/>
+            <a:lstStyle/>
+            <a:p>
+              <a:pPr algn="ctr"/>
+              <a:r>
+                <a:rPr lang="en-US" altLang="zh-CN" sz="2800" dirty="0">
+                  <a:solidFill>
+                    <a:schemeClr val="tx1"/>
+                  </a:solidFill>
+                  <a:latin typeface="Times New Roman" panose="02020603050405020304" pitchFamily="18" charset="0"/>
+                  <a:cs typeface="Times New Roman" panose="02020603050405020304" pitchFamily="18" charset="0"/>
+                </a:rPr>
+                <a:t>Neighbor-Transformer</a:t>
+              </a:r>
+              <a:endParaRPr lang="zh-CN" altLang="en-US" sz="2800" dirty="0">
+                <a:solidFill>
+                  <a:schemeClr val="tx1"/>
+                </a:solidFill>
+                <a:latin typeface="Times New Roman" panose="02020603050405020304" pitchFamily="18" charset="0"/>
+                <a:cs typeface="Times New Roman" panose="02020603050405020304" pitchFamily="18" charset="0"/>
+              </a:endParaRPr>
+            </a:p>
+          </p:txBody>
+        </p:sp>
+      </p:grpSp>
+      <p:grpSp>
+        <p:nvGrpSpPr>
+          <p:cNvPr id="51" name="组合 50">
+            <a:extLst>
+              <a:ext uri="{FF2B5EF4-FFF2-40B4-BE49-F238E27FC236}">
+                <a16:creationId xmlns:a16="http://schemas.microsoft.com/office/drawing/2014/main" id="{A8548751-CC42-C883-6FF5-964A19187834}"/>
+              </a:ext>
+            </a:extLst>
+          </p:cNvPr>
+          <p:cNvGrpSpPr/>
+          <p:nvPr/>
+        </p:nvGrpSpPr>
+        <p:grpSpPr>
+          <a:xfrm>
+            <a:off x="5628467" y="6672441"/>
+            <a:ext cx="7395998" cy="320041"/>
+            <a:chOff x="5647674" y="6782184"/>
+            <a:chExt cx="7395998" cy="320041"/>
+          </a:xfrm>
+        </p:grpSpPr>
+        <p:grpSp>
+          <p:nvGrpSpPr>
+            <p:cNvPr id="8" name="组合 7">
+              <a:extLst>
+                <a:ext uri="{FF2B5EF4-FFF2-40B4-BE49-F238E27FC236}">
+                  <a16:creationId xmlns:a16="http://schemas.microsoft.com/office/drawing/2014/main" id="{45981935-DC1E-0CB7-4073-E3659F5EF782}"/>
+                </a:ext>
+              </a:extLst>
+            </p:cNvPr>
+            <p:cNvGrpSpPr/>
+            <p:nvPr/>
+          </p:nvGrpSpPr>
+          <p:grpSpPr>
+            <a:xfrm rot="16200000">
+              <a:off x="7615133" y="6385246"/>
+              <a:ext cx="320040" cy="1113918"/>
+              <a:chOff x="11318240" y="2142362"/>
+              <a:chExt cx="320040" cy="1113918"/>
+            </a:xfrm>
+          </p:grpSpPr>
+          <p:sp>
+            <p:nvSpPr>
+              <p:cNvPr id="9" name="矩形: 圆角 8">
+                <a:extLst>
+                  <a:ext uri="{FF2B5EF4-FFF2-40B4-BE49-F238E27FC236}">
+                    <a16:creationId xmlns:a16="http://schemas.microsoft.com/office/drawing/2014/main" id="{48B176E2-936E-6E72-E411-B7B5A931B17F}"/>
+                  </a:ext>
+                </a:extLst>
+              </p:cNvPr>
+              <p:cNvSpPr/>
+              <p:nvPr/>
+            </p:nvSpPr>
+            <p:spPr>
+              <a:xfrm>
+                <a:off x="11318240" y="2142362"/>
+                <a:ext cx="320040" cy="1113918"/>
+              </a:xfrm>
+              <a:prstGeom prst="roundRect">
+                <a:avLst/>
+              </a:prstGeom>
+              <a:noFill/>
+              <a:ln w="28575">
+                <a:solidFill>
+                  <a:schemeClr val="accent1"/>
+                </a:solidFill>
+              </a:ln>
+            </p:spPr>
+            <p:style>
+              <a:lnRef idx="2">
+                <a:schemeClr val="accent1">
+                  <a:shade val="15000"/>
+                </a:schemeClr>
+              </a:lnRef>
+              <a:fillRef idx="1">
+                <a:schemeClr val="accent1"/>
+              </a:fillRef>
+              <a:effectRef idx="0">
+                <a:schemeClr val="accent1"/>
+              </a:effectRef>
+              <a:fontRef idx="minor">
+                <a:schemeClr val="lt1"/>
+              </a:fontRef>
+            </p:style>
+            <p:txBody>
+              <a:bodyPr rtlCol="0" anchor="ctr"/>
+              <a:lstStyle/>
+              <a:p>
+                <a:pPr algn="ctr"/>
+                <a:endParaRPr lang="zh-CN" altLang="en-US"/>
+              </a:p>
+            </p:txBody>
+          </p:sp>
+          <p:grpSp>
+            <p:nvGrpSpPr>
+              <p:cNvPr id="10" name="组合 9">
+                <a:extLst>
+                  <a:ext uri="{FF2B5EF4-FFF2-40B4-BE49-F238E27FC236}">
+                    <a16:creationId xmlns:a16="http://schemas.microsoft.com/office/drawing/2014/main" id="{941ECF12-7246-A751-9FFB-1CD07DD1CC43}"/>
+                  </a:ext>
+                </a:extLst>
+              </p:cNvPr>
+              <p:cNvGrpSpPr/>
+              <p:nvPr/>
+            </p:nvGrpSpPr>
+            <p:grpSpPr>
+              <a:xfrm>
+                <a:off x="11367633" y="2190504"/>
+                <a:ext cx="227635" cy="1023793"/>
+                <a:chOff x="11367235" y="2230918"/>
+                <a:chExt cx="227635" cy="1023793"/>
+              </a:xfrm>
+            </p:grpSpPr>
+            <p:sp>
+              <p:nvSpPr>
+                <p:cNvPr id="11" name="椭圆 10">
+                  <a:extLst>
+                    <a:ext uri="{FF2B5EF4-FFF2-40B4-BE49-F238E27FC236}">
+                      <a16:creationId xmlns:a16="http://schemas.microsoft.com/office/drawing/2014/main" id="{333E9750-F579-575F-921D-F8F11F1D4A05}"/>
+                    </a:ext>
+                  </a:extLst>
+                </p:cNvPr>
+                <p:cNvSpPr>
+                  <a:spLocks noChangeAspect="1"/>
+                </p:cNvSpPr>
+                <p:nvPr/>
+              </p:nvSpPr>
+              <p:spPr>
+                <a:xfrm flipV="1">
+                  <a:off x="11367235" y="2230918"/>
+                  <a:ext cx="227635" cy="227635"/>
+                </a:xfrm>
+                <a:prstGeom prst="ellipse">
+                  <a:avLst/>
+                </a:prstGeom>
+                <a:solidFill>
+                  <a:schemeClr val="accent1"/>
+                </a:solidFill>
+                <a:ln>
+                  <a:noFill/>
+                </a:ln>
+              </p:spPr>
+              <p:style>
+                <a:lnRef idx="2">
+                  <a:schemeClr val="accent1">
+                    <a:shade val="15000"/>
+                  </a:schemeClr>
+                </a:lnRef>
+                <a:fillRef idx="1">
+                  <a:schemeClr val="accent1"/>
+                </a:fillRef>
+                <a:effectRef idx="0">
+                  <a:schemeClr val="accent1"/>
+                </a:effectRef>
+                <a:fontRef idx="minor">
+                  <a:schemeClr val="lt1"/>
+                </a:fontRef>
+              </p:style>
+              <p:txBody>
+                <a:bodyPr rtlCol="0" anchor="ctr"/>
+                <a:lstStyle/>
+                <a:p>
+                  <a:pPr algn="ctr"/>
+                  <a:endParaRPr lang="zh-CN" altLang="en-US" sz="1050" b="1" dirty="0">
+                    <a:solidFill>
+                      <a:schemeClr val="tx1"/>
+                    </a:solidFill>
+                    <a:latin typeface="宋体" panose="02010600030101010101" pitchFamily="2" charset="-122"/>
+                    <a:ea typeface="宋体" panose="02010600030101010101" pitchFamily="2" charset="-122"/>
+                  </a:endParaRPr>
+                </a:p>
+              </p:txBody>
+            </p:sp>
+            <p:sp>
+              <p:nvSpPr>
+                <p:cNvPr id="12" name="椭圆 11">
+                  <a:extLst>
+                    <a:ext uri="{FF2B5EF4-FFF2-40B4-BE49-F238E27FC236}">
+                      <a16:creationId xmlns:a16="http://schemas.microsoft.com/office/drawing/2014/main" id="{8A83A2D3-50BE-7970-CDEB-BE8B580E679B}"/>
+                    </a:ext>
+                  </a:extLst>
+                </p:cNvPr>
+                <p:cNvSpPr>
+                  <a:spLocks noChangeAspect="1"/>
+                </p:cNvSpPr>
+                <p:nvPr/>
+              </p:nvSpPr>
+              <p:spPr>
+                <a:xfrm flipV="1">
+                  <a:off x="11367235" y="2496304"/>
+                  <a:ext cx="227635" cy="227635"/>
+                </a:xfrm>
+                <a:prstGeom prst="ellipse">
+                  <a:avLst/>
+                </a:prstGeom>
+                <a:solidFill>
+                  <a:schemeClr val="accent1"/>
+                </a:solidFill>
+                <a:ln>
+                  <a:noFill/>
+                </a:ln>
+              </p:spPr>
+              <p:style>
+                <a:lnRef idx="2">
+                  <a:schemeClr val="accent1">
+                    <a:shade val="15000"/>
+                  </a:schemeClr>
+                </a:lnRef>
+                <a:fillRef idx="1">
+                  <a:schemeClr val="accent1"/>
+                </a:fillRef>
+                <a:effectRef idx="0">
+                  <a:schemeClr val="accent1"/>
+                </a:effectRef>
+                <a:fontRef idx="minor">
+                  <a:schemeClr val="lt1"/>
+                </a:fontRef>
+              </p:style>
+              <p:txBody>
+                <a:bodyPr rtlCol="0" anchor="ctr"/>
+                <a:lstStyle/>
+                <a:p>
+                  <a:pPr algn="ctr"/>
+                  <a:endParaRPr lang="zh-CN" altLang="en-US" sz="1050" b="1" dirty="0">
+                    <a:solidFill>
+                      <a:schemeClr val="tx1"/>
+                    </a:solidFill>
+                    <a:latin typeface="宋体" panose="02010600030101010101" pitchFamily="2" charset="-122"/>
+                    <a:ea typeface="宋体" panose="02010600030101010101" pitchFamily="2" charset="-122"/>
+                  </a:endParaRPr>
+                </a:p>
+              </p:txBody>
+            </p:sp>
+            <p:sp>
+              <p:nvSpPr>
+                <p:cNvPr id="13" name="椭圆 12">
+                  <a:extLst>
+                    <a:ext uri="{FF2B5EF4-FFF2-40B4-BE49-F238E27FC236}">
+                      <a16:creationId xmlns:a16="http://schemas.microsoft.com/office/drawing/2014/main" id="{54315AE8-137E-5118-4FED-A7B507F91C23}"/>
+                    </a:ext>
+                  </a:extLst>
+                </p:cNvPr>
+                <p:cNvSpPr>
+                  <a:spLocks noChangeAspect="1"/>
+                </p:cNvSpPr>
+                <p:nvPr/>
+              </p:nvSpPr>
+              <p:spPr>
+                <a:xfrm flipV="1">
+                  <a:off x="11367235" y="2761690"/>
+                  <a:ext cx="227635" cy="227635"/>
+                </a:xfrm>
+                <a:prstGeom prst="ellipse">
+                  <a:avLst/>
+                </a:prstGeom>
+                <a:solidFill>
+                  <a:schemeClr val="accent1"/>
+                </a:solidFill>
+                <a:ln>
+                  <a:noFill/>
+                </a:ln>
+              </p:spPr>
+              <p:style>
+                <a:lnRef idx="2">
+                  <a:schemeClr val="accent1">
+                    <a:shade val="15000"/>
+                  </a:schemeClr>
+                </a:lnRef>
+                <a:fillRef idx="1">
+                  <a:schemeClr val="accent1"/>
+                </a:fillRef>
+                <a:effectRef idx="0">
+                  <a:schemeClr val="accent1"/>
+                </a:effectRef>
+                <a:fontRef idx="minor">
+                  <a:schemeClr val="lt1"/>
+                </a:fontRef>
+              </p:style>
+              <p:txBody>
+                <a:bodyPr rtlCol="0" anchor="ctr"/>
+                <a:lstStyle/>
+                <a:p>
+                  <a:pPr algn="ctr"/>
+                  <a:endParaRPr lang="zh-CN" altLang="en-US" sz="1050" b="1" dirty="0">
+                    <a:solidFill>
+                      <a:schemeClr val="tx1"/>
+                    </a:solidFill>
+                    <a:latin typeface="宋体" panose="02010600030101010101" pitchFamily="2" charset="-122"/>
+                    <a:ea typeface="宋体" panose="02010600030101010101" pitchFamily="2" charset="-122"/>
+                  </a:endParaRPr>
+                </a:p>
+              </p:txBody>
+            </p:sp>
+            <p:sp>
+              <p:nvSpPr>
+                <p:cNvPr id="14" name="椭圆 13">
+                  <a:extLst>
+                    <a:ext uri="{FF2B5EF4-FFF2-40B4-BE49-F238E27FC236}">
+                      <a16:creationId xmlns:a16="http://schemas.microsoft.com/office/drawing/2014/main" id="{6B76AFC2-76CC-81B6-A2B8-D0BBAE708C5A}"/>
+                    </a:ext>
+                  </a:extLst>
+                </p:cNvPr>
+                <p:cNvSpPr>
+                  <a:spLocks noChangeAspect="1"/>
+                </p:cNvSpPr>
+                <p:nvPr/>
+              </p:nvSpPr>
+              <p:spPr>
+                <a:xfrm flipV="1">
+                  <a:off x="11367235" y="3027076"/>
+                  <a:ext cx="227635" cy="227635"/>
+                </a:xfrm>
+                <a:prstGeom prst="ellipse">
+                  <a:avLst/>
+                </a:prstGeom>
+                <a:solidFill>
+                  <a:schemeClr val="accent1"/>
+                </a:solidFill>
+                <a:ln>
+                  <a:noFill/>
+                </a:ln>
+              </p:spPr>
+              <p:style>
+                <a:lnRef idx="2">
+                  <a:schemeClr val="accent1">
+                    <a:shade val="15000"/>
+                  </a:schemeClr>
+                </a:lnRef>
+                <a:fillRef idx="1">
+                  <a:schemeClr val="accent1"/>
+                </a:fillRef>
+                <a:effectRef idx="0">
+                  <a:schemeClr val="accent1"/>
+                </a:effectRef>
+                <a:fontRef idx="minor">
+                  <a:schemeClr val="lt1"/>
+                </a:fontRef>
+              </p:style>
+              <p:txBody>
+                <a:bodyPr rtlCol="0" anchor="ctr"/>
+                <a:lstStyle/>
+                <a:p>
+                  <a:pPr algn="ctr"/>
+                  <a:endParaRPr lang="zh-CN" altLang="en-US" sz="1050" b="1" dirty="0">
+                    <a:solidFill>
+                      <a:schemeClr val="tx1"/>
+                    </a:solidFill>
+                    <a:latin typeface="宋体" panose="02010600030101010101" pitchFamily="2" charset="-122"/>
+                    <a:ea typeface="宋体" panose="02010600030101010101" pitchFamily="2" charset="-122"/>
+                  </a:endParaRPr>
+                </a:p>
+              </p:txBody>
+            </p:sp>
+          </p:grpSp>
+        </p:grpSp>
+        <p:grpSp>
+          <p:nvGrpSpPr>
+            <p:cNvPr id="15" name="组合 14">
+              <a:extLst>
+                <a:ext uri="{FF2B5EF4-FFF2-40B4-BE49-F238E27FC236}">
+                  <a16:creationId xmlns:a16="http://schemas.microsoft.com/office/drawing/2014/main" id="{BF79D432-4284-2F60-440B-1ED3AD8F70C7}"/>
+                </a:ext>
+              </a:extLst>
+            </p:cNvPr>
+            <p:cNvGrpSpPr/>
+            <p:nvPr/>
+          </p:nvGrpSpPr>
+          <p:grpSpPr>
+            <a:xfrm rot="16200000">
+              <a:off x="9185653" y="6385245"/>
+              <a:ext cx="320040" cy="1113918"/>
+              <a:chOff x="11318240" y="2142362"/>
+              <a:chExt cx="320040" cy="1113918"/>
+            </a:xfrm>
+          </p:grpSpPr>
+          <p:sp>
+            <p:nvSpPr>
+              <p:cNvPr id="16" name="矩形: 圆角 15">
+                <a:extLst>
+                  <a:ext uri="{FF2B5EF4-FFF2-40B4-BE49-F238E27FC236}">
+                    <a16:creationId xmlns:a16="http://schemas.microsoft.com/office/drawing/2014/main" id="{7B5C0726-D3E0-2362-755F-B7C2C1108458}"/>
+                  </a:ext>
+                </a:extLst>
+              </p:cNvPr>
+              <p:cNvSpPr/>
+              <p:nvPr/>
+            </p:nvSpPr>
+            <p:spPr>
+              <a:xfrm>
+                <a:off x="11318240" y="2142362"/>
+                <a:ext cx="320040" cy="1113918"/>
+              </a:xfrm>
+              <a:prstGeom prst="roundRect">
+                <a:avLst/>
+              </a:prstGeom>
+              <a:noFill/>
+              <a:ln w="28575">
+                <a:solidFill>
+                  <a:schemeClr val="accent1"/>
+                </a:solidFill>
+              </a:ln>
+            </p:spPr>
+            <p:style>
+              <a:lnRef idx="2">
+                <a:schemeClr val="accent1">
+                  <a:shade val="15000"/>
+                </a:schemeClr>
+              </a:lnRef>
+              <a:fillRef idx="1">
+                <a:schemeClr val="accent1"/>
+              </a:fillRef>
+              <a:effectRef idx="0">
+                <a:schemeClr val="accent1"/>
+              </a:effectRef>
+              <a:fontRef idx="minor">
+                <a:schemeClr val="lt1"/>
+              </a:fontRef>
+            </p:style>
+            <p:txBody>
+              <a:bodyPr rtlCol="0" anchor="ctr"/>
+              <a:lstStyle/>
+              <a:p>
+                <a:pPr algn="ctr"/>
+                <a:endParaRPr lang="zh-CN" altLang="en-US"/>
+              </a:p>
+            </p:txBody>
+          </p:sp>
+          <p:grpSp>
+            <p:nvGrpSpPr>
+              <p:cNvPr id="17" name="组合 16">
+                <a:extLst>
+                  <a:ext uri="{FF2B5EF4-FFF2-40B4-BE49-F238E27FC236}">
+                    <a16:creationId xmlns:a16="http://schemas.microsoft.com/office/drawing/2014/main" id="{2C709B12-98DB-0A71-D49B-9B57C0954FFA}"/>
+                  </a:ext>
+                </a:extLst>
+              </p:cNvPr>
+              <p:cNvGrpSpPr/>
+              <p:nvPr/>
+            </p:nvGrpSpPr>
+            <p:grpSpPr>
+              <a:xfrm>
+                <a:off x="11367633" y="2190504"/>
+                <a:ext cx="227635" cy="1023793"/>
+                <a:chOff x="11367235" y="2230918"/>
+                <a:chExt cx="227635" cy="1023793"/>
+              </a:xfrm>
+            </p:grpSpPr>
+            <p:sp>
+              <p:nvSpPr>
+                <p:cNvPr id="18" name="椭圆 17">
+                  <a:extLst>
+                    <a:ext uri="{FF2B5EF4-FFF2-40B4-BE49-F238E27FC236}">
+                      <a16:creationId xmlns:a16="http://schemas.microsoft.com/office/drawing/2014/main" id="{43811202-7B13-CF0A-EF48-4C119FAED0A3}"/>
+                    </a:ext>
+                  </a:extLst>
+                </p:cNvPr>
+                <p:cNvSpPr>
+                  <a:spLocks noChangeAspect="1"/>
+                </p:cNvSpPr>
+                <p:nvPr/>
+              </p:nvSpPr>
+              <p:spPr>
+                <a:xfrm flipV="1">
+                  <a:off x="11367235" y="2230918"/>
+                  <a:ext cx="227635" cy="227635"/>
+                </a:xfrm>
+                <a:prstGeom prst="ellipse">
+                  <a:avLst/>
+                </a:prstGeom>
+                <a:solidFill>
+                  <a:schemeClr val="accent1"/>
+                </a:solidFill>
+                <a:ln>
+                  <a:noFill/>
+                </a:ln>
+              </p:spPr>
+              <p:style>
+                <a:lnRef idx="2">
+                  <a:schemeClr val="accent1">
+                    <a:shade val="15000"/>
+                  </a:schemeClr>
+                </a:lnRef>
+                <a:fillRef idx="1">
+                  <a:schemeClr val="accent1"/>
+                </a:fillRef>
+                <a:effectRef idx="0">
+                  <a:schemeClr val="accent1"/>
+                </a:effectRef>
+                <a:fontRef idx="minor">
+                  <a:schemeClr val="lt1"/>
+                </a:fontRef>
+              </p:style>
+              <p:txBody>
+                <a:bodyPr rtlCol="0" anchor="ctr"/>
+                <a:lstStyle/>
+                <a:p>
+                  <a:pPr algn="ctr"/>
+                  <a:endParaRPr lang="zh-CN" altLang="en-US" sz="1050" b="1" dirty="0">
+                    <a:solidFill>
+                      <a:schemeClr val="tx1"/>
+                    </a:solidFill>
+                    <a:latin typeface="宋体" panose="02010600030101010101" pitchFamily="2" charset="-122"/>
+                    <a:ea typeface="宋体" panose="02010600030101010101" pitchFamily="2" charset="-122"/>
+                  </a:endParaRPr>
+                </a:p>
+              </p:txBody>
+            </p:sp>
+            <p:sp>
+              <p:nvSpPr>
+                <p:cNvPr id="19" name="椭圆 18">
+                  <a:extLst>
+                    <a:ext uri="{FF2B5EF4-FFF2-40B4-BE49-F238E27FC236}">
+                      <a16:creationId xmlns:a16="http://schemas.microsoft.com/office/drawing/2014/main" id="{2559C114-09B0-471F-EB3E-4AFDE400CEEB}"/>
+                    </a:ext>
+                  </a:extLst>
+                </p:cNvPr>
+                <p:cNvSpPr>
+                  <a:spLocks noChangeAspect="1"/>
+                </p:cNvSpPr>
+                <p:nvPr/>
+              </p:nvSpPr>
+              <p:spPr>
+                <a:xfrm flipV="1">
+                  <a:off x="11367235" y="2496304"/>
+                  <a:ext cx="227635" cy="227635"/>
+                </a:xfrm>
+                <a:prstGeom prst="ellipse">
+                  <a:avLst/>
+                </a:prstGeom>
+                <a:solidFill>
+                  <a:schemeClr val="accent1"/>
+                </a:solidFill>
+                <a:ln>
+                  <a:noFill/>
+                </a:ln>
+              </p:spPr>
+              <p:style>
+                <a:lnRef idx="2">
+                  <a:schemeClr val="accent1">
+                    <a:shade val="15000"/>
+                  </a:schemeClr>
+                </a:lnRef>
+                <a:fillRef idx="1">
+                  <a:schemeClr val="accent1"/>
+                </a:fillRef>
+                <a:effectRef idx="0">
+                  <a:schemeClr val="accent1"/>
+                </a:effectRef>
+                <a:fontRef idx="minor">
+                  <a:schemeClr val="lt1"/>
+                </a:fontRef>
+              </p:style>
+              <p:txBody>
+                <a:bodyPr rtlCol="0" anchor="ctr"/>
+                <a:lstStyle/>
+                <a:p>
+                  <a:pPr algn="ctr"/>
+                  <a:endParaRPr lang="zh-CN" altLang="en-US" sz="1050" b="1" dirty="0">
+                    <a:solidFill>
+                      <a:schemeClr val="tx1"/>
+                    </a:solidFill>
+                    <a:latin typeface="宋体" panose="02010600030101010101" pitchFamily="2" charset="-122"/>
+                    <a:ea typeface="宋体" panose="02010600030101010101" pitchFamily="2" charset="-122"/>
+                  </a:endParaRPr>
+                </a:p>
+              </p:txBody>
+            </p:sp>
+            <p:sp>
+              <p:nvSpPr>
+                <p:cNvPr id="20" name="椭圆 19">
+                  <a:extLst>
+                    <a:ext uri="{FF2B5EF4-FFF2-40B4-BE49-F238E27FC236}">
+                      <a16:creationId xmlns:a16="http://schemas.microsoft.com/office/drawing/2014/main" id="{908D1CB5-BB95-1DE2-3923-A8158DC8B512}"/>
+                    </a:ext>
+                  </a:extLst>
+                </p:cNvPr>
+                <p:cNvSpPr>
+                  <a:spLocks noChangeAspect="1"/>
+                </p:cNvSpPr>
+                <p:nvPr/>
+              </p:nvSpPr>
+              <p:spPr>
+                <a:xfrm flipV="1">
+                  <a:off x="11367235" y="2761690"/>
+                  <a:ext cx="227635" cy="227635"/>
+                </a:xfrm>
+                <a:prstGeom prst="ellipse">
+                  <a:avLst/>
+                </a:prstGeom>
+                <a:solidFill>
+                  <a:schemeClr val="accent1"/>
+                </a:solidFill>
+                <a:ln>
+                  <a:noFill/>
+                </a:ln>
+              </p:spPr>
+              <p:style>
+                <a:lnRef idx="2">
+                  <a:schemeClr val="accent1">
+                    <a:shade val="15000"/>
+                  </a:schemeClr>
+                </a:lnRef>
+                <a:fillRef idx="1">
+                  <a:schemeClr val="accent1"/>
+                </a:fillRef>
+                <a:effectRef idx="0">
+                  <a:schemeClr val="accent1"/>
+                </a:effectRef>
+                <a:fontRef idx="minor">
+                  <a:schemeClr val="lt1"/>
+                </a:fontRef>
+              </p:style>
+              <p:txBody>
+                <a:bodyPr rtlCol="0" anchor="ctr"/>
+                <a:lstStyle/>
+                <a:p>
+                  <a:pPr algn="ctr"/>
+                  <a:endParaRPr lang="zh-CN" altLang="en-US" sz="1050" b="1" dirty="0">
+                    <a:solidFill>
+                      <a:schemeClr val="tx1"/>
+                    </a:solidFill>
+                    <a:latin typeface="宋体" panose="02010600030101010101" pitchFamily="2" charset="-122"/>
+                    <a:ea typeface="宋体" panose="02010600030101010101" pitchFamily="2" charset="-122"/>
+                  </a:endParaRPr>
+                </a:p>
+              </p:txBody>
+            </p:sp>
+            <p:sp>
+              <p:nvSpPr>
+                <p:cNvPr id="21" name="椭圆 20">
+                  <a:extLst>
+                    <a:ext uri="{FF2B5EF4-FFF2-40B4-BE49-F238E27FC236}">
+                      <a16:creationId xmlns:a16="http://schemas.microsoft.com/office/drawing/2014/main" id="{7A750CB2-CCDD-C221-8535-784F54E96EEA}"/>
+                    </a:ext>
+                  </a:extLst>
+                </p:cNvPr>
+                <p:cNvSpPr>
+                  <a:spLocks noChangeAspect="1"/>
+                </p:cNvSpPr>
+                <p:nvPr/>
+              </p:nvSpPr>
+              <p:spPr>
+                <a:xfrm flipV="1">
+                  <a:off x="11367235" y="3027076"/>
+                  <a:ext cx="227635" cy="227635"/>
+                </a:xfrm>
+                <a:prstGeom prst="ellipse">
+                  <a:avLst/>
+                </a:prstGeom>
+                <a:solidFill>
+                  <a:schemeClr val="accent1"/>
+                </a:solidFill>
+                <a:ln>
+                  <a:noFill/>
+                </a:ln>
+              </p:spPr>
+              <p:style>
+                <a:lnRef idx="2">
+                  <a:schemeClr val="accent1">
+                    <a:shade val="15000"/>
+                  </a:schemeClr>
+                </a:lnRef>
+                <a:fillRef idx="1">
+                  <a:schemeClr val="accent1"/>
+                </a:fillRef>
+                <a:effectRef idx="0">
+                  <a:schemeClr val="accent1"/>
+                </a:effectRef>
+                <a:fontRef idx="minor">
+                  <a:schemeClr val="lt1"/>
+                </a:fontRef>
+              </p:style>
+              <p:txBody>
+                <a:bodyPr rtlCol="0" anchor="ctr"/>
+                <a:lstStyle/>
+                <a:p>
+                  <a:pPr algn="ctr"/>
+                  <a:endParaRPr lang="zh-CN" altLang="en-US" sz="1050" b="1" dirty="0">
+                    <a:solidFill>
+                      <a:schemeClr val="tx1"/>
+                    </a:solidFill>
+                    <a:latin typeface="宋体" panose="02010600030101010101" pitchFamily="2" charset="-122"/>
+                    <a:ea typeface="宋体" panose="02010600030101010101" pitchFamily="2" charset="-122"/>
+                  </a:endParaRPr>
+                </a:p>
+              </p:txBody>
+            </p:sp>
+          </p:grpSp>
+        </p:grpSp>
+        <p:grpSp>
+          <p:nvGrpSpPr>
+            <p:cNvPr id="22" name="组合 21">
+              <a:extLst>
+                <a:ext uri="{FF2B5EF4-FFF2-40B4-BE49-F238E27FC236}">
+                  <a16:creationId xmlns:a16="http://schemas.microsoft.com/office/drawing/2014/main" id="{22DC2850-584A-A577-DD07-917A9EACC37E}"/>
+                </a:ext>
+              </a:extLst>
+            </p:cNvPr>
+            <p:cNvGrpSpPr/>
+            <p:nvPr/>
+          </p:nvGrpSpPr>
+          <p:grpSpPr>
+            <a:xfrm rot="16200000">
+              <a:off x="10756173" y="6385246"/>
+              <a:ext cx="320040" cy="1113918"/>
+              <a:chOff x="11318240" y="2142362"/>
+              <a:chExt cx="320040" cy="1113918"/>
+            </a:xfrm>
+          </p:grpSpPr>
+          <p:sp>
+            <p:nvSpPr>
+              <p:cNvPr id="23" name="矩形: 圆角 22">
+                <a:extLst>
+                  <a:ext uri="{FF2B5EF4-FFF2-40B4-BE49-F238E27FC236}">
+                    <a16:creationId xmlns:a16="http://schemas.microsoft.com/office/drawing/2014/main" id="{F7CE4998-08D7-B0DB-6865-44FEFC913BAD}"/>
+                  </a:ext>
+                </a:extLst>
+              </p:cNvPr>
+              <p:cNvSpPr/>
+              <p:nvPr/>
+            </p:nvSpPr>
+            <p:spPr>
+              <a:xfrm>
+                <a:off x="11318240" y="2142362"/>
+                <a:ext cx="320040" cy="1113918"/>
+              </a:xfrm>
+              <a:prstGeom prst="roundRect">
+                <a:avLst/>
+              </a:prstGeom>
+              <a:noFill/>
+              <a:ln w="28575">
+                <a:solidFill>
+                  <a:schemeClr val="accent1"/>
+                </a:solidFill>
+              </a:ln>
+            </p:spPr>
+            <p:style>
+              <a:lnRef idx="2">
+                <a:schemeClr val="accent1">
+                  <a:shade val="15000"/>
+                </a:schemeClr>
+              </a:lnRef>
+              <a:fillRef idx="1">
+                <a:schemeClr val="accent1"/>
+              </a:fillRef>
+              <a:effectRef idx="0">
+                <a:schemeClr val="accent1"/>
+              </a:effectRef>
+              <a:fontRef idx="minor">
+                <a:schemeClr val="lt1"/>
+              </a:fontRef>
+            </p:style>
+            <p:txBody>
+              <a:bodyPr rtlCol="0" anchor="ctr"/>
+              <a:lstStyle/>
+              <a:p>
+                <a:pPr algn="ctr"/>
+                <a:endParaRPr lang="zh-CN" altLang="en-US"/>
+              </a:p>
+            </p:txBody>
+          </p:sp>
+          <p:grpSp>
+            <p:nvGrpSpPr>
+              <p:cNvPr id="24" name="组合 23">
+                <a:extLst>
+                  <a:ext uri="{FF2B5EF4-FFF2-40B4-BE49-F238E27FC236}">
+                    <a16:creationId xmlns:a16="http://schemas.microsoft.com/office/drawing/2014/main" id="{6CD96C48-196D-B281-B187-C09DE33BB24B}"/>
+                  </a:ext>
+                </a:extLst>
+              </p:cNvPr>
+              <p:cNvGrpSpPr/>
+              <p:nvPr/>
+            </p:nvGrpSpPr>
+            <p:grpSpPr>
+              <a:xfrm>
+                <a:off x="11367633" y="2190504"/>
+                <a:ext cx="227635" cy="1023793"/>
+                <a:chOff x="11367235" y="2230918"/>
+                <a:chExt cx="227635" cy="1023793"/>
+              </a:xfrm>
+            </p:grpSpPr>
+            <p:sp>
+              <p:nvSpPr>
+                <p:cNvPr id="25" name="椭圆 24">
+                  <a:extLst>
+                    <a:ext uri="{FF2B5EF4-FFF2-40B4-BE49-F238E27FC236}">
+                      <a16:creationId xmlns:a16="http://schemas.microsoft.com/office/drawing/2014/main" id="{51C29E78-7F4A-99BE-E338-33CACF2AA8D2}"/>
+                    </a:ext>
+                  </a:extLst>
+                </p:cNvPr>
+                <p:cNvSpPr>
+                  <a:spLocks noChangeAspect="1"/>
+                </p:cNvSpPr>
+                <p:nvPr/>
+              </p:nvSpPr>
+              <p:spPr>
+                <a:xfrm flipV="1">
+                  <a:off x="11367235" y="2230918"/>
+                  <a:ext cx="227635" cy="227635"/>
+                </a:xfrm>
+                <a:prstGeom prst="ellipse">
+                  <a:avLst/>
+                </a:prstGeom>
+                <a:solidFill>
+                  <a:schemeClr val="accent1"/>
+                </a:solidFill>
+                <a:ln>
+                  <a:noFill/>
+                </a:ln>
+              </p:spPr>
+              <p:style>
+                <a:lnRef idx="2">
+                  <a:schemeClr val="accent1">
+                    <a:shade val="15000"/>
+                  </a:schemeClr>
+                </a:lnRef>
+                <a:fillRef idx="1">
+                  <a:schemeClr val="accent1"/>
+                </a:fillRef>
+                <a:effectRef idx="0">
+                  <a:schemeClr val="accent1"/>
+                </a:effectRef>
+                <a:fontRef idx="minor">
+                  <a:schemeClr val="lt1"/>
+                </a:fontRef>
+              </p:style>
+              <p:txBody>
+                <a:bodyPr rtlCol="0" anchor="ctr"/>
+                <a:lstStyle/>
+                <a:p>
+                  <a:pPr algn="ctr"/>
+                  <a:endParaRPr lang="zh-CN" altLang="en-US" sz="1050" b="1" dirty="0">
+                    <a:solidFill>
+                      <a:schemeClr val="tx1"/>
+                    </a:solidFill>
+                    <a:latin typeface="宋体" panose="02010600030101010101" pitchFamily="2" charset="-122"/>
+                    <a:ea typeface="宋体" panose="02010600030101010101" pitchFamily="2" charset="-122"/>
+                  </a:endParaRPr>
+                </a:p>
+              </p:txBody>
+            </p:sp>
+            <p:sp>
+              <p:nvSpPr>
+                <p:cNvPr id="26" name="椭圆 25">
+                  <a:extLst>
+                    <a:ext uri="{FF2B5EF4-FFF2-40B4-BE49-F238E27FC236}">
+                      <a16:creationId xmlns:a16="http://schemas.microsoft.com/office/drawing/2014/main" id="{6530A6B7-E9B6-4D27-9D22-3DC84164EABE}"/>
+                    </a:ext>
+                  </a:extLst>
+                </p:cNvPr>
+                <p:cNvSpPr>
+                  <a:spLocks noChangeAspect="1"/>
+                </p:cNvSpPr>
+                <p:nvPr/>
+              </p:nvSpPr>
+              <p:spPr>
+                <a:xfrm flipV="1">
+                  <a:off x="11367235" y="2496304"/>
+                  <a:ext cx="227635" cy="227635"/>
+                </a:xfrm>
+                <a:prstGeom prst="ellipse">
+                  <a:avLst/>
+                </a:prstGeom>
+                <a:solidFill>
+                  <a:schemeClr val="accent1"/>
+                </a:solidFill>
+                <a:ln>
+                  <a:noFill/>
+                </a:ln>
+              </p:spPr>
+              <p:style>
+                <a:lnRef idx="2">
+                  <a:schemeClr val="accent1">
+                    <a:shade val="15000"/>
+                  </a:schemeClr>
+                </a:lnRef>
+                <a:fillRef idx="1">
+                  <a:schemeClr val="accent1"/>
+                </a:fillRef>
+                <a:effectRef idx="0">
+                  <a:schemeClr val="accent1"/>
+                </a:effectRef>
+                <a:fontRef idx="minor">
+                  <a:schemeClr val="lt1"/>
+                </a:fontRef>
+              </p:style>
+              <p:txBody>
+                <a:bodyPr rtlCol="0" anchor="ctr"/>
+                <a:lstStyle/>
+                <a:p>
+                  <a:pPr algn="ctr"/>
+                  <a:endParaRPr lang="zh-CN" altLang="en-US" sz="1050" b="1" dirty="0">
+                    <a:solidFill>
+                      <a:schemeClr val="tx1"/>
+                    </a:solidFill>
+                    <a:latin typeface="宋体" panose="02010600030101010101" pitchFamily="2" charset="-122"/>
+                    <a:ea typeface="宋体" panose="02010600030101010101" pitchFamily="2" charset="-122"/>
+                  </a:endParaRPr>
+                </a:p>
+              </p:txBody>
+            </p:sp>
+            <p:sp>
+              <p:nvSpPr>
+                <p:cNvPr id="27" name="椭圆 26">
+                  <a:extLst>
+                    <a:ext uri="{FF2B5EF4-FFF2-40B4-BE49-F238E27FC236}">
+                      <a16:creationId xmlns:a16="http://schemas.microsoft.com/office/drawing/2014/main" id="{00954BCE-024B-ACBB-3F98-F6882CFBA930}"/>
+                    </a:ext>
+                  </a:extLst>
+                </p:cNvPr>
+                <p:cNvSpPr>
+                  <a:spLocks noChangeAspect="1"/>
+                </p:cNvSpPr>
+                <p:nvPr/>
+              </p:nvSpPr>
+              <p:spPr>
+                <a:xfrm flipV="1">
+                  <a:off x="11367235" y="2761690"/>
+                  <a:ext cx="227635" cy="227635"/>
+                </a:xfrm>
+                <a:prstGeom prst="ellipse">
+                  <a:avLst/>
+                </a:prstGeom>
+                <a:solidFill>
+                  <a:schemeClr val="accent1"/>
+                </a:solidFill>
+                <a:ln>
+                  <a:noFill/>
+                </a:ln>
+              </p:spPr>
+              <p:style>
+                <a:lnRef idx="2">
+                  <a:schemeClr val="accent1">
+                    <a:shade val="15000"/>
+                  </a:schemeClr>
+                </a:lnRef>
+                <a:fillRef idx="1">
+                  <a:schemeClr val="accent1"/>
+                </a:fillRef>
+                <a:effectRef idx="0">
+                  <a:schemeClr val="accent1"/>
+                </a:effectRef>
+                <a:fontRef idx="minor">
+                  <a:schemeClr val="lt1"/>
+                </a:fontRef>
+              </p:style>
+              <p:txBody>
+                <a:bodyPr rtlCol="0" anchor="ctr"/>
+                <a:lstStyle/>
+                <a:p>
+                  <a:pPr algn="ctr"/>
+                  <a:endParaRPr lang="zh-CN" altLang="en-US" sz="1050" b="1" dirty="0">
+                    <a:solidFill>
+                      <a:schemeClr val="tx1"/>
+                    </a:solidFill>
+                    <a:latin typeface="宋体" panose="02010600030101010101" pitchFamily="2" charset="-122"/>
+                    <a:ea typeface="宋体" panose="02010600030101010101" pitchFamily="2" charset="-122"/>
+                  </a:endParaRPr>
+                </a:p>
+              </p:txBody>
+            </p:sp>
+            <p:sp>
+              <p:nvSpPr>
+                <p:cNvPr id="28" name="椭圆 27">
+                  <a:extLst>
+                    <a:ext uri="{FF2B5EF4-FFF2-40B4-BE49-F238E27FC236}">
+                      <a16:creationId xmlns:a16="http://schemas.microsoft.com/office/drawing/2014/main" id="{992E759B-BA31-F456-0F60-25149C707E0C}"/>
+                    </a:ext>
+                  </a:extLst>
+                </p:cNvPr>
+                <p:cNvSpPr>
+                  <a:spLocks noChangeAspect="1"/>
+                </p:cNvSpPr>
+                <p:nvPr/>
+              </p:nvSpPr>
+              <p:spPr>
+                <a:xfrm flipV="1">
+                  <a:off x="11367235" y="3027076"/>
+                  <a:ext cx="227635" cy="227635"/>
+                </a:xfrm>
+                <a:prstGeom prst="ellipse">
+                  <a:avLst/>
+                </a:prstGeom>
+                <a:solidFill>
+                  <a:schemeClr val="accent1"/>
+                </a:solidFill>
+                <a:ln>
+                  <a:noFill/>
+                </a:ln>
+              </p:spPr>
+              <p:style>
+                <a:lnRef idx="2">
+                  <a:schemeClr val="accent1">
+                    <a:shade val="15000"/>
+                  </a:schemeClr>
+                </a:lnRef>
+                <a:fillRef idx="1">
+                  <a:schemeClr val="accent1"/>
+                </a:fillRef>
+                <a:effectRef idx="0">
+                  <a:schemeClr val="accent1"/>
+                </a:effectRef>
+                <a:fontRef idx="minor">
+                  <a:schemeClr val="lt1"/>
+                </a:fontRef>
+              </p:style>
+              <p:txBody>
+                <a:bodyPr rtlCol="0" anchor="ctr"/>
+                <a:lstStyle/>
+                <a:p>
+                  <a:pPr algn="ctr"/>
+                  <a:endParaRPr lang="zh-CN" altLang="en-US" sz="1050" b="1" dirty="0">
+                    <a:solidFill>
+                      <a:schemeClr val="tx1"/>
+                    </a:solidFill>
+                    <a:latin typeface="宋体" panose="02010600030101010101" pitchFamily="2" charset="-122"/>
+                    <a:ea typeface="宋体" panose="02010600030101010101" pitchFamily="2" charset="-122"/>
+                  </a:endParaRPr>
+                </a:p>
+              </p:txBody>
+            </p:sp>
+          </p:grpSp>
+        </p:grpSp>
+        <p:grpSp>
+          <p:nvGrpSpPr>
+            <p:cNvPr id="29" name="组合 28">
+              <a:extLst>
+                <a:ext uri="{FF2B5EF4-FFF2-40B4-BE49-F238E27FC236}">
+                  <a16:creationId xmlns:a16="http://schemas.microsoft.com/office/drawing/2014/main" id="{34886F1C-E144-E76C-36F3-72C1C6C5FCDC}"/>
+                </a:ext>
+              </a:extLst>
+            </p:cNvPr>
+            <p:cNvGrpSpPr/>
+            <p:nvPr/>
+          </p:nvGrpSpPr>
+          <p:grpSpPr>
+            <a:xfrm rot="16200000">
+              <a:off x="12326693" y="6385246"/>
+              <a:ext cx="320040" cy="1113918"/>
+              <a:chOff x="11318240" y="2142362"/>
+              <a:chExt cx="320040" cy="1113918"/>
+            </a:xfrm>
+          </p:grpSpPr>
+          <p:sp>
+            <p:nvSpPr>
+              <p:cNvPr id="30" name="矩形: 圆角 29">
+                <a:extLst>
+                  <a:ext uri="{FF2B5EF4-FFF2-40B4-BE49-F238E27FC236}">
+                    <a16:creationId xmlns:a16="http://schemas.microsoft.com/office/drawing/2014/main" id="{00DC2BA7-0528-11EB-0DD8-15623DD271B3}"/>
+                  </a:ext>
+                </a:extLst>
+              </p:cNvPr>
+              <p:cNvSpPr/>
+              <p:nvPr/>
+            </p:nvSpPr>
+            <p:spPr>
+              <a:xfrm>
+                <a:off x="11318240" y="2142362"/>
+                <a:ext cx="320040" cy="1113918"/>
+              </a:xfrm>
+              <a:prstGeom prst="roundRect">
+                <a:avLst/>
+              </a:prstGeom>
+              <a:noFill/>
+              <a:ln w="28575">
+                <a:solidFill>
+                  <a:schemeClr val="accent1"/>
+                </a:solidFill>
+              </a:ln>
+            </p:spPr>
+            <p:style>
+              <a:lnRef idx="2">
+                <a:schemeClr val="accent1">
+                  <a:shade val="15000"/>
+                </a:schemeClr>
+              </a:lnRef>
+              <a:fillRef idx="1">
+                <a:schemeClr val="accent1"/>
+              </a:fillRef>
+              <a:effectRef idx="0">
+                <a:schemeClr val="accent1"/>
+              </a:effectRef>
+              <a:fontRef idx="minor">
+                <a:schemeClr val="lt1"/>
+              </a:fontRef>
+            </p:style>
+            <p:txBody>
+              <a:bodyPr rtlCol="0" anchor="ctr"/>
+              <a:lstStyle/>
+              <a:p>
+                <a:pPr algn="ctr"/>
+                <a:endParaRPr lang="zh-CN" altLang="en-US"/>
+              </a:p>
+            </p:txBody>
+          </p:sp>
+          <p:grpSp>
+            <p:nvGrpSpPr>
+              <p:cNvPr id="31" name="组合 30">
+                <a:extLst>
+                  <a:ext uri="{FF2B5EF4-FFF2-40B4-BE49-F238E27FC236}">
+                    <a16:creationId xmlns:a16="http://schemas.microsoft.com/office/drawing/2014/main" id="{843211DE-1340-0259-F6D3-577FAC40F7FA}"/>
+                  </a:ext>
+                </a:extLst>
+              </p:cNvPr>
+              <p:cNvGrpSpPr/>
+              <p:nvPr/>
+            </p:nvGrpSpPr>
+            <p:grpSpPr>
+              <a:xfrm>
+                <a:off x="11367633" y="2190504"/>
+                <a:ext cx="227635" cy="1023793"/>
+                <a:chOff x="11367235" y="2230918"/>
+                <a:chExt cx="227635" cy="1023793"/>
+              </a:xfrm>
+            </p:grpSpPr>
+            <p:sp>
+              <p:nvSpPr>
+                <p:cNvPr id="32" name="椭圆 31">
+                  <a:extLst>
+                    <a:ext uri="{FF2B5EF4-FFF2-40B4-BE49-F238E27FC236}">
+                      <a16:creationId xmlns:a16="http://schemas.microsoft.com/office/drawing/2014/main" id="{3B33EF69-74E4-3D3D-3DEB-AB984F950A3D}"/>
+                    </a:ext>
+                  </a:extLst>
+                </p:cNvPr>
+                <p:cNvSpPr>
+                  <a:spLocks noChangeAspect="1"/>
+                </p:cNvSpPr>
+                <p:nvPr/>
+              </p:nvSpPr>
+              <p:spPr>
+                <a:xfrm flipV="1">
+                  <a:off x="11367235" y="2230918"/>
+                  <a:ext cx="227635" cy="227635"/>
+                </a:xfrm>
+                <a:prstGeom prst="ellipse">
+                  <a:avLst/>
+                </a:prstGeom>
+                <a:solidFill>
+                  <a:schemeClr val="accent1"/>
+                </a:solidFill>
+                <a:ln>
+                  <a:noFill/>
+                </a:ln>
+              </p:spPr>
+              <p:style>
+                <a:lnRef idx="2">
+                  <a:schemeClr val="accent1">
+                    <a:shade val="15000"/>
+                  </a:schemeClr>
+                </a:lnRef>
+                <a:fillRef idx="1">
+                  <a:schemeClr val="accent1"/>
+                </a:fillRef>
+                <a:effectRef idx="0">
+                  <a:schemeClr val="accent1"/>
+                </a:effectRef>
+                <a:fontRef idx="minor">
+                  <a:schemeClr val="lt1"/>
+                </a:fontRef>
+              </p:style>
+              <p:txBody>
+                <a:bodyPr rtlCol="0" anchor="ctr"/>
+                <a:lstStyle/>
+                <a:p>
+                  <a:pPr algn="ctr"/>
+                  <a:endParaRPr lang="zh-CN" altLang="en-US" sz="1050" b="1" dirty="0">
+                    <a:solidFill>
+                      <a:schemeClr val="tx1"/>
+                    </a:solidFill>
+                    <a:latin typeface="宋体" panose="02010600030101010101" pitchFamily="2" charset="-122"/>
+                    <a:ea typeface="宋体" panose="02010600030101010101" pitchFamily="2" charset="-122"/>
+                  </a:endParaRPr>
+                </a:p>
+              </p:txBody>
+            </p:sp>
+            <p:sp>
+              <p:nvSpPr>
+                <p:cNvPr id="33" name="椭圆 32">
+                  <a:extLst>
+                    <a:ext uri="{FF2B5EF4-FFF2-40B4-BE49-F238E27FC236}">
+                      <a16:creationId xmlns:a16="http://schemas.microsoft.com/office/drawing/2014/main" id="{7D7C3B90-189C-3EE6-B697-4AD85E04DF9F}"/>
+                    </a:ext>
+                  </a:extLst>
+                </p:cNvPr>
+                <p:cNvSpPr>
+                  <a:spLocks noChangeAspect="1"/>
+                </p:cNvSpPr>
+                <p:nvPr/>
+              </p:nvSpPr>
+              <p:spPr>
+                <a:xfrm flipV="1">
+                  <a:off x="11367235" y="2496304"/>
+                  <a:ext cx="227635" cy="227635"/>
+                </a:xfrm>
+                <a:prstGeom prst="ellipse">
+                  <a:avLst/>
+                </a:prstGeom>
+                <a:solidFill>
+                  <a:schemeClr val="accent1"/>
+                </a:solidFill>
+                <a:ln>
+                  <a:noFill/>
+                </a:ln>
+              </p:spPr>
+              <p:style>
+                <a:lnRef idx="2">
+                  <a:schemeClr val="accent1">
+                    <a:shade val="15000"/>
+                  </a:schemeClr>
+                </a:lnRef>
+                <a:fillRef idx="1">
+                  <a:schemeClr val="accent1"/>
+                </a:fillRef>
+                <a:effectRef idx="0">
+                  <a:schemeClr val="accent1"/>
+                </a:effectRef>
+                <a:fontRef idx="minor">
+                  <a:schemeClr val="lt1"/>
+                </a:fontRef>
+              </p:style>
+              <p:txBody>
+                <a:bodyPr rtlCol="0" anchor="ctr"/>
+                <a:lstStyle/>
+                <a:p>
+                  <a:pPr algn="ctr"/>
+                  <a:endParaRPr lang="zh-CN" altLang="en-US" sz="1050" b="1" dirty="0">
+                    <a:solidFill>
+                      <a:schemeClr val="tx1"/>
+                    </a:solidFill>
+                    <a:latin typeface="宋体" panose="02010600030101010101" pitchFamily="2" charset="-122"/>
+                    <a:ea typeface="宋体" panose="02010600030101010101" pitchFamily="2" charset="-122"/>
+                  </a:endParaRPr>
+                </a:p>
+              </p:txBody>
+            </p:sp>
+            <p:sp>
+              <p:nvSpPr>
+                <p:cNvPr id="34" name="椭圆 33">
+                  <a:extLst>
+                    <a:ext uri="{FF2B5EF4-FFF2-40B4-BE49-F238E27FC236}">
+                      <a16:creationId xmlns:a16="http://schemas.microsoft.com/office/drawing/2014/main" id="{D355F793-0684-0FD9-C0AE-3C18219F0B85}"/>
+                    </a:ext>
+                  </a:extLst>
+                </p:cNvPr>
+                <p:cNvSpPr>
+                  <a:spLocks noChangeAspect="1"/>
+                </p:cNvSpPr>
+                <p:nvPr/>
+              </p:nvSpPr>
+              <p:spPr>
+                <a:xfrm flipV="1">
+                  <a:off x="11367235" y="2761690"/>
+                  <a:ext cx="227635" cy="227635"/>
+                </a:xfrm>
+                <a:prstGeom prst="ellipse">
+                  <a:avLst/>
+                </a:prstGeom>
+                <a:solidFill>
+                  <a:schemeClr val="accent1"/>
+                </a:solidFill>
+                <a:ln>
+                  <a:noFill/>
+                </a:ln>
+              </p:spPr>
+              <p:style>
+                <a:lnRef idx="2">
+                  <a:schemeClr val="accent1">
+                    <a:shade val="15000"/>
+                  </a:schemeClr>
+                </a:lnRef>
+                <a:fillRef idx="1">
+                  <a:schemeClr val="accent1"/>
+                </a:fillRef>
+                <a:effectRef idx="0">
+                  <a:schemeClr val="accent1"/>
+                </a:effectRef>
+                <a:fontRef idx="minor">
+                  <a:schemeClr val="lt1"/>
+                </a:fontRef>
+              </p:style>
+              <p:txBody>
+                <a:bodyPr rtlCol="0" anchor="ctr"/>
+                <a:lstStyle/>
+                <a:p>
+                  <a:pPr algn="ctr"/>
+                  <a:endParaRPr lang="zh-CN" altLang="en-US" sz="1050" b="1" dirty="0">
+                    <a:solidFill>
+                      <a:schemeClr val="tx1"/>
+                    </a:solidFill>
+                    <a:latin typeface="宋体" panose="02010600030101010101" pitchFamily="2" charset="-122"/>
+                    <a:ea typeface="宋体" panose="02010600030101010101" pitchFamily="2" charset="-122"/>
+                  </a:endParaRPr>
+                </a:p>
+              </p:txBody>
+            </p:sp>
+            <p:sp>
+              <p:nvSpPr>
+                <p:cNvPr id="35" name="椭圆 34">
+                  <a:extLst>
+                    <a:ext uri="{FF2B5EF4-FFF2-40B4-BE49-F238E27FC236}">
+                      <a16:creationId xmlns:a16="http://schemas.microsoft.com/office/drawing/2014/main" id="{B7FDE399-DD61-25F2-3435-359A6228D70A}"/>
+                    </a:ext>
+                  </a:extLst>
+                </p:cNvPr>
+                <p:cNvSpPr>
+                  <a:spLocks noChangeAspect="1"/>
+                </p:cNvSpPr>
+                <p:nvPr/>
+              </p:nvSpPr>
+              <p:spPr>
+                <a:xfrm flipV="1">
+                  <a:off x="11367235" y="3027076"/>
+                  <a:ext cx="227635" cy="227635"/>
+                </a:xfrm>
+                <a:prstGeom prst="ellipse">
+                  <a:avLst/>
+                </a:prstGeom>
+                <a:solidFill>
+                  <a:schemeClr val="accent1"/>
+                </a:solidFill>
+                <a:ln>
+                  <a:noFill/>
+                </a:ln>
+              </p:spPr>
+              <p:style>
+                <a:lnRef idx="2">
+                  <a:schemeClr val="accent1">
+                    <a:shade val="15000"/>
+                  </a:schemeClr>
+                </a:lnRef>
+                <a:fillRef idx="1">
+                  <a:schemeClr val="accent1"/>
+                </a:fillRef>
+                <a:effectRef idx="0">
+                  <a:schemeClr val="accent1"/>
+                </a:effectRef>
+                <a:fontRef idx="minor">
+                  <a:schemeClr val="lt1"/>
+                </a:fontRef>
+              </p:style>
+              <p:txBody>
+                <a:bodyPr rtlCol="0" anchor="ctr"/>
+                <a:lstStyle/>
+                <a:p>
+                  <a:pPr algn="ctr"/>
+                  <a:endParaRPr lang="zh-CN" altLang="en-US" sz="1050" b="1" dirty="0">
+                    <a:solidFill>
+                      <a:schemeClr val="tx1"/>
+                    </a:solidFill>
+                    <a:latin typeface="宋体" panose="02010600030101010101" pitchFamily="2" charset="-122"/>
+                    <a:ea typeface="宋体" panose="02010600030101010101" pitchFamily="2" charset="-122"/>
+                  </a:endParaRPr>
+                </a:p>
+              </p:txBody>
+            </p:sp>
+          </p:grpSp>
+        </p:grpSp>
+        <p:grpSp>
+          <p:nvGrpSpPr>
+            <p:cNvPr id="42" name="组合 41">
+              <a:extLst>
+                <a:ext uri="{FF2B5EF4-FFF2-40B4-BE49-F238E27FC236}">
+                  <a16:creationId xmlns:a16="http://schemas.microsoft.com/office/drawing/2014/main" id="{379EBA5D-8631-DEB7-4412-E93310AEEA8B}"/>
+                </a:ext>
+              </a:extLst>
+            </p:cNvPr>
+            <p:cNvGrpSpPr/>
+            <p:nvPr/>
+          </p:nvGrpSpPr>
+          <p:grpSpPr>
+            <a:xfrm>
+              <a:off x="5647674" y="6782184"/>
+              <a:ext cx="1113918" cy="320040"/>
+              <a:chOff x="5439886" y="6261870"/>
+              <a:chExt cx="1113918" cy="320040"/>
+            </a:xfrm>
+          </p:grpSpPr>
+          <p:sp>
+            <p:nvSpPr>
+              <p:cNvPr id="36" name="矩形: 圆角 35">
+                <a:extLst>
+                  <a:ext uri="{FF2B5EF4-FFF2-40B4-BE49-F238E27FC236}">
+                    <a16:creationId xmlns:a16="http://schemas.microsoft.com/office/drawing/2014/main" id="{16471175-FC95-8227-DF82-D73FA123A42C}"/>
+                  </a:ext>
+                </a:extLst>
+              </p:cNvPr>
+              <p:cNvSpPr/>
+              <p:nvPr/>
+            </p:nvSpPr>
+            <p:spPr>
+              <a:xfrm rot="16200000">
+                <a:off x="5836825" y="5864931"/>
+                <a:ext cx="320040" cy="1113918"/>
+              </a:xfrm>
+              <a:prstGeom prst="roundRect">
+                <a:avLst/>
+              </a:prstGeom>
+              <a:noFill/>
+              <a:ln w="28575">
+                <a:solidFill>
+                  <a:srgbClr val="C00000"/>
+                </a:solidFill>
+              </a:ln>
+            </p:spPr>
+            <p:style>
+              <a:lnRef idx="2">
+                <a:schemeClr val="accent1">
+                  <a:shade val="15000"/>
+                </a:schemeClr>
+              </a:lnRef>
+              <a:fillRef idx="1">
+                <a:schemeClr val="accent1"/>
+              </a:fillRef>
+              <a:effectRef idx="0">
+                <a:schemeClr val="accent1"/>
+              </a:effectRef>
+              <a:fontRef idx="minor">
+                <a:schemeClr val="lt1"/>
+              </a:fontRef>
+            </p:style>
+            <p:txBody>
+              <a:bodyPr rtlCol="0" anchor="ctr"/>
+              <a:lstStyle/>
+              <a:p>
+                <a:pPr algn="ctr"/>
+                <a:endParaRPr lang="zh-CN" altLang="en-US"/>
+              </a:p>
+            </p:txBody>
+          </p:sp>
+          <p:grpSp>
+            <p:nvGrpSpPr>
+              <p:cNvPr id="37" name="组合 36">
+                <a:extLst>
+                  <a:ext uri="{FF2B5EF4-FFF2-40B4-BE49-F238E27FC236}">
+                    <a16:creationId xmlns:a16="http://schemas.microsoft.com/office/drawing/2014/main" id="{8BD97D96-AACA-1755-19C6-C311B06C4A1B}"/>
+                  </a:ext>
+                </a:extLst>
+              </p:cNvPr>
+              <p:cNvGrpSpPr/>
+              <p:nvPr/>
+            </p:nvGrpSpPr>
+            <p:grpSpPr>
+              <a:xfrm rot="16200000">
+                <a:off x="5886218" y="5913073"/>
+                <a:ext cx="227635" cy="1023793"/>
+                <a:chOff x="11367235" y="2230918"/>
+                <a:chExt cx="227635" cy="1023793"/>
+              </a:xfrm>
+            </p:grpSpPr>
+            <p:sp>
+              <p:nvSpPr>
+                <p:cNvPr id="38" name="椭圆 37">
+                  <a:extLst>
+                    <a:ext uri="{FF2B5EF4-FFF2-40B4-BE49-F238E27FC236}">
+                      <a16:creationId xmlns:a16="http://schemas.microsoft.com/office/drawing/2014/main" id="{3A7A9D86-6EFB-DA61-D15F-92430D06B8BD}"/>
+                    </a:ext>
+                  </a:extLst>
+                </p:cNvPr>
+                <p:cNvSpPr>
+                  <a:spLocks noChangeAspect="1"/>
+                </p:cNvSpPr>
+                <p:nvPr/>
+              </p:nvSpPr>
+              <p:spPr>
+                <a:xfrm flipV="1">
+                  <a:off x="11367235" y="2230918"/>
+                  <a:ext cx="227635" cy="227635"/>
+                </a:xfrm>
+                <a:prstGeom prst="ellipse">
+                  <a:avLst/>
+                </a:prstGeom>
+                <a:solidFill>
+                  <a:srgbClr val="C00000"/>
+                </a:solidFill>
+                <a:ln>
+                  <a:noFill/>
+                </a:ln>
+              </p:spPr>
+              <p:style>
+                <a:lnRef idx="2">
+                  <a:schemeClr val="accent1">
+                    <a:shade val="15000"/>
+                  </a:schemeClr>
+                </a:lnRef>
+                <a:fillRef idx="1">
+                  <a:schemeClr val="accent1"/>
+                </a:fillRef>
+                <a:effectRef idx="0">
+                  <a:schemeClr val="accent1"/>
+                </a:effectRef>
+                <a:fontRef idx="minor">
+                  <a:schemeClr val="lt1"/>
+                </a:fontRef>
+              </p:style>
+              <p:txBody>
+                <a:bodyPr rtlCol="0" anchor="ctr"/>
+                <a:lstStyle/>
+                <a:p>
+                  <a:pPr algn="ctr"/>
+                  <a:endParaRPr lang="zh-CN" altLang="en-US" sz="1050" b="1" dirty="0">
+                    <a:solidFill>
+                      <a:schemeClr val="tx1"/>
+                    </a:solidFill>
+                    <a:latin typeface="宋体" panose="02010600030101010101" pitchFamily="2" charset="-122"/>
+                    <a:ea typeface="宋体" panose="02010600030101010101" pitchFamily="2" charset="-122"/>
+                  </a:endParaRPr>
+                </a:p>
+              </p:txBody>
+            </p:sp>
+            <p:sp>
+              <p:nvSpPr>
+                <p:cNvPr id="39" name="椭圆 38">
+                  <a:extLst>
+                    <a:ext uri="{FF2B5EF4-FFF2-40B4-BE49-F238E27FC236}">
+                      <a16:creationId xmlns:a16="http://schemas.microsoft.com/office/drawing/2014/main" id="{54EB1954-611B-9645-94BC-2A08514E12FE}"/>
+                    </a:ext>
+                  </a:extLst>
+                </p:cNvPr>
+                <p:cNvSpPr>
+                  <a:spLocks noChangeAspect="1"/>
+                </p:cNvSpPr>
+                <p:nvPr/>
+              </p:nvSpPr>
+              <p:spPr>
+                <a:xfrm flipV="1">
+                  <a:off x="11367235" y="2496304"/>
+                  <a:ext cx="227635" cy="227635"/>
+                </a:xfrm>
+                <a:prstGeom prst="ellipse">
+                  <a:avLst/>
+                </a:prstGeom>
+                <a:solidFill>
+                  <a:srgbClr val="C00000"/>
+                </a:solidFill>
+                <a:ln>
+                  <a:noFill/>
+                </a:ln>
+              </p:spPr>
+              <p:style>
+                <a:lnRef idx="2">
+                  <a:schemeClr val="accent1">
+                    <a:shade val="15000"/>
+                  </a:schemeClr>
+                </a:lnRef>
+                <a:fillRef idx="1">
+                  <a:schemeClr val="accent1"/>
+                </a:fillRef>
+                <a:effectRef idx="0">
+                  <a:schemeClr val="accent1"/>
+                </a:effectRef>
+                <a:fontRef idx="minor">
+                  <a:schemeClr val="lt1"/>
+                </a:fontRef>
+              </p:style>
+              <p:txBody>
+                <a:bodyPr rtlCol="0" anchor="ctr"/>
+                <a:lstStyle/>
+                <a:p>
+                  <a:pPr algn="ctr"/>
+                  <a:endParaRPr lang="zh-CN" altLang="en-US" sz="1050" b="1" dirty="0">
+                    <a:solidFill>
+                      <a:schemeClr val="tx1"/>
+                    </a:solidFill>
+                    <a:latin typeface="宋体" panose="02010600030101010101" pitchFamily="2" charset="-122"/>
+                    <a:ea typeface="宋体" panose="02010600030101010101" pitchFamily="2" charset="-122"/>
+                  </a:endParaRPr>
+                </a:p>
+              </p:txBody>
+            </p:sp>
+            <p:sp>
+              <p:nvSpPr>
+                <p:cNvPr id="40" name="椭圆 39">
+                  <a:extLst>
+                    <a:ext uri="{FF2B5EF4-FFF2-40B4-BE49-F238E27FC236}">
+                      <a16:creationId xmlns:a16="http://schemas.microsoft.com/office/drawing/2014/main" id="{1BC618E1-FBB8-9B82-DD0B-C902D0C64AAF}"/>
+                    </a:ext>
+                  </a:extLst>
+                </p:cNvPr>
+                <p:cNvSpPr>
+                  <a:spLocks noChangeAspect="1"/>
+                </p:cNvSpPr>
+                <p:nvPr/>
+              </p:nvSpPr>
+              <p:spPr>
+                <a:xfrm flipV="1">
+                  <a:off x="11367235" y="2761690"/>
+                  <a:ext cx="227635" cy="227635"/>
+                </a:xfrm>
+                <a:prstGeom prst="ellipse">
+                  <a:avLst/>
+                </a:prstGeom>
+                <a:solidFill>
+                  <a:srgbClr val="C00000"/>
+                </a:solidFill>
+                <a:ln>
+                  <a:noFill/>
+                </a:ln>
+              </p:spPr>
+              <p:style>
+                <a:lnRef idx="2">
+                  <a:schemeClr val="accent1">
+                    <a:shade val="15000"/>
+                  </a:schemeClr>
+                </a:lnRef>
+                <a:fillRef idx="1">
+                  <a:schemeClr val="accent1"/>
+                </a:fillRef>
+                <a:effectRef idx="0">
+                  <a:schemeClr val="accent1"/>
+                </a:effectRef>
+                <a:fontRef idx="minor">
+                  <a:schemeClr val="lt1"/>
+                </a:fontRef>
+              </p:style>
+              <p:txBody>
+                <a:bodyPr rtlCol="0" anchor="ctr"/>
+                <a:lstStyle/>
+                <a:p>
+                  <a:pPr algn="ctr"/>
+                  <a:endParaRPr lang="zh-CN" altLang="en-US" sz="1050" b="1" dirty="0">
+                    <a:solidFill>
+                      <a:schemeClr val="tx1"/>
+                    </a:solidFill>
+                    <a:latin typeface="宋体" panose="02010600030101010101" pitchFamily="2" charset="-122"/>
+                    <a:ea typeface="宋体" panose="02010600030101010101" pitchFamily="2" charset="-122"/>
+                  </a:endParaRPr>
+                </a:p>
+              </p:txBody>
+            </p:sp>
+            <p:sp>
+              <p:nvSpPr>
+                <p:cNvPr id="41" name="椭圆 40">
+                  <a:extLst>
+                    <a:ext uri="{FF2B5EF4-FFF2-40B4-BE49-F238E27FC236}">
+                      <a16:creationId xmlns:a16="http://schemas.microsoft.com/office/drawing/2014/main" id="{5F7C6BEB-139E-999C-15D9-DE9ED7EE0496}"/>
+                    </a:ext>
+                  </a:extLst>
+                </p:cNvPr>
+                <p:cNvSpPr>
+                  <a:spLocks noChangeAspect="1"/>
+                </p:cNvSpPr>
+                <p:nvPr/>
+              </p:nvSpPr>
+              <p:spPr>
+                <a:xfrm flipV="1">
+                  <a:off x="11367235" y="3027076"/>
+                  <a:ext cx="227635" cy="227635"/>
+                </a:xfrm>
+                <a:prstGeom prst="ellipse">
+                  <a:avLst/>
+                </a:prstGeom>
+                <a:solidFill>
+                  <a:srgbClr val="C00000"/>
+                </a:solidFill>
+                <a:ln>
+                  <a:noFill/>
+                </a:ln>
+              </p:spPr>
+              <p:style>
+                <a:lnRef idx="2">
+                  <a:schemeClr val="accent1">
+                    <a:shade val="15000"/>
+                  </a:schemeClr>
+                </a:lnRef>
+                <a:fillRef idx="1">
+                  <a:schemeClr val="accent1"/>
+                </a:fillRef>
+                <a:effectRef idx="0">
+                  <a:schemeClr val="accent1"/>
+                </a:effectRef>
+                <a:fontRef idx="minor">
+                  <a:schemeClr val="lt1"/>
+                </a:fontRef>
+              </p:style>
+              <p:txBody>
+                <a:bodyPr rtlCol="0" anchor="ctr"/>
+                <a:lstStyle/>
+                <a:p>
+                  <a:pPr algn="ctr"/>
+                  <a:endParaRPr lang="zh-CN" altLang="en-US" sz="1050" b="1" dirty="0">
+                    <a:solidFill>
+                      <a:schemeClr val="tx1"/>
+                    </a:solidFill>
+                    <a:latin typeface="宋体" panose="02010600030101010101" pitchFamily="2" charset="-122"/>
+                    <a:ea typeface="宋体" panose="02010600030101010101" pitchFamily="2" charset="-122"/>
+                  </a:endParaRPr>
+                </a:p>
+              </p:txBody>
+            </p:sp>
+          </p:grpSp>
+        </p:grpSp>
+      </p:grpSp>
+      <p:grpSp>
+        <p:nvGrpSpPr>
+          <p:cNvPr id="64" name="组合 63">
+            <a:extLst>
+              <a:ext uri="{FF2B5EF4-FFF2-40B4-BE49-F238E27FC236}">
+                <a16:creationId xmlns:a16="http://schemas.microsoft.com/office/drawing/2014/main" id="{674D4BE9-3FF8-9134-8A2F-47072C47D6A2}"/>
+              </a:ext>
+            </a:extLst>
+          </p:cNvPr>
+          <p:cNvGrpSpPr/>
+          <p:nvPr/>
+        </p:nvGrpSpPr>
+        <p:grpSpPr>
+          <a:xfrm>
+            <a:off x="6204633" y="5732866"/>
+            <a:ext cx="6282080" cy="689576"/>
+            <a:chOff x="6204633" y="5732866"/>
+            <a:chExt cx="6282080" cy="689576"/>
+          </a:xfrm>
+        </p:grpSpPr>
+        <p:grpSp>
+          <p:nvGrpSpPr>
+            <p:cNvPr id="44" name="组合 43">
+              <a:extLst>
+                <a:ext uri="{FF2B5EF4-FFF2-40B4-BE49-F238E27FC236}">
+                  <a16:creationId xmlns:a16="http://schemas.microsoft.com/office/drawing/2014/main" id="{BB1247AD-2D15-5B7A-314D-F0314C699E03}"/>
+                </a:ext>
+              </a:extLst>
+            </p:cNvPr>
+            <p:cNvGrpSpPr/>
+            <p:nvPr/>
+          </p:nvGrpSpPr>
+          <p:grpSpPr>
+            <a:xfrm rot="16200000">
+              <a:off x="9793936" y="3729665"/>
+              <a:ext cx="689576" cy="4695978"/>
+              <a:chOff x="7917976" y="2868665"/>
+              <a:chExt cx="757328" cy="4695978"/>
+            </a:xfrm>
+          </p:grpSpPr>
+          <p:cxnSp>
+            <p:nvCxnSpPr>
+              <p:cNvPr id="46" name="直接箭头连接符 45">
+                <a:extLst>
+                  <a:ext uri="{FF2B5EF4-FFF2-40B4-BE49-F238E27FC236}">
+                    <a16:creationId xmlns:a16="http://schemas.microsoft.com/office/drawing/2014/main" id="{EE11F7A2-AF1A-CF3A-7D70-624929EA8CE1}"/>
+                  </a:ext>
+                </a:extLst>
+              </p:cNvPr>
+              <p:cNvCxnSpPr>
+                <a:cxnSpLocks/>
+              </p:cNvCxnSpPr>
+              <p:nvPr/>
+            </p:nvCxnSpPr>
+            <p:spPr>
+              <a:xfrm>
+                <a:off x="7917976" y="2868665"/>
+                <a:ext cx="757328" cy="0"/>
+              </a:xfrm>
+              <a:prstGeom prst="straightConnector1">
+                <a:avLst/>
+              </a:prstGeom>
+              <a:ln w="28575">
+                <a:solidFill>
+                  <a:schemeClr val="bg1">
+                    <a:lumMod val="50000"/>
+                  </a:schemeClr>
+                </a:solidFill>
+                <a:tailEnd type="triangle"/>
+              </a:ln>
+            </p:spPr>
+            <p:style>
+              <a:lnRef idx="1">
+                <a:schemeClr val="dk1"/>
+              </a:lnRef>
+              <a:fillRef idx="0">
+                <a:schemeClr val="dk1"/>
+              </a:fillRef>
+              <a:effectRef idx="0">
+                <a:schemeClr val="dk1"/>
+              </a:effectRef>
+              <a:fontRef idx="minor">
+                <a:schemeClr val="tx1"/>
+              </a:fontRef>
+            </p:style>
+          </p:cxnSp>
+          <p:cxnSp>
+            <p:nvCxnSpPr>
+              <p:cNvPr id="47" name="直接箭头连接符 46">
+                <a:extLst>
+                  <a:ext uri="{FF2B5EF4-FFF2-40B4-BE49-F238E27FC236}">
+                    <a16:creationId xmlns:a16="http://schemas.microsoft.com/office/drawing/2014/main" id="{C7549C86-AF96-614E-F42F-DCDA7B7A334A}"/>
+                  </a:ext>
+                </a:extLst>
+              </p:cNvPr>
+              <p:cNvCxnSpPr>
+                <a:cxnSpLocks/>
+              </p:cNvCxnSpPr>
+              <p:nvPr/>
+            </p:nvCxnSpPr>
+            <p:spPr>
+              <a:xfrm>
+                <a:off x="7917976" y="4404396"/>
+                <a:ext cx="757328" cy="0"/>
+              </a:xfrm>
+              <a:prstGeom prst="straightConnector1">
+                <a:avLst/>
+              </a:prstGeom>
+              <a:ln w="28575">
+                <a:solidFill>
+                  <a:schemeClr val="bg1">
+                    <a:lumMod val="50000"/>
+                  </a:schemeClr>
+                </a:solidFill>
+                <a:tailEnd type="triangle"/>
+              </a:ln>
+            </p:spPr>
+            <p:style>
+              <a:lnRef idx="1">
+                <a:schemeClr val="dk1"/>
+              </a:lnRef>
+              <a:fillRef idx="0">
+                <a:schemeClr val="dk1"/>
+              </a:fillRef>
+              <a:effectRef idx="0">
+                <a:schemeClr val="dk1"/>
+              </a:effectRef>
+              <a:fontRef idx="minor">
+                <a:schemeClr val="tx1"/>
+              </a:fontRef>
+            </p:style>
+          </p:cxnSp>
+          <p:cxnSp>
+            <p:nvCxnSpPr>
+              <p:cNvPr id="48" name="直接箭头连接符 47">
+                <a:extLst>
+                  <a:ext uri="{FF2B5EF4-FFF2-40B4-BE49-F238E27FC236}">
+                    <a16:creationId xmlns:a16="http://schemas.microsoft.com/office/drawing/2014/main" id="{85EEA33D-AEC8-8F1A-E955-AAF6B96A33C1}"/>
+                  </a:ext>
+                </a:extLst>
+              </p:cNvPr>
+              <p:cNvCxnSpPr>
+                <a:cxnSpLocks/>
+              </p:cNvCxnSpPr>
+              <p:nvPr/>
+            </p:nvCxnSpPr>
+            <p:spPr>
+              <a:xfrm>
+                <a:off x="7917976" y="5976315"/>
+                <a:ext cx="757328" cy="0"/>
+              </a:xfrm>
+              <a:prstGeom prst="straightConnector1">
+                <a:avLst/>
+              </a:prstGeom>
+              <a:ln w="28575">
+                <a:solidFill>
+                  <a:schemeClr val="bg1">
+                    <a:lumMod val="50000"/>
+                  </a:schemeClr>
+                </a:solidFill>
+                <a:tailEnd type="triangle"/>
+              </a:ln>
+            </p:spPr>
+            <p:style>
+              <a:lnRef idx="1">
+                <a:schemeClr val="dk1"/>
+              </a:lnRef>
+              <a:fillRef idx="0">
+                <a:schemeClr val="dk1"/>
+              </a:fillRef>
+              <a:effectRef idx="0">
+                <a:schemeClr val="dk1"/>
+              </a:effectRef>
+              <a:fontRef idx="minor">
+                <a:schemeClr val="tx1"/>
+              </a:fontRef>
+            </p:style>
+          </p:cxnSp>
+          <p:cxnSp>
+            <p:nvCxnSpPr>
+              <p:cNvPr id="49" name="直接箭头连接符 48">
+                <a:extLst>
+                  <a:ext uri="{FF2B5EF4-FFF2-40B4-BE49-F238E27FC236}">
+                    <a16:creationId xmlns:a16="http://schemas.microsoft.com/office/drawing/2014/main" id="{225F37FB-B6DD-A13E-7B7B-056ACBD870AB}"/>
+                  </a:ext>
+                </a:extLst>
+              </p:cNvPr>
+              <p:cNvCxnSpPr>
+                <a:cxnSpLocks/>
+              </p:cNvCxnSpPr>
+              <p:nvPr/>
+            </p:nvCxnSpPr>
+            <p:spPr>
+              <a:xfrm>
+                <a:off x="7917976" y="7564643"/>
+                <a:ext cx="757328" cy="0"/>
+              </a:xfrm>
+              <a:prstGeom prst="straightConnector1">
+                <a:avLst/>
+              </a:prstGeom>
+              <a:ln w="28575">
+                <a:solidFill>
+                  <a:schemeClr val="bg1">
+                    <a:lumMod val="50000"/>
+                  </a:schemeClr>
+                </a:solidFill>
+                <a:tailEnd type="triangle"/>
+              </a:ln>
+            </p:spPr>
+            <p:style>
+              <a:lnRef idx="1">
+                <a:schemeClr val="dk1"/>
+              </a:lnRef>
+              <a:fillRef idx="0">
+                <a:schemeClr val="dk1"/>
+              </a:fillRef>
+              <a:effectRef idx="0">
+                <a:schemeClr val="dk1"/>
+              </a:effectRef>
+              <a:fontRef idx="minor">
+                <a:schemeClr val="tx1"/>
+              </a:fontRef>
+            </p:style>
+          </p:cxnSp>
+        </p:grpSp>
+        <p:cxnSp>
+          <p:nvCxnSpPr>
+            <p:cNvPr id="45" name="直接箭头连接符 44">
+              <a:extLst>
+                <a:ext uri="{FF2B5EF4-FFF2-40B4-BE49-F238E27FC236}">
+                  <a16:creationId xmlns:a16="http://schemas.microsoft.com/office/drawing/2014/main" id="{8C068D8D-9323-ABE7-4063-25EBFB8CFCE0}"/>
+                </a:ext>
+              </a:extLst>
+            </p:cNvPr>
+            <p:cNvCxnSpPr>
+              <a:cxnSpLocks/>
+            </p:cNvCxnSpPr>
+            <p:nvPr/>
+          </p:nvCxnSpPr>
+          <p:spPr>
+            <a:xfrm rot="16200000">
+              <a:off x="5859845" y="6077654"/>
+              <a:ext cx="689576" cy="0"/>
+            </a:xfrm>
+            <a:prstGeom prst="straightConnector1">
+              <a:avLst/>
+            </a:prstGeom>
+            <a:ln w="28575">
+              <a:solidFill>
+                <a:schemeClr val="bg1">
+                  <a:lumMod val="50000"/>
+                </a:schemeClr>
+              </a:solidFill>
+              <a:tailEnd type="triangle"/>
+            </a:ln>
+          </p:spPr>
+          <p:style>
+            <a:lnRef idx="1">
+              <a:schemeClr val="dk1"/>
+            </a:lnRef>
+            <a:fillRef idx="0">
+              <a:schemeClr val="dk1"/>
+            </a:fillRef>
+            <a:effectRef idx="0">
+              <a:schemeClr val="dk1"/>
+            </a:effectRef>
+            <a:fontRef idx="minor">
+              <a:schemeClr val="tx1"/>
+            </a:fontRef>
+          </p:style>
+        </p:cxnSp>
+      </p:grpSp>
+      <p:grpSp>
+        <p:nvGrpSpPr>
+          <p:cNvPr id="52" name="组合 51">
+            <a:extLst>
+              <a:ext uri="{FF2B5EF4-FFF2-40B4-BE49-F238E27FC236}">
+                <a16:creationId xmlns:a16="http://schemas.microsoft.com/office/drawing/2014/main" id="{BC89142C-7E09-4B1A-500F-986AD8464E89}"/>
+              </a:ext>
+            </a:extLst>
+          </p:cNvPr>
+          <p:cNvGrpSpPr/>
+          <p:nvPr/>
+        </p:nvGrpSpPr>
+        <p:grpSpPr>
+          <a:xfrm rot="16200000">
+            <a:off x="9515487" y="5527976"/>
+            <a:ext cx="1339747" cy="6337273"/>
+            <a:chOff x="7643428" y="2503500"/>
+            <a:chExt cx="1339747" cy="6337273"/>
+          </a:xfrm>
+        </p:grpSpPr>
+        <p:sp>
+          <p:nvSpPr>
+            <p:cNvPr id="53" name="矩形: 圆角 52">
+              <a:extLst>
+                <a:ext uri="{FF2B5EF4-FFF2-40B4-BE49-F238E27FC236}">
+                  <a16:creationId xmlns:a16="http://schemas.microsoft.com/office/drawing/2014/main" id="{792B3654-E2D3-9FD1-33F9-E61198F2F343}"/>
+                </a:ext>
+              </a:extLst>
+            </p:cNvPr>
+            <p:cNvSpPr/>
+            <p:nvPr/>
+          </p:nvSpPr>
+          <p:spPr>
+            <a:xfrm>
+              <a:off x="7643428" y="2715500"/>
+              <a:ext cx="1110763" cy="6125273"/>
+            </a:xfrm>
+            <a:prstGeom prst="roundRect">
+              <a:avLst/>
+            </a:prstGeom>
+            <a:solidFill>
+              <a:schemeClr val="accent6">
+                <a:lumMod val="60000"/>
+                <a:lumOff val="40000"/>
+              </a:schemeClr>
+            </a:solidFill>
+            <a:ln w="28575">
+              <a:solidFill>
+                <a:schemeClr val="bg1">
+                  <a:lumMod val="50000"/>
+                </a:schemeClr>
+              </a:solidFill>
+              <a:prstDash val="solid"/>
+            </a:ln>
+          </p:spPr>
+          <p:style>
+            <a:lnRef idx="2">
+              <a:schemeClr val="accent1">
+                <a:shade val="15000"/>
+              </a:schemeClr>
+            </a:lnRef>
+            <a:fillRef idx="1">
+              <a:schemeClr val="accent1"/>
+            </a:fillRef>
+            <a:effectRef idx="0">
+              <a:schemeClr val="accent1"/>
+            </a:effectRef>
+            <a:fontRef idx="minor">
+              <a:schemeClr val="lt1"/>
+            </a:fontRef>
+          </p:style>
+          <p:txBody>
+            <a:bodyPr rtlCol="0" anchor="ctr"/>
+            <a:lstStyle/>
+            <a:p>
+              <a:pPr algn="ctr"/>
+              <a:endParaRPr lang="zh-CN" altLang="en-US"/>
+            </a:p>
+          </p:txBody>
+        </p:sp>
+        <p:sp>
+          <p:nvSpPr>
+            <p:cNvPr id="54" name="矩形: 圆角 53">
+              <a:extLst>
+                <a:ext uri="{FF2B5EF4-FFF2-40B4-BE49-F238E27FC236}">
+                  <a16:creationId xmlns:a16="http://schemas.microsoft.com/office/drawing/2014/main" id="{BA1B4205-400D-C902-1181-C3F03A40FAC3}"/>
+                </a:ext>
+              </a:extLst>
+            </p:cNvPr>
+            <p:cNvSpPr/>
+            <p:nvPr/>
+          </p:nvSpPr>
+          <p:spPr>
+            <a:xfrm>
+              <a:off x="7757365" y="2609500"/>
+              <a:ext cx="1110763" cy="6125273"/>
+            </a:xfrm>
+            <a:prstGeom prst="roundRect">
+              <a:avLst/>
+            </a:prstGeom>
+            <a:solidFill>
+              <a:schemeClr val="accent6">
+                <a:lumMod val="40000"/>
+                <a:lumOff val="60000"/>
+              </a:schemeClr>
+            </a:solidFill>
+            <a:ln w="28575">
+              <a:solidFill>
+                <a:schemeClr val="bg1">
+                  <a:lumMod val="50000"/>
+                </a:schemeClr>
+              </a:solidFill>
+              <a:prstDash val="solid"/>
+            </a:ln>
+          </p:spPr>
+          <p:style>
+            <a:lnRef idx="2">
+              <a:schemeClr val="accent1">
+                <a:shade val="15000"/>
+              </a:schemeClr>
+            </a:lnRef>
+            <a:fillRef idx="1">
+              <a:schemeClr val="accent1"/>
+            </a:fillRef>
+            <a:effectRef idx="0">
+              <a:schemeClr val="accent1"/>
+            </a:effectRef>
+            <a:fontRef idx="minor">
+              <a:schemeClr val="lt1"/>
+            </a:fontRef>
+          </p:style>
+          <p:txBody>
+            <a:bodyPr rtlCol="0" anchor="ctr"/>
+            <a:lstStyle/>
+            <a:p>
+              <a:pPr algn="ctr"/>
+              <a:endParaRPr lang="zh-CN" altLang="en-US"/>
+            </a:p>
+          </p:txBody>
+        </p:sp>
+        <p:sp>
+          <p:nvSpPr>
+            <p:cNvPr id="55" name="矩形: 圆角 54">
+              <a:extLst>
+                <a:ext uri="{FF2B5EF4-FFF2-40B4-BE49-F238E27FC236}">
+                  <a16:creationId xmlns:a16="http://schemas.microsoft.com/office/drawing/2014/main" id="{617B2125-4041-1468-177D-334F012F908A}"/>
+                </a:ext>
+              </a:extLst>
+            </p:cNvPr>
+            <p:cNvSpPr/>
+            <p:nvPr/>
+          </p:nvSpPr>
+          <p:spPr>
+            <a:xfrm>
+              <a:off x="7872412" y="2503500"/>
+              <a:ext cx="1110763" cy="6125273"/>
+            </a:xfrm>
+            <a:prstGeom prst="roundRect">
+              <a:avLst/>
+            </a:prstGeom>
+            <a:solidFill>
+              <a:schemeClr val="accent6">
+                <a:lumMod val="20000"/>
+                <a:lumOff val="80000"/>
+              </a:schemeClr>
+            </a:solidFill>
+            <a:ln w="28575">
+              <a:solidFill>
+                <a:schemeClr val="bg1">
+                  <a:lumMod val="50000"/>
+                </a:schemeClr>
+              </a:solidFill>
+              <a:prstDash val="solid"/>
+            </a:ln>
+          </p:spPr>
+          <p:style>
+            <a:lnRef idx="2">
+              <a:schemeClr val="accent1">
+                <a:shade val="15000"/>
+              </a:schemeClr>
+            </a:lnRef>
+            <a:fillRef idx="1">
+              <a:schemeClr val="accent1"/>
+            </a:fillRef>
+            <a:effectRef idx="0">
+              <a:schemeClr val="accent1"/>
+            </a:effectRef>
+            <a:fontRef idx="minor">
+              <a:schemeClr val="lt1"/>
+            </a:fontRef>
+          </p:style>
+          <p:txBody>
+            <a:bodyPr vert="eaVert" rtlCol="0" anchor="ctr"/>
+            <a:lstStyle/>
+            <a:p>
+              <a:pPr algn="ctr"/>
+              <a:r>
+                <a:rPr lang="en-US" altLang="zh-CN" sz="2800" dirty="0">
+                  <a:solidFill>
+                    <a:schemeClr val="tx1"/>
+                  </a:solidFill>
+                  <a:latin typeface="Times New Roman" panose="02020603050405020304" pitchFamily="18" charset="0"/>
+                  <a:cs typeface="Times New Roman" panose="02020603050405020304" pitchFamily="18" charset="0"/>
+                </a:rPr>
+                <a:t>Path-Transformer</a:t>
+              </a:r>
+              <a:endParaRPr lang="zh-CN" altLang="en-US" sz="2800" dirty="0">
+                <a:solidFill>
+                  <a:schemeClr val="tx1"/>
+                </a:solidFill>
+                <a:latin typeface="Times New Roman" panose="02020603050405020304" pitchFamily="18" charset="0"/>
+                <a:cs typeface="Times New Roman" panose="02020603050405020304" pitchFamily="18" charset="0"/>
+              </a:endParaRPr>
+            </a:p>
+          </p:txBody>
+        </p:sp>
+      </p:grpSp>
+      <p:grpSp>
+        <p:nvGrpSpPr>
+          <p:cNvPr id="61" name="组合 60">
+            <a:extLst>
+              <a:ext uri="{FF2B5EF4-FFF2-40B4-BE49-F238E27FC236}">
+                <a16:creationId xmlns:a16="http://schemas.microsoft.com/office/drawing/2014/main" id="{B5AE44DE-992E-7A2B-5343-9266863EE9F1}"/>
+              </a:ext>
+            </a:extLst>
+          </p:cNvPr>
+          <p:cNvGrpSpPr/>
+          <p:nvPr/>
+        </p:nvGrpSpPr>
+        <p:grpSpPr>
+          <a:xfrm>
+            <a:off x="5769487" y="8026738"/>
+            <a:ext cx="796158" cy="1321789"/>
+            <a:chOff x="7391964" y="604077"/>
+            <a:chExt cx="796158" cy="1321789"/>
+          </a:xfrm>
+        </p:grpSpPr>
+        <p:sp>
+          <p:nvSpPr>
+            <p:cNvPr id="62" name="矩形: 圆角 61">
+              <a:extLst>
+                <a:ext uri="{FF2B5EF4-FFF2-40B4-BE49-F238E27FC236}">
+                  <a16:creationId xmlns:a16="http://schemas.microsoft.com/office/drawing/2014/main" id="{5AF99C4C-39F9-EA81-E8D5-8101401BAD86}"/>
+                </a:ext>
+              </a:extLst>
+            </p:cNvPr>
+            <p:cNvSpPr/>
+            <p:nvPr/>
+          </p:nvSpPr>
+          <p:spPr>
+            <a:xfrm rot="5400000">
+              <a:off x="7129148" y="866893"/>
+              <a:ext cx="1321789" cy="796158"/>
+            </a:xfrm>
+            <a:prstGeom prst="roundRect">
+              <a:avLst/>
+            </a:prstGeom>
+            <a:solidFill>
+              <a:schemeClr val="tx2">
+                <a:lumMod val="20000"/>
+                <a:lumOff val="80000"/>
+              </a:schemeClr>
+            </a:solidFill>
+            <a:ln w="28575">
+              <a:solidFill>
+                <a:schemeClr val="bg1">
+                  <a:lumMod val="50000"/>
+                </a:schemeClr>
+              </a:solidFill>
+              <a:prstDash val="solid"/>
+            </a:ln>
+          </p:spPr>
+          <p:style>
+            <a:lnRef idx="2">
+              <a:schemeClr val="accent1">
+                <a:shade val="15000"/>
+              </a:schemeClr>
+            </a:lnRef>
+            <a:fillRef idx="1">
+              <a:schemeClr val="accent1"/>
+            </a:fillRef>
+            <a:effectRef idx="0">
+              <a:schemeClr val="accent1"/>
+            </a:effectRef>
+            <a:fontRef idx="minor">
+              <a:schemeClr val="lt1"/>
+            </a:fontRef>
+          </p:style>
+          <p:txBody>
+            <a:bodyPr vert="eaVert" rtlCol="0" anchor="ctr"/>
+            <a:lstStyle/>
+            <a:p>
+              <a:pPr algn="ctr"/>
+              <a:endParaRPr lang="zh-CN" altLang="en-US" sz="2800" dirty="0">
+                <a:solidFill>
+                  <a:schemeClr val="tx1"/>
+                </a:solidFill>
+                <a:latin typeface="Times New Roman" panose="02020603050405020304" pitchFamily="18" charset="0"/>
+                <a:cs typeface="Times New Roman" panose="02020603050405020304" pitchFamily="18" charset="0"/>
+              </a:endParaRPr>
+            </a:p>
+          </p:txBody>
+        </p:sp>
+        <p:graphicFrame>
+          <p:nvGraphicFramePr>
+            <p:cNvPr id="63" name="对象 62">
+              <a:extLst>
+                <a:ext uri="{FF2B5EF4-FFF2-40B4-BE49-F238E27FC236}">
+                  <a16:creationId xmlns:a16="http://schemas.microsoft.com/office/drawing/2014/main" id="{BE57F425-C4D7-09D3-2ABD-B9034703E3FD}"/>
+                </a:ext>
+              </a:extLst>
+            </p:cNvPr>
+            <p:cNvGraphicFramePr>
+              <a:graphicFrameLocks noChangeAspect="1"/>
+            </p:cNvGraphicFramePr>
+            <p:nvPr>
+              <p:extLst>
+                <p:ext uri="{D42A27DB-BD31-4B8C-83A1-F6EECF244321}">
+                  <p14:modId xmlns:p14="http://schemas.microsoft.com/office/powerpoint/2010/main" val="2094769985"/>
+                </p:ext>
+              </p:extLst>
+            </p:nvPr>
+          </p:nvGraphicFramePr>
+          <p:xfrm>
+            <a:off x="7623640" y="989649"/>
+            <a:ext cx="378667" cy="568001"/>
+          </p:xfrm>
+          <a:graphic>
+            <a:graphicData uri="http://schemas.openxmlformats.org/presentationml/2006/ole">
+              <mc:AlternateContent xmlns:mc="http://schemas.openxmlformats.org/markup-compatibility/2006">
+                <mc:Choice xmlns:v="urn:schemas-microsoft-com:vml" Requires="v">
+                  <p:oleObj name="Equation" r:id="rId2" imgW="126720" imgH="190440" progId="Equation.DSMT4">
+                    <p:embed/>
+                  </p:oleObj>
+                </mc:Choice>
+                <mc:Fallback>
+                  <p:oleObj name="Equation" r:id="rId2" imgW="126720" imgH="190440" progId="Equation.DSMT4">
+                    <p:embed/>
+                    <p:pic>
+                      <p:nvPicPr>
+                        <p:cNvPr id="62" name="对象 61">
+                          <a:extLst>
+                            <a:ext uri="{FF2B5EF4-FFF2-40B4-BE49-F238E27FC236}">
+                              <a16:creationId xmlns:a16="http://schemas.microsoft.com/office/drawing/2014/main" id="{A6BEFD1A-B35B-9A62-2970-215DD26A391D}"/>
+                            </a:ext>
+                          </a:extLst>
+                        </p:cNvPr>
+                        <p:cNvPicPr/>
+                        <p:nvPr/>
+                      </p:nvPicPr>
+                      <p:blipFill>
+                        <a:blip r:embed="rId3"/>
+                        <a:stretch>
+                          <a:fillRect/>
+                        </a:stretch>
+                      </p:blipFill>
+                      <p:spPr>
+                        <a:xfrm>
+                          <a:off x="7623640" y="989649"/>
+                          <a:ext cx="378667" cy="568001"/>
+                        </a:xfrm>
+                        <a:prstGeom prst="rect">
+                          <a:avLst/>
+                        </a:prstGeom>
+                      </p:spPr>
+                    </p:pic>
+                  </p:oleObj>
+                </mc:Fallback>
+              </mc:AlternateContent>
+            </a:graphicData>
+          </a:graphic>
+        </p:graphicFrame>
+      </p:grpSp>
+      <p:grpSp>
+        <p:nvGrpSpPr>
+          <p:cNvPr id="65" name="组合 64">
+            <a:extLst>
+              <a:ext uri="{FF2B5EF4-FFF2-40B4-BE49-F238E27FC236}">
+                <a16:creationId xmlns:a16="http://schemas.microsoft.com/office/drawing/2014/main" id="{26E2F361-4C7F-EB36-47A4-B8C9333E8D34}"/>
+              </a:ext>
+            </a:extLst>
+          </p:cNvPr>
+          <p:cNvGrpSpPr/>
+          <p:nvPr/>
+        </p:nvGrpSpPr>
+        <p:grpSpPr>
+          <a:xfrm>
+            <a:off x="6207381" y="7164390"/>
+            <a:ext cx="6282080" cy="689576"/>
+            <a:chOff x="6204633" y="5732866"/>
+            <a:chExt cx="6282080" cy="689576"/>
+          </a:xfrm>
+        </p:grpSpPr>
+        <p:grpSp>
+          <p:nvGrpSpPr>
+            <p:cNvPr id="66" name="组合 65">
+              <a:extLst>
+                <a:ext uri="{FF2B5EF4-FFF2-40B4-BE49-F238E27FC236}">
+                  <a16:creationId xmlns:a16="http://schemas.microsoft.com/office/drawing/2014/main" id="{685E64DE-58B5-F01C-CCE2-C4162739B1C9}"/>
+                </a:ext>
+              </a:extLst>
+            </p:cNvPr>
+            <p:cNvGrpSpPr/>
+            <p:nvPr/>
+          </p:nvGrpSpPr>
+          <p:grpSpPr>
+            <a:xfrm rot="16200000">
+              <a:off x="9793936" y="3729665"/>
+              <a:ext cx="689576" cy="4695978"/>
+              <a:chOff x="7917976" y="2868665"/>
+              <a:chExt cx="757328" cy="4695978"/>
+            </a:xfrm>
+          </p:grpSpPr>
+          <p:cxnSp>
+            <p:nvCxnSpPr>
+              <p:cNvPr id="68" name="直接箭头连接符 67">
+                <a:extLst>
+                  <a:ext uri="{FF2B5EF4-FFF2-40B4-BE49-F238E27FC236}">
+                    <a16:creationId xmlns:a16="http://schemas.microsoft.com/office/drawing/2014/main" id="{F3EA223B-347D-10F9-52B2-3789861DE5B6}"/>
+                  </a:ext>
+                </a:extLst>
+              </p:cNvPr>
+              <p:cNvCxnSpPr>
+                <a:cxnSpLocks/>
+              </p:cNvCxnSpPr>
+              <p:nvPr/>
+            </p:nvCxnSpPr>
+            <p:spPr>
+              <a:xfrm>
+                <a:off x="7917976" y="2868665"/>
+                <a:ext cx="757328" cy="0"/>
+              </a:xfrm>
+              <a:prstGeom prst="straightConnector1">
+                <a:avLst/>
+              </a:prstGeom>
+              <a:ln w="28575">
+                <a:solidFill>
+                  <a:schemeClr val="bg1">
+                    <a:lumMod val="50000"/>
+                  </a:schemeClr>
+                </a:solidFill>
+                <a:tailEnd type="triangle"/>
+              </a:ln>
+            </p:spPr>
+            <p:style>
+              <a:lnRef idx="1">
+                <a:schemeClr val="dk1"/>
+              </a:lnRef>
+              <a:fillRef idx="0">
+                <a:schemeClr val="dk1"/>
+              </a:fillRef>
+              <a:effectRef idx="0">
+                <a:schemeClr val="dk1"/>
+              </a:effectRef>
+              <a:fontRef idx="minor">
+                <a:schemeClr val="tx1"/>
+              </a:fontRef>
+            </p:style>
+          </p:cxnSp>
+          <p:cxnSp>
+            <p:nvCxnSpPr>
+              <p:cNvPr id="69" name="直接箭头连接符 68">
+                <a:extLst>
+                  <a:ext uri="{FF2B5EF4-FFF2-40B4-BE49-F238E27FC236}">
+                    <a16:creationId xmlns:a16="http://schemas.microsoft.com/office/drawing/2014/main" id="{AAE55F70-E4B9-9953-A166-43405612DC08}"/>
+                  </a:ext>
+                </a:extLst>
+              </p:cNvPr>
+              <p:cNvCxnSpPr>
+                <a:cxnSpLocks/>
+              </p:cNvCxnSpPr>
+              <p:nvPr/>
+            </p:nvCxnSpPr>
+            <p:spPr>
+              <a:xfrm>
+                <a:off x="7917976" y="4404396"/>
+                <a:ext cx="757328" cy="0"/>
+              </a:xfrm>
+              <a:prstGeom prst="straightConnector1">
+                <a:avLst/>
+              </a:prstGeom>
+              <a:ln w="28575">
+                <a:solidFill>
+                  <a:schemeClr val="bg1">
+                    <a:lumMod val="50000"/>
+                  </a:schemeClr>
+                </a:solidFill>
+                <a:tailEnd type="triangle"/>
+              </a:ln>
+            </p:spPr>
+            <p:style>
+              <a:lnRef idx="1">
+                <a:schemeClr val="dk1"/>
+              </a:lnRef>
+              <a:fillRef idx="0">
+                <a:schemeClr val="dk1"/>
+              </a:fillRef>
+              <a:effectRef idx="0">
+                <a:schemeClr val="dk1"/>
+              </a:effectRef>
+              <a:fontRef idx="minor">
+                <a:schemeClr val="tx1"/>
+              </a:fontRef>
+            </p:style>
+          </p:cxnSp>
+          <p:cxnSp>
+            <p:nvCxnSpPr>
+              <p:cNvPr id="70" name="直接箭头连接符 69">
+                <a:extLst>
+                  <a:ext uri="{FF2B5EF4-FFF2-40B4-BE49-F238E27FC236}">
+                    <a16:creationId xmlns:a16="http://schemas.microsoft.com/office/drawing/2014/main" id="{1BD07E68-D942-68F2-80B2-A439A75EFFD3}"/>
+                  </a:ext>
+                </a:extLst>
+              </p:cNvPr>
+              <p:cNvCxnSpPr>
+                <a:cxnSpLocks/>
+              </p:cNvCxnSpPr>
+              <p:nvPr/>
+            </p:nvCxnSpPr>
+            <p:spPr>
+              <a:xfrm>
+                <a:off x="7917976" y="5976315"/>
+                <a:ext cx="757328" cy="0"/>
+              </a:xfrm>
+              <a:prstGeom prst="straightConnector1">
+                <a:avLst/>
+              </a:prstGeom>
+              <a:ln w="28575">
+                <a:solidFill>
+                  <a:schemeClr val="bg1">
+                    <a:lumMod val="50000"/>
+                  </a:schemeClr>
+                </a:solidFill>
+                <a:tailEnd type="triangle"/>
+              </a:ln>
+            </p:spPr>
+            <p:style>
+              <a:lnRef idx="1">
+                <a:schemeClr val="dk1"/>
+              </a:lnRef>
+              <a:fillRef idx="0">
+                <a:schemeClr val="dk1"/>
+              </a:fillRef>
+              <a:effectRef idx="0">
+                <a:schemeClr val="dk1"/>
+              </a:effectRef>
+              <a:fontRef idx="minor">
+                <a:schemeClr val="tx1"/>
+              </a:fontRef>
+            </p:style>
+          </p:cxnSp>
+          <p:cxnSp>
+            <p:nvCxnSpPr>
+              <p:cNvPr id="71" name="直接箭头连接符 70">
+                <a:extLst>
+                  <a:ext uri="{FF2B5EF4-FFF2-40B4-BE49-F238E27FC236}">
+                    <a16:creationId xmlns:a16="http://schemas.microsoft.com/office/drawing/2014/main" id="{63D3878F-5CB6-51FB-58F7-70D093AC9C5F}"/>
+                  </a:ext>
+                </a:extLst>
+              </p:cNvPr>
+              <p:cNvCxnSpPr>
+                <a:cxnSpLocks/>
+              </p:cNvCxnSpPr>
+              <p:nvPr/>
+            </p:nvCxnSpPr>
+            <p:spPr>
+              <a:xfrm>
+                <a:off x="7917976" y="7564643"/>
+                <a:ext cx="757328" cy="0"/>
+              </a:xfrm>
+              <a:prstGeom prst="straightConnector1">
+                <a:avLst/>
+              </a:prstGeom>
+              <a:ln w="28575">
+                <a:solidFill>
+                  <a:schemeClr val="bg1">
+                    <a:lumMod val="50000"/>
+                  </a:schemeClr>
+                </a:solidFill>
+                <a:tailEnd type="triangle"/>
+              </a:ln>
+            </p:spPr>
+            <p:style>
+              <a:lnRef idx="1">
+                <a:schemeClr val="dk1"/>
+              </a:lnRef>
+              <a:fillRef idx="0">
+                <a:schemeClr val="dk1"/>
+              </a:fillRef>
+              <a:effectRef idx="0">
+                <a:schemeClr val="dk1"/>
+              </a:effectRef>
+              <a:fontRef idx="minor">
+                <a:schemeClr val="tx1"/>
+              </a:fontRef>
+            </p:style>
+          </p:cxnSp>
+        </p:grpSp>
+        <p:cxnSp>
+          <p:nvCxnSpPr>
+            <p:cNvPr id="67" name="直接箭头连接符 66">
+              <a:extLst>
+                <a:ext uri="{FF2B5EF4-FFF2-40B4-BE49-F238E27FC236}">
+                  <a16:creationId xmlns:a16="http://schemas.microsoft.com/office/drawing/2014/main" id="{F68EB5E9-2AA8-0C8C-BDCA-9BFF83723BBB}"/>
+                </a:ext>
+              </a:extLst>
+            </p:cNvPr>
+            <p:cNvCxnSpPr>
+              <a:cxnSpLocks/>
+            </p:cNvCxnSpPr>
+            <p:nvPr/>
+          </p:nvCxnSpPr>
+          <p:spPr>
+            <a:xfrm rot="16200000">
+              <a:off x="5859845" y="6077654"/>
+              <a:ext cx="689576" cy="0"/>
+            </a:xfrm>
+            <a:prstGeom prst="straightConnector1">
+              <a:avLst/>
+            </a:prstGeom>
+            <a:ln w="28575">
+              <a:solidFill>
+                <a:schemeClr val="bg1">
+                  <a:lumMod val="50000"/>
+                </a:schemeClr>
+              </a:solidFill>
+              <a:tailEnd type="triangle"/>
+            </a:ln>
+          </p:spPr>
+          <p:style>
+            <a:lnRef idx="1">
+              <a:schemeClr val="dk1"/>
+            </a:lnRef>
+            <a:fillRef idx="0">
+              <a:schemeClr val="dk1"/>
+            </a:fillRef>
+            <a:effectRef idx="0">
+              <a:schemeClr val="dk1"/>
+            </a:effectRef>
+            <a:fontRef idx="minor">
+              <a:schemeClr val="tx1"/>
+            </a:fontRef>
+          </p:style>
+        </p:cxnSp>
+      </p:grpSp>
+      <p:grpSp>
+        <p:nvGrpSpPr>
+          <p:cNvPr id="72" name="组合 71">
+            <a:extLst>
+              <a:ext uri="{FF2B5EF4-FFF2-40B4-BE49-F238E27FC236}">
+                <a16:creationId xmlns:a16="http://schemas.microsoft.com/office/drawing/2014/main" id="{49B2700A-B322-4213-7632-151962587E60}"/>
+              </a:ext>
+            </a:extLst>
+          </p:cNvPr>
+          <p:cNvGrpSpPr/>
+          <p:nvPr/>
+        </p:nvGrpSpPr>
+        <p:grpSpPr>
+          <a:xfrm>
+            <a:off x="6207381" y="9643257"/>
+            <a:ext cx="6282080" cy="689576"/>
+            <a:chOff x="6204633" y="5732866"/>
+            <a:chExt cx="6282080" cy="689576"/>
+          </a:xfrm>
+        </p:grpSpPr>
+        <p:grpSp>
+          <p:nvGrpSpPr>
+            <p:cNvPr id="73" name="组合 72">
+              <a:extLst>
+                <a:ext uri="{FF2B5EF4-FFF2-40B4-BE49-F238E27FC236}">
+                  <a16:creationId xmlns:a16="http://schemas.microsoft.com/office/drawing/2014/main" id="{129979C0-B6FF-DD87-10A7-AAEE7442857F}"/>
+                </a:ext>
+              </a:extLst>
+            </p:cNvPr>
+            <p:cNvGrpSpPr/>
+            <p:nvPr/>
+          </p:nvGrpSpPr>
+          <p:grpSpPr>
+            <a:xfrm rot="16200000">
+              <a:off x="9793936" y="3729665"/>
+              <a:ext cx="689576" cy="4695978"/>
+              <a:chOff x="7917976" y="2868665"/>
+              <a:chExt cx="757328" cy="4695978"/>
+            </a:xfrm>
+          </p:grpSpPr>
+          <p:cxnSp>
+            <p:nvCxnSpPr>
+              <p:cNvPr id="75" name="直接箭头连接符 74">
+                <a:extLst>
+                  <a:ext uri="{FF2B5EF4-FFF2-40B4-BE49-F238E27FC236}">
+                    <a16:creationId xmlns:a16="http://schemas.microsoft.com/office/drawing/2014/main" id="{70FB8614-A7D0-0018-851D-0E7A203F9234}"/>
+                  </a:ext>
+                </a:extLst>
+              </p:cNvPr>
+              <p:cNvCxnSpPr>
+                <a:cxnSpLocks/>
+              </p:cNvCxnSpPr>
+              <p:nvPr/>
+            </p:nvCxnSpPr>
+            <p:spPr>
+              <a:xfrm>
+                <a:off x="7917976" y="2868665"/>
+                <a:ext cx="757328" cy="0"/>
+              </a:xfrm>
+              <a:prstGeom prst="straightConnector1">
+                <a:avLst/>
+              </a:prstGeom>
+              <a:ln w="28575">
+                <a:solidFill>
+                  <a:schemeClr val="bg1">
+                    <a:lumMod val="50000"/>
+                  </a:schemeClr>
+                </a:solidFill>
+                <a:tailEnd type="triangle"/>
+              </a:ln>
+            </p:spPr>
+            <p:style>
+              <a:lnRef idx="1">
+                <a:schemeClr val="dk1"/>
+              </a:lnRef>
+              <a:fillRef idx="0">
+                <a:schemeClr val="dk1"/>
+              </a:fillRef>
+              <a:effectRef idx="0">
+                <a:schemeClr val="dk1"/>
+              </a:effectRef>
+              <a:fontRef idx="minor">
+                <a:schemeClr val="tx1"/>
+              </a:fontRef>
+            </p:style>
+          </p:cxnSp>
+          <p:cxnSp>
+            <p:nvCxnSpPr>
+              <p:cNvPr id="76" name="直接箭头连接符 75">
+                <a:extLst>
+                  <a:ext uri="{FF2B5EF4-FFF2-40B4-BE49-F238E27FC236}">
+                    <a16:creationId xmlns:a16="http://schemas.microsoft.com/office/drawing/2014/main" id="{7114DE45-57DB-65E6-C79A-C2A9A864035B}"/>
+                  </a:ext>
+                </a:extLst>
+              </p:cNvPr>
+              <p:cNvCxnSpPr>
+                <a:cxnSpLocks/>
+              </p:cNvCxnSpPr>
+              <p:nvPr/>
+            </p:nvCxnSpPr>
+            <p:spPr>
+              <a:xfrm>
+                <a:off x="7917976" y="4404396"/>
+                <a:ext cx="757328" cy="0"/>
+              </a:xfrm>
+              <a:prstGeom prst="straightConnector1">
+                <a:avLst/>
+              </a:prstGeom>
+              <a:ln w="28575">
+                <a:solidFill>
+                  <a:schemeClr val="bg1">
+                    <a:lumMod val="50000"/>
+                  </a:schemeClr>
+                </a:solidFill>
+                <a:tailEnd type="triangle"/>
+              </a:ln>
+            </p:spPr>
+            <p:style>
+              <a:lnRef idx="1">
+                <a:schemeClr val="dk1"/>
+              </a:lnRef>
+              <a:fillRef idx="0">
+                <a:schemeClr val="dk1"/>
+              </a:fillRef>
+              <a:effectRef idx="0">
+                <a:schemeClr val="dk1"/>
+              </a:effectRef>
+              <a:fontRef idx="minor">
+                <a:schemeClr val="tx1"/>
+              </a:fontRef>
+            </p:style>
+          </p:cxnSp>
+          <p:cxnSp>
+            <p:nvCxnSpPr>
+              <p:cNvPr id="77" name="直接箭头连接符 76">
+                <a:extLst>
+                  <a:ext uri="{FF2B5EF4-FFF2-40B4-BE49-F238E27FC236}">
+                    <a16:creationId xmlns:a16="http://schemas.microsoft.com/office/drawing/2014/main" id="{6A3EA0B5-A25D-A02C-589E-F045A8664D00}"/>
+                  </a:ext>
+                </a:extLst>
+              </p:cNvPr>
+              <p:cNvCxnSpPr>
+                <a:cxnSpLocks/>
+              </p:cNvCxnSpPr>
+              <p:nvPr/>
+            </p:nvCxnSpPr>
+            <p:spPr>
+              <a:xfrm>
+                <a:off x="7917976" y="5976315"/>
+                <a:ext cx="757328" cy="0"/>
+              </a:xfrm>
+              <a:prstGeom prst="straightConnector1">
+                <a:avLst/>
+              </a:prstGeom>
+              <a:ln w="28575">
+                <a:solidFill>
+                  <a:schemeClr val="bg1">
+                    <a:lumMod val="50000"/>
+                  </a:schemeClr>
+                </a:solidFill>
+                <a:tailEnd type="triangle"/>
+              </a:ln>
+            </p:spPr>
+            <p:style>
+              <a:lnRef idx="1">
+                <a:schemeClr val="dk1"/>
+              </a:lnRef>
+              <a:fillRef idx="0">
+                <a:schemeClr val="dk1"/>
+              </a:fillRef>
+              <a:effectRef idx="0">
+                <a:schemeClr val="dk1"/>
+              </a:effectRef>
+              <a:fontRef idx="minor">
+                <a:schemeClr val="tx1"/>
+              </a:fontRef>
+            </p:style>
+          </p:cxnSp>
+          <p:cxnSp>
+            <p:nvCxnSpPr>
+              <p:cNvPr id="78" name="直接箭头连接符 77">
+                <a:extLst>
+                  <a:ext uri="{FF2B5EF4-FFF2-40B4-BE49-F238E27FC236}">
+                    <a16:creationId xmlns:a16="http://schemas.microsoft.com/office/drawing/2014/main" id="{216C0F55-0E06-5049-8719-CC1FB12AC4D3}"/>
+                  </a:ext>
+                </a:extLst>
+              </p:cNvPr>
+              <p:cNvCxnSpPr>
+                <a:cxnSpLocks/>
+              </p:cNvCxnSpPr>
+              <p:nvPr/>
+            </p:nvCxnSpPr>
+            <p:spPr>
+              <a:xfrm>
+                <a:off x="7917976" y="7564643"/>
+                <a:ext cx="757328" cy="0"/>
+              </a:xfrm>
+              <a:prstGeom prst="straightConnector1">
+                <a:avLst/>
+              </a:prstGeom>
+              <a:ln w="28575">
+                <a:solidFill>
+                  <a:schemeClr val="bg1">
+                    <a:lumMod val="50000"/>
+                  </a:schemeClr>
+                </a:solidFill>
+                <a:tailEnd type="triangle"/>
+              </a:ln>
+            </p:spPr>
+            <p:style>
+              <a:lnRef idx="1">
+                <a:schemeClr val="dk1"/>
+              </a:lnRef>
+              <a:fillRef idx="0">
+                <a:schemeClr val="dk1"/>
+              </a:fillRef>
+              <a:effectRef idx="0">
+                <a:schemeClr val="dk1"/>
+              </a:effectRef>
+              <a:fontRef idx="minor">
+                <a:schemeClr val="tx1"/>
+              </a:fontRef>
+            </p:style>
+          </p:cxnSp>
+        </p:grpSp>
+        <p:cxnSp>
+          <p:nvCxnSpPr>
+            <p:cNvPr id="74" name="直接箭头连接符 73">
+              <a:extLst>
+                <a:ext uri="{FF2B5EF4-FFF2-40B4-BE49-F238E27FC236}">
+                  <a16:creationId xmlns:a16="http://schemas.microsoft.com/office/drawing/2014/main" id="{B25A71AD-A0D9-2338-175A-4C2CB99372D7}"/>
+                </a:ext>
+              </a:extLst>
+            </p:cNvPr>
+            <p:cNvCxnSpPr>
+              <a:cxnSpLocks/>
+            </p:cNvCxnSpPr>
+            <p:nvPr/>
+          </p:nvCxnSpPr>
+          <p:spPr>
+            <a:xfrm rot="16200000">
+              <a:off x="5859845" y="6077654"/>
+              <a:ext cx="689576" cy="0"/>
+            </a:xfrm>
+            <a:prstGeom prst="straightConnector1">
+              <a:avLst/>
+            </a:prstGeom>
+            <a:ln w="28575">
+              <a:solidFill>
+                <a:schemeClr val="bg1">
+                  <a:lumMod val="50000"/>
+                </a:schemeClr>
+              </a:solidFill>
+              <a:tailEnd type="triangle"/>
+            </a:ln>
+          </p:spPr>
+          <p:style>
+            <a:lnRef idx="1">
+              <a:schemeClr val="dk1"/>
+            </a:lnRef>
+            <a:fillRef idx="0">
+              <a:schemeClr val="dk1"/>
+            </a:fillRef>
+            <a:effectRef idx="0">
+              <a:schemeClr val="dk1"/>
+            </a:effectRef>
+            <a:fontRef idx="minor">
+              <a:schemeClr val="tx1"/>
+            </a:fontRef>
+          </p:style>
+        </p:cxnSp>
+      </p:grpSp>
+      <p:grpSp>
+        <p:nvGrpSpPr>
+          <p:cNvPr id="97" name="组合 96">
+            <a:extLst>
+              <a:ext uri="{FF2B5EF4-FFF2-40B4-BE49-F238E27FC236}">
+                <a16:creationId xmlns:a16="http://schemas.microsoft.com/office/drawing/2014/main" id="{5EFF6FA9-AE96-9627-AC92-9440999AC922}"/>
+              </a:ext>
+            </a:extLst>
+          </p:cNvPr>
+          <p:cNvGrpSpPr/>
+          <p:nvPr/>
+        </p:nvGrpSpPr>
+        <p:grpSpPr>
+          <a:xfrm>
+            <a:off x="5541176" y="10769796"/>
+            <a:ext cx="1305012" cy="1931161"/>
+            <a:chOff x="5541176" y="10769796"/>
+            <a:chExt cx="1305012" cy="1931161"/>
+          </a:xfrm>
+        </p:grpSpPr>
+        <p:graphicFrame>
+          <p:nvGraphicFramePr>
+            <p:cNvPr id="79" name="对象 78">
+              <a:extLst>
+                <a:ext uri="{FF2B5EF4-FFF2-40B4-BE49-F238E27FC236}">
+                  <a16:creationId xmlns:a16="http://schemas.microsoft.com/office/drawing/2014/main" id="{95CED61A-60BB-9DB2-18FE-E2E2F4F7677E}"/>
+                </a:ext>
+              </a:extLst>
+            </p:cNvPr>
+            <p:cNvGraphicFramePr>
+              <a:graphicFrameLocks noChangeAspect="1"/>
+            </p:cNvGraphicFramePr>
+            <p:nvPr>
+              <p:extLst>
+                <p:ext uri="{D42A27DB-BD31-4B8C-83A1-F6EECF244321}">
+                  <p14:modId xmlns:p14="http://schemas.microsoft.com/office/powerpoint/2010/main" val="207879593"/>
+                </p:ext>
+              </p:extLst>
+            </p:nvPr>
+          </p:nvGraphicFramePr>
+          <p:xfrm>
+            <a:off x="6055923" y="12200318"/>
+            <a:ext cx="284163" cy="355600"/>
+          </p:xfrm>
+          <a:graphic>
+            <a:graphicData uri="http://schemas.openxmlformats.org/presentationml/2006/ole">
+              <mc:AlternateContent xmlns:mc="http://schemas.openxmlformats.org/markup-compatibility/2006">
+                <mc:Choice xmlns:v="urn:schemas-microsoft-com:vml" Requires="v">
+                  <p:oleObj name="Equation" r:id="rId4" imgW="101520" imgH="126720" progId="Equation.DSMT4">
+                    <p:embed/>
+                  </p:oleObj>
+                </mc:Choice>
+                <mc:Fallback>
+                  <p:oleObj name="Equation" r:id="rId4" imgW="101520" imgH="126720" progId="Equation.DSMT4">
+                    <p:embed/>
+                    <p:pic>
+                      <p:nvPicPr>
+                        <p:cNvPr id="23" name="对象 22">
+                          <a:extLst>
+                            <a:ext uri="{FF2B5EF4-FFF2-40B4-BE49-F238E27FC236}">
+                              <a16:creationId xmlns:a16="http://schemas.microsoft.com/office/drawing/2014/main" id="{452F2173-7E3A-F220-7D73-74E8EF1C5247}"/>
+                            </a:ext>
+                          </a:extLst>
+                        </p:cNvPr>
+                        <p:cNvPicPr/>
+                        <p:nvPr/>
+                      </p:nvPicPr>
+                      <p:blipFill>
+                        <a:blip r:embed="rId5"/>
+                        <a:stretch>
+                          <a:fillRect/>
+                        </a:stretch>
+                      </p:blipFill>
+                      <p:spPr>
+                        <a:xfrm>
+                          <a:off x="6055923" y="12200318"/>
+                          <a:ext cx="284163" cy="355600"/>
+                        </a:xfrm>
+                        <a:prstGeom prst="rect">
+                          <a:avLst/>
+                        </a:prstGeom>
+                      </p:spPr>
+                    </p:pic>
+                  </p:oleObj>
+                </mc:Fallback>
+              </mc:AlternateContent>
+            </a:graphicData>
+          </a:graphic>
+        </p:graphicFrame>
+        <p:graphicFrame>
+          <p:nvGraphicFramePr>
+            <p:cNvPr id="86" name="对象 85">
+              <a:extLst>
+                <a:ext uri="{FF2B5EF4-FFF2-40B4-BE49-F238E27FC236}">
+                  <a16:creationId xmlns:a16="http://schemas.microsoft.com/office/drawing/2014/main" id="{688B3C7A-AC8C-AFE8-1C83-6B18BCB250C1}"/>
+                </a:ext>
+              </a:extLst>
+            </p:cNvPr>
+            <p:cNvGraphicFramePr>
+              <a:graphicFrameLocks noChangeAspect="1"/>
+            </p:cNvGraphicFramePr>
+            <p:nvPr>
+              <p:extLst>
+                <p:ext uri="{D42A27DB-BD31-4B8C-83A1-F6EECF244321}">
+                  <p14:modId xmlns:p14="http://schemas.microsoft.com/office/powerpoint/2010/main" val="1798647478"/>
+                </p:ext>
+              </p:extLst>
+            </p:nvPr>
+          </p:nvGraphicFramePr>
+          <p:xfrm>
+            <a:off x="6051601" y="11414702"/>
+            <a:ext cx="284162" cy="320675"/>
+          </p:xfrm>
+          <a:graphic>
+            <a:graphicData uri="http://schemas.openxmlformats.org/presentationml/2006/ole">
+              <mc:AlternateContent xmlns:mc="http://schemas.openxmlformats.org/markup-compatibility/2006">
+                <mc:Choice xmlns:v="urn:schemas-microsoft-com:vml" Requires="v">
+                  <p:oleObj name="Equation" r:id="rId6" imgW="101520" imgH="114120" progId="Equation.DSMT4">
+                    <p:embed/>
+                  </p:oleObj>
+                </mc:Choice>
+                <mc:Fallback>
+                  <p:oleObj name="Equation" r:id="rId6" imgW="101520" imgH="114120" progId="Equation.DSMT4">
+                    <p:embed/>
+                    <p:pic>
+                      <p:nvPicPr>
+                        <p:cNvPr id="33" name="对象 32">
+                          <a:extLst>
+                            <a:ext uri="{FF2B5EF4-FFF2-40B4-BE49-F238E27FC236}">
+                              <a16:creationId xmlns:a16="http://schemas.microsoft.com/office/drawing/2014/main" id="{06DF453C-D218-7C2A-0F45-82AE14E3742A}"/>
+                            </a:ext>
+                          </a:extLst>
+                        </p:cNvPr>
+                        <p:cNvPicPr/>
+                        <p:nvPr/>
+                      </p:nvPicPr>
+                      <p:blipFill>
+                        <a:blip r:embed="rId7"/>
+                        <a:stretch>
+                          <a:fillRect/>
+                        </a:stretch>
+                      </p:blipFill>
+                      <p:spPr>
+                        <a:xfrm>
+                          <a:off x="6051601" y="11414702"/>
+                          <a:ext cx="284162" cy="320675"/>
+                        </a:xfrm>
+                        <a:prstGeom prst="rect">
+                          <a:avLst/>
+                        </a:prstGeom>
+                      </p:spPr>
+                    </p:pic>
+                  </p:oleObj>
+                </mc:Fallback>
+              </mc:AlternateContent>
+            </a:graphicData>
+          </a:graphic>
+        </p:graphicFrame>
+        <p:sp>
+          <p:nvSpPr>
+            <p:cNvPr id="80" name="矩形: 圆角 79">
+              <a:extLst>
+                <a:ext uri="{FF2B5EF4-FFF2-40B4-BE49-F238E27FC236}">
+                  <a16:creationId xmlns:a16="http://schemas.microsoft.com/office/drawing/2014/main" id="{53914E32-568B-92EC-6AD1-51C60AE4BA4B}"/>
+                </a:ext>
+              </a:extLst>
+            </p:cNvPr>
+            <p:cNvSpPr/>
+            <p:nvPr/>
+          </p:nvSpPr>
+          <p:spPr>
+            <a:xfrm rot="5400000">
+              <a:off x="6048810" y="10612454"/>
+              <a:ext cx="320040" cy="1113918"/>
+            </a:xfrm>
+            <a:prstGeom prst="roundRect">
+              <a:avLst/>
+            </a:prstGeom>
+            <a:noFill/>
+            <a:ln w="28575">
+              <a:solidFill>
+                <a:schemeClr val="tx2"/>
+              </a:solidFill>
+            </a:ln>
+          </p:spPr>
+          <p:style>
+            <a:lnRef idx="2">
+              <a:schemeClr val="accent1">
+                <a:shade val="15000"/>
+              </a:schemeClr>
+            </a:lnRef>
+            <a:fillRef idx="1">
+              <a:schemeClr val="accent1"/>
+            </a:fillRef>
+            <a:effectRef idx="0">
+              <a:schemeClr val="accent1"/>
+            </a:effectRef>
+            <a:fontRef idx="minor">
+              <a:schemeClr val="lt1"/>
+            </a:fontRef>
+          </p:style>
+          <p:txBody>
+            <a:bodyPr rtlCol="0" anchor="ctr"/>
+            <a:lstStyle/>
+            <a:p>
+              <a:pPr algn="ctr"/>
+              <a:endParaRPr lang="zh-CN" altLang="en-US"/>
+            </a:p>
+          </p:txBody>
+        </p:sp>
+        <p:sp>
+          <p:nvSpPr>
+            <p:cNvPr id="87" name="矩形: 圆角 86">
+              <a:extLst>
+                <a:ext uri="{FF2B5EF4-FFF2-40B4-BE49-F238E27FC236}">
+                  <a16:creationId xmlns:a16="http://schemas.microsoft.com/office/drawing/2014/main" id="{E71ECBBC-0B33-2CFA-E703-0329F1D6E738}"/>
+                </a:ext>
+              </a:extLst>
+            </p:cNvPr>
+            <p:cNvSpPr/>
+            <p:nvPr/>
+          </p:nvSpPr>
+          <p:spPr>
+            <a:xfrm rot="5400000">
+              <a:off x="6046130" y="11492218"/>
+              <a:ext cx="320040" cy="1113918"/>
+            </a:xfrm>
+            <a:prstGeom prst="roundRect">
+              <a:avLst/>
+            </a:prstGeom>
+            <a:noFill/>
+            <a:ln w="28575">
+              <a:solidFill>
+                <a:schemeClr val="tx2"/>
+              </a:solidFill>
+            </a:ln>
+          </p:spPr>
+          <p:style>
+            <a:lnRef idx="2">
+              <a:schemeClr val="accent1">
+                <a:shade val="15000"/>
+              </a:schemeClr>
+            </a:lnRef>
+            <a:fillRef idx="1">
+              <a:schemeClr val="accent1"/>
+            </a:fillRef>
+            <a:effectRef idx="0">
+              <a:schemeClr val="accent1"/>
+            </a:effectRef>
+            <a:fontRef idx="minor">
+              <a:schemeClr val="lt1"/>
+            </a:fontRef>
+          </p:style>
+          <p:txBody>
+            <a:bodyPr rtlCol="0" anchor="ctr"/>
+            <a:lstStyle/>
+            <a:p>
+              <a:pPr algn="ctr"/>
+              <a:endParaRPr lang="zh-CN" altLang="en-US"/>
+            </a:p>
+          </p:txBody>
+        </p:sp>
+        <p:grpSp>
+          <p:nvGrpSpPr>
+            <p:cNvPr id="81" name="组合 80">
+              <a:extLst>
+                <a:ext uri="{FF2B5EF4-FFF2-40B4-BE49-F238E27FC236}">
+                  <a16:creationId xmlns:a16="http://schemas.microsoft.com/office/drawing/2014/main" id="{12DDF966-C95D-7001-346D-C8501E8FACB9}"/>
+                </a:ext>
+              </a:extLst>
+            </p:cNvPr>
+            <p:cNvGrpSpPr/>
+            <p:nvPr/>
+          </p:nvGrpSpPr>
+          <p:grpSpPr>
+            <a:xfrm rot="5400000">
+              <a:off x="6091933" y="10660707"/>
+              <a:ext cx="227635" cy="1023793"/>
+              <a:chOff x="11367235" y="2230918"/>
+              <a:chExt cx="227635" cy="1023793"/>
+            </a:xfrm>
+          </p:grpSpPr>
+          <p:sp>
+            <p:nvSpPr>
+              <p:cNvPr id="82" name="椭圆 81">
+                <a:extLst>
+                  <a:ext uri="{FF2B5EF4-FFF2-40B4-BE49-F238E27FC236}">
+                    <a16:creationId xmlns:a16="http://schemas.microsoft.com/office/drawing/2014/main" id="{03D38069-A296-DE03-6719-4801A3B79173}"/>
+                  </a:ext>
+                </a:extLst>
+              </p:cNvPr>
+              <p:cNvSpPr>
+                <a:spLocks noChangeAspect="1"/>
+              </p:cNvSpPr>
+              <p:nvPr/>
+            </p:nvSpPr>
+            <p:spPr>
+              <a:xfrm flipV="1">
+                <a:off x="11367235" y="2230918"/>
+                <a:ext cx="227635" cy="227635"/>
+              </a:xfrm>
+              <a:prstGeom prst="ellipse">
+                <a:avLst/>
+              </a:prstGeom>
+              <a:solidFill>
+                <a:schemeClr val="tx2"/>
+              </a:solidFill>
+              <a:ln>
+                <a:noFill/>
+              </a:ln>
+            </p:spPr>
+            <p:style>
+              <a:lnRef idx="2">
+                <a:schemeClr val="accent1">
+                  <a:shade val="15000"/>
+                </a:schemeClr>
+              </a:lnRef>
+              <a:fillRef idx="1">
+                <a:schemeClr val="accent1"/>
+              </a:fillRef>
+              <a:effectRef idx="0">
+                <a:schemeClr val="accent1"/>
+              </a:effectRef>
+              <a:fontRef idx="minor">
+                <a:schemeClr val="lt1"/>
+              </a:fontRef>
+            </p:style>
+            <p:txBody>
+              <a:bodyPr rtlCol="0" anchor="ctr"/>
+              <a:lstStyle/>
+              <a:p>
+                <a:pPr algn="ctr"/>
+                <a:endParaRPr lang="zh-CN" altLang="en-US" sz="1050" b="1" dirty="0">
+                  <a:solidFill>
+                    <a:schemeClr val="tx1"/>
+                  </a:solidFill>
+                  <a:latin typeface="宋体" panose="02010600030101010101" pitchFamily="2" charset="-122"/>
+                  <a:ea typeface="宋体" panose="02010600030101010101" pitchFamily="2" charset="-122"/>
+                </a:endParaRPr>
+              </a:p>
+            </p:txBody>
+          </p:sp>
+          <p:sp>
+            <p:nvSpPr>
+              <p:cNvPr id="83" name="椭圆 82">
+                <a:extLst>
+                  <a:ext uri="{FF2B5EF4-FFF2-40B4-BE49-F238E27FC236}">
+                    <a16:creationId xmlns:a16="http://schemas.microsoft.com/office/drawing/2014/main" id="{6FE2F20D-008B-438B-D8EB-66270C810099}"/>
+                  </a:ext>
+                </a:extLst>
+              </p:cNvPr>
+              <p:cNvSpPr>
+                <a:spLocks noChangeAspect="1"/>
+              </p:cNvSpPr>
+              <p:nvPr/>
+            </p:nvSpPr>
+            <p:spPr>
+              <a:xfrm flipV="1">
+                <a:off x="11367235" y="2496304"/>
+                <a:ext cx="227635" cy="227635"/>
+              </a:xfrm>
+              <a:prstGeom prst="ellipse">
+                <a:avLst/>
+              </a:prstGeom>
+              <a:solidFill>
+                <a:schemeClr val="tx2"/>
+              </a:solidFill>
+              <a:ln>
+                <a:noFill/>
+              </a:ln>
+            </p:spPr>
+            <p:style>
+              <a:lnRef idx="2">
+                <a:schemeClr val="accent1">
+                  <a:shade val="15000"/>
+                </a:schemeClr>
+              </a:lnRef>
+              <a:fillRef idx="1">
+                <a:schemeClr val="accent1"/>
+              </a:fillRef>
+              <a:effectRef idx="0">
+                <a:schemeClr val="accent1"/>
+              </a:effectRef>
+              <a:fontRef idx="minor">
+                <a:schemeClr val="lt1"/>
+              </a:fontRef>
+            </p:style>
+            <p:txBody>
+              <a:bodyPr rtlCol="0" anchor="ctr"/>
+              <a:lstStyle/>
+              <a:p>
+                <a:pPr algn="ctr"/>
+                <a:endParaRPr lang="zh-CN" altLang="en-US" sz="1050" b="1" dirty="0">
+                  <a:solidFill>
+                    <a:schemeClr val="tx1"/>
+                  </a:solidFill>
+                  <a:latin typeface="宋体" panose="02010600030101010101" pitchFamily="2" charset="-122"/>
+                  <a:ea typeface="宋体" panose="02010600030101010101" pitchFamily="2" charset="-122"/>
+                </a:endParaRPr>
+              </a:p>
+            </p:txBody>
+          </p:sp>
+          <p:sp>
+            <p:nvSpPr>
+              <p:cNvPr id="84" name="椭圆 83">
+                <a:extLst>
+                  <a:ext uri="{FF2B5EF4-FFF2-40B4-BE49-F238E27FC236}">
+                    <a16:creationId xmlns:a16="http://schemas.microsoft.com/office/drawing/2014/main" id="{77B15793-D94D-CDFB-642A-37FABCA4C8C8}"/>
+                  </a:ext>
+                </a:extLst>
+              </p:cNvPr>
+              <p:cNvSpPr>
+                <a:spLocks noChangeAspect="1"/>
+              </p:cNvSpPr>
+              <p:nvPr/>
+            </p:nvSpPr>
+            <p:spPr>
+              <a:xfrm flipV="1">
+                <a:off x="11367235" y="2761690"/>
+                <a:ext cx="227635" cy="227635"/>
+              </a:xfrm>
+              <a:prstGeom prst="ellipse">
+                <a:avLst/>
+              </a:prstGeom>
+              <a:solidFill>
+                <a:schemeClr val="tx2"/>
+              </a:solidFill>
+              <a:ln>
+                <a:noFill/>
+              </a:ln>
+            </p:spPr>
+            <p:style>
+              <a:lnRef idx="2">
+                <a:schemeClr val="accent1">
+                  <a:shade val="15000"/>
+                </a:schemeClr>
+              </a:lnRef>
+              <a:fillRef idx="1">
+                <a:schemeClr val="accent1"/>
+              </a:fillRef>
+              <a:effectRef idx="0">
+                <a:schemeClr val="accent1"/>
+              </a:effectRef>
+              <a:fontRef idx="minor">
+                <a:schemeClr val="lt1"/>
+              </a:fontRef>
+            </p:style>
+            <p:txBody>
+              <a:bodyPr rtlCol="0" anchor="ctr"/>
+              <a:lstStyle/>
+              <a:p>
+                <a:pPr algn="ctr"/>
+                <a:endParaRPr lang="zh-CN" altLang="en-US" sz="1050" b="1" dirty="0">
+                  <a:solidFill>
+                    <a:schemeClr val="tx1"/>
+                  </a:solidFill>
+                  <a:latin typeface="宋体" panose="02010600030101010101" pitchFamily="2" charset="-122"/>
+                  <a:ea typeface="宋体" panose="02010600030101010101" pitchFamily="2" charset="-122"/>
+                </a:endParaRPr>
+              </a:p>
+            </p:txBody>
+          </p:sp>
+          <p:sp>
+            <p:nvSpPr>
+              <p:cNvPr id="85" name="椭圆 84">
+                <a:extLst>
+                  <a:ext uri="{FF2B5EF4-FFF2-40B4-BE49-F238E27FC236}">
+                    <a16:creationId xmlns:a16="http://schemas.microsoft.com/office/drawing/2014/main" id="{5B990A78-CF37-2079-C2AB-E9DC64C5055E}"/>
+                  </a:ext>
+                </a:extLst>
+              </p:cNvPr>
+              <p:cNvSpPr>
+                <a:spLocks noChangeAspect="1"/>
+              </p:cNvSpPr>
+              <p:nvPr/>
+            </p:nvSpPr>
+            <p:spPr>
+              <a:xfrm flipV="1">
+                <a:off x="11367235" y="3027076"/>
+                <a:ext cx="227635" cy="227635"/>
+              </a:xfrm>
+              <a:prstGeom prst="ellipse">
+                <a:avLst/>
+              </a:prstGeom>
+              <a:solidFill>
+                <a:schemeClr val="tx2"/>
+              </a:solidFill>
+              <a:ln>
+                <a:noFill/>
+              </a:ln>
+            </p:spPr>
+            <p:style>
+              <a:lnRef idx="2">
+                <a:schemeClr val="accent1">
+                  <a:shade val="15000"/>
+                </a:schemeClr>
+              </a:lnRef>
+              <a:fillRef idx="1">
+                <a:schemeClr val="accent1"/>
+              </a:fillRef>
+              <a:effectRef idx="0">
+                <a:schemeClr val="accent1"/>
+              </a:effectRef>
+              <a:fontRef idx="minor">
+                <a:schemeClr val="lt1"/>
+              </a:fontRef>
+            </p:style>
+            <p:txBody>
+              <a:bodyPr rtlCol="0" anchor="ctr"/>
+              <a:lstStyle/>
+              <a:p>
+                <a:pPr algn="ctr"/>
+                <a:endParaRPr lang="zh-CN" altLang="en-US" sz="1050" b="1" dirty="0">
+                  <a:solidFill>
+                    <a:schemeClr val="tx1"/>
+                  </a:solidFill>
+                  <a:latin typeface="宋体" panose="02010600030101010101" pitchFamily="2" charset="-122"/>
+                  <a:ea typeface="宋体" panose="02010600030101010101" pitchFamily="2" charset="-122"/>
+                </a:endParaRPr>
+              </a:p>
+            </p:txBody>
+          </p:sp>
+        </p:grpSp>
+        <p:grpSp>
+          <p:nvGrpSpPr>
+            <p:cNvPr id="88" name="组合 87">
+              <a:extLst>
+                <a:ext uri="{FF2B5EF4-FFF2-40B4-BE49-F238E27FC236}">
+                  <a16:creationId xmlns:a16="http://schemas.microsoft.com/office/drawing/2014/main" id="{631478CD-BCC6-D15C-17C7-0B4404C42708}"/>
+                </a:ext>
+              </a:extLst>
+            </p:cNvPr>
+            <p:cNvGrpSpPr/>
+            <p:nvPr/>
+          </p:nvGrpSpPr>
+          <p:grpSpPr>
+            <a:xfrm rot="5400000">
+              <a:off x="6089253" y="11540471"/>
+              <a:ext cx="227635" cy="1023793"/>
+              <a:chOff x="11367235" y="2230918"/>
+              <a:chExt cx="227635" cy="1023793"/>
+            </a:xfrm>
+          </p:grpSpPr>
+          <p:sp>
+            <p:nvSpPr>
+              <p:cNvPr id="89" name="椭圆 88">
+                <a:extLst>
+                  <a:ext uri="{FF2B5EF4-FFF2-40B4-BE49-F238E27FC236}">
+                    <a16:creationId xmlns:a16="http://schemas.microsoft.com/office/drawing/2014/main" id="{C062C897-009C-AAD4-CDC9-47BFCF83DB25}"/>
+                  </a:ext>
+                </a:extLst>
+              </p:cNvPr>
+              <p:cNvSpPr>
+                <a:spLocks noChangeAspect="1"/>
+              </p:cNvSpPr>
+              <p:nvPr/>
+            </p:nvSpPr>
+            <p:spPr>
+              <a:xfrm flipV="1">
+                <a:off x="11367235" y="2230918"/>
+                <a:ext cx="227635" cy="227635"/>
+              </a:xfrm>
+              <a:prstGeom prst="ellipse">
+                <a:avLst/>
+              </a:prstGeom>
+              <a:solidFill>
+                <a:schemeClr val="tx2"/>
+              </a:solidFill>
+              <a:ln>
+                <a:noFill/>
+              </a:ln>
+            </p:spPr>
+            <p:style>
+              <a:lnRef idx="2">
+                <a:schemeClr val="accent1">
+                  <a:shade val="15000"/>
+                </a:schemeClr>
+              </a:lnRef>
+              <a:fillRef idx="1">
+                <a:schemeClr val="accent1"/>
+              </a:fillRef>
+              <a:effectRef idx="0">
+                <a:schemeClr val="accent1"/>
+              </a:effectRef>
+              <a:fontRef idx="minor">
+                <a:schemeClr val="lt1"/>
+              </a:fontRef>
+            </p:style>
+            <p:txBody>
+              <a:bodyPr rtlCol="0" anchor="ctr"/>
+              <a:lstStyle/>
+              <a:p>
+                <a:pPr algn="ctr"/>
+                <a:endParaRPr lang="zh-CN" altLang="en-US" sz="1050" b="1" dirty="0">
+                  <a:solidFill>
+                    <a:schemeClr val="tx1"/>
+                  </a:solidFill>
+                  <a:latin typeface="宋体" panose="02010600030101010101" pitchFamily="2" charset="-122"/>
+                  <a:ea typeface="宋体" panose="02010600030101010101" pitchFamily="2" charset="-122"/>
+                </a:endParaRPr>
+              </a:p>
+            </p:txBody>
+          </p:sp>
+          <p:sp>
+            <p:nvSpPr>
+              <p:cNvPr id="90" name="椭圆 89">
+                <a:extLst>
+                  <a:ext uri="{FF2B5EF4-FFF2-40B4-BE49-F238E27FC236}">
+                    <a16:creationId xmlns:a16="http://schemas.microsoft.com/office/drawing/2014/main" id="{F71697F1-CFDA-F12C-DDD0-A817E1DE46A7}"/>
+                  </a:ext>
+                </a:extLst>
+              </p:cNvPr>
+              <p:cNvSpPr>
+                <a:spLocks noChangeAspect="1"/>
+              </p:cNvSpPr>
+              <p:nvPr/>
+            </p:nvSpPr>
+            <p:spPr>
+              <a:xfrm flipV="1">
+                <a:off x="11367235" y="2496304"/>
+                <a:ext cx="227635" cy="227635"/>
+              </a:xfrm>
+              <a:prstGeom prst="ellipse">
+                <a:avLst/>
+              </a:prstGeom>
+              <a:solidFill>
+                <a:schemeClr val="tx2"/>
+              </a:solidFill>
+              <a:ln>
+                <a:noFill/>
+              </a:ln>
+            </p:spPr>
+            <p:style>
+              <a:lnRef idx="2">
+                <a:schemeClr val="accent1">
+                  <a:shade val="15000"/>
+                </a:schemeClr>
+              </a:lnRef>
+              <a:fillRef idx="1">
+                <a:schemeClr val="accent1"/>
+              </a:fillRef>
+              <a:effectRef idx="0">
+                <a:schemeClr val="accent1"/>
+              </a:effectRef>
+              <a:fontRef idx="minor">
+                <a:schemeClr val="lt1"/>
+              </a:fontRef>
+            </p:style>
+            <p:txBody>
+              <a:bodyPr rtlCol="0" anchor="ctr"/>
+              <a:lstStyle/>
+              <a:p>
+                <a:pPr algn="ctr"/>
+                <a:endParaRPr lang="zh-CN" altLang="en-US" sz="1050" b="1" dirty="0">
+                  <a:solidFill>
+                    <a:schemeClr val="tx1"/>
+                  </a:solidFill>
+                  <a:latin typeface="宋体" panose="02010600030101010101" pitchFamily="2" charset="-122"/>
+                  <a:ea typeface="宋体" panose="02010600030101010101" pitchFamily="2" charset="-122"/>
+                </a:endParaRPr>
+              </a:p>
+            </p:txBody>
+          </p:sp>
+          <p:sp>
+            <p:nvSpPr>
+              <p:cNvPr id="91" name="椭圆 90">
+                <a:extLst>
+                  <a:ext uri="{FF2B5EF4-FFF2-40B4-BE49-F238E27FC236}">
+                    <a16:creationId xmlns:a16="http://schemas.microsoft.com/office/drawing/2014/main" id="{6065043E-C235-C813-2DDC-05CD7913417A}"/>
+                  </a:ext>
+                </a:extLst>
+              </p:cNvPr>
+              <p:cNvSpPr>
+                <a:spLocks noChangeAspect="1"/>
+              </p:cNvSpPr>
+              <p:nvPr/>
+            </p:nvSpPr>
+            <p:spPr>
+              <a:xfrm flipV="1">
+                <a:off x="11367235" y="2761690"/>
+                <a:ext cx="227635" cy="227635"/>
+              </a:xfrm>
+              <a:prstGeom prst="ellipse">
+                <a:avLst/>
+              </a:prstGeom>
+              <a:solidFill>
+                <a:schemeClr val="tx2"/>
+              </a:solidFill>
+              <a:ln>
+                <a:noFill/>
+              </a:ln>
+            </p:spPr>
+            <p:style>
+              <a:lnRef idx="2">
+                <a:schemeClr val="accent1">
+                  <a:shade val="15000"/>
+                </a:schemeClr>
+              </a:lnRef>
+              <a:fillRef idx="1">
+                <a:schemeClr val="accent1"/>
+              </a:fillRef>
+              <a:effectRef idx="0">
+                <a:schemeClr val="accent1"/>
+              </a:effectRef>
+              <a:fontRef idx="minor">
+                <a:schemeClr val="lt1"/>
+              </a:fontRef>
+            </p:style>
+            <p:txBody>
+              <a:bodyPr rtlCol="0" anchor="ctr"/>
+              <a:lstStyle/>
+              <a:p>
+                <a:pPr algn="ctr"/>
+                <a:endParaRPr lang="zh-CN" altLang="en-US" sz="1050" b="1" dirty="0">
+                  <a:solidFill>
+                    <a:schemeClr val="tx1"/>
+                  </a:solidFill>
+                  <a:latin typeface="宋体" panose="02010600030101010101" pitchFamily="2" charset="-122"/>
+                  <a:ea typeface="宋体" panose="02010600030101010101" pitchFamily="2" charset="-122"/>
+                </a:endParaRPr>
+              </a:p>
+            </p:txBody>
+          </p:sp>
+          <p:sp>
+            <p:nvSpPr>
+              <p:cNvPr id="92" name="椭圆 91">
+                <a:extLst>
+                  <a:ext uri="{FF2B5EF4-FFF2-40B4-BE49-F238E27FC236}">
+                    <a16:creationId xmlns:a16="http://schemas.microsoft.com/office/drawing/2014/main" id="{8AFC8E4C-6D72-EB56-3759-1DFCF1B2D29A}"/>
+                  </a:ext>
+                </a:extLst>
+              </p:cNvPr>
+              <p:cNvSpPr>
+                <a:spLocks noChangeAspect="1"/>
+              </p:cNvSpPr>
+              <p:nvPr/>
+            </p:nvSpPr>
+            <p:spPr>
+              <a:xfrm flipV="1">
+                <a:off x="11367235" y="3027076"/>
+                <a:ext cx="227635" cy="227635"/>
+              </a:xfrm>
+              <a:prstGeom prst="ellipse">
+                <a:avLst/>
+              </a:prstGeom>
+              <a:solidFill>
+                <a:schemeClr val="tx2"/>
+              </a:solidFill>
+              <a:ln>
+                <a:noFill/>
+              </a:ln>
+            </p:spPr>
+            <p:style>
+              <a:lnRef idx="2">
+                <a:schemeClr val="accent1">
+                  <a:shade val="15000"/>
+                </a:schemeClr>
+              </a:lnRef>
+              <a:fillRef idx="1">
+                <a:schemeClr val="accent1"/>
+              </a:fillRef>
+              <a:effectRef idx="0">
+                <a:schemeClr val="accent1"/>
+              </a:effectRef>
+              <a:fontRef idx="minor">
+                <a:schemeClr val="lt1"/>
+              </a:fontRef>
+            </p:style>
+            <p:txBody>
+              <a:bodyPr rtlCol="0" anchor="ctr"/>
+              <a:lstStyle/>
+              <a:p>
+                <a:pPr algn="ctr"/>
+                <a:endParaRPr lang="zh-CN" altLang="en-US" sz="1050" b="1" dirty="0">
+                  <a:solidFill>
+                    <a:schemeClr val="tx1"/>
+                  </a:solidFill>
+                  <a:latin typeface="宋体" panose="02010600030101010101" pitchFamily="2" charset="-122"/>
+                  <a:ea typeface="宋体" panose="02010600030101010101" pitchFamily="2" charset="-122"/>
+                </a:endParaRPr>
+              </a:p>
+            </p:txBody>
+          </p:sp>
+        </p:grpSp>
+        <p:sp>
+          <p:nvSpPr>
+            <p:cNvPr id="93" name="矩形: 圆角 92">
+              <a:extLst>
+                <a:ext uri="{FF2B5EF4-FFF2-40B4-BE49-F238E27FC236}">
+                  <a16:creationId xmlns:a16="http://schemas.microsoft.com/office/drawing/2014/main" id="{F449967E-D91F-1D0A-990A-C80610E7A326}"/>
+                </a:ext>
+              </a:extLst>
+            </p:cNvPr>
+            <p:cNvSpPr/>
+            <p:nvPr/>
+          </p:nvSpPr>
+          <p:spPr>
+            <a:xfrm rot="5400000">
+              <a:off x="5228101" y="11082871"/>
+              <a:ext cx="1931161" cy="1305012"/>
+            </a:xfrm>
+            <a:prstGeom prst="roundRect">
+              <a:avLst/>
+            </a:prstGeom>
+            <a:noFill/>
+            <a:ln w="28575">
+              <a:solidFill>
+                <a:schemeClr val="bg1">
+                  <a:lumMod val="50000"/>
+                </a:schemeClr>
+              </a:solidFill>
+              <a:prstDash val="dash"/>
+            </a:ln>
+          </p:spPr>
+          <p:style>
+            <a:lnRef idx="2">
+              <a:schemeClr val="accent1">
+                <a:shade val="15000"/>
+              </a:schemeClr>
+            </a:lnRef>
+            <a:fillRef idx="1">
+              <a:schemeClr val="accent1"/>
+            </a:fillRef>
+            <a:effectRef idx="0">
+              <a:schemeClr val="accent1"/>
+            </a:effectRef>
+            <a:fontRef idx="minor">
+              <a:schemeClr val="lt1"/>
+            </a:fontRef>
+          </p:style>
+          <p:txBody>
+            <a:bodyPr rtlCol="0" anchor="ctr"/>
+            <a:lstStyle/>
+            <a:p>
+              <a:pPr algn="ctr"/>
+              <a:endParaRPr lang="zh-CN" altLang="en-US" dirty="0"/>
+            </a:p>
+          </p:txBody>
+        </p:sp>
+      </p:grpSp>
+      <p:grpSp>
+        <p:nvGrpSpPr>
+          <p:cNvPr id="175" name="组合 174">
+            <a:extLst>
+              <a:ext uri="{FF2B5EF4-FFF2-40B4-BE49-F238E27FC236}">
+                <a16:creationId xmlns:a16="http://schemas.microsoft.com/office/drawing/2014/main" id="{A04808C2-2DB0-E402-3D0B-28E6A77DF51A}"/>
+              </a:ext>
+            </a:extLst>
+          </p:cNvPr>
+          <p:cNvGrpSpPr/>
+          <p:nvPr/>
+        </p:nvGrpSpPr>
+        <p:grpSpPr>
+          <a:xfrm rot="16200000">
+            <a:off x="7557501" y="10052563"/>
+            <a:ext cx="5255719" cy="6404236"/>
+            <a:chOff x="7947787" y="11938550"/>
+            <a:chExt cx="5255719" cy="6404236"/>
+          </a:xfrm>
+        </p:grpSpPr>
+        <p:sp>
+          <p:nvSpPr>
+            <p:cNvPr id="98" name="矩形: 圆角 97">
+              <a:extLst>
+                <a:ext uri="{FF2B5EF4-FFF2-40B4-BE49-F238E27FC236}">
+                  <a16:creationId xmlns:a16="http://schemas.microsoft.com/office/drawing/2014/main" id="{7EF84F9F-6983-E1B1-3B1B-B6DAE2BA6F44}"/>
+                </a:ext>
+              </a:extLst>
+            </p:cNvPr>
+            <p:cNvSpPr/>
+            <p:nvPr/>
+          </p:nvSpPr>
+          <p:spPr>
+            <a:xfrm>
+              <a:off x="7947787" y="11938550"/>
+              <a:ext cx="5255719" cy="6404236"/>
+            </a:xfrm>
+            <a:prstGeom prst="roundRect">
+              <a:avLst>
+                <a:gd name="adj" fmla="val 1536"/>
+              </a:avLst>
+            </a:prstGeom>
+            <a:noFill/>
+            <a:ln w="28575">
+              <a:solidFill>
+                <a:schemeClr val="bg1">
+                  <a:lumMod val="65000"/>
+                </a:schemeClr>
+              </a:solidFill>
+              <a:prstDash val="sysDot"/>
+            </a:ln>
+          </p:spPr>
+          <p:style>
+            <a:lnRef idx="2">
+              <a:schemeClr val="accent1">
+                <a:shade val="15000"/>
+              </a:schemeClr>
+            </a:lnRef>
+            <a:fillRef idx="1">
+              <a:schemeClr val="accent1"/>
+            </a:fillRef>
+            <a:effectRef idx="0">
+              <a:schemeClr val="accent1"/>
+            </a:effectRef>
+            <a:fontRef idx="minor">
+              <a:schemeClr val="lt1"/>
+            </a:fontRef>
+          </p:style>
+          <p:txBody>
+            <a:bodyPr rtlCol="0" anchor="ctr"/>
+            <a:lstStyle/>
+            <a:p>
+              <a:pPr algn="ctr"/>
+              <a:endParaRPr lang="zh-CN" altLang="en-US" dirty="0"/>
+            </a:p>
+          </p:txBody>
+        </p:sp>
+        <p:grpSp>
+          <p:nvGrpSpPr>
+            <p:cNvPr id="99" name="组合 98">
+              <a:extLst>
+                <a:ext uri="{FF2B5EF4-FFF2-40B4-BE49-F238E27FC236}">
+                  <a16:creationId xmlns:a16="http://schemas.microsoft.com/office/drawing/2014/main" id="{9EF4255B-AFA4-7D0F-B8C6-D57CA7BB5295}"/>
+                </a:ext>
+              </a:extLst>
+            </p:cNvPr>
+            <p:cNvGrpSpPr/>
+            <p:nvPr/>
+          </p:nvGrpSpPr>
+          <p:grpSpPr>
+            <a:xfrm>
+              <a:off x="8082356" y="14364235"/>
+              <a:ext cx="2207351" cy="1480693"/>
+              <a:chOff x="2698862" y="4460767"/>
+              <a:chExt cx="2207351" cy="1480693"/>
+            </a:xfrm>
+          </p:grpSpPr>
+          <p:sp>
+            <p:nvSpPr>
+              <p:cNvPr id="100" name="椭圆 99">
+                <a:extLst>
+                  <a:ext uri="{FF2B5EF4-FFF2-40B4-BE49-F238E27FC236}">
+                    <a16:creationId xmlns:a16="http://schemas.microsoft.com/office/drawing/2014/main" id="{50393726-D1A6-9C50-E9F7-8BC85C9B81EA}"/>
+                  </a:ext>
+                </a:extLst>
+              </p:cNvPr>
+              <p:cNvSpPr>
+                <a:spLocks noChangeAspect="1"/>
+              </p:cNvSpPr>
+              <p:nvPr/>
+            </p:nvSpPr>
+            <p:spPr>
+              <a:xfrm flipV="1">
+                <a:off x="4131535" y="4682856"/>
+                <a:ext cx="227635" cy="227635"/>
+              </a:xfrm>
+              <a:prstGeom prst="ellipse">
+                <a:avLst/>
+              </a:prstGeom>
+              <a:solidFill>
+                <a:srgbClr val="C00000"/>
+              </a:solidFill>
+              <a:ln>
+                <a:noFill/>
+              </a:ln>
+            </p:spPr>
+            <p:style>
+              <a:lnRef idx="2">
+                <a:schemeClr val="accent1">
+                  <a:shade val="15000"/>
+                </a:schemeClr>
+              </a:lnRef>
+              <a:fillRef idx="1">
+                <a:schemeClr val="accent1"/>
+              </a:fillRef>
+              <a:effectRef idx="0">
+                <a:schemeClr val="accent1"/>
+              </a:effectRef>
+              <a:fontRef idx="minor">
+                <a:schemeClr val="lt1"/>
+              </a:fontRef>
+            </p:style>
+            <p:txBody>
+              <a:bodyPr rtlCol="0" anchor="ctr"/>
+              <a:lstStyle/>
+              <a:p>
+                <a:pPr algn="ctr"/>
+                <a:endParaRPr lang="zh-CN" altLang="en-US" sz="1050" b="1" dirty="0">
+                  <a:solidFill>
+                    <a:schemeClr val="tx1"/>
+                  </a:solidFill>
+                  <a:latin typeface="宋体" panose="02010600030101010101" pitchFamily="2" charset="-122"/>
+                  <a:ea typeface="宋体" panose="02010600030101010101" pitchFamily="2" charset="-122"/>
+                </a:endParaRPr>
+              </a:p>
+            </p:txBody>
+          </p:sp>
+          <p:sp>
+            <p:nvSpPr>
+              <p:cNvPr id="101" name="椭圆 100">
+                <a:extLst>
+                  <a:ext uri="{FF2B5EF4-FFF2-40B4-BE49-F238E27FC236}">
+                    <a16:creationId xmlns:a16="http://schemas.microsoft.com/office/drawing/2014/main" id="{44A34137-B861-8D0D-0A11-7AF5490E09CD}"/>
+                  </a:ext>
+                </a:extLst>
+              </p:cNvPr>
+              <p:cNvSpPr>
+                <a:spLocks noChangeAspect="1"/>
+              </p:cNvSpPr>
+              <p:nvPr/>
+            </p:nvSpPr>
+            <p:spPr>
+              <a:xfrm flipV="1">
+                <a:off x="3702689" y="5092968"/>
+                <a:ext cx="227635" cy="227635"/>
+              </a:xfrm>
+              <a:prstGeom prst="ellipse">
+                <a:avLst/>
+              </a:prstGeom>
+              <a:solidFill>
+                <a:schemeClr val="tx2">
+                  <a:lumMod val="20000"/>
+                  <a:lumOff val="80000"/>
+                </a:schemeClr>
+              </a:solidFill>
+            </p:spPr>
+            <p:style>
+              <a:lnRef idx="2">
+                <a:schemeClr val="accent1">
+                  <a:shade val="15000"/>
+                </a:schemeClr>
+              </a:lnRef>
+              <a:fillRef idx="1">
+                <a:schemeClr val="accent1"/>
+              </a:fillRef>
+              <a:effectRef idx="0">
+                <a:schemeClr val="accent1"/>
+              </a:effectRef>
+              <a:fontRef idx="minor">
+                <a:schemeClr val="lt1"/>
+              </a:fontRef>
+            </p:style>
+            <p:txBody>
+              <a:bodyPr rtlCol="0" anchor="ctr"/>
+              <a:lstStyle/>
+              <a:p>
+                <a:pPr algn="ctr"/>
+                <a:endParaRPr lang="zh-CN" altLang="en-US" sz="1050" b="1" dirty="0">
+                  <a:solidFill>
+                    <a:schemeClr val="tx1"/>
+                  </a:solidFill>
+                  <a:latin typeface="宋体" panose="02010600030101010101" pitchFamily="2" charset="-122"/>
+                  <a:ea typeface="宋体" panose="02010600030101010101" pitchFamily="2" charset="-122"/>
+                </a:endParaRPr>
+              </a:p>
+            </p:txBody>
+          </p:sp>
+          <p:sp>
+            <p:nvSpPr>
+              <p:cNvPr id="102" name="椭圆 101">
+                <a:extLst>
+                  <a:ext uri="{FF2B5EF4-FFF2-40B4-BE49-F238E27FC236}">
+                    <a16:creationId xmlns:a16="http://schemas.microsoft.com/office/drawing/2014/main" id="{50600FD7-FEFF-FD5C-0308-65D3B317FEE8}"/>
+                  </a:ext>
+                </a:extLst>
+              </p:cNvPr>
+              <p:cNvSpPr>
+                <a:spLocks noChangeAspect="1"/>
+              </p:cNvSpPr>
+              <p:nvPr/>
+            </p:nvSpPr>
+            <p:spPr>
+              <a:xfrm flipV="1">
+                <a:off x="4131536" y="5494744"/>
+                <a:ext cx="227635" cy="227635"/>
+              </a:xfrm>
+              <a:prstGeom prst="ellipse">
+                <a:avLst/>
+              </a:prstGeom>
+              <a:solidFill>
+                <a:srgbClr val="C00000"/>
+              </a:solidFill>
+              <a:ln>
+                <a:noFill/>
+              </a:ln>
+            </p:spPr>
+            <p:style>
+              <a:lnRef idx="2">
+                <a:schemeClr val="accent1">
+                  <a:shade val="15000"/>
+                </a:schemeClr>
+              </a:lnRef>
+              <a:fillRef idx="1">
+                <a:schemeClr val="accent1"/>
+              </a:fillRef>
+              <a:effectRef idx="0">
+                <a:schemeClr val="accent1"/>
+              </a:effectRef>
+              <a:fontRef idx="minor">
+                <a:schemeClr val="lt1"/>
+              </a:fontRef>
+            </p:style>
+            <p:txBody>
+              <a:bodyPr rtlCol="0" anchor="ctr"/>
+              <a:lstStyle/>
+              <a:p>
+                <a:pPr algn="ctr"/>
+                <a:endParaRPr lang="zh-CN" altLang="en-US" sz="1050" b="1" dirty="0">
+                  <a:solidFill>
+                    <a:schemeClr val="tx1"/>
+                  </a:solidFill>
+                  <a:latin typeface="宋体" panose="02010600030101010101" pitchFamily="2" charset="-122"/>
+                  <a:ea typeface="宋体" panose="02010600030101010101" pitchFamily="2" charset="-122"/>
+                </a:endParaRPr>
+              </a:p>
+            </p:txBody>
+          </p:sp>
+          <p:sp>
+            <p:nvSpPr>
+              <p:cNvPr id="103" name="椭圆 102">
+                <a:extLst>
+                  <a:ext uri="{FF2B5EF4-FFF2-40B4-BE49-F238E27FC236}">
+                    <a16:creationId xmlns:a16="http://schemas.microsoft.com/office/drawing/2014/main" id="{D176F9F3-2CC6-7C70-06A9-AE78A932B43C}"/>
+                  </a:ext>
+                </a:extLst>
+              </p:cNvPr>
+              <p:cNvSpPr>
+                <a:spLocks noChangeAspect="1"/>
+              </p:cNvSpPr>
+              <p:nvPr/>
+            </p:nvSpPr>
+            <p:spPr>
+              <a:xfrm flipV="1">
+                <a:off x="3270300" y="4682856"/>
+                <a:ext cx="227635" cy="227635"/>
+              </a:xfrm>
+              <a:prstGeom prst="ellipse">
+                <a:avLst/>
+              </a:prstGeom>
+              <a:solidFill>
+                <a:srgbClr val="C00000"/>
+              </a:solidFill>
+              <a:ln>
+                <a:noFill/>
+              </a:ln>
+            </p:spPr>
+            <p:style>
+              <a:lnRef idx="2">
+                <a:schemeClr val="accent1">
+                  <a:shade val="15000"/>
+                </a:schemeClr>
+              </a:lnRef>
+              <a:fillRef idx="1">
+                <a:schemeClr val="accent1"/>
+              </a:fillRef>
+              <a:effectRef idx="0">
+                <a:schemeClr val="accent1"/>
+              </a:effectRef>
+              <a:fontRef idx="minor">
+                <a:schemeClr val="lt1"/>
+              </a:fontRef>
+            </p:style>
+            <p:txBody>
+              <a:bodyPr rtlCol="0" anchor="ctr"/>
+              <a:lstStyle/>
+              <a:p>
+                <a:pPr algn="ctr"/>
+                <a:endParaRPr lang="zh-CN" altLang="en-US" sz="1050" b="1" dirty="0">
+                  <a:solidFill>
+                    <a:schemeClr val="tx1"/>
+                  </a:solidFill>
+                  <a:latin typeface="宋体" panose="02010600030101010101" pitchFamily="2" charset="-122"/>
+                  <a:ea typeface="宋体" panose="02010600030101010101" pitchFamily="2" charset="-122"/>
+                </a:endParaRPr>
+              </a:p>
+            </p:txBody>
+          </p:sp>
+          <p:sp>
+            <p:nvSpPr>
+              <p:cNvPr id="104" name="椭圆 103">
+                <a:extLst>
+                  <a:ext uri="{FF2B5EF4-FFF2-40B4-BE49-F238E27FC236}">
+                    <a16:creationId xmlns:a16="http://schemas.microsoft.com/office/drawing/2014/main" id="{F365828C-E18C-7B70-CEDE-D691D440EC4C}"/>
+                  </a:ext>
+                </a:extLst>
+              </p:cNvPr>
+              <p:cNvSpPr>
+                <a:spLocks noChangeAspect="1"/>
+              </p:cNvSpPr>
+              <p:nvPr/>
+            </p:nvSpPr>
+            <p:spPr>
+              <a:xfrm flipV="1">
+                <a:off x="3270300" y="5494743"/>
+                <a:ext cx="227635" cy="227635"/>
+              </a:xfrm>
+              <a:prstGeom prst="ellipse">
+                <a:avLst/>
+              </a:prstGeom>
+              <a:solidFill>
+                <a:srgbClr val="C00000"/>
+              </a:solidFill>
+              <a:ln>
+                <a:noFill/>
+              </a:ln>
+            </p:spPr>
+            <p:style>
+              <a:lnRef idx="2">
+                <a:schemeClr val="accent1">
+                  <a:shade val="15000"/>
+                </a:schemeClr>
+              </a:lnRef>
+              <a:fillRef idx="1">
+                <a:schemeClr val="accent1"/>
+              </a:fillRef>
+              <a:effectRef idx="0">
+                <a:schemeClr val="accent1"/>
+              </a:effectRef>
+              <a:fontRef idx="minor">
+                <a:schemeClr val="lt1"/>
+              </a:fontRef>
+            </p:style>
+            <p:txBody>
+              <a:bodyPr rtlCol="0" anchor="ctr"/>
+              <a:lstStyle/>
+              <a:p>
+                <a:pPr algn="ctr"/>
+                <a:endParaRPr lang="zh-CN" altLang="en-US" sz="1050" b="1" dirty="0">
+                  <a:solidFill>
+                    <a:schemeClr val="tx1"/>
+                  </a:solidFill>
+                  <a:latin typeface="宋体" panose="02010600030101010101" pitchFamily="2" charset="-122"/>
+                  <a:ea typeface="宋体" panose="02010600030101010101" pitchFamily="2" charset="-122"/>
+                </a:endParaRPr>
+              </a:p>
+            </p:txBody>
+          </p:sp>
+          <p:sp>
+            <p:nvSpPr>
+              <p:cNvPr id="105" name="椭圆 104">
+                <a:extLst>
+                  <a:ext uri="{FF2B5EF4-FFF2-40B4-BE49-F238E27FC236}">
+                    <a16:creationId xmlns:a16="http://schemas.microsoft.com/office/drawing/2014/main" id="{D644A9E6-04DA-C02D-3400-399E685189D3}"/>
+                  </a:ext>
+                </a:extLst>
+              </p:cNvPr>
+              <p:cNvSpPr>
+                <a:spLocks noChangeAspect="1"/>
+              </p:cNvSpPr>
+              <p:nvPr/>
+            </p:nvSpPr>
+            <p:spPr>
+              <a:xfrm flipV="1">
+                <a:off x="4560383" y="5087298"/>
+                <a:ext cx="227635" cy="227635"/>
+              </a:xfrm>
+              <a:prstGeom prst="ellipse">
+                <a:avLst/>
+              </a:prstGeom>
+              <a:solidFill>
+                <a:schemeClr val="accent1"/>
+              </a:solidFill>
+              <a:ln>
+                <a:noFill/>
+              </a:ln>
+            </p:spPr>
+            <p:style>
+              <a:lnRef idx="2">
+                <a:schemeClr val="accent1">
+                  <a:shade val="15000"/>
+                </a:schemeClr>
+              </a:lnRef>
+              <a:fillRef idx="1">
+                <a:schemeClr val="accent1"/>
+              </a:fillRef>
+              <a:effectRef idx="0">
+                <a:schemeClr val="accent1"/>
+              </a:effectRef>
+              <a:fontRef idx="minor">
+                <a:schemeClr val="lt1"/>
+              </a:fontRef>
+            </p:style>
+            <p:txBody>
+              <a:bodyPr rtlCol="0" anchor="ctr"/>
+              <a:lstStyle/>
+              <a:p>
+                <a:pPr algn="ctr"/>
+                <a:endParaRPr lang="zh-CN" altLang="en-US" sz="1050" b="1" dirty="0">
+                  <a:solidFill>
+                    <a:schemeClr val="tx1"/>
+                  </a:solidFill>
+                  <a:latin typeface="宋体" panose="02010600030101010101" pitchFamily="2" charset="-122"/>
+                  <a:ea typeface="宋体" panose="02010600030101010101" pitchFamily="2" charset="-122"/>
+                </a:endParaRPr>
+              </a:p>
+            </p:txBody>
+          </p:sp>
+          <p:sp>
+            <p:nvSpPr>
+              <p:cNvPr id="106" name="椭圆 105">
+                <a:extLst>
+                  <a:ext uri="{FF2B5EF4-FFF2-40B4-BE49-F238E27FC236}">
+                    <a16:creationId xmlns:a16="http://schemas.microsoft.com/office/drawing/2014/main" id="{73906931-1F23-88EE-EA8B-BA6C49B8AB40}"/>
+                  </a:ext>
+                </a:extLst>
+              </p:cNvPr>
+              <p:cNvSpPr>
+                <a:spLocks noChangeAspect="1"/>
+              </p:cNvSpPr>
+              <p:nvPr/>
+            </p:nvSpPr>
+            <p:spPr>
+              <a:xfrm flipV="1">
+                <a:off x="2852087" y="5087297"/>
+                <a:ext cx="227635" cy="227635"/>
+              </a:xfrm>
+              <a:prstGeom prst="ellipse">
+                <a:avLst/>
+              </a:prstGeom>
+              <a:solidFill>
+                <a:schemeClr val="accent1"/>
+              </a:solidFill>
+              <a:ln>
+                <a:noFill/>
+              </a:ln>
+            </p:spPr>
+            <p:style>
+              <a:lnRef idx="2">
+                <a:schemeClr val="accent1">
+                  <a:shade val="15000"/>
+                </a:schemeClr>
+              </a:lnRef>
+              <a:fillRef idx="1">
+                <a:schemeClr val="accent1"/>
+              </a:fillRef>
+              <a:effectRef idx="0">
+                <a:schemeClr val="accent1"/>
+              </a:effectRef>
+              <a:fontRef idx="minor">
+                <a:schemeClr val="lt1"/>
+              </a:fontRef>
+            </p:style>
+            <p:txBody>
+              <a:bodyPr rtlCol="0" anchor="ctr"/>
+              <a:lstStyle/>
+              <a:p>
+                <a:pPr algn="ctr"/>
+                <a:endParaRPr lang="zh-CN" altLang="en-US" sz="1050" b="1" dirty="0">
+                  <a:solidFill>
+                    <a:schemeClr val="tx1"/>
+                  </a:solidFill>
+                  <a:latin typeface="宋体" panose="02010600030101010101" pitchFamily="2" charset="-122"/>
+                  <a:ea typeface="宋体" panose="02010600030101010101" pitchFamily="2" charset="-122"/>
+                </a:endParaRPr>
+              </a:p>
+            </p:txBody>
+          </p:sp>
+          <p:cxnSp>
+            <p:nvCxnSpPr>
+              <p:cNvPr id="107" name="直接连接符 106">
+                <a:extLst>
+                  <a:ext uri="{FF2B5EF4-FFF2-40B4-BE49-F238E27FC236}">
+                    <a16:creationId xmlns:a16="http://schemas.microsoft.com/office/drawing/2014/main" id="{D13D7B5F-EAD0-8278-3620-D28FA5142C72}"/>
+                  </a:ext>
+                </a:extLst>
+              </p:cNvPr>
+              <p:cNvCxnSpPr>
+                <a:cxnSpLocks/>
+                <a:stCxn id="100" idx="0"/>
+                <a:endCxn id="102" idx="4"/>
+              </p:cNvCxnSpPr>
+              <p:nvPr/>
+            </p:nvCxnSpPr>
+            <p:spPr>
+              <a:xfrm>
+                <a:off x="4245353" y="4910491"/>
+                <a:ext cx="1" cy="584253"/>
+              </a:xfrm>
+              <a:prstGeom prst="line">
+                <a:avLst/>
+              </a:prstGeom>
+              <a:ln w="12700"/>
+            </p:spPr>
+            <p:style>
+              <a:lnRef idx="1">
+                <a:schemeClr val="dk1"/>
+              </a:lnRef>
+              <a:fillRef idx="0">
+                <a:schemeClr val="dk1"/>
+              </a:fillRef>
+              <a:effectRef idx="0">
+                <a:schemeClr val="dk1"/>
+              </a:effectRef>
+              <a:fontRef idx="minor">
+                <a:schemeClr val="tx1"/>
+              </a:fontRef>
+            </p:style>
+          </p:cxnSp>
+          <p:cxnSp>
+            <p:nvCxnSpPr>
+              <p:cNvPr id="108" name="直接连接符 107">
+                <a:extLst>
+                  <a:ext uri="{FF2B5EF4-FFF2-40B4-BE49-F238E27FC236}">
+                    <a16:creationId xmlns:a16="http://schemas.microsoft.com/office/drawing/2014/main" id="{FD9F06D3-D7F6-2218-6F95-56586EA367ED}"/>
+                  </a:ext>
+                </a:extLst>
+              </p:cNvPr>
+              <p:cNvCxnSpPr>
+                <a:cxnSpLocks/>
+                <a:stCxn id="100" idx="7"/>
+                <a:endCxn id="105" idx="3"/>
+              </p:cNvCxnSpPr>
+              <p:nvPr/>
+            </p:nvCxnSpPr>
+            <p:spPr>
+              <a:xfrm>
+                <a:off x="4325834" y="4877155"/>
+                <a:ext cx="267885" cy="243479"/>
+              </a:xfrm>
+              <a:prstGeom prst="line">
+                <a:avLst/>
+              </a:prstGeom>
+              <a:ln w="12700"/>
+            </p:spPr>
+            <p:style>
+              <a:lnRef idx="1">
+                <a:schemeClr val="dk1"/>
+              </a:lnRef>
+              <a:fillRef idx="0">
+                <a:schemeClr val="dk1"/>
+              </a:fillRef>
+              <a:effectRef idx="0">
+                <a:schemeClr val="dk1"/>
+              </a:effectRef>
+              <a:fontRef idx="minor">
+                <a:schemeClr val="tx1"/>
+              </a:fontRef>
+            </p:style>
+          </p:cxnSp>
+          <p:cxnSp>
+            <p:nvCxnSpPr>
+              <p:cNvPr id="109" name="直接连接符 108">
+                <a:extLst>
+                  <a:ext uri="{FF2B5EF4-FFF2-40B4-BE49-F238E27FC236}">
+                    <a16:creationId xmlns:a16="http://schemas.microsoft.com/office/drawing/2014/main" id="{1515D36F-97B9-9BD3-9B90-3D9F3D6AEDB9}"/>
+                  </a:ext>
+                </a:extLst>
+              </p:cNvPr>
+              <p:cNvCxnSpPr>
+                <a:cxnSpLocks/>
+                <a:stCxn id="102" idx="5"/>
+                <a:endCxn id="105" idx="1"/>
+              </p:cNvCxnSpPr>
+              <p:nvPr/>
+            </p:nvCxnSpPr>
+            <p:spPr>
+              <a:xfrm flipV="1">
+                <a:off x="4325832" y="5281597"/>
+                <a:ext cx="267884" cy="246483"/>
+              </a:xfrm>
+              <a:prstGeom prst="line">
+                <a:avLst/>
+              </a:prstGeom>
+              <a:ln w="12700"/>
+            </p:spPr>
+            <p:style>
+              <a:lnRef idx="1">
+                <a:schemeClr val="dk1"/>
+              </a:lnRef>
+              <a:fillRef idx="0">
+                <a:schemeClr val="dk1"/>
+              </a:fillRef>
+              <a:effectRef idx="0">
+                <a:schemeClr val="dk1"/>
+              </a:effectRef>
+              <a:fontRef idx="minor">
+                <a:schemeClr val="tx1"/>
+              </a:fontRef>
+            </p:style>
+          </p:cxnSp>
+          <p:cxnSp>
+            <p:nvCxnSpPr>
+              <p:cNvPr id="110" name="直接连接符 109">
+                <a:extLst>
+                  <a:ext uri="{FF2B5EF4-FFF2-40B4-BE49-F238E27FC236}">
+                    <a16:creationId xmlns:a16="http://schemas.microsoft.com/office/drawing/2014/main" id="{47D3DA9F-DC6A-B558-4C26-808436FF3025}"/>
+                  </a:ext>
+                </a:extLst>
+              </p:cNvPr>
+              <p:cNvCxnSpPr>
+                <a:cxnSpLocks/>
+                <a:stCxn id="101" idx="3"/>
+                <a:endCxn id="103" idx="7"/>
+              </p:cNvCxnSpPr>
+              <p:nvPr/>
+            </p:nvCxnSpPr>
+            <p:spPr>
+              <a:xfrm flipH="1" flipV="1">
+                <a:off x="3464596" y="4877155"/>
+                <a:ext cx="271426" cy="249149"/>
+              </a:xfrm>
+              <a:prstGeom prst="line">
+                <a:avLst/>
+              </a:prstGeom>
+              <a:ln w="12700"/>
+            </p:spPr>
+            <p:style>
+              <a:lnRef idx="1">
+                <a:schemeClr val="dk1"/>
+              </a:lnRef>
+              <a:fillRef idx="0">
+                <a:schemeClr val="dk1"/>
+              </a:fillRef>
+              <a:effectRef idx="0">
+                <a:schemeClr val="dk1"/>
+              </a:effectRef>
+              <a:fontRef idx="minor">
+                <a:schemeClr val="tx1"/>
+              </a:fontRef>
+            </p:style>
+          </p:cxnSp>
+          <p:cxnSp>
+            <p:nvCxnSpPr>
+              <p:cNvPr id="111" name="直接连接符 110">
+                <a:extLst>
+                  <a:ext uri="{FF2B5EF4-FFF2-40B4-BE49-F238E27FC236}">
+                    <a16:creationId xmlns:a16="http://schemas.microsoft.com/office/drawing/2014/main" id="{020DDA1C-EA92-ED02-4109-1517AFB9F13B}"/>
+                  </a:ext>
+                </a:extLst>
+              </p:cNvPr>
+              <p:cNvCxnSpPr>
+                <a:cxnSpLocks/>
+                <a:stCxn id="101" idx="1"/>
+                <a:endCxn id="104" idx="5"/>
+              </p:cNvCxnSpPr>
+              <p:nvPr/>
+            </p:nvCxnSpPr>
+            <p:spPr>
+              <a:xfrm flipH="1">
+                <a:off x="3464596" y="5287264"/>
+                <a:ext cx="271426" cy="240812"/>
+              </a:xfrm>
+              <a:prstGeom prst="line">
+                <a:avLst/>
+              </a:prstGeom>
+              <a:ln w="12700"/>
+            </p:spPr>
+            <p:style>
+              <a:lnRef idx="1">
+                <a:schemeClr val="dk1"/>
+              </a:lnRef>
+              <a:fillRef idx="0">
+                <a:schemeClr val="dk1"/>
+              </a:fillRef>
+              <a:effectRef idx="0">
+                <a:schemeClr val="dk1"/>
+              </a:effectRef>
+              <a:fontRef idx="minor">
+                <a:schemeClr val="tx1"/>
+              </a:fontRef>
+            </p:style>
+          </p:cxnSp>
+          <p:cxnSp>
+            <p:nvCxnSpPr>
+              <p:cNvPr id="112" name="直接连接符 111">
+                <a:extLst>
+                  <a:ext uri="{FF2B5EF4-FFF2-40B4-BE49-F238E27FC236}">
+                    <a16:creationId xmlns:a16="http://schemas.microsoft.com/office/drawing/2014/main" id="{136CA183-DF4D-E3A0-9905-A4A611F4DB94}"/>
+                  </a:ext>
+                </a:extLst>
+              </p:cNvPr>
+              <p:cNvCxnSpPr>
+                <a:cxnSpLocks/>
+                <a:stCxn id="101" idx="5"/>
+                <a:endCxn id="100" idx="1"/>
+              </p:cNvCxnSpPr>
+              <p:nvPr/>
+            </p:nvCxnSpPr>
+            <p:spPr>
+              <a:xfrm flipV="1">
+                <a:off x="3896988" y="4877155"/>
+                <a:ext cx="267883" cy="249149"/>
+              </a:xfrm>
+              <a:prstGeom prst="line">
+                <a:avLst/>
+              </a:prstGeom>
+              <a:ln w="12700"/>
+            </p:spPr>
+            <p:style>
+              <a:lnRef idx="1">
+                <a:schemeClr val="dk1"/>
+              </a:lnRef>
+              <a:fillRef idx="0">
+                <a:schemeClr val="dk1"/>
+              </a:fillRef>
+              <a:effectRef idx="0">
+                <a:schemeClr val="dk1"/>
+              </a:effectRef>
+              <a:fontRef idx="minor">
+                <a:schemeClr val="tx1"/>
+              </a:fontRef>
+            </p:style>
+          </p:cxnSp>
+          <p:cxnSp>
+            <p:nvCxnSpPr>
+              <p:cNvPr id="113" name="直接连接符 112">
+                <a:extLst>
+                  <a:ext uri="{FF2B5EF4-FFF2-40B4-BE49-F238E27FC236}">
+                    <a16:creationId xmlns:a16="http://schemas.microsoft.com/office/drawing/2014/main" id="{3A1617AE-A0A3-5713-5D97-BBE8B5F515F0}"/>
+                  </a:ext>
+                </a:extLst>
+              </p:cNvPr>
+              <p:cNvCxnSpPr>
+                <a:cxnSpLocks/>
+                <a:stCxn id="101" idx="7"/>
+                <a:endCxn id="102" idx="3"/>
+              </p:cNvCxnSpPr>
+              <p:nvPr/>
+            </p:nvCxnSpPr>
+            <p:spPr>
+              <a:xfrm>
+                <a:off x="3896985" y="5287267"/>
+                <a:ext cx="267884" cy="240813"/>
+              </a:xfrm>
+              <a:prstGeom prst="line">
+                <a:avLst/>
+              </a:prstGeom>
+              <a:ln w="12700"/>
+            </p:spPr>
+            <p:style>
+              <a:lnRef idx="1">
+                <a:schemeClr val="dk1"/>
+              </a:lnRef>
+              <a:fillRef idx="0">
+                <a:schemeClr val="dk1"/>
+              </a:fillRef>
+              <a:effectRef idx="0">
+                <a:schemeClr val="dk1"/>
+              </a:effectRef>
+              <a:fontRef idx="minor">
+                <a:schemeClr val="tx1"/>
+              </a:fontRef>
+            </p:style>
+          </p:cxnSp>
+          <p:cxnSp>
+            <p:nvCxnSpPr>
+              <p:cNvPr id="114" name="直接连接符 113">
+                <a:extLst>
+                  <a:ext uri="{FF2B5EF4-FFF2-40B4-BE49-F238E27FC236}">
+                    <a16:creationId xmlns:a16="http://schemas.microsoft.com/office/drawing/2014/main" id="{27FA5143-90E4-AC56-4F05-53A76C17A5EC}"/>
+                  </a:ext>
+                </a:extLst>
+              </p:cNvPr>
+              <p:cNvCxnSpPr>
+                <a:cxnSpLocks/>
+                <a:stCxn id="103" idx="0"/>
+                <a:endCxn id="104" idx="4"/>
+              </p:cNvCxnSpPr>
+              <p:nvPr/>
+            </p:nvCxnSpPr>
+            <p:spPr>
+              <a:xfrm>
+                <a:off x="3384115" y="4910488"/>
+                <a:ext cx="0" cy="584252"/>
+              </a:xfrm>
+              <a:prstGeom prst="line">
+                <a:avLst/>
+              </a:prstGeom>
+              <a:ln w="12700"/>
+            </p:spPr>
+            <p:style>
+              <a:lnRef idx="1">
+                <a:schemeClr val="dk1"/>
+              </a:lnRef>
+              <a:fillRef idx="0">
+                <a:schemeClr val="dk1"/>
+              </a:fillRef>
+              <a:effectRef idx="0">
+                <a:schemeClr val="dk1"/>
+              </a:effectRef>
+              <a:fontRef idx="minor">
+                <a:schemeClr val="tx1"/>
+              </a:fontRef>
+            </p:style>
+          </p:cxnSp>
+          <p:cxnSp>
+            <p:nvCxnSpPr>
+              <p:cNvPr id="115" name="直接连接符 114">
+                <a:extLst>
+                  <a:ext uri="{FF2B5EF4-FFF2-40B4-BE49-F238E27FC236}">
+                    <a16:creationId xmlns:a16="http://schemas.microsoft.com/office/drawing/2014/main" id="{DB6A609D-C7A3-038E-FDFB-9BAE8DDF0943}"/>
+                  </a:ext>
+                </a:extLst>
+              </p:cNvPr>
+              <p:cNvCxnSpPr>
+                <a:cxnSpLocks/>
+                <a:stCxn id="106" idx="5"/>
+                <a:endCxn id="103" idx="1"/>
+              </p:cNvCxnSpPr>
+              <p:nvPr/>
+            </p:nvCxnSpPr>
+            <p:spPr>
+              <a:xfrm flipV="1">
+                <a:off x="3046383" y="4877152"/>
+                <a:ext cx="257250" cy="243478"/>
+              </a:xfrm>
+              <a:prstGeom prst="line">
+                <a:avLst/>
+              </a:prstGeom>
+              <a:ln w="12700"/>
+            </p:spPr>
+            <p:style>
+              <a:lnRef idx="1">
+                <a:schemeClr val="dk1"/>
+              </a:lnRef>
+              <a:fillRef idx="0">
+                <a:schemeClr val="dk1"/>
+              </a:fillRef>
+              <a:effectRef idx="0">
+                <a:schemeClr val="dk1"/>
+              </a:effectRef>
+              <a:fontRef idx="minor">
+                <a:schemeClr val="tx1"/>
+              </a:fontRef>
+            </p:style>
+          </p:cxnSp>
+          <p:cxnSp>
+            <p:nvCxnSpPr>
+              <p:cNvPr id="116" name="直接连接符 115">
+                <a:extLst>
+                  <a:ext uri="{FF2B5EF4-FFF2-40B4-BE49-F238E27FC236}">
+                    <a16:creationId xmlns:a16="http://schemas.microsoft.com/office/drawing/2014/main" id="{CBD52924-7A09-EED3-3B08-83AF5D40D84B}"/>
+                  </a:ext>
+                </a:extLst>
+              </p:cNvPr>
+              <p:cNvCxnSpPr>
+                <a:cxnSpLocks/>
+                <a:stCxn id="106" idx="7"/>
+                <a:endCxn id="104" idx="3"/>
+              </p:cNvCxnSpPr>
+              <p:nvPr/>
+            </p:nvCxnSpPr>
+            <p:spPr>
+              <a:xfrm>
+                <a:off x="3046383" y="5281596"/>
+                <a:ext cx="257250" cy="246483"/>
+              </a:xfrm>
+              <a:prstGeom prst="line">
+                <a:avLst/>
+              </a:prstGeom>
+              <a:ln w="12700"/>
+            </p:spPr>
+            <p:style>
+              <a:lnRef idx="1">
+                <a:schemeClr val="dk1"/>
+              </a:lnRef>
+              <a:fillRef idx="0">
+                <a:schemeClr val="dk1"/>
+              </a:fillRef>
+              <a:effectRef idx="0">
+                <a:schemeClr val="dk1"/>
+              </a:effectRef>
+              <a:fontRef idx="minor">
+                <a:schemeClr val="tx1"/>
+              </a:fontRef>
+            </p:style>
+          </p:cxnSp>
+          <p:cxnSp>
+            <p:nvCxnSpPr>
+              <p:cNvPr id="117" name="直接连接符 116">
+                <a:extLst>
+                  <a:ext uri="{FF2B5EF4-FFF2-40B4-BE49-F238E27FC236}">
+                    <a16:creationId xmlns:a16="http://schemas.microsoft.com/office/drawing/2014/main" id="{713AD26E-47DD-7CDF-1EFD-52928506E501}"/>
+                  </a:ext>
+                </a:extLst>
+              </p:cNvPr>
+              <p:cNvCxnSpPr>
+                <a:cxnSpLocks/>
+                <a:stCxn id="103" idx="6"/>
+                <a:endCxn id="100" idx="2"/>
+              </p:cNvCxnSpPr>
+              <p:nvPr/>
+            </p:nvCxnSpPr>
+            <p:spPr>
+              <a:xfrm>
+                <a:off x="3497932" y="4796670"/>
+                <a:ext cx="633600" cy="0"/>
+              </a:xfrm>
+              <a:prstGeom prst="line">
+                <a:avLst/>
+              </a:prstGeom>
+              <a:ln w="12700"/>
+            </p:spPr>
+            <p:style>
+              <a:lnRef idx="1">
+                <a:schemeClr val="dk1"/>
+              </a:lnRef>
+              <a:fillRef idx="0">
+                <a:schemeClr val="dk1"/>
+              </a:fillRef>
+              <a:effectRef idx="0">
+                <a:schemeClr val="dk1"/>
+              </a:effectRef>
+              <a:fontRef idx="minor">
+                <a:schemeClr val="tx1"/>
+              </a:fontRef>
+            </p:style>
+          </p:cxnSp>
+          <p:cxnSp>
+            <p:nvCxnSpPr>
+              <p:cNvPr id="118" name="直接连接符 117">
+                <a:extLst>
+                  <a:ext uri="{FF2B5EF4-FFF2-40B4-BE49-F238E27FC236}">
+                    <a16:creationId xmlns:a16="http://schemas.microsoft.com/office/drawing/2014/main" id="{C086C951-0DA9-6569-E987-6ED0A258B98F}"/>
+                  </a:ext>
+                </a:extLst>
+              </p:cNvPr>
+              <p:cNvCxnSpPr>
+                <a:cxnSpLocks/>
+                <a:stCxn id="104" idx="6"/>
+                <a:endCxn id="102" idx="2"/>
+              </p:cNvCxnSpPr>
+              <p:nvPr/>
+            </p:nvCxnSpPr>
+            <p:spPr>
+              <a:xfrm>
+                <a:off x="3497935" y="5608560"/>
+                <a:ext cx="633601" cy="1"/>
+              </a:xfrm>
+              <a:prstGeom prst="line">
+                <a:avLst/>
+              </a:prstGeom>
+              <a:ln w="12700"/>
+            </p:spPr>
+            <p:style>
+              <a:lnRef idx="1">
+                <a:schemeClr val="dk1"/>
+              </a:lnRef>
+              <a:fillRef idx="0">
+                <a:schemeClr val="dk1"/>
+              </a:fillRef>
+              <a:effectRef idx="0">
+                <a:schemeClr val="dk1"/>
+              </a:effectRef>
+              <a:fontRef idx="minor">
+                <a:schemeClr val="tx1"/>
+              </a:fontRef>
+            </p:style>
+          </p:cxnSp>
+          <p:sp>
+            <p:nvSpPr>
+              <p:cNvPr id="119" name="矩形: 圆角 118">
+                <a:extLst>
+                  <a:ext uri="{FF2B5EF4-FFF2-40B4-BE49-F238E27FC236}">
+                    <a16:creationId xmlns:a16="http://schemas.microsoft.com/office/drawing/2014/main" id="{270C9146-0454-CDE4-6C4A-4B65F4FCCB6D}"/>
+                  </a:ext>
+                </a:extLst>
+              </p:cNvPr>
+              <p:cNvSpPr/>
+              <p:nvPr/>
+            </p:nvSpPr>
+            <p:spPr>
+              <a:xfrm>
+                <a:off x="2698862" y="4460767"/>
+                <a:ext cx="2207351" cy="1480693"/>
+              </a:xfrm>
+              <a:prstGeom prst="roundRect">
+                <a:avLst/>
+              </a:prstGeom>
+              <a:noFill/>
+              <a:ln w="28575">
+                <a:solidFill>
+                  <a:schemeClr val="bg1">
+                    <a:lumMod val="50000"/>
+                  </a:schemeClr>
+                </a:solidFill>
+                <a:prstDash val="solid"/>
+              </a:ln>
+            </p:spPr>
+            <p:style>
+              <a:lnRef idx="2">
+                <a:schemeClr val="accent1">
+                  <a:shade val="15000"/>
+                </a:schemeClr>
+              </a:lnRef>
+              <a:fillRef idx="1">
+                <a:schemeClr val="accent1"/>
+              </a:fillRef>
+              <a:effectRef idx="0">
+                <a:schemeClr val="accent1"/>
+              </a:effectRef>
+              <a:fontRef idx="minor">
+                <a:schemeClr val="lt1"/>
+              </a:fontRef>
+            </p:style>
+            <p:txBody>
+              <a:bodyPr rtlCol="0" anchor="ctr"/>
+              <a:lstStyle/>
+              <a:p>
+                <a:pPr algn="ctr"/>
+                <a:endParaRPr lang="zh-CN" altLang="en-US"/>
+              </a:p>
+            </p:txBody>
+          </p:sp>
+        </p:grpSp>
+        <p:cxnSp>
+          <p:nvCxnSpPr>
+            <p:cNvPr id="121" name="连接符: 肘形 120">
+              <a:extLst>
+                <a:ext uri="{FF2B5EF4-FFF2-40B4-BE49-F238E27FC236}">
+                  <a16:creationId xmlns:a16="http://schemas.microsoft.com/office/drawing/2014/main" id="{6A147213-96F8-141C-9329-65D776259F9F}"/>
+                </a:ext>
+              </a:extLst>
+            </p:cNvPr>
+            <p:cNvCxnSpPr>
+              <a:cxnSpLocks/>
+              <a:stCxn id="119" idx="3"/>
+              <a:endCxn id="158" idx="1"/>
+            </p:cNvCxnSpPr>
+            <p:nvPr/>
+          </p:nvCxnSpPr>
+          <p:spPr>
+            <a:xfrm flipV="1">
+              <a:off x="10289707" y="12761667"/>
+              <a:ext cx="841882" cy="2342915"/>
+            </a:xfrm>
+            <a:prstGeom prst="bentConnector3">
+              <a:avLst/>
+            </a:prstGeom>
+            <a:ln w="28575">
+              <a:solidFill>
+                <a:schemeClr val="bg1">
+                  <a:lumMod val="50000"/>
+                </a:schemeClr>
+              </a:solidFill>
+              <a:tailEnd type="triangle"/>
+            </a:ln>
+          </p:spPr>
+          <p:style>
+            <a:lnRef idx="1">
+              <a:schemeClr val="dk1"/>
+            </a:lnRef>
+            <a:fillRef idx="0">
+              <a:schemeClr val="dk1"/>
+            </a:fillRef>
+            <a:effectRef idx="0">
+              <a:schemeClr val="dk1"/>
+            </a:effectRef>
+            <a:fontRef idx="minor">
+              <a:schemeClr val="tx1"/>
+            </a:fontRef>
+          </p:style>
+        </p:cxnSp>
+        <p:cxnSp>
+          <p:nvCxnSpPr>
+            <p:cNvPr id="122" name="连接符: 肘形 121">
+              <a:extLst>
+                <a:ext uri="{FF2B5EF4-FFF2-40B4-BE49-F238E27FC236}">
+                  <a16:creationId xmlns:a16="http://schemas.microsoft.com/office/drawing/2014/main" id="{4CB0E24B-3FEA-7882-ADB8-52BBBE5C46DD}"/>
+                </a:ext>
+              </a:extLst>
+            </p:cNvPr>
+            <p:cNvCxnSpPr>
+              <a:cxnSpLocks/>
+              <a:stCxn id="119" idx="3"/>
+              <a:endCxn id="126" idx="1"/>
+            </p:cNvCxnSpPr>
+            <p:nvPr/>
+          </p:nvCxnSpPr>
+          <p:spPr>
+            <a:xfrm flipV="1">
+              <a:off x="10289707" y="14308295"/>
+              <a:ext cx="848971" cy="796287"/>
+            </a:xfrm>
+            <a:prstGeom prst="bentConnector3">
+              <a:avLst/>
+            </a:prstGeom>
+            <a:ln w="28575">
+              <a:solidFill>
+                <a:schemeClr val="bg1">
+                  <a:lumMod val="50000"/>
+                </a:schemeClr>
+              </a:solidFill>
+              <a:tailEnd type="triangle"/>
+            </a:ln>
+          </p:spPr>
+          <p:style>
+            <a:lnRef idx="1">
+              <a:schemeClr val="dk1"/>
+            </a:lnRef>
+            <a:fillRef idx="0">
+              <a:schemeClr val="dk1"/>
+            </a:fillRef>
+            <a:effectRef idx="0">
+              <a:schemeClr val="dk1"/>
+            </a:effectRef>
+            <a:fontRef idx="minor">
+              <a:schemeClr val="tx1"/>
+            </a:fontRef>
+          </p:style>
+        </p:cxnSp>
+        <p:cxnSp>
+          <p:nvCxnSpPr>
+            <p:cNvPr id="123" name="连接符: 肘形 122">
+              <a:extLst>
+                <a:ext uri="{FF2B5EF4-FFF2-40B4-BE49-F238E27FC236}">
+                  <a16:creationId xmlns:a16="http://schemas.microsoft.com/office/drawing/2014/main" id="{FD0033F3-A9C1-DF9C-2776-AA7B401642F9}"/>
+                </a:ext>
+              </a:extLst>
+            </p:cNvPr>
+            <p:cNvCxnSpPr>
+              <a:cxnSpLocks/>
+              <a:stCxn id="119" idx="3"/>
+              <a:endCxn id="136" idx="1"/>
+            </p:cNvCxnSpPr>
+            <p:nvPr/>
+          </p:nvCxnSpPr>
+          <p:spPr>
+            <a:xfrm>
+              <a:off x="10289707" y="15104582"/>
+              <a:ext cx="841883" cy="656001"/>
+            </a:xfrm>
+            <a:prstGeom prst="bentConnector3">
+              <a:avLst/>
+            </a:prstGeom>
+            <a:ln w="28575">
+              <a:solidFill>
+                <a:schemeClr val="bg1">
+                  <a:lumMod val="50000"/>
+                </a:schemeClr>
+              </a:solidFill>
+              <a:tailEnd type="triangle"/>
+            </a:ln>
+          </p:spPr>
+          <p:style>
+            <a:lnRef idx="1">
+              <a:schemeClr val="dk1"/>
+            </a:lnRef>
+            <a:fillRef idx="0">
+              <a:schemeClr val="dk1"/>
+            </a:fillRef>
+            <a:effectRef idx="0">
+              <a:schemeClr val="dk1"/>
+            </a:effectRef>
+            <a:fontRef idx="minor">
+              <a:schemeClr val="tx1"/>
+            </a:fontRef>
+          </p:style>
+        </p:cxnSp>
+        <p:cxnSp>
+          <p:nvCxnSpPr>
+            <p:cNvPr id="124" name="连接符: 肘形 123">
+              <a:extLst>
+                <a:ext uri="{FF2B5EF4-FFF2-40B4-BE49-F238E27FC236}">
+                  <a16:creationId xmlns:a16="http://schemas.microsoft.com/office/drawing/2014/main" id="{223FF8A8-2919-568D-4DE9-CD884785B386}"/>
+                </a:ext>
+              </a:extLst>
+            </p:cNvPr>
+            <p:cNvCxnSpPr>
+              <a:cxnSpLocks/>
+              <a:stCxn id="119" idx="3"/>
+              <a:endCxn id="147" idx="1"/>
+            </p:cNvCxnSpPr>
+            <p:nvPr/>
+          </p:nvCxnSpPr>
+          <p:spPr>
+            <a:xfrm>
+              <a:off x="10289707" y="15104582"/>
+              <a:ext cx="841884" cy="2477346"/>
+            </a:xfrm>
+            <a:prstGeom prst="bentConnector3">
+              <a:avLst/>
+            </a:prstGeom>
+            <a:ln w="28575">
+              <a:solidFill>
+                <a:schemeClr val="bg1">
+                  <a:lumMod val="50000"/>
+                </a:schemeClr>
+              </a:solidFill>
+              <a:tailEnd type="triangle"/>
+            </a:ln>
+          </p:spPr>
+          <p:style>
+            <a:lnRef idx="1">
+              <a:schemeClr val="dk1"/>
+            </a:lnRef>
+            <a:fillRef idx="0">
+              <a:schemeClr val="dk1"/>
+            </a:fillRef>
+            <a:effectRef idx="0">
+              <a:schemeClr val="dk1"/>
+            </a:effectRef>
+            <a:fontRef idx="minor">
+              <a:schemeClr val="tx1"/>
+            </a:fontRef>
+          </p:style>
+        </p:cxnSp>
+        <p:grpSp>
+          <p:nvGrpSpPr>
+            <p:cNvPr id="125" name="组合 124">
+              <a:extLst>
+                <a:ext uri="{FF2B5EF4-FFF2-40B4-BE49-F238E27FC236}">
+                  <a16:creationId xmlns:a16="http://schemas.microsoft.com/office/drawing/2014/main" id="{DE0AE032-99C5-535E-1022-56C4050E7875}"/>
+                </a:ext>
+              </a:extLst>
+            </p:cNvPr>
+            <p:cNvGrpSpPr/>
+            <p:nvPr/>
+          </p:nvGrpSpPr>
+          <p:grpSpPr>
+            <a:xfrm>
+              <a:off x="11138678" y="13614124"/>
+              <a:ext cx="1931161" cy="1388342"/>
+              <a:chOff x="5755184" y="3710656"/>
+              <a:chExt cx="1931161" cy="1388342"/>
+            </a:xfrm>
+          </p:grpSpPr>
+          <p:sp>
+            <p:nvSpPr>
+              <p:cNvPr id="126" name="矩形: 圆角 125">
+                <a:extLst>
+                  <a:ext uri="{FF2B5EF4-FFF2-40B4-BE49-F238E27FC236}">
+                    <a16:creationId xmlns:a16="http://schemas.microsoft.com/office/drawing/2014/main" id="{08CB0089-4FB5-9B87-53F7-82BCCBDE9DD0}"/>
+                  </a:ext>
+                </a:extLst>
+              </p:cNvPr>
+              <p:cNvSpPr/>
+              <p:nvPr/>
+            </p:nvSpPr>
+            <p:spPr>
+              <a:xfrm>
+                <a:off x="5755184" y="3710656"/>
+                <a:ext cx="1931161" cy="1388342"/>
+              </a:xfrm>
+              <a:prstGeom prst="roundRect">
+                <a:avLst/>
+              </a:prstGeom>
+              <a:noFill/>
+              <a:ln w="28575">
+                <a:solidFill>
+                  <a:schemeClr val="bg1">
+                    <a:lumMod val="50000"/>
+                  </a:schemeClr>
+                </a:solidFill>
+                <a:prstDash val="dash"/>
+              </a:ln>
+            </p:spPr>
+            <p:style>
+              <a:lnRef idx="2">
+                <a:schemeClr val="accent1">
+                  <a:shade val="15000"/>
+                </a:schemeClr>
+              </a:lnRef>
+              <a:fillRef idx="1">
+                <a:schemeClr val="accent1"/>
+              </a:fillRef>
+              <a:effectRef idx="0">
+                <a:schemeClr val="accent1"/>
+              </a:effectRef>
+              <a:fontRef idx="minor">
+                <a:schemeClr val="lt1"/>
+              </a:fontRef>
+            </p:style>
+            <p:txBody>
+              <a:bodyPr rtlCol="0" anchor="ctr"/>
+              <a:lstStyle/>
+              <a:p>
+                <a:pPr algn="ctr"/>
+                <a:endParaRPr lang="zh-CN" altLang="en-US"/>
+              </a:p>
+            </p:txBody>
+          </p:sp>
+          <p:grpSp>
+            <p:nvGrpSpPr>
+              <p:cNvPr id="127" name="组合 126">
+                <a:extLst>
+                  <a:ext uri="{FF2B5EF4-FFF2-40B4-BE49-F238E27FC236}">
+                    <a16:creationId xmlns:a16="http://schemas.microsoft.com/office/drawing/2014/main" id="{12854008-44A4-1B14-E8C5-760B51064370}"/>
+                  </a:ext>
+                </a:extLst>
+              </p:cNvPr>
+              <p:cNvGrpSpPr/>
+              <p:nvPr/>
+            </p:nvGrpSpPr>
+            <p:grpSpPr>
+              <a:xfrm>
+                <a:off x="6178102" y="3894523"/>
+                <a:ext cx="1085329" cy="1039523"/>
+                <a:chOff x="6931676" y="4139175"/>
+                <a:chExt cx="1085329" cy="1039523"/>
+              </a:xfrm>
+            </p:grpSpPr>
+            <p:sp>
+              <p:nvSpPr>
+                <p:cNvPr id="128" name="椭圆 127">
+                  <a:extLst>
+                    <a:ext uri="{FF2B5EF4-FFF2-40B4-BE49-F238E27FC236}">
+                      <a16:creationId xmlns:a16="http://schemas.microsoft.com/office/drawing/2014/main" id="{9F86131E-0EF7-429A-5E71-9DD5BC4D26BD}"/>
+                    </a:ext>
+                  </a:extLst>
+                </p:cNvPr>
+                <p:cNvSpPr>
+                  <a:spLocks noChangeAspect="1"/>
+                </p:cNvSpPr>
+                <p:nvPr/>
+              </p:nvSpPr>
+              <p:spPr>
+                <a:xfrm flipV="1">
+                  <a:off x="7360522" y="4139175"/>
+                  <a:ext cx="227635" cy="227635"/>
+                </a:xfrm>
+                <a:prstGeom prst="ellipse">
+                  <a:avLst/>
+                </a:prstGeom>
+                <a:solidFill>
+                  <a:srgbClr val="C00000"/>
+                </a:solidFill>
+                <a:ln>
+                  <a:noFill/>
+                </a:ln>
+              </p:spPr>
+              <p:style>
+                <a:lnRef idx="2">
+                  <a:schemeClr val="accent1">
+                    <a:shade val="15000"/>
+                  </a:schemeClr>
+                </a:lnRef>
+                <a:fillRef idx="1">
+                  <a:schemeClr val="accent1"/>
+                </a:fillRef>
+                <a:effectRef idx="0">
+                  <a:schemeClr val="accent1"/>
+                </a:effectRef>
+                <a:fontRef idx="minor">
+                  <a:schemeClr val="lt1"/>
+                </a:fontRef>
+              </p:style>
+              <p:txBody>
+                <a:bodyPr rtlCol="0" anchor="ctr"/>
+                <a:lstStyle/>
+                <a:p>
+                  <a:pPr algn="ctr"/>
+                  <a:endParaRPr lang="zh-CN" altLang="en-US" sz="1050" b="1" dirty="0">
+                    <a:solidFill>
+                      <a:schemeClr val="tx1"/>
+                    </a:solidFill>
+                    <a:latin typeface="宋体" panose="02010600030101010101" pitchFamily="2" charset="-122"/>
+                    <a:ea typeface="宋体" panose="02010600030101010101" pitchFamily="2" charset="-122"/>
+                  </a:endParaRPr>
+                </a:p>
+              </p:txBody>
+            </p:sp>
+            <p:sp>
+              <p:nvSpPr>
+                <p:cNvPr id="129" name="椭圆 128">
+                  <a:extLst>
+                    <a:ext uri="{FF2B5EF4-FFF2-40B4-BE49-F238E27FC236}">
+                      <a16:creationId xmlns:a16="http://schemas.microsoft.com/office/drawing/2014/main" id="{2362CEDA-2674-73AD-56AE-21EE43532959}"/>
+                    </a:ext>
+                  </a:extLst>
+                </p:cNvPr>
+                <p:cNvSpPr>
+                  <a:spLocks noChangeAspect="1"/>
+                </p:cNvSpPr>
+                <p:nvPr/>
+              </p:nvSpPr>
+              <p:spPr>
+                <a:xfrm flipV="1">
+                  <a:off x="6931676" y="4549287"/>
+                  <a:ext cx="227635" cy="227635"/>
+                </a:xfrm>
+                <a:prstGeom prst="ellipse">
+                  <a:avLst/>
+                </a:prstGeom>
+                <a:solidFill>
+                  <a:schemeClr val="tx2">
+                    <a:lumMod val="20000"/>
+                    <a:lumOff val="80000"/>
+                  </a:schemeClr>
+                </a:solidFill>
+              </p:spPr>
+              <p:style>
+                <a:lnRef idx="2">
+                  <a:schemeClr val="accent1">
+                    <a:shade val="15000"/>
+                  </a:schemeClr>
+                </a:lnRef>
+                <a:fillRef idx="1">
+                  <a:schemeClr val="accent1"/>
+                </a:fillRef>
+                <a:effectRef idx="0">
+                  <a:schemeClr val="accent1"/>
+                </a:effectRef>
+                <a:fontRef idx="minor">
+                  <a:schemeClr val="lt1"/>
+                </a:fontRef>
+              </p:style>
+              <p:txBody>
+                <a:bodyPr rtlCol="0" anchor="ctr"/>
+                <a:lstStyle/>
+                <a:p>
+                  <a:pPr algn="ctr"/>
+                  <a:endParaRPr lang="zh-CN" altLang="en-US" sz="1050" b="1" dirty="0">
+                    <a:solidFill>
+                      <a:schemeClr val="tx1"/>
+                    </a:solidFill>
+                    <a:latin typeface="宋体" panose="02010600030101010101" pitchFamily="2" charset="-122"/>
+                    <a:ea typeface="宋体" panose="02010600030101010101" pitchFamily="2" charset="-122"/>
+                  </a:endParaRPr>
+                </a:p>
+              </p:txBody>
+            </p:sp>
+            <p:sp>
+              <p:nvSpPr>
+                <p:cNvPr id="130" name="椭圆 129">
+                  <a:extLst>
+                    <a:ext uri="{FF2B5EF4-FFF2-40B4-BE49-F238E27FC236}">
+                      <a16:creationId xmlns:a16="http://schemas.microsoft.com/office/drawing/2014/main" id="{C532BB55-8D20-AF8E-CD9B-770E87A271FC}"/>
+                    </a:ext>
+                  </a:extLst>
+                </p:cNvPr>
+                <p:cNvSpPr>
+                  <a:spLocks noChangeAspect="1"/>
+                </p:cNvSpPr>
+                <p:nvPr/>
+              </p:nvSpPr>
+              <p:spPr>
+                <a:xfrm flipV="1">
+                  <a:off x="7360523" y="4951063"/>
+                  <a:ext cx="227635" cy="227635"/>
+                </a:xfrm>
+                <a:prstGeom prst="ellipse">
+                  <a:avLst/>
+                </a:prstGeom>
+                <a:solidFill>
+                  <a:srgbClr val="C00000"/>
+                </a:solidFill>
+                <a:ln>
+                  <a:noFill/>
+                </a:ln>
+              </p:spPr>
+              <p:style>
+                <a:lnRef idx="2">
+                  <a:schemeClr val="accent1">
+                    <a:shade val="15000"/>
+                  </a:schemeClr>
+                </a:lnRef>
+                <a:fillRef idx="1">
+                  <a:schemeClr val="accent1"/>
+                </a:fillRef>
+                <a:effectRef idx="0">
+                  <a:schemeClr val="accent1"/>
+                </a:effectRef>
+                <a:fontRef idx="minor">
+                  <a:schemeClr val="lt1"/>
+                </a:fontRef>
+              </p:style>
+              <p:txBody>
+                <a:bodyPr rtlCol="0" anchor="ctr"/>
+                <a:lstStyle/>
+                <a:p>
+                  <a:pPr algn="ctr"/>
+                  <a:endParaRPr lang="zh-CN" altLang="en-US" sz="1050" b="1" dirty="0">
+                    <a:solidFill>
+                      <a:schemeClr val="tx1"/>
+                    </a:solidFill>
+                    <a:latin typeface="宋体" panose="02010600030101010101" pitchFamily="2" charset="-122"/>
+                    <a:ea typeface="宋体" panose="02010600030101010101" pitchFamily="2" charset="-122"/>
+                  </a:endParaRPr>
+                </a:p>
+              </p:txBody>
+            </p:sp>
+            <p:sp>
+              <p:nvSpPr>
+                <p:cNvPr id="131" name="椭圆 130">
+                  <a:extLst>
+                    <a:ext uri="{FF2B5EF4-FFF2-40B4-BE49-F238E27FC236}">
+                      <a16:creationId xmlns:a16="http://schemas.microsoft.com/office/drawing/2014/main" id="{049E5EA2-9179-792B-2351-E8DD2F81CD81}"/>
+                    </a:ext>
+                  </a:extLst>
+                </p:cNvPr>
+                <p:cNvSpPr>
+                  <a:spLocks noChangeAspect="1"/>
+                </p:cNvSpPr>
+                <p:nvPr/>
+              </p:nvSpPr>
+              <p:spPr>
+                <a:xfrm flipV="1">
+                  <a:off x="7789370" y="4543617"/>
+                  <a:ext cx="227635" cy="227635"/>
+                </a:xfrm>
+                <a:prstGeom prst="ellipse">
+                  <a:avLst/>
+                </a:prstGeom>
+                <a:solidFill>
+                  <a:schemeClr val="accent1"/>
+                </a:solidFill>
+                <a:ln>
+                  <a:noFill/>
+                </a:ln>
+              </p:spPr>
+              <p:style>
+                <a:lnRef idx="2">
+                  <a:schemeClr val="accent1">
+                    <a:shade val="15000"/>
+                  </a:schemeClr>
+                </a:lnRef>
+                <a:fillRef idx="1">
+                  <a:schemeClr val="accent1"/>
+                </a:fillRef>
+                <a:effectRef idx="0">
+                  <a:schemeClr val="accent1"/>
+                </a:effectRef>
+                <a:fontRef idx="minor">
+                  <a:schemeClr val="lt1"/>
+                </a:fontRef>
+              </p:style>
+              <p:txBody>
+                <a:bodyPr rtlCol="0" anchor="ctr"/>
+                <a:lstStyle/>
+                <a:p>
+                  <a:pPr algn="ctr"/>
+                  <a:endParaRPr lang="zh-CN" altLang="en-US" sz="1050" b="1" dirty="0">
+                    <a:solidFill>
+                      <a:schemeClr val="tx1"/>
+                    </a:solidFill>
+                    <a:latin typeface="宋体" panose="02010600030101010101" pitchFamily="2" charset="-122"/>
+                    <a:ea typeface="宋体" panose="02010600030101010101" pitchFamily="2" charset="-122"/>
+                  </a:endParaRPr>
+                </a:p>
+              </p:txBody>
+            </p:sp>
+            <p:cxnSp>
+              <p:nvCxnSpPr>
+                <p:cNvPr id="132" name="直接连接符 131">
+                  <a:extLst>
+                    <a:ext uri="{FF2B5EF4-FFF2-40B4-BE49-F238E27FC236}">
+                      <a16:creationId xmlns:a16="http://schemas.microsoft.com/office/drawing/2014/main" id="{41E1E4C0-143D-7088-1E5C-C6D3F23305D6}"/>
+                    </a:ext>
+                  </a:extLst>
+                </p:cNvPr>
+                <p:cNvCxnSpPr>
+                  <a:cxnSpLocks/>
+                  <a:stCxn id="128" idx="0"/>
+                  <a:endCxn id="130" idx="4"/>
+                </p:cNvCxnSpPr>
+                <p:nvPr/>
+              </p:nvCxnSpPr>
+              <p:spPr>
+                <a:xfrm>
+                  <a:off x="7474340" y="4366810"/>
+                  <a:ext cx="1" cy="584253"/>
+                </a:xfrm>
+                <a:prstGeom prst="line">
+                  <a:avLst/>
+                </a:prstGeom>
+                <a:ln w="12700"/>
+              </p:spPr>
+              <p:style>
+                <a:lnRef idx="1">
+                  <a:schemeClr val="dk1"/>
+                </a:lnRef>
+                <a:fillRef idx="0">
+                  <a:schemeClr val="dk1"/>
+                </a:fillRef>
+                <a:effectRef idx="0">
+                  <a:schemeClr val="dk1"/>
+                </a:effectRef>
+                <a:fontRef idx="minor">
+                  <a:schemeClr val="tx1"/>
+                </a:fontRef>
+              </p:style>
+            </p:cxnSp>
+            <p:cxnSp>
+              <p:nvCxnSpPr>
+                <p:cNvPr id="133" name="直接连接符 132">
+                  <a:extLst>
+                    <a:ext uri="{FF2B5EF4-FFF2-40B4-BE49-F238E27FC236}">
+                      <a16:creationId xmlns:a16="http://schemas.microsoft.com/office/drawing/2014/main" id="{06F6DF62-7A88-20FD-8537-3EB59F6E6F51}"/>
+                    </a:ext>
+                  </a:extLst>
+                </p:cNvPr>
+                <p:cNvCxnSpPr>
+                  <a:cxnSpLocks/>
+                  <a:stCxn id="130" idx="5"/>
+                  <a:endCxn id="131" idx="1"/>
+                </p:cNvCxnSpPr>
+                <p:nvPr/>
+              </p:nvCxnSpPr>
+              <p:spPr>
+                <a:xfrm flipV="1">
+                  <a:off x="7554819" y="4737916"/>
+                  <a:ext cx="267884" cy="246483"/>
+                </a:xfrm>
+                <a:prstGeom prst="line">
+                  <a:avLst/>
+                </a:prstGeom>
+                <a:ln w="12700"/>
+              </p:spPr>
+              <p:style>
+                <a:lnRef idx="1">
+                  <a:schemeClr val="dk1"/>
+                </a:lnRef>
+                <a:fillRef idx="0">
+                  <a:schemeClr val="dk1"/>
+                </a:fillRef>
+                <a:effectRef idx="0">
+                  <a:schemeClr val="dk1"/>
+                </a:effectRef>
+                <a:fontRef idx="minor">
+                  <a:schemeClr val="tx1"/>
+                </a:fontRef>
+              </p:style>
+            </p:cxnSp>
+            <p:cxnSp>
+              <p:nvCxnSpPr>
+                <p:cNvPr id="134" name="直接连接符 133">
+                  <a:extLst>
+                    <a:ext uri="{FF2B5EF4-FFF2-40B4-BE49-F238E27FC236}">
+                      <a16:creationId xmlns:a16="http://schemas.microsoft.com/office/drawing/2014/main" id="{81B14F3D-B7FC-0672-C23D-0BAF99138A28}"/>
+                    </a:ext>
+                  </a:extLst>
+                </p:cNvPr>
+                <p:cNvCxnSpPr>
+                  <a:cxnSpLocks/>
+                  <a:stCxn id="129" idx="5"/>
+                  <a:endCxn id="128" idx="1"/>
+                </p:cNvCxnSpPr>
+                <p:nvPr/>
+              </p:nvCxnSpPr>
+              <p:spPr>
+                <a:xfrm flipV="1">
+                  <a:off x="7125975" y="4333474"/>
+                  <a:ext cx="267883" cy="249149"/>
+                </a:xfrm>
+                <a:prstGeom prst="line">
+                  <a:avLst/>
+                </a:prstGeom>
+                <a:ln w="12700"/>
+              </p:spPr>
+              <p:style>
+                <a:lnRef idx="1">
+                  <a:schemeClr val="dk1"/>
+                </a:lnRef>
+                <a:fillRef idx="0">
+                  <a:schemeClr val="dk1"/>
+                </a:fillRef>
+                <a:effectRef idx="0">
+                  <a:schemeClr val="dk1"/>
+                </a:effectRef>
+                <a:fontRef idx="minor">
+                  <a:schemeClr val="tx1"/>
+                </a:fontRef>
+              </p:style>
+            </p:cxnSp>
+          </p:grpSp>
+        </p:grpSp>
+        <p:grpSp>
+          <p:nvGrpSpPr>
+            <p:cNvPr id="135" name="组合 134">
+              <a:extLst>
+                <a:ext uri="{FF2B5EF4-FFF2-40B4-BE49-F238E27FC236}">
+                  <a16:creationId xmlns:a16="http://schemas.microsoft.com/office/drawing/2014/main" id="{E402FA4E-CA8C-E90D-9645-4F303285AF5E}"/>
+                </a:ext>
+              </a:extLst>
+            </p:cNvPr>
+            <p:cNvGrpSpPr/>
+            <p:nvPr/>
+          </p:nvGrpSpPr>
+          <p:grpSpPr>
+            <a:xfrm>
+              <a:off x="11131590" y="15237831"/>
+              <a:ext cx="1931161" cy="1045503"/>
+              <a:chOff x="5748096" y="5334363"/>
+              <a:chExt cx="1931161" cy="1045503"/>
+            </a:xfrm>
+          </p:grpSpPr>
+          <p:sp>
+            <p:nvSpPr>
+              <p:cNvPr id="136" name="矩形: 圆角 135">
+                <a:extLst>
+                  <a:ext uri="{FF2B5EF4-FFF2-40B4-BE49-F238E27FC236}">
+                    <a16:creationId xmlns:a16="http://schemas.microsoft.com/office/drawing/2014/main" id="{06046E3D-8BDE-438A-338E-CF1457E95C0B}"/>
+                  </a:ext>
+                </a:extLst>
+              </p:cNvPr>
+              <p:cNvSpPr/>
+              <p:nvPr/>
+            </p:nvSpPr>
+            <p:spPr>
+              <a:xfrm>
+                <a:off x="5748096" y="5334363"/>
+                <a:ext cx="1931161" cy="1045503"/>
+              </a:xfrm>
+              <a:prstGeom prst="roundRect">
+                <a:avLst/>
+              </a:prstGeom>
+              <a:noFill/>
+              <a:ln w="28575">
+                <a:solidFill>
+                  <a:schemeClr val="bg1">
+                    <a:lumMod val="50000"/>
+                  </a:schemeClr>
+                </a:solidFill>
+                <a:prstDash val="dash"/>
+              </a:ln>
+            </p:spPr>
+            <p:style>
+              <a:lnRef idx="2">
+                <a:schemeClr val="accent1">
+                  <a:shade val="15000"/>
+                </a:schemeClr>
+              </a:lnRef>
+              <a:fillRef idx="1">
+                <a:schemeClr val="accent1"/>
+              </a:fillRef>
+              <a:effectRef idx="0">
+                <a:schemeClr val="accent1"/>
+              </a:effectRef>
+              <a:fontRef idx="minor">
+                <a:schemeClr val="lt1"/>
+              </a:fontRef>
+            </p:style>
+            <p:txBody>
+              <a:bodyPr rtlCol="0" anchor="ctr"/>
+              <a:lstStyle/>
+              <a:p>
+                <a:pPr algn="ctr"/>
+                <a:endParaRPr lang="zh-CN" altLang="en-US"/>
+              </a:p>
+            </p:txBody>
+          </p:sp>
+          <p:grpSp>
+            <p:nvGrpSpPr>
+              <p:cNvPr id="137" name="组合 136">
+                <a:extLst>
+                  <a:ext uri="{FF2B5EF4-FFF2-40B4-BE49-F238E27FC236}">
+                    <a16:creationId xmlns:a16="http://schemas.microsoft.com/office/drawing/2014/main" id="{67BCDEC7-0C04-C4F4-BA77-20A5A7A63EC6}"/>
+                  </a:ext>
+                </a:extLst>
+              </p:cNvPr>
+              <p:cNvGrpSpPr/>
+              <p:nvPr/>
+            </p:nvGrpSpPr>
+            <p:grpSpPr>
+              <a:xfrm>
+                <a:off x="5961907" y="5530933"/>
+                <a:ext cx="1517718" cy="637747"/>
+                <a:chOff x="6789680" y="5667002"/>
+                <a:chExt cx="1517718" cy="637747"/>
+              </a:xfrm>
+            </p:grpSpPr>
+            <p:sp>
+              <p:nvSpPr>
+                <p:cNvPr id="139" name="椭圆 138">
+                  <a:extLst>
+                    <a:ext uri="{FF2B5EF4-FFF2-40B4-BE49-F238E27FC236}">
+                      <a16:creationId xmlns:a16="http://schemas.microsoft.com/office/drawing/2014/main" id="{C25DE525-85BD-9B42-0A9E-895EAAAEE2F3}"/>
+                    </a:ext>
+                  </a:extLst>
+                </p:cNvPr>
+                <p:cNvSpPr>
+                  <a:spLocks noChangeAspect="1"/>
+                </p:cNvSpPr>
+                <p:nvPr/>
+              </p:nvSpPr>
+              <p:spPr>
+                <a:xfrm flipV="1">
+                  <a:off x="7650915" y="5667002"/>
+                  <a:ext cx="227635" cy="227635"/>
+                </a:xfrm>
+                <a:prstGeom prst="ellipse">
+                  <a:avLst/>
+                </a:prstGeom>
+                <a:solidFill>
+                  <a:srgbClr val="C00000"/>
+                </a:solidFill>
+                <a:ln>
+                  <a:noFill/>
+                </a:ln>
+              </p:spPr>
+              <p:style>
+                <a:lnRef idx="2">
+                  <a:schemeClr val="accent1">
+                    <a:shade val="15000"/>
+                  </a:schemeClr>
+                </a:lnRef>
+                <a:fillRef idx="1">
+                  <a:schemeClr val="accent1"/>
+                </a:fillRef>
+                <a:effectRef idx="0">
+                  <a:schemeClr val="accent1"/>
+                </a:effectRef>
+                <a:fontRef idx="minor">
+                  <a:schemeClr val="lt1"/>
+                </a:fontRef>
+              </p:style>
+              <p:txBody>
+                <a:bodyPr rtlCol="0" anchor="ctr"/>
+                <a:lstStyle/>
+                <a:p>
+                  <a:pPr algn="ctr"/>
+                  <a:endParaRPr lang="zh-CN" altLang="en-US" sz="1050" b="1" dirty="0">
+                    <a:solidFill>
+                      <a:schemeClr val="tx1"/>
+                    </a:solidFill>
+                    <a:latin typeface="宋体" panose="02010600030101010101" pitchFamily="2" charset="-122"/>
+                    <a:ea typeface="宋体" panose="02010600030101010101" pitchFamily="2" charset="-122"/>
+                  </a:endParaRPr>
+                </a:p>
+              </p:txBody>
+            </p:sp>
+            <p:sp>
+              <p:nvSpPr>
+                <p:cNvPr id="140" name="椭圆 139">
+                  <a:extLst>
+                    <a:ext uri="{FF2B5EF4-FFF2-40B4-BE49-F238E27FC236}">
+                      <a16:creationId xmlns:a16="http://schemas.microsoft.com/office/drawing/2014/main" id="{8171AB24-971E-136C-7995-72A6AE206E0B}"/>
+                    </a:ext>
+                  </a:extLst>
+                </p:cNvPr>
+                <p:cNvSpPr>
+                  <a:spLocks noChangeAspect="1"/>
+                </p:cNvSpPr>
+                <p:nvPr/>
+              </p:nvSpPr>
+              <p:spPr>
+                <a:xfrm flipV="1">
+                  <a:off x="7222069" y="6077114"/>
+                  <a:ext cx="227635" cy="227635"/>
+                </a:xfrm>
+                <a:prstGeom prst="ellipse">
+                  <a:avLst/>
+                </a:prstGeom>
+                <a:solidFill>
+                  <a:schemeClr val="tx2">
+                    <a:lumMod val="20000"/>
+                    <a:lumOff val="80000"/>
+                  </a:schemeClr>
+                </a:solidFill>
+              </p:spPr>
+              <p:style>
+                <a:lnRef idx="2">
+                  <a:schemeClr val="accent1">
+                    <a:shade val="15000"/>
+                  </a:schemeClr>
+                </a:lnRef>
+                <a:fillRef idx="1">
+                  <a:schemeClr val="accent1"/>
+                </a:fillRef>
+                <a:effectRef idx="0">
+                  <a:schemeClr val="accent1"/>
+                </a:effectRef>
+                <a:fontRef idx="minor">
+                  <a:schemeClr val="lt1"/>
+                </a:fontRef>
+              </p:style>
+              <p:txBody>
+                <a:bodyPr rtlCol="0" anchor="ctr"/>
+                <a:lstStyle/>
+                <a:p>
+                  <a:pPr algn="ctr"/>
+                  <a:endParaRPr lang="zh-CN" altLang="en-US" sz="1050" b="1" dirty="0">
+                    <a:solidFill>
+                      <a:schemeClr val="tx1"/>
+                    </a:solidFill>
+                    <a:latin typeface="宋体" panose="02010600030101010101" pitchFamily="2" charset="-122"/>
+                    <a:ea typeface="宋体" panose="02010600030101010101" pitchFamily="2" charset="-122"/>
+                  </a:endParaRPr>
+                </a:p>
+              </p:txBody>
+            </p:sp>
+            <p:sp>
+              <p:nvSpPr>
+                <p:cNvPr id="141" name="椭圆 140">
+                  <a:extLst>
+                    <a:ext uri="{FF2B5EF4-FFF2-40B4-BE49-F238E27FC236}">
+                      <a16:creationId xmlns:a16="http://schemas.microsoft.com/office/drawing/2014/main" id="{97A3E557-3143-F921-05CE-7346F7CC3544}"/>
+                    </a:ext>
+                  </a:extLst>
+                </p:cNvPr>
+                <p:cNvSpPr>
+                  <a:spLocks noChangeAspect="1"/>
+                </p:cNvSpPr>
+                <p:nvPr/>
+              </p:nvSpPr>
+              <p:spPr>
+                <a:xfrm flipV="1">
+                  <a:off x="6789680" y="5667002"/>
+                  <a:ext cx="227635" cy="227635"/>
+                </a:xfrm>
+                <a:prstGeom prst="ellipse">
+                  <a:avLst/>
+                </a:prstGeom>
+                <a:solidFill>
+                  <a:srgbClr val="C00000"/>
+                </a:solidFill>
+                <a:ln>
+                  <a:noFill/>
+                </a:ln>
+              </p:spPr>
+              <p:style>
+                <a:lnRef idx="2">
+                  <a:schemeClr val="accent1">
+                    <a:shade val="15000"/>
+                  </a:schemeClr>
+                </a:lnRef>
+                <a:fillRef idx="1">
+                  <a:schemeClr val="accent1"/>
+                </a:fillRef>
+                <a:effectRef idx="0">
+                  <a:schemeClr val="accent1"/>
+                </a:effectRef>
+                <a:fontRef idx="minor">
+                  <a:schemeClr val="lt1"/>
+                </a:fontRef>
+              </p:style>
+              <p:txBody>
+                <a:bodyPr rtlCol="0" anchor="ctr"/>
+                <a:lstStyle/>
+                <a:p>
+                  <a:pPr algn="ctr"/>
+                  <a:endParaRPr lang="zh-CN" altLang="en-US" sz="1050" b="1" dirty="0">
+                    <a:solidFill>
+                      <a:schemeClr val="tx1"/>
+                    </a:solidFill>
+                    <a:latin typeface="宋体" panose="02010600030101010101" pitchFamily="2" charset="-122"/>
+                    <a:ea typeface="宋体" panose="02010600030101010101" pitchFamily="2" charset="-122"/>
+                  </a:endParaRPr>
+                </a:p>
+              </p:txBody>
+            </p:sp>
+            <p:sp>
+              <p:nvSpPr>
+                <p:cNvPr id="142" name="椭圆 141">
+                  <a:extLst>
+                    <a:ext uri="{FF2B5EF4-FFF2-40B4-BE49-F238E27FC236}">
+                      <a16:creationId xmlns:a16="http://schemas.microsoft.com/office/drawing/2014/main" id="{AA4B78FB-F986-A27D-53FD-8202FF8AE96C}"/>
+                    </a:ext>
+                  </a:extLst>
+                </p:cNvPr>
+                <p:cNvSpPr>
+                  <a:spLocks noChangeAspect="1"/>
+                </p:cNvSpPr>
+                <p:nvPr/>
+              </p:nvSpPr>
+              <p:spPr>
+                <a:xfrm flipV="1">
+                  <a:off x="8079763" y="6071444"/>
+                  <a:ext cx="227635" cy="227635"/>
+                </a:xfrm>
+                <a:prstGeom prst="ellipse">
+                  <a:avLst/>
+                </a:prstGeom>
+                <a:solidFill>
+                  <a:schemeClr val="accent1"/>
+                </a:solidFill>
+                <a:ln>
+                  <a:noFill/>
+                </a:ln>
+              </p:spPr>
+              <p:style>
+                <a:lnRef idx="2">
+                  <a:schemeClr val="accent1">
+                    <a:shade val="15000"/>
+                  </a:schemeClr>
+                </a:lnRef>
+                <a:fillRef idx="1">
+                  <a:schemeClr val="accent1"/>
+                </a:fillRef>
+                <a:effectRef idx="0">
+                  <a:schemeClr val="accent1"/>
+                </a:effectRef>
+                <a:fontRef idx="minor">
+                  <a:schemeClr val="lt1"/>
+                </a:fontRef>
+              </p:style>
+              <p:txBody>
+                <a:bodyPr rtlCol="0" anchor="ctr"/>
+                <a:lstStyle/>
+                <a:p>
+                  <a:pPr algn="ctr"/>
+                  <a:endParaRPr lang="zh-CN" altLang="en-US" sz="1050" b="1" dirty="0">
+                    <a:solidFill>
+                      <a:schemeClr val="tx1"/>
+                    </a:solidFill>
+                    <a:latin typeface="宋体" panose="02010600030101010101" pitchFamily="2" charset="-122"/>
+                    <a:ea typeface="宋体" panose="02010600030101010101" pitchFamily="2" charset="-122"/>
+                  </a:endParaRPr>
+                </a:p>
+              </p:txBody>
+            </p:sp>
+            <p:cxnSp>
+              <p:nvCxnSpPr>
+                <p:cNvPr id="143" name="直接连接符 142">
+                  <a:extLst>
+                    <a:ext uri="{FF2B5EF4-FFF2-40B4-BE49-F238E27FC236}">
+                      <a16:creationId xmlns:a16="http://schemas.microsoft.com/office/drawing/2014/main" id="{5489CE66-8D45-E48D-620E-791DF8CC34FC}"/>
+                    </a:ext>
+                  </a:extLst>
+                </p:cNvPr>
+                <p:cNvCxnSpPr>
+                  <a:cxnSpLocks/>
+                  <a:stCxn id="139" idx="7"/>
+                  <a:endCxn id="142" idx="3"/>
+                </p:cNvCxnSpPr>
+                <p:nvPr/>
+              </p:nvCxnSpPr>
+              <p:spPr>
+                <a:xfrm>
+                  <a:off x="7845214" y="5861301"/>
+                  <a:ext cx="267885" cy="243479"/>
+                </a:xfrm>
+                <a:prstGeom prst="line">
+                  <a:avLst/>
+                </a:prstGeom>
+                <a:ln w="12700"/>
+              </p:spPr>
+              <p:style>
+                <a:lnRef idx="1">
+                  <a:schemeClr val="dk1"/>
+                </a:lnRef>
+                <a:fillRef idx="0">
+                  <a:schemeClr val="dk1"/>
+                </a:fillRef>
+                <a:effectRef idx="0">
+                  <a:schemeClr val="dk1"/>
+                </a:effectRef>
+                <a:fontRef idx="minor">
+                  <a:schemeClr val="tx1"/>
+                </a:fontRef>
+              </p:style>
+            </p:cxnSp>
+            <p:cxnSp>
+              <p:nvCxnSpPr>
+                <p:cNvPr id="144" name="直接连接符 143">
+                  <a:extLst>
+                    <a:ext uri="{FF2B5EF4-FFF2-40B4-BE49-F238E27FC236}">
+                      <a16:creationId xmlns:a16="http://schemas.microsoft.com/office/drawing/2014/main" id="{BF297275-72F4-175F-9AB9-0CDF72BE9EDC}"/>
+                    </a:ext>
+                  </a:extLst>
+                </p:cNvPr>
+                <p:cNvCxnSpPr>
+                  <a:cxnSpLocks/>
+                  <a:stCxn id="140" idx="3"/>
+                  <a:endCxn id="141" idx="7"/>
+                </p:cNvCxnSpPr>
+                <p:nvPr/>
+              </p:nvCxnSpPr>
+              <p:spPr>
+                <a:xfrm flipH="1" flipV="1">
+                  <a:off x="6983976" y="5861301"/>
+                  <a:ext cx="271426" cy="249149"/>
+                </a:xfrm>
+                <a:prstGeom prst="line">
+                  <a:avLst/>
+                </a:prstGeom>
+                <a:ln w="12700"/>
+              </p:spPr>
+              <p:style>
+                <a:lnRef idx="1">
+                  <a:schemeClr val="dk1"/>
+                </a:lnRef>
+                <a:fillRef idx="0">
+                  <a:schemeClr val="dk1"/>
+                </a:fillRef>
+                <a:effectRef idx="0">
+                  <a:schemeClr val="dk1"/>
+                </a:effectRef>
+                <a:fontRef idx="minor">
+                  <a:schemeClr val="tx1"/>
+                </a:fontRef>
+              </p:style>
+            </p:cxnSp>
+            <p:cxnSp>
+              <p:nvCxnSpPr>
+                <p:cNvPr id="145" name="直接连接符 144">
+                  <a:extLst>
+                    <a:ext uri="{FF2B5EF4-FFF2-40B4-BE49-F238E27FC236}">
+                      <a16:creationId xmlns:a16="http://schemas.microsoft.com/office/drawing/2014/main" id="{474627A4-211A-1893-7B0C-34B588631EB5}"/>
+                    </a:ext>
+                  </a:extLst>
+                </p:cNvPr>
+                <p:cNvCxnSpPr>
+                  <a:cxnSpLocks/>
+                  <a:stCxn id="141" idx="6"/>
+                  <a:endCxn id="139" idx="2"/>
+                </p:cNvCxnSpPr>
+                <p:nvPr/>
+              </p:nvCxnSpPr>
+              <p:spPr>
+                <a:xfrm>
+                  <a:off x="7017312" y="5780816"/>
+                  <a:ext cx="633600" cy="0"/>
+                </a:xfrm>
+                <a:prstGeom prst="line">
+                  <a:avLst/>
+                </a:prstGeom>
+                <a:ln w="12700"/>
+              </p:spPr>
+              <p:style>
+                <a:lnRef idx="1">
+                  <a:schemeClr val="dk1"/>
+                </a:lnRef>
+                <a:fillRef idx="0">
+                  <a:schemeClr val="dk1"/>
+                </a:fillRef>
+                <a:effectRef idx="0">
+                  <a:schemeClr val="dk1"/>
+                </a:effectRef>
+                <a:fontRef idx="minor">
+                  <a:schemeClr val="tx1"/>
+                </a:fontRef>
+              </p:style>
+            </p:cxnSp>
+          </p:grpSp>
+        </p:grpSp>
+        <p:grpSp>
+          <p:nvGrpSpPr>
+            <p:cNvPr id="146" name="组合 145">
+              <a:extLst>
+                <a:ext uri="{FF2B5EF4-FFF2-40B4-BE49-F238E27FC236}">
+                  <a16:creationId xmlns:a16="http://schemas.microsoft.com/office/drawing/2014/main" id="{FF1CDAB0-74E8-3CEE-EDE3-C3368CDAC924}"/>
+                </a:ext>
+              </a:extLst>
+            </p:cNvPr>
+            <p:cNvGrpSpPr/>
+            <p:nvPr/>
+          </p:nvGrpSpPr>
+          <p:grpSpPr>
+            <a:xfrm>
+              <a:off x="11131591" y="16929422"/>
+              <a:ext cx="1931161" cy="1305012"/>
+              <a:chOff x="5748097" y="7025954"/>
+              <a:chExt cx="1931161" cy="1305012"/>
+            </a:xfrm>
+          </p:grpSpPr>
+          <p:sp>
+            <p:nvSpPr>
+              <p:cNvPr id="147" name="矩形: 圆角 146">
+                <a:extLst>
+                  <a:ext uri="{FF2B5EF4-FFF2-40B4-BE49-F238E27FC236}">
+                    <a16:creationId xmlns:a16="http://schemas.microsoft.com/office/drawing/2014/main" id="{C82533CA-9D35-B50A-26E8-A22AAF930212}"/>
+                  </a:ext>
+                </a:extLst>
+              </p:cNvPr>
+              <p:cNvSpPr/>
+              <p:nvPr/>
+            </p:nvSpPr>
+            <p:spPr>
+              <a:xfrm>
+                <a:off x="5748097" y="7025954"/>
+                <a:ext cx="1931161" cy="1305012"/>
+              </a:xfrm>
+              <a:prstGeom prst="roundRect">
+                <a:avLst/>
+              </a:prstGeom>
+              <a:noFill/>
+              <a:ln w="28575">
+                <a:solidFill>
+                  <a:schemeClr val="bg1">
+                    <a:lumMod val="50000"/>
+                  </a:schemeClr>
+                </a:solidFill>
+                <a:prstDash val="dash"/>
+              </a:ln>
+            </p:spPr>
+            <p:style>
+              <a:lnRef idx="2">
+                <a:schemeClr val="accent1">
+                  <a:shade val="15000"/>
+                </a:schemeClr>
+              </a:lnRef>
+              <a:fillRef idx="1">
+                <a:schemeClr val="accent1"/>
+              </a:fillRef>
+              <a:effectRef idx="0">
+                <a:schemeClr val="accent1"/>
+              </a:effectRef>
+              <a:fontRef idx="minor">
+                <a:schemeClr val="lt1"/>
+              </a:fontRef>
+            </p:style>
+            <p:txBody>
+              <a:bodyPr rtlCol="0" anchor="ctr"/>
+              <a:lstStyle/>
+              <a:p>
+                <a:pPr algn="ctr"/>
+                <a:endParaRPr lang="zh-CN" altLang="en-US"/>
+              </a:p>
+            </p:txBody>
+          </p:sp>
+          <p:grpSp>
+            <p:nvGrpSpPr>
+              <p:cNvPr id="149" name="组合 148">
+                <a:extLst>
+                  <a:ext uri="{FF2B5EF4-FFF2-40B4-BE49-F238E27FC236}">
+                    <a16:creationId xmlns:a16="http://schemas.microsoft.com/office/drawing/2014/main" id="{C055BF0D-2617-96DA-0186-0EB7B2F7B67B}"/>
+                  </a:ext>
+                </a:extLst>
+              </p:cNvPr>
+              <p:cNvGrpSpPr/>
+              <p:nvPr/>
+            </p:nvGrpSpPr>
+            <p:grpSpPr>
+              <a:xfrm>
+                <a:off x="6178102" y="7160201"/>
+                <a:ext cx="1085329" cy="1039523"/>
+                <a:chOff x="6907038" y="7092830"/>
+                <a:chExt cx="1085329" cy="1039523"/>
+              </a:xfrm>
+            </p:grpSpPr>
+            <p:sp>
+              <p:nvSpPr>
+                <p:cNvPr id="150" name="椭圆 149">
+                  <a:extLst>
+                    <a:ext uri="{FF2B5EF4-FFF2-40B4-BE49-F238E27FC236}">
+                      <a16:creationId xmlns:a16="http://schemas.microsoft.com/office/drawing/2014/main" id="{6F681590-71F7-D4F5-DD04-2D8D852615DE}"/>
+                    </a:ext>
+                  </a:extLst>
+                </p:cNvPr>
+                <p:cNvSpPr>
+                  <a:spLocks noChangeAspect="1"/>
+                </p:cNvSpPr>
+                <p:nvPr/>
+              </p:nvSpPr>
+              <p:spPr>
+                <a:xfrm flipV="1">
+                  <a:off x="7335884" y="7092830"/>
+                  <a:ext cx="227635" cy="227635"/>
+                </a:xfrm>
+                <a:prstGeom prst="ellipse">
+                  <a:avLst/>
+                </a:prstGeom>
+                <a:solidFill>
+                  <a:srgbClr val="C00000"/>
+                </a:solidFill>
+                <a:ln>
+                  <a:noFill/>
+                </a:ln>
+              </p:spPr>
+              <p:style>
+                <a:lnRef idx="2">
+                  <a:schemeClr val="accent1">
+                    <a:shade val="15000"/>
+                  </a:schemeClr>
+                </a:lnRef>
+                <a:fillRef idx="1">
+                  <a:schemeClr val="accent1"/>
+                </a:fillRef>
+                <a:effectRef idx="0">
+                  <a:schemeClr val="accent1"/>
+                </a:effectRef>
+                <a:fontRef idx="minor">
+                  <a:schemeClr val="lt1"/>
+                </a:fontRef>
+              </p:style>
+              <p:txBody>
+                <a:bodyPr rtlCol="0" anchor="ctr"/>
+                <a:lstStyle/>
+                <a:p>
+                  <a:pPr algn="ctr"/>
+                  <a:endParaRPr lang="zh-CN" altLang="en-US" sz="1050" b="1" dirty="0">
+                    <a:solidFill>
+                      <a:schemeClr val="tx1"/>
+                    </a:solidFill>
+                    <a:latin typeface="宋体" panose="02010600030101010101" pitchFamily="2" charset="-122"/>
+                    <a:ea typeface="宋体" panose="02010600030101010101" pitchFamily="2" charset="-122"/>
+                  </a:endParaRPr>
+                </a:p>
+              </p:txBody>
+            </p:sp>
+            <p:sp>
+              <p:nvSpPr>
+                <p:cNvPr id="151" name="椭圆 150">
+                  <a:extLst>
+                    <a:ext uri="{FF2B5EF4-FFF2-40B4-BE49-F238E27FC236}">
+                      <a16:creationId xmlns:a16="http://schemas.microsoft.com/office/drawing/2014/main" id="{6FEDD8AF-43F9-7F14-7F24-26E5F0C7CD91}"/>
+                    </a:ext>
+                  </a:extLst>
+                </p:cNvPr>
+                <p:cNvSpPr>
+                  <a:spLocks noChangeAspect="1"/>
+                </p:cNvSpPr>
+                <p:nvPr/>
+              </p:nvSpPr>
+              <p:spPr>
+                <a:xfrm flipV="1">
+                  <a:off x="6907038" y="7502942"/>
+                  <a:ext cx="227635" cy="227635"/>
+                </a:xfrm>
+                <a:prstGeom prst="ellipse">
+                  <a:avLst/>
+                </a:prstGeom>
+                <a:solidFill>
+                  <a:schemeClr val="tx2">
+                    <a:lumMod val="20000"/>
+                    <a:lumOff val="80000"/>
+                  </a:schemeClr>
+                </a:solidFill>
+              </p:spPr>
+              <p:style>
+                <a:lnRef idx="2">
+                  <a:schemeClr val="accent1">
+                    <a:shade val="15000"/>
+                  </a:schemeClr>
+                </a:lnRef>
+                <a:fillRef idx="1">
+                  <a:schemeClr val="accent1"/>
+                </a:fillRef>
+                <a:effectRef idx="0">
+                  <a:schemeClr val="accent1"/>
+                </a:effectRef>
+                <a:fontRef idx="minor">
+                  <a:schemeClr val="lt1"/>
+                </a:fontRef>
+              </p:style>
+              <p:txBody>
+                <a:bodyPr rtlCol="0" anchor="ctr"/>
+                <a:lstStyle/>
+                <a:p>
+                  <a:pPr algn="ctr"/>
+                  <a:endParaRPr lang="zh-CN" altLang="en-US" sz="1050" b="1" dirty="0">
+                    <a:solidFill>
+                      <a:schemeClr val="tx1"/>
+                    </a:solidFill>
+                    <a:latin typeface="宋体" panose="02010600030101010101" pitchFamily="2" charset="-122"/>
+                    <a:ea typeface="宋体" panose="02010600030101010101" pitchFamily="2" charset="-122"/>
+                  </a:endParaRPr>
+                </a:p>
+              </p:txBody>
+            </p:sp>
+            <p:sp>
+              <p:nvSpPr>
+                <p:cNvPr id="152" name="椭圆 151">
+                  <a:extLst>
+                    <a:ext uri="{FF2B5EF4-FFF2-40B4-BE49-F238E27FC236}">
+                      <a16:creationId xmlns:a16="http://schemas.microsoft.com/office/drawing/2014/main" id="{DE4051A9-FB4A-218D-2EA5-3F627D08B6A3}"/>
+                    </a:ext>
+                  </a:extLst>
+                </p:cNvPr>
+                <p:cNvSpPr>
+                  <a:spLocks noChangeAspect="1"/>
+                </p:cNvSpPr>
+                <p:nvPr/>
+              </p:nvSpPr>
+              <p:spPr>
+                <a:xfrm flipV="1">
+                  <a:off x="7335885" y="7904718"/>
+                  <a:ext cx="227635" cy="227635"/>
+                </a:xfrm>
+                <a:prstGeom prst="ellipse">
+                  <a:avLst/>
+                </a:prstGeom>
+                <a:solidFill>
+                  <a:srgbClr val="C00000"/>
+                </a:solidFill>
+                <a:ln>
+                  <a:noFill/>
+                </a:ln>
+              </p:spPr>
+              <p:style>
+                <a:lnRef idx="2">
+                  <a:schemeClr val="accent1">
+                    <a:shade val="15000"/>
+                  </a:schemeClr>
+                </a:lnRef>
+                <a:fillRef idx="1">
+                  <a:schemeClr val="accent1"/>
+                </a:fillRef>
+                <a:effectRef idx="0">
+                  <a:schemeClr val="accent1"/>
+                </a:effectRef>
+                <a:fontRef idx="minor">
+                  <a:schemeClr val="lt1"/>
+                </a:fontRef>
+              </p:style>
+              <p:txBody>
+                <a:bodyPr rtlCol="0" anchor="ctr"/>
+                <a:lstStyle/>
+                <a:p>
+                  <a:pPr algn="ctr"/>
+                  <a:endParaRPr lang="zh-CN" altLang="en-US" sz="1050" b="1" dirty="0">
+                    <a:solidFill>
+                      <a:schemeClr val="tx1"/>
+                    </a:solidFill>
+                    <a:latin typeface="宋体" panose="02010600030101010101" pitchFamily="2" charset="-122"/>
+                    <a:ea typeface="宋体" panose="02010600030101010101" pitchFamily="2" charset="-122"/>
+                  </a:endParaRPr>
+                </a:p>
+              </p:txBody>
+            </p:sp>
+            <p:sp>
+              <p:nvSpPr>
+                <p:cNvPr id="153" name="椭圆 152">
+                  <a:extLst>
+                    <a:ext uri="{FF2B5EF4-FFF2-40B4-BE49-F238E27FC236}">
+                      <a16:creationId xmlns:a16="http://schemas.microsoft.com/office/drawing/2014/main" id="{3124B5C1-B452-DCB2-A849-300E3091A673}"/>
+                    </a:ext>
+                  </a:extLst>
+                </p:cNvPr>
+                <p:cNvSpPr>
+                  <a:spLocks noChangeAspect="1"/>
+                </p:cNvSpPr>
+                <p:nvPr/>
+              </p:nvSpPr>
+              <p:spPr>
+                <a:xfrm flipV="1">
+                  <a:off x="7764732" y="7497272"/>
+                  <a:ext cx="227635" cy="227635"/>
+                </a:xfrm>
+                <a:prstGeom prst="ellipse">
+                  <a:avLst/>
+                </a:prstGeom>
+                <a:solidFill>
+                  <a:schemeClr val="accent1"/>
+                </a:solidFill>
+                <a:ln>
+                  <a:noFill/>
+                </a:ln>
+              </p:spPr>
+              <p:style>
+                <a:lnRef idx="2">
+                  <a:schemeClr val="accent1">
+                    <a:shade val="15000"/>
+                  </a:schemeClr>
+                </a:lnRef>
+                <a:fillRef idx="1">
+                  <a:schemeClr val="accent1"/>
+                </a:fillRef>
+                <a:effectRef idx="0">
+                  <a:schemeClr val="accent1"/>
+                </a:effectRef>
+                <a:fontRef idx="minor">
+                  <a:schemeClr val="lt1"/>
+                </a:fontRef>
+              </p:style>
+              <p:txBody>
+                <a:bodyPr rtlCol="0" anchor="ctr"/>
+                <a:lstStyle/>
+                <a:p>
+                  <a:pPr algn="ctr"/>
+                  <a:endParaRPr lang="zh-CN" altLang="en-US" sz="1050" b="1" dirty="0">
+                    <a:solidFill>
+                      <a:schemeClr val="tx1"/>
+                    </a:solidFill>
+                    <a:latin typeface="宋体" panose="02010600030101010101" pitchFamily="2" charset="-122"/>
+                    <a:ea typeface="宋体" panose="02010600030101010101" pitchFamily="2" charset="-122"/>
+                  </a:endParaRPr>
+                </a:p>
+              </p:txBody>
+            </p:sp>
+            <p:cxnSp>
+              <p:nvCxnSpPr>
+                <p:cNvPr id="154" name="直接连接符 153">
+                  <a:extLst>
+                    <a:ext uri="{FF2B5EF4-FFF2-40B4-BE49-F238E27FC236}">
+                      <a16:creationId xmlns:a16="http://schemas.microsoft.com/office/drawing/2014/main" id="{6D83B703-76B6-2546-B116-DA2C825A2F49}"/>
+                    </a:ext>
+                  </a:extLst>
+                </p:cNvPr>
+                <p:cNvCxnSpPr>
+                  <a:cxnSpLocks/>
+                  <a:stCxn id="150" idx="7"/>
+                  <a:endCxn id="153" idx="3"/>
+                </p:cNvCxnSpPr>
+                <p:nvPr/>
+              </p:nvCxnSpPr>
+              <p:spPr>
+                <a:xfrm>
+                  <a:off x="7530183" y="7287129"/>
+                  <a:ext cx="267885" cy="243479"/>
+                </a:xfrm>
+                <a:prstGeom prst="line">
+                  <a:avLst/>
+                </a:prstGeom>
+                <a:ln w="12700"/>
+              </p:spPr>
+              <p:style>
+                <a:lnRef idx="1">
+                  <a:schemeClr val="dk1"/>
+                </a:lnRef>
+                <a:fillRef idx="0">
+                  <a:schemeClr val="dk1"/>
+                </a:fillRef>
+                <a:effectRef idx="0">
+                  <a:schemeClr val="dk1"/>
+                </a:effectRef>
+                <a:fontRef idx="minor">
+                  <a:schemeClr val="tx1"/>
+                </a:fontRef>
+              </p:style>
+            </p:cxnSp>
+            <p:cxnSp>
+              <p:nvCxnSpPr>
+                <p:cNvPr id="155" name="直接连接符 154">
+                  <a:extLst>
+                    <a:ext uri="{FF2B5EF4-FFF2-40B4-BE49-F238E27FC236}">
+                      <a16:creationId xmlns:a16="http://schemas.microsoft.com/office/drawing/2014/main" id="{5136B39A-C30E-F5CB-F75C-7D3CE6F172C1}"/>
+                    </a:ext>
+                  </a:extLst>
+                </p:cNvPr>
+                <p:cNvCxnSpPr>
+                  <a:cxnSpLocks/>
+                  <a:stCxn id="152" idx="5"/>
+                  <a:endCxn id="153" idx="1"/>
+                </p:cNvCxnSpPr>
+                <p:nvPr/>
+              </p:nvCxnSpPr>
+              <p:spPr>
+                <a:xfrm flipV="1">
+                  <a:off x="7530181" y="7691571"/>
+                  <a:ext cx="267884" cy="246483"/>
+                </a:xfrm>
+                <a:prstGeom prst="line">
+                  <a:avLst/>
+                </a:prstGeom>
+                <a:ln w="12700"/>
+              </p:spPr>
+              <p:style>
+                <a:lnRef idx="1">
+                  <a:schemeClr val="dk1"/>
+                </a:lnRef>
+                <a:fillRef idx="0">
+                  <a:schemeClr val="dk1"/>
+                </a:fillRef>
+                <a:effectRef idx="0">
+                  <a:schemeClr val="dk1"/>
+                </a:effectRef>
+                <a:fontRef idx="minor">
+                  <a:schemeClr val="tx1"/>
+                </a:fontRef>
+              </p:style>
+            </p:cxnSp>
+            <p:cxnSp>
+              <p:nvCxnSpPr>
+                <p:cNvPr id="156" name="直接连接符 155">
+                  <a:extLst>
+                    <a:ext uri="{FF2B5EF4-FFF2-40B4-BE49-F238E27FC236}">
+                      <a16:creationId xmlns:a16="http://schemas.microsoft.com/office/drawing/2014/main" id="{C6CDA01F-DA25-9370-633B-8EA7BC8E2062}"/>
+                    </a:ext>
+                  </a:extLst>
+                </p:cNvPr>
+                <p:cNvCxnSpPr>
+                  <a:cxnSpLocks/>
+                  <a:stCxn id="151" idx="7"/>
+                  <a:endCxn id="152" idx="3"/>
+                </p:cNvCxnSpPr>
+                <p:nvPr/>
+              </p:nvCxnSpPr>
+              <p:spPr>
+                <a:xfrm>
+                  <a:off x="7101334" y="7697241"/>
+                  <a:ext cx="267884" cy="240813"/>
+                </a:xfrm>
+                <a:prstGeom prst="line">
+                  <a:avLst/>
+                </a:prstGeom>
+                <a:ln w="12700"/>
+              </p:spPr>
+              <p:style>
+                <a:lnRef idx="1">
+                  <a:schemeClr val="dk1"/>
+                </a:lnRef>
+                <a:fillRef idx="0">
+                  <a:schemeClr val="dk1"/>
+                </a:fillRef>
+                <a:effectRef idx="0">
+                  <a:schemeClr val="dk1"/>
+                </a:effectRef>
+                <a:fontRef idx="minor">
+                  <a:schemeClr val="tx1"/>
+                </a:fontRef>
+              </p:style>
+            </p:cxnSp>
+          </p:grpSp>
+        </p:grpSp>
+        <p:grpSp>
+          <p:nvGrpSpPr>
+            <p:cNvPr id="157" name="组合 156">
+              <a:extLst>
+                <a:ext uri="{FF2B5EF4-FFF2-40B4-BE49-F238E27FC236}">
+                  <a16:creationId xmlns:a16="http://schemas.microsoft.com/office/drawing/2014/main" id="{008CA235-DFA5-3C52-7706-9ABBEF75B2EC}"/>
+                </a:ext>
+              </a:extLst>
+            </p:cNvPr>
+            <p:cNvGrpSpPr/>
+            <p:nvPr/>
+          </p:nvGrpSpPr>
+          <p:grpSpPr>
+            <a:xfrm>
+              <a:off x="11131589" y="12109161"/>
+              <a:ext cx="1931161" cy="1305012"/>
+              <a:chOff x="5748095" y="2205693"/>
+              <a:chExt cx="1931161" cy="1305012"/>
+            </a:xfrm>
+          </p:grpSpPr>
+          <p:sp>
+            <p:nvSpPr>
+              <p:cNvPr id="158" name="矩形: 圆角 157">
+                <a:extLst>
+                  <a:ext uri="{FF2B5EF4-FFF2-40B4-BE49-F238E27FC236}">
+                    <a16:creationId xmlns:a16="http://schemas.microsoft.com/office/drawing/2014/main" id="{4C787CD1-F887-707C-186E-F4820214FE04}"/>
+                  </a:ext>
+                </a:extLst>
+              </p:cNvPr>
+              <p:cNvSpPr/>
+              <p:nvPr/>
+            </p:nvSpPr>
+            <p:spPr>
+              <a:xfrm>
+                <a:off x="5748095" y="2205693"/>
+                <a:ext cx="1931161" cy="1305012"/>
+              </a:xfrm>
+              <a:prstGeom prst="roundRect">
+                <a:avLst/>
+              </a:prstGeom>
+              <a:noFill/>
+              <a:ln w="28575">
+                <a:solidFill>
+                  <a:schemeClr val="bg1">
+                    <a:lumMod val="50000"/>
+                  </a:schemeClr>
+                </a:solidFill>
+                <a:prstDash val="dash"/>
+              </a:ln>
+            </p:spPr>
+            <p:style>
+              <a:lnRef idx="2">
+                <a:schemeClr val="accent1">
+                  <a:shade val="15000"/>
+                </a:schemeClr>
+              </a:lnRef>
+              <a:fillRef idx="1">
+                <a:schemeClr val="accent1"/>
+              </a:fillRef>
+              <a:effectRef idx="0">
+                <a:schemeClr val="accent1"/>
+              </a:effectRef>
+              <a:fontRef idx="minor">
+                <a:schemeClr val="lt1"/>
+              </a:fontRef>
+            </p:style>
+            <p:txBody>
+              <a:bodyPr rtlCol="0" anchor="ctr"/>
+              <a:lstStyle/>
+              <a:p>
+                <a:pPr algn="ctr"/>
+                <a:endParaRPr lang="zh-CN" altLang="en-US" dirty="0"/>
+              </a:p>
+            </p:txBody>
+          </p:sp>
+          <p:grpSp>
+            <p:nvGrpSpPr>
+              <p:cNvPr id="159" name="组合 158">
+                <a:extLst>
+                  <a:ext uri="{FF2B5EF4-FFF2-40B4-BE49-F238E27FC236}">
+                    <a16:creationId xmlns:a16="http://schemas.microsoft.com/office/drawing/2014/main" id="{5C24CD9D-F709-F873-FE36-66E786A2BEF3}"/>
+                  </a:ext>
+                </a:extLst>
+              </p:cNvPr>
+              <p:cNvGrpSpPr/>
+              <p:nvPr/>
+            </p:nvGrpSpPr>
+            <p:grpSpPr>
+              <a:xfrm>
+                <a:off x="6181648" y="2344736"/>
+                <a:ext cx="1078237" cy="1039522"/>
+                <a:chOff x="6931676" y="2469865"/>
+                <a:chExt cx="1078237" cy="1039522"/>
+              </a:xfrm>
+            </p:grpSpPr>
+            <p:sp>
+              <p:nvSpPr>
+                <p:cNvPr id="161" name="椭圆 160">
+                  <a:extLst>
+                    <a:ext uri="{FF2B5EF4-FFF2-40B4-BE49-F238E27FC236}">
+                      <a16:creationId xmlns:a16="http://schemas.microsoft.com/office/drawing/2014/main" id="{93162025-4E8B-9A4B-8579-5E2FE6C69740}"/>
+                    </a:ext>
+                  </a:extLst>
+                </p:cNvPr>
+                <p:cNvSpPr>
+                  <a:spLocks noChangeAspect="1"/>
+                </p:cNvSpPr>
+                <p:nvPr/>
+              </p:nvSpPr>
+              <p:spPr>
+                <a:xfrm flipV="1">
+                  <a:off x="7782278" y="2879977"/>
+                  <a:ext cx="227635" cy="227635"/>
+                </a:xfrm>
+                <a:prstGeom prst="ellipse">
+                  <a:avLst/>
+                </a:prstGeom>
+                <a:solidFill>
+                  <a:schemeClr val="tx2">
+                    <a:lumMod val="20000"/>
+                    <a:lumOff val="80000"/>
+                  </a:schemeClr>
+                </a:solidFill>
+              </p:spPr>
+              <p:style>
+                <a:lnRef idx="2">
+                  <a:schemeClr val="accent1">
+                    <a:shade val="15000"/>
+                  </a:schemeClr>
+                </a:lnRef>
+                <a:fillRef idx="1">
+                  <a:schemeClr val="accent1"/>
+                </a:fillRef>
+                <a:effectRef idx="0">
+                  <a:schemeClr val="accent1"/>
+                </a:effectRef>
+                <a:fontRef idx="minor">
+                  <a:schemeClr val="lt1"/>
+                </a:fontRef>
+              </p:style>
+              <p:txBody>
+                <a:bodyPr rtlCol="0" anchor="ctr"/>
+                <a:lstStyle/>
+                <a:p>
+                  <a:pPr algn="ctr"/>
+                  <a:endParaRPr lang="zh-CN" altLang="en-US" sz="1050" b="1" dirty="0">
+                    <a:solidFill>
+                      <a:schemeClr val="tx1"/>
+                    </a:solidFill>
+                    <a:latin typeface="宋体" panose="02010600030101010101" pitchFamily="2" charset="-122"/>
+                    <a:ea typeface="宋体" panose="02010600030101010101" pitchFamily="2" charset="-122"/>
+                  </a:endParaRPr>
+                </a:p>
+              </p:txBody>
+            </p:sp>
+            <p:sp>
+              <p:nvSpPr>
+                <p:cNvPr id="162" name="椭圆 161">
+                  <a:extLst>
+                    <a:ext uri="{FF2B5EF4-FFF2-40B4-BE49-F238E27FC236}">
+                      <a16:creationId xmlns:a16="http://schemas.microsoft.com/office/drawing/2014/main" id="{6E601455-D83E-8A5E-4FD2-F2F562831A4D}"/>
+                    </a:ext>
+                  </a:extLst>
+                </p:cNvPr>
+                <p:cNvSpPr>
+                  <a:spLocks noChangeAspect="1"/>
+                </p:cNvSpPr>
+                <p:nvPr/>
+              </p:nvSpPr>
+              <p:spPr>
+                <a:xfrm flipV="1">
+                  <a:off x="7349889" y="2469865"/>
+                  <a:ext cx="227635" cy="227635"/>
+                </a:xfrm>
+                <a:prstGeom prst="ellipse">
+                  <a:avLst/>
+                </a:prstGeom>
+                <a:solidFill>
+                  <a:srgbClr val="C00000"/>
+                </a:solidFill>
+                <a:ln>
+                  <a:noFill/>
+                </a:ln>
+              </p:spPr>
+              <p:style>
+                <a:lnRef idx="2">
+                  <a:schemeClr val="accent1">
+                    <a:shade val="15000"/>
+                  </a:schemeClr>
+                </a:lnRef>
+                <a:fillRef idx="1">
+                  <a:schemeClr val="accent1"/>
+                </a:fillRef>
+                <a:effectRef idx="0">
+                  <a:schemeClr val="accent1"/>
+                </a:effectRef>
+                <a:fontRef idx="minor">
+                  <a:schemeClr val="lt1"/>
+                </a:fontRef>
+              </p:style>
+              <p:txBody>
+                <a:bodyPr rtlCol="0" anchor="ctr"/>
+                <a:lstStyle/>
+                <a:p>
+                  <a:pPr algn="ctr"/>
+                  <a:endParaRPr lang="zh-CN" altLang="en-US" sz="1050" b="1" dirty="0">
+                    <a:solidFill>
+                      <a:schemeClr val="tx1"/>
+                    </a:solidFill>
+                    <a:latin typeface="宋体" panose="02010600030101010101" pitchFamily="2" charset="-122"/>
+                    <a:ea typeface="宋体" panose="02010600030101010101" pitchFamily="2" charset="-122"/>
+                  </a:endParaRPr>
+                </a:p>
+              </p:txBody>
+            </p:sp>
+            <p:sp>
+              <p:nvSpPr>
+                <p:cNvPr id="163" name="椭圆 162">
+                  <a:extLst>
+                    <a:ext uri="{FF2B5EF4-FFF2-40B4-BE49-F238E27FC236}">
+                      <a16:creationId xmlns:a16="http://schemas.microsoft.com/office/drawing/2014/main" id="{3DC1FC1D-56B9-9C8C-E1AE-A824E88FFDE1}"/>
+                    </a:ext>
+                  </a:extLst>
+                </p:cNvPr>
+                <p:cNvSpPr>
+                  <a:spLocks noChangeAspect="1"/>
+                </p:cNvSpPr>
+                <p:nvPr/>
+              </p:nvSpPr>
+              <p:spPr>
+                <a:xfrm flipV="1">
+                  <a:off x="7349889" y="3281752"/>
+                  <a:ext cx="227635" cy="227635"/>
+                </a:xfrm>
+                <a:prstGeom prst="ellipse">
+                  <a:avLst/>
+                </a:prstGeom>
+                <a:solidFill>
+                  <a:srgbClr val="C00000"/>
+                </a:solidFill>
+                <a:ln>
+                  <a:noFill/>
+                </a:ln>
+              </p:spPr>
+              <p:style>
+                <a:lnRef idx="2">
+                  <a:schemeClr val="accent1">
+                    <a:shade val="15000"/>
+                  </a:schemeClr>
+                </a:lnRef>
+                <a:fillRef idx="1">
+                  <a:schemeClr val="accent1"/>
+                </a:fillRef>
+                <a:effectRef idx="0">
+                  <a:schemeClr val="accent1"/>
+                </a:effectRef>
+                <a:fontRef idx="minor">
+                  <a:schemeClr val="lt1"/>
+                </a:fontRef>
+              </p:style>
+              <p:txBody>
+                <a:bodyPr rtlCol="0" anchor="ctr"/>
+                <a:lstStyle/>
+                <a:p>
+                  <a:pPr algn="ctr"/>
+                  <a:endParaRPr lang="zh-CN" altLang="en-US" sz="1050" b="1" dirty="0">
+                    <a:solidFill>
+                      <a:schemeClr val="tx1"/>
+                    </a:solidFill>
+                    <a:latin typeface="宋体" panose="02010600030101010101" pitchFamily="2" charset="-122"/>
+                    <a:ea typeface="宋体" panose="02010600030101010101" pitchFamily="2" charset="-122"/>
+                  </a:endParaRPr>
+                </a:p>
+              </p:txBody>
+            </p:sp>
+            <p:sp>
+              <p:nvSpPr>
+                <p:cNvPr id="164" name="椭圆 163">
+                  <a:extLst>
+                    <a:ext uri="{FF2B5EF4-FFF2-40B4-BE49-F238E27FC236}">
+                      <a16:creationId xmlns:a16="http://schemas.microsoft.com/office/drawing/2014/main" id="{C8B9D118-A39B-65E2-B10C-C47C7B25BA28}"/>
+                    </a:ext>
+                  </a:extLst>
+                </p:cNvPr>
+                <p:cNvSpPr>
+                  <a:spLocks noChangeAspect="1"/>
+                </p:cNvSpPr>
+                <p:nvPr/>
+              </p:nvSpPr>
+              <p:spPr>
+                <a:xfrm flipV="1">
+                  <a:off x="6931676" y="2874306"/>
+                  <a:ext cx="227635" cy="227635"/>
+                </a:xfrm>
+                <a:prstGeom prst="ellipse">
+                  <a:avLst/>
+                </a:prstGeom>
+                <a:solidFill>
+                  <a:schemeClr val="accent1"/>
+                </a:solidFill>
+                <a:ln>
+                  <a:noFill/>
+                </a:ln>
+              </p:spPr>
+              <p:style>
+                <a:lnRef idx="2">
+                  <a:schemeClr val="accent1">
+                    <a:shade val="15000"/>
+                  </a:schemeClr>
+                </a:lnRef>
+                <a:fillRef idx="1">
+                  <a:schemeClr val="accent1"/>
+                </a:fillRef>
+                <a:effectRef idx="0">
+                  <a:schemeClr val="accent1"/>
+                </a:effectRef>
+                <a:fontRef idx="minor">
+                  <a:schemeClr val="lt1"/>
+                </a:fontRef>
+              </p:style>
+              <p:txBody>
+                <a:bodyPr rtlCol="0" anchor="ctr"/>
+                <a:lstStyle/>
+                <a:p>
+                  <a:pPr algn="ctr"/>
+                  <a:endParaRPr lang="zh-CN" altLang="en-US" sz="1050" b="1" dirty="0">
+                    <a:solidFill>
+                      <a:schemeClr val="tx1"/>
+                    </a:solidFill>
+                    <a:latin typeface="宋体" panose="02010600030101010101" pitchFamily="2" charset="-122"/>
+                    <a:ea typeface="宋体" panose="02010600030101010101" pitchFamily="2" charset="-122"/>
+                  </a:endParaRPr>
+                </a:p>
+              </p:txBody>
+            </p:sp>
+            <p:cxnSp>
+              <p:nvCxnSpPr>
+                <p:cNvPr id="165" name="直接连接符 164">
+                  <a:extLst>
+                    <a:ext uri="{FF2B5EF4-FFF2-40B4-BE49-F238E27FC236}">
+                      <a16:creationId xmlns:a16="http://schemas.microsoft.com/office/drawing/2014/main" id="{FA0E8A19-56A1-2445-465B-29402AB4F780}"/>
+                    </a:ext>
+                  </a:extLst>
+                </p:cNvPr>
+                <p:cNvCxnSpPr>
+                  <a:cxnSpLocks/>
+                  <a:stCxn id="161" idx="3"/>
+                  <a:endCxn id="162" idx="7"/>
+                </p:cNvCxnSpPr>
+                <p:nvPr/>
+              </p:nvCxnSpPr>
+              <p:spPr>
+                <a:xfrm flipH="1" flipV="1">
+                  <a:off x="7544185" y="2664164"/>
+                  <a:ext cx="271426" cy="249149"/>
+                </a:xfrm>
+                <a:prstGeom prst="line">
+                  <a:avLst/>
+                </a:prstGeom>
+                <a:ln w="12700"/>
+              </p:spPr>
+              <p:style>
+                <a:lnRef idx="1">
+                  <a:schemeClr val="dk1"/>
+                </a:lnRef>
+                <a:fillRef idx="0">
+                  <a:schemeClr val="dk1"/>
+                </a:fillRef>
+                <a:effectRef idx="0">
+                  <a:schemeClr val="dk1"/>
+                </a:effectRef>
+                <a:fontRef idx="minor">
+                  <a:schemeClr val="tx1"/>
+                </a:fontRef>
+              </p:style>
+            </p:cxnSp>
+            <p:cxnSp>
+              <p:nvCxnSpPr>
+                <p:cNvPr id="166" name="直接连接符 165">
+                  <a:extLst>
+                    <a:ext uri="{FF2B5EF4-FFF2-40B4-BE49-F238E27FC236}">
+                      <a16:creationId xmlns:a16="http://schemas.microsoft.com/office/drawing/2014/main" id="{A83F0E39-5E15-5947-6542-F32B244CD1EA}"/>
+                    </a:ext>
+                  </a:extLst>
+                </p:cNvPr>
+                <p:cNvCxnSpPr>
+                  <a:cxnSpLocks/>
+                  <a:stCxn id="164" idx="5"/>
+                  <a:endCxn id="162" idx="1"/>
+                </p:cNvCxnSpPr>
+                <p:nvPr/>
+              </p:nvCxnSpPr>
+              <p:spPr>
+                <a:xfrm flipV="1">
+                  <a:off x="7125972" y="2664161"/>
+                  <a:ext cx="257250" cy="243478"/>
+                </a:xfrm>
+                <a:prstGeom prst="line">
+                  <a:avLst/>
+                </a:prstGeom>
+                <a:ln w="12700"/>
+              </p:spPr>
+              <p:style>
+                <a:lnRef idx="1">
+                  <a:schemeClr val="dk1"/>
+                </a:lnRef>
+                <a:fillRef idx="0">
+                  <a:schemeClr val="dk1"/>
+                </a:fillRef>
+                <a:effectRef idx="0">
+                  <a:schemeClr val="dk1"/>
+                </a:effectRef>
+                <a:fontRef idx="minor">
+                  <a:schemeClr val="tx1"/>
+                </a:fontRef>
+              </p:style>
+            </p:cxnSp>
+            <p:cxnSp>
+              <p:nvCxnSpPr>
+                <p:cNvPr id="167" name="直接连接符 166">
+                  <a:extLst>
+                    <a:ext uri="{FF2B5EF4-FFF2-40B4-BE49-F238E27FC236}">
+                      <a16:creationId xmlns:a16="http://schemas.microsoft.com/office/drawing/2014/main" id="{BE8E437B-5FA8-F8C8-7EF3-2E92A213906A}"/>
+                    </a:ext>
+                  </a:extLst>
+                </p:cNvPr>
+                <p:cNvCxnSpPr>
+                  <a:cxnSpLocks/>
+                  <a:stCxn id="164" idx="7"/>
+                  <a:endCxn id="163" idx="3"/>
+                </p:cNvCxnSpPr>
+                <p:nvPr/>
+              </p:nvCxnSpPr>
+              <p:spPr>
+                <a:xfrm>
+                  <a:off x="7125972" y="3068605"/>
+                  <a:ext cx="257250" cy="246483"/>
+                </a:xfrm>
+                <a:prstGeom prst="line">
+                  <a:avLst/>
+                </a:prstGeom>
+                <a:ln w="12700"/>
+              </p:spPr>
+              <p:style>
+                <a:lnRef idx="1">
+                  <a:schemeClr val="dk1"/>
+                </a:lnRef>
+                <a:fillRef idx="0">
+                  <a:schemeClr val="dk1"/>
+                </a:fillRef>
+                <a:effectRef idx="0">
+                  <a:schemeClr val="dk1"/>
+                </a:effectRef>
+                <a:fontRef idx="minor">
+                  <a:schemeClr val="tx1"/>
+                </a:fontRef>
+              </p:style>
+            </p:cxnSp>
+          </p:grpSp>
+        </p:grpSp>
+      </p:grpSp>
+      <p:sp>
+        <p:nvSpPr>
+          <p:cNvPr id="177" name="文本框 176">
+            <a:extLst>
+              <a:ext uri="{FF2B5EF4-FFF2-40B4-BE49-F238E27FC236}">
+                <a16:creationId xmlns:a16="http://schemas.microsoft.com/office/drawing/2014/main" id="{F06BCB01-5ACB-9F92-22DF-08C7D2A38180}"/>
+              </a:ext>
+            </a:extLst>
+          </p:cNvPr>
+          <p:cNvSpPr txBox="1"/>
+          <p:nvPr/>
+        </p:nvSpPr>
+        <p:spPr>
+          <a:xfrm>
+            <a:off x="6601149" y="15475023"/>
+            <a:ext cx="1931162" cy="369332"/>
+          </a:xfrm>
+          <a:prstGeom prst="rect">
+            <a:avLst/>
+          </a:prstGeom>
+          <a:noFill/>
+        </p:spPr>
+        <p:txBody>
+          <a:bodyPr wrap="square">
+            <a:spAutoFit/>
+          </a:bodyPr>
+          <a:lstStyle/>
+          <a:p>
+            <a:pPr algn="ctr"/>
+            <a:r>
+              <a:rPr lang="zh-CN" altLang="en-US" dirty="0">
+                <a:latin typeface="宋体" panose="02010600030101010101" pitchFamily="2" charset="-122"/>
+                <a:ea typeface="宋体" panose="02010600030101010101" pitchFamily="2" charset="-122"/>
+                <a:cs typeface="Times New Roman" panose="02020603050405020304" pitchFamily="18" charset="0"/>
+              </a:rPr>
+              <a:t>路径采样</a:t>
+            </a:r>
+            <a:endParaRPr lang="zh-CN" altLang="en-US" dirty="0">
+              <a:solidFill>
+                <a:schemeClr val="tx1"/>
+              </a:solidFill>
+              <a:latin typeface="宋体" panose="02010600030101010101" pitchFamily="2" charset="-122"/>
+              <a:ea typeface="宋体" panose="02010600030101010101" pitchFamily="2" charset="-122"/>
+              <a:cs typeface="Times New Roman" panose="02020603050405020304" pitchFamily="18" charset="0"/>
+            </a:endParaRPr>
+          </a:p>
+        </p:txBody>
+      </p:sp>
+      <p:graphicFrame>
+        <p:nvGraphicFramePr>
+          <p:cNvPr id="179" name="对象 178">
+            <a:extLst>
+              <a:ext uri="{FF2B5EF4-FFF2-40B4-BE49-F238E27FC236}">
+                <a16:creationId xmlns:a16="http://schemas.microsoft.com/office/drawing/2014/main" id="{B88C792D-96A2-A41D-C1AD-1EBFE039CEB0}"/>
+              </a:ext>
+            </a:extLst>
+          </p:cNvPr>
+          <p:cNvGraphicFramePr>
+            <a:graphicFrameLocks noChangeAspect="1"/>
+          </p:cNvGraphicFramePr>
+          <p:nvPr>
+            <p:extLst>
+              <p:ext uri="{D42A27DB-BD31-4B8C-83A1-F6EECF244321}">
+                <p14:modId xmlns:p14="http://schemas.microsoft.com/office/powerpoint/2010/main" val="2938400104"/>
+              </p:ext>
+            </p:extLst>
+          </p:nvPr>
+        </p:nvGraphicFramePr>
+        <p:xfrm>
+          <a:off x="10066624" y="14514109"/>
+          <a:ext cx="215900" cy="242888"/>
+        </p:xfrm>
+        <a:graphic>
+          <a:graphicData uri="http://schemas.openxmlformats.org/presentationml/2006/ole">
+            <mc:AlternateContent xmlns:mc="http://schemas.openxmlformats.org/markup-compatibility/2006">
+              <mc:Choice xmlns:v="urn:schemas-microsoft-com:vml" Requires="v">
+                <p:oleObj name="Equation" r:id="rId8" imgW="216376" imgH="242289" progId="Equation.DSMT4">
+                  <p:embed/>
+                </p:oleObj>
+              </mc:Choice>
+              <mc:Fallback>
+                <p:oleObj name="Equation" r:id="rId8" imgW="216376" imgH="242289" progId="Equation.DSMT4">
+                  <p:embed/>
+                  <p:pic>
+                    <p:nvPicPr>
+                      <p:cNvPr id="0" name=""/>
+                      <p:cNvPicPr/>
+                      <p:nvPr/>
+                    </p:nvPicPr>
+                    <p:blipFill>
+                      <a:blip r:embed="rId9"/>
+                      <a:stretch>
+                        <a:fillRect/>
+                      </a:stretch>
+                    </p:blipFill>
+                    <p:spPr>
+                      <a:xfrm>
+                        <a:off x="10066624" y="14514109"/>
+                        <a:ext cx="215900" cy="242888"/>
+                      </a:xfrm>
+                      <a:prstGeom prst="rect">
+                        <a:avLst/>
+                      </a:prstGeom>
+                    </p:spPr>
+                  </p:pic>
+                </p:oleObj>
+              </mc:Fallback>
+            </mc:AlternateContent>
+          </a:graphicData>
+        </a:graphic>
+      </p:graphicFrame>
+      <p:graphicFrame>
+        <p:nvGraphicFramePr>
+          <p:cNvPr id="180" name="对象 179">
+            <a:extLst>
+              <a:ext uri="{FF2B5EF4-FFF2-40B4-BE49-F238E27FC236}">
+                <a16:creationId xmlns:a16="http://schemas.microsoft.com/office/drawing/2014/main" id="{E112A2EE-7F9A-2D1D-DAAE-D50D77B43375}"/>
+              </a:ext>
+            </a:extLst>
+          </p:cNvPr>
+          <p:cNvGraphicFramePr>
+            <a:graphicFrameLocks noChangeAspect="1"/>
+          </p:cNvGraphicFramePr>
+          <p:nvPr>
+            <p:extLst>
+              <p:ext uri="{D42A27DB-BD31-4B8C-83A1-F6EECF244321}">
+                <p14:modId xmlns:p14="http://schemas.microsoft.com/office/powerpoint/2010/main" val="1632295381"/>
+              </p:ext>
+            </p:extLst>
+          </p:nvPr>
+        </p:nvGraphicFramePr>
+        <p:xfrm>
+          <a:off x="7715500" y="11186505"/>
+          <a:ext cx="215900" cy="242888"/>
+        </p:xfrm>
+        <a:graphic>
+          <a:graphicData uri="http://schemas.openxmlformats.org/presentationml/2006/ole">
+            <mc:AlternateContent xmlns:mc="http://schemas.openxmlformats.org/markup-compatibility/2006">
+              <mc:Choice xmlns:v="urn:schemas-microsoft-com:vml" Requires="v">
+                <p:oleObj name="Equation" r:id="rId10" imgW="216376" imgH="242289" progId="Equation.DSMT4">
+                  <p:embed/>
+                </p:oleObj>
+              </mc:Choice>
+              <mc:Fallback>
+                <p:oleObj name="Equation" r:id="rId10" imgW="216376" imgH="242289" progId="Equation.DSMT4">
+                  <p:embed/>
+                  <p:pic>
+                    <p:nvPicPr>
+                      <p:cNvPr id="0" name=""/>
+                      <p:cNvPicPr/>
+                      <p:nvPr/>
+                    </p:nvPicPr>
+                    <p:blipFill>
+                      <a:blip r:embed="rId11"/>
+                      <a:stretch>
+                        <a:fillRect/>
+                      </a:stretch>
+                    </p:blipFill>
+                    <p:spPr>
+                      <a:xfrm>
+                        <a:off x="7715500" y="11186505"/>
+                        <a:ext cx="215900" cy="242888"/>
+                      </a:xfrm>
+                      <a:prstGeom prst="rect">
+                        <a:avLst/>
+                      </a:prstGeom>
+                    </p:spPr>
+                  </p:pic>
+                </p:oleObj>
+              </mc:Fallback>
+            </mc:AlternateContent>
+          </a:graphicData>
+        </a:graphic>
+      </p:graphicFrame>
+      <p:graphicFrame>
+        <p:nvGraphicFramePr>
+          <p:cNvPr id="181" name="对象 180">
+            <a:extLst>
+              <a:ext uri="{FF2B5EF4-FFF2-40B4-BE49-F238E27FC236}">
+                <a16:creationId xmlns:a16="http://schemas.microsoft.com/office/drawing/2014/main" id="{561DE245-1AE2-76F9-1411-D82EC9BCB2DB}"/>
+              </a:ext>
+            </a:extLst>
+          </p:cNvPr>
+          <p:cNvGraphicFramePr>
+            <a:graphicFrameLocks noChangeAspect="1"/>
+          </p:cNvGraphicFramePr>
+          <p:nvPr>
+            <p:extLst>
+              <p:ext uri="{D42A27DB-BD31-4B8C-83A1-F6EECF244321}">
+                <p14:modId xmlns:p14="http://schemas.microsoft.com/office/powerpoint/2010/main" val="3930245891"/>
+              </p:ext>
+            </p:extLst>
+          </p:nvPr>
+        </p:nvGraphicFramePr>
+        <p:xfrm>
+          <a:off x="9277550" y="12060646"/>
+          <a:ext cx="215900" cy="242888"/>
+        </p:xfrm>
+        <a:graphic>
+          <a:graphicData uri="http://schemas.openxmlformats.org/presentationml/2006/ole">
+            <mc:AlternateContent xmlns:mc="http://schemas.openxmlformats.org/markup-compatibility/2006">
+              <mc:Choice xmlns:v="urn:schemas-microsoft-com:vml" Requires="v">
+                <p:oleObj name="Equation" r:id="rId12" imgW="216376" imgH="242289" progId="Equation.DSMT4">
+                  <p:embed/>
+                </p:oleObj>
+              </mc:Choice>
+              <mc:Fallback>
+                <p:oleObj name="Equation" r:id="rId12" imgW="216376" imgH="242289" progId="Equation.DSMT4">
+                  <p:embed/>
+                  <p:pic>
+                    <p:nvPicPr>
+                      <p:cNvPr id="0" name=""/>
+                      <p:cNvPicPr/>
+                      <p:nvPr/>
+                    </p:nvPicPr>
+                    <p:blipFill>
+                      <a:blip r:embed="rId13"/>
+                      <a:stretch>
+                        <a:fillRect/>
+                      </a:stretch>
+                    </p:blipFill>
+                    <p:spPr>
+                      <a:xfrm>
+                        <a:off x="9277550" y="12060646"/>
+                        <a:ext cx="215900" cy="242888"/>
+                      </a:xfrm>
+                      <a:prstGeom prst="rect">
+                        <a:avLst/>
+                      </a:prstGeom>
+                    </p:spPr>
+                  </p:pic>
+                </p:oleObj>
+              </mc:Fallback>
+            </mc:AlternateContent>
+          </a:graphicData>
+        </a:graphic>
+      </p:graphicFrame>
+      <p:graphicFrame>
+        <p:nvGraphicFramePr>
+          <p:cNvPr id="182" name="对象 181">
+            <a:extLst>
+              <a:ext uri="{FF2B5EF4-FFF2-40B4-BE49-F238E27FC236}">
+                <a16:creationId xmlns:a16="http://schemas.microsoft.com/office/drawing/2014/main" id="{AC56795D-7116-70EB-BB9B-F9B51E4698D5}"/>
+              </a:ext>
+            </a:extLst>
+          </p:cNvPr>
+          <p:cNvGraphicFramePr>
+            <a:graphicFrameLocks noChangeAspect="1"/>
+          </p:cNvGraphicFramePr>
+          <p:nvPr>
+            <p:extLst>
+              <p:ext uri="{D42A27DB-BD31-4B8C-83A1-F6EECF244321}">
+                <p14:modId xmlns:p14="http://schemas.microsoft.com/office/powerpoint/2010/main" val="1589888993"/>
+              </p:ext>
+            </p:extLst>
+          </p:nvPr>
+        </p:nvGraphicFramePr>
+        <p:xfrm>
+          <a:off x="10896986" y="11832632"/>
+          <a:ext cx="215900" cy="242888"/>
+        </p:xfrm>
+        <a:graphic>
+          <a:graphicData uri="http://schemas.openxmlformats.org/presentationml/2006/ole">
+            <mc:AlternateContent xmlns:mc="http://schemas.openxmlformats.org/markup-compatibility/2006">
+              <mc:Choice xmlns:v="urn:schemas-microsoft-com:vml" Requires="v">
+                <p:oleObj name="Equation" r:id="rId14" imgW="216376" imgH="242289" progId="Equation.DSMT4">
+                  <p:embed/>
+                </p:oleObj>
+              </mc:Choice>
+              <mc:Fallback>
+                <p:oleObj name="Equation" r:id="rId14" imgW="216376" imgH="242289" progId="Equation.DSMT4">
+                  <p:embed/>
+                  <p:pic>
+                    <p:nvPicPr>
+                      <p:cNvPr id="0" name=""/>
+                      <p:cNvPicPr/>
+                      <p:nvPr/>
+                    </p:nvPicPr>
+                    <p:blipFill>
+                      <a:blip r:embed="rId15"/>
+                      <a:stretch>
+                        <a:fillRect/>
+                      </a:stretch>
+                    </p:blipFill>
+                    <p:spPr>
+                      <a:xfrm>
+                        <a:off x="10896986" y="11832632"/>
+                        <a:ext cx="215900" cy="242888"/>
+                      </a:xfrm>
+                      <a:prstGeom prst="rect">
+                        <a:avLst/>
+                      </a:prstGeom>
+                    </p:spPr>
+                  </p:pic>
+                </p:oleObj>
+              </mc:Fallback>
+            </mc:AlternateContent>
+          </a:graphicData>
+        </a:graphic>
+      </p:graphicFrame>
+      <p:graphicFrame>
+        <p:nvGraphicFramePr>
+          <p:cNvPr id="183" name="对象 182">
+            <a:extLst>
+              <a:ext uri="{FF2B5EF4-FFF2-40B4-BE49-F238E27FC236}">
+                <a16:creationId xmlns:a16="http://schemas.microsoft.com/office/drawing/2014/main" id="{8FC54C98-3BAC-A290-7302-62B064F350D1}"/>
+              </a:ext>
+            </a:extLst>
+          </p:cNvPr>
+          <p:cNvGraphicFramePr>
+            <a:graphicFrameLocks noChangeAspect="1"/>
+          </p:cNvGraphicFramePr>
+          <p:nvPr>
+            <p:extLst>
+              <p:ext uri="{D42A27DB-BD31-4B8C-83A1-F6EECF244321}">
+                <p14:modId xmlns:p14="http://schemas.microsoft.com/office/powerpoint/2010/main" val="1244859286"/>
+              </p:ext>
+            </p:extLst>
+          </p:nvPr>
+        </p:nvGraphicFramePr>
+        <p:xfrm>
+          <a:off x="12530980" y="12041095"/>
+          <a:ext cx="215900" cy="242888"/>
+        </p:xfrm>
+        <a:graphic>
+          <a:graphicData uri="http://schemas.openxmlformats.org/presentationml/2006/ole">
+            <mc:AlternateContent xmlns:mc="http://schemas.openxmlformats.org/markup-compatibility/2006">
+              <mc:Choice xmlns:v="urn:schemas-microsoft-com:vml" Requires="v">
+                <p:oleObj name="Equation" r:id="rId16" imgW="216376" imgH="242289" progId="Equation.DSMT4">
+                  <p:embed/>
+                </p:oleObj>
+              </mc:Choice>
+              <mc:Fallback>
+                <p:oleObj name="Equation" r:id="rId16" imgW="216376" imgH="242289" progId="Equation.DSMT4">
+                  <p:embed/>
+                  <p:pic>
+                    <p:nvPicPr>
+                      <p:cNvPr id="0" name=""/>
+                      <p:cNvPicPr/>
+                      <p:nvPr/>
+                    </p:nvPicPr>
+                    <p:blipFill>
+                      <a:blip r:embed="rId17"/>
+                      <a:stretch>
+                        <a:fillRect/>
+                      </a:stretch>
+                    </p:blipFill>
+                    <p:spPr>
+                      <a:xfrm>
+                        <a:off x="12530980" y="12041095"/>
+                        <a:ext cx="215900" cy="242888"/>
+                      </a:xfrm>
+                      <a:prstGeom prst="rect">
+                        <a:avLst/>
+                      </a:prstGeom>
+                    </p:spPr>
+                  </p:pic>
+                </p:oleObj>
+              </mc:Fallback>
+            </mc:AlternateContent>
+          </a:graphicData>
+        </a:graphic>
+      </p:graphicFrame>
+      <p:graphicFrame>
+        <p:nvGraphicFramePr>
+          <p:cNvPr id="184" name="对象 183">
+            <a:extLst>
+              <a:ext uri="{FF2B5EF4-FFF2-40B4-BE49-F238E27FC236}">
+                <a16:creationId xmlns:a16="http://schemas.microsoft.com/office/drawing/2014/main" id="{E78CF44A-38D7-3E46-2219-92B704A15269}"/>
+              </a:ext>
+            </a:extLst>
+          </p:cNvPr>
+          <p:cNvGraphicFramePr>
+            <a:graphicFrameLocks noChangeAspect="1"/>
+          </p:cNvGraphicFramePr>
+          <p:nvPr>
+            <p:extLst>
+              <p:ext uri="{D42A27DB-BD31-4B8C-83A1-F6EECF244321}">
+                <p14:modId xmlns:p14="http://schemas.microsoft.com/office/powerpoint/2010/main" val="455604611"/>
+              </p:ext>
+            </p:extLst>
+          </p:nvPr>
+        </p:nvGraphicFramePr>
+        <p:xfrm>
+          <a:off x="5612982" y="13993281"/>
+          <a:ext cx="1161397" cy="527908"/>
+        </p:xfrm>
+        <a:graphic>
+          <a:graphicData uri="http://schemas.openxmlformats.org/presentationml/2006/ole">
+            <mc:AlternateContent xmlns:mc="http://schemas.openxmlformats.org/markup-compatibility/2006">
+              <mc:Choice xmlns:v="urn:schemas-microsoft-com:vml" Requires="v">
+                <p:oleObj name="Equation" r:id="rId18" imgW="419040" imgH="190440" progId="Equation.DSMT4">
+                  <p:embed/>
+                </p:oleObj>
+              </mc:Choice>
+              <mc:Fallback>
+                <p:oleObj name="Equation" r:id="rId18" imgW="419040" imgH="190440" progId="Equation.DSMT4">
+                  <p:embed/>
+                  <p:pic>
+                    <p:nvPicPr>
+                      <p:cNvPr id="18" name="对象 17">
+                        <a:extLst>
+                          <a:ext uri="{FF2B5EF4-FFF2-40B4-BE49-F238E27FC236}">
+                            <a16:creationId xmlns:a16="http://schemas.microsoft.com/office/drawing/2014/main" id="{F32A2A6C-52FB-4BF8-D7DE-F5A5FAF96609}"/>
+                          </a:ext>
+                        </a:extLst>
+                      </p:cNvPr>
+                      <p:cNvPicPr/>
+                      <p:nvPr/>
+                    </p:nvPicPr>
+                    <p:blipFill>
+                      <a:blip r:embed="rId19"/>
+                      <a:stretch>
+                        <a:fillRect/>
+                      </a:stretch>
+                    </p:blipFill>
+                    <p:spPr>
+                      <a:xfrm>
+                        <a:off x="5612982" y="13993281"/>
+                        <a:ext cx="1161397" cy="527908"/>
+                      </a:xfrm>
+                      <a:prstGeom prst="rect">
+                        <a:avLst/>
+                      </a:prstGeom>
+                    </p:spPr>
+                  </p:pic>
+                </p:oleObj>
+              </mc:Fallback>
+            </mc:AlternateContent>
+          </a:graphicData>
+        </a:graphic>
+      </p:graphicFrame>
+      <p:cxnSp>
+        <p:nvCxnSpPr>
+          <p:cNvPr id="185" name="直接箭头连接符 184">
+            <a:extLst>
+              <a:ext uri="{FF2B5EF4-FFF2-40B4-BE49-F238E27FC236}">
+                <a16:creationId xmlns:a16="http://schemas.microsoft.com/office/drawing/2014/main" id="{2766039E-C2B2-967A-1A3A-1C187389DCB6}"/>
+              </a:ext>
+            </a:extLst>
+          </p:cNvPr>
+          <p:cNvCxnSpPr>
+            <a:cxnSpLocks/>
+          </p:cNvCxnSpPr>
+          <p:nvPr/>
+        </p:nvCxnSpPr>
+        <p:spPr>
+          <a:xfrm flipV="1">
+            <a:off x="6193681" y="12930905"/>
+            <a:ext cx="0" cy="841727"/>
+          </a:xfrm>
+          <a:prstGeom prst="straightConnector1">
+            <a:avLst/>
+          </a:prstGeom>
+          <a:ln w="28575">
+            <a:solidFill>
+              <a:schemeClr val="bg1">
+                <a:lumMod val="50000"/>
+              </a:schemeClr>
+            </a:solidFill>
+            <a:tailEnd type="triangle"/>
+          </a:ln>
+        </p:spPr>
+        <p:style>
+          <a:lnRef idx="1">
+            <a:schemeClr val="accent3"/>
+          </a:lnRef>
+          <a:fillRef idx="0">
+            <a:schemeClr val="accent3"/>
+          </a:fillRef>
+          <a:effectRef idx="0">
+            <a:schemeClr val="accent3"/>
+          </a:effectRef>
+          <a:fontRef idx="minor">
+            <a:schemeClr val="tx1"/>
+          </a:fontRef>
+        </p:style>
+      </p:cxnSp>
+      <p:graphicFrame>
+        <p:nvGraphicFramePr>
+          <p:cNvPr id="193" name="对象 192">
+            <a:extLst>
+              <a:ext uri="{FF2B5EF4-FFF2-40B4-BE49-F238E27FC236}">
+                <a16:creationId xmlns:a16="http://schemas.microsoft.com/office/drawing/2014/main" id="{8AD0D0CA-4655-F740-2617-E01608DA0CE4}"/>
+              </a:ext>
+            </a:extLst>
+          </p:cNvPr>
+          <p:cNvGraphicFramePr>
+            <a:graphicFrameLocks noChangeAspect="1"/>
+          </p:cNvGraphicFramePr>
+          <p:nvPr>
+            <p:extLst>
+              <p:ext uri="{D42A27DB-BD31-4B8C-83A1-F6EECF244321}">
+                <p14:modId xmlns:p14="http://schemas.microsoft.com/office/powerpoint/2010/main" val="263210896"/>
+              </p:ext>
+            </p:extLst>
+          </p:nvPr>
+        </p:nvGraphicFramePr>
+        <p:xfrm>
+          <a:off x="7400326" y="10657031"/>
+          <a:ext cx="800100" cy="241300"/>
+        </p:xfrm>
+        <a:graphic>
+          <a:graphicData uri="http://schemas.openxmlformats.org/presentationml/2006/ole">
+            <mc:AlternateContent xmlns:mc="http://schemas.openxmlformats.org/markup-compatibility/2006">
+              <mc:Choice xmlns:v="urn:schemas-microsoft-com:vml" Requires="v">
+                <p:oleObj name="Equation" r:id="rId20" imgW="800340" imgH="240849" progId="Equation.DSMT4">
+                  <p:embed/>
+                </p:oleObj>
+              </mc:Choice>
+              <mc:Fallback>
+                <p:oleObj name="Equation" r:id="rId20" imgW="800340" imgH="240849" progId="Equation.DSMT4">
+                  <p:embed/>
+                  <p:pic>
+                    <p:nvPicPr>
+                      <p:cNvPr id="0" name=""/>
+                      <p:cNvPicPr/>
+                      <p:nvPr/>
+                    </p:nvPicPr>
+                    <p:blipFill>
+                      <a:blip r:embed="rId21"/>
+                      <a:stretch>
+                        <a:fillRect/>
+                      </a:stretch>
+                    </p:blipFill>
+                    <p:spPr>
+                      <a:xfrm>
+                        <a:off x="7400326" y="10657031"/>
+                        <a:ext cx="800100" cy="241300"/>
+                      </a:xfrm>
+                      <a:prstGeom prst="rect">
+                        <a:avLst/>
+                      </a:prstGeom>
+                    </p:spPr>
+                  </p:pic>
+                </p:oleObj>
+              </mc:Fallback>
+            </mc:AlternateContent>
+          </a:graphicData>
+        </a:graphic>
+      </p:graphicFrame>
+      <p:graphicFrame>
+        <p:nvGraphicFramePr>
+          <p:cNvPr id="197" name="对象 196">
+            <a:extLst>
+              <a:ext uri="{FF2B5EF4-FFF2-40B4-BE49-F238E27FC236}">
+                <a16:creationId xmlns:a16="http://schemas.microsoft.com/office/drawing/2014/main" id="{8D1AEF5D-0753-D2A1-2825-C0190F406EC8}"/>
+              </a:ext>
+            </a:extLst>
+          </p:cNvPr>
+          <p:cNvGraphicFramePr>
+            <a:graphicFrameLocks noChangeAspect="1"/>
+          </p:cNvGraphicFramePr>
+          <p:nvPr>
+            <p:extLst>
+              <p:ext uri="{D42A27DB-BD31-4B8C-83A1-F6EECF244321}">
+                <p14:modId xmlns:p14="http://schemas.microsoft.com/office/powerpoint/2010/main" val="1113510952"/>
+              </p:ext>
+            </p:extLst>
+          </p:nvPr>
+        </p:nvGraphicFramePr>
+        <p:xfrm>
+          <a:off x="8937647" y="10654163"/>
+          <a:ext cx="850900" cy="241300"/>
+        </p:xfrm>
+        <a:graphic>
+          <a:graphicData uri="http://schemas.openxmlformats.org/presentationml/2006/ole">
+            <mc:AlternateContent xmlns:mc="http://schemas.openxmlformats.org/markup-compatibility/2006">
+              <mc:Choice xmlns:v="urn:schemas-microsoft-com:vml" Requires="v">
+                <p:oleObj name="Equation" r:id="rId22" imgW="850383" imgH="240849" progId="Equation.DSMT4">
+                  <p:embed/>
+                </p:oleObj>
+              </mc:Choice>
+              <mc:Fallback>
+                <p:oleObj name="Equation" r:id="rId22" imgW="850383" imgH="240849" progId="Equation.DSMT4">
+                  <p:embed/>
+                  <p:pic>
+                    <p:nvPicPr>
+                      <p:cNvPr id="0" name=""/>
+                      <p:cNvPicPr/>
+                      <p:nvPr/>
+                    </p:nvPicPr>
+                    <p:blipFill>
+                      <a:blip r:embed="rId23"/>
+                      <a:stretch>
+                        <a:fillRect/>
+                      </a:stretch>
+                    </p:blipFill>
+                    <p:spPr>
+                      <a:xfrm>
+                        <a:off x="8937647" y="10654163"/>
+                        <a:ext cx="850900" cy="241300"/>
+                      </a:xfrm>
+                      <a:prstGeom prst="rect">
+                        <a:avLst/>
+                      </a:prstGeom>
+                    </p:spPr>
+                  </p:pic>
+                </p:oleObj>
+              </mc:Fallback>
+            </mc:AlternateContent>
+          </a:graphicData>
+        </a:graphic>
+      </p:graphicFrame>
+      <p:graphicFrame>
+        <p:nvGraphicFramePr>
+          <p:cNvPr id="198" name="对象 197">
+            <a:extLst>
+              <a:ext uri="{FF2B5EF4-FFF2-40B4-BE49-F238E27FC236}">
+                <a16:creationId xmlns:a16="http://schemas.microsoft.com/office/drawing/2014/main" id="{94502DB4-777B-B52B-AA42-7BDC6220CE75}"/>
+              </a:ext>
+            </a:extLst>
+          </p:cNvPr>
+          <p:cNvGraphicFramePr>
+            <a:graphicFrameLocks noChangeAspect="1"/>
+          </p:cNvGraphicFramePr>
+          <p:nvPr>
+            <p:extLst>
+              <p:ext uri="{D42A27DB-BD31-4B8C-83A1-F6EECF244321}">
+                <p14:modId xmlns:p14="http://schemas.microsoft.com/office/powerpoint/2010/main" val="3620333882"/>
+              </p:ext>
+            </p:extLst>
+          </p:nvPr>
+        </p:nvGraphicFramePr>
+        <p:xfrm>
+          <a:off x="10409152" y="10654163"/>
+          <a:ext cx="838200" cy="241300"/>
+        </p:xfrm>
+        <a:graphic>
+          <a:graphicData uri="http://schemas.openxmlformats.org/presentationml/2006/ole">
+            <mc:AlternateContent xmlns:mc="http://schemas.openxmlformats.org/markup-compatibility/2006">
+              <mc:Choice xmlns:v="urn:schemas-microsoft-com:vml" Requires="v">
+                <p:oleObj name="Equation" r:id="rId24" imgW="838503" imgH="240849" progId="Equation.DSMT4">
+                  <p:embed/>
+                </p:oleObj>
+              </mc:Choice>
+              <mc:Fallback>
+                <p:oleObj name="Equation" r:id="rId24" imgW="838503" imgH="240849" progId="Equation.DSMT4">
+                  <p:embed/>
+                  <p:pic>
+                    <p:nvPicPr>
+                      <p:cNvPr id="0" name=""/>
+                      <p:cNvPicPr/>
+                      <p:nvPr/>
+                    </p:nvPicPr>
+                    <p:blipFill>
+                      <a:blip r:embed="rId25"/>
+                      <a:stretch>
+                        <a:fillRect/>
+                      </a:stretch>
+                    </p:blipFill>
+                    <p:spPr>
+                      <a:xfrm>
+                        <a:off x="10409152" y="10654163"/>
+                        <a:ext cx="838200" cy="241300"/>
+                      </a:xfrm>
+                      <a:prstGeom prst="rect">
+                        <a:avLst/>
+                      </a:prstGeom>
+                    </p:spPr>
+                  </p:pic>
+                </p:oleObj>
+              </mc:Fallback>
+            </mc:AlternateContent>
+          </a:graphicData>
+        </a:graphic>
+      </p:graphicFrame>
+      <p:graphicFrame>
+        <p:nvGraphicFramePr>
+          <p:cNvPr id="199" name="对象 198">
+            <a:extLst>
+              <a:ext uri="{FF2B5EF4-FFF2-40B4-BE49-F238E27FC236}">
+                <a16:creationId xmlns:a16="http://schemas.microsoft.com/office/drawing/2014/main" id="{EFDB9CD3-D582-254E-E05E-4BFDE2F8A017}"/>
+              </a:ext>
+            </a:extLst>
+          </p:cNvPr>
+          <p:cNvGraphicFramePr>
+            <a:graphicFrameLocks noChangeAspect="1"/>
+          </p:cNvGraphicFramePr>
+          <p:nvPr>
+            <p:extLst>
+              <p:ext uri="{D42A27DB-BD31-4B8C-83A1-F6EECF244321}">
+                <p14:modId xmlns:p14="http://schemas.microsoft.com/office/powerpoint/2010/main" val="2375297142"/>
+              </p:ext>
+            </p:extLst>
+          </p:nvPr>
+        </p:nvGraphicFramePr>
+        <p:xfrm>
+          <a:off x="12240349" y="10653369"/>
+          <a:ext cx="850900" cy="242888"/>
+        </p:xfrm>
+        <a:graphic>
+          <a:graphicData uri="http://schemas.openxmlformats.org/presentationml/2006/ole">
+            <mc:AlternateContent xmlns:mc="http://schemas.openxmlformats.org/markup-compatibility/2006">
+              <mc:Choice xmlns:v="urn:schemas-microsoft-com:vml" Requires="v">
+                <p:oleObj name="Equation" r:id="rId26" imgW="850383" imgH="242289" progId="Equation.DSMT4">
+                  <p:embed/>
+                </p:oleObj>
+              </mc:Choice>
+              <mc:Fallback>
+                <p:oleObj name="Equation" r:id="rId26" imgW="850383" imgH="242289" progId="Equation.DSMT4">
+                  <p:embed/>
+                  <p:pic>
+                    <p:nvPicPr>
+                      <p:cNvPr id="0" name=""/>
+                      <p:cNvPicPr/>
+                      <p:nvPr/>
+                    </p:nvPicPr>
+                    <p:blipFill>
+                      <a:blip r:embed="rId27"/>
+                      <a:stretch>
+                        <a:fillRect/>
+                      </a:stretch>
+                    </p:blipFill>
+                    <p:spPr>
+                      <a:xfrm>
+                        <a:off x="12240349" y="10653369"/>
+                        <a:ext cx="850900" cy="242888"/>
+                      </a:xfrm>
+                      <a:prstGeom prst="rect">
+                        <a:avLst/>
+                      </a:prstGeom>
+                    </p:spPr>
+                  </p:pic>
+                </p:oleObj>
+              </mc:Fallback>
+            </mc:AlternateContent>
+          </a:graphicData>
+        </a:graphic>
+      </p:graphicFrame>
+      <p:sp>
+        <p:nvSpPr>
+          <p:cNvPr id="200" name="文本框 199">
+            <a:extLst>
+              <a:ext uri="{FF2B5EF4-FFF2-40B4-BE49-F238E27FC236}">
+                <a16:creationId xmlns:a16="http://schemas.microsoft.com/office/drawing/2014/main" id="{8C6D5A86-773A-EA68-5C82-A935B06777C3}"/>
+              </a:ext>
+            </a:extLst>
+          </p:cNvPr>
+          <p:cNvSpPr txBox="1"/>
+          <p:nvPr/>
+        </p:nvSpPr>
+        <p:spPr>
+          <a:xfrm>
+            <a:off x="11354502" y="11448693"/>
+            <a:ext cx="693185" cy="461665"/>
+          </a:xfrm>
+          <a:prstGeom prst="rect">
+            <a:avLst/>
+          </a:prstGeom>
+          <a:noFill/>
+        </p:spPr>
+        <p:txBody>
+          <a:bodyPr wrap="square" rtlCol="0">
+            <a:spAutoFit/>
+          </a:bodyPr>
+          <a:lstStyle/>
+          <a:p>
+            <a:r>
+              <a:rPr lang="en-US" altLang="zh-CN" sz="2400" dirty="0"/>
+              <a:t>……</a:t>
+            </a:r>
+            <a:endParaRPr lang="zh-CN" altLang="en-US" sz="2400" dirty="0"/>
+          </a:p>
+        </p:txBody>
+      </p:sp>
+    </p:spTree>
+    <p:extLst>
+      <p:ext uri="{BB962C8B-B14F-4D97-AF65-F5344CB8AC3E}">
+        <p14:creationId xmlns:p14="http://schemas.microsoft.com/office/powerpoint/2010/main" val="1847164392"/>
       </p:ext>
     </p:extLst>
   </p:cSld>

--- a/竖立图片.pptx
+++ b/竖立图片.pptx
@@ -4523,8 +4523,8 @@
                 </a:p>
               </p:txBody>
             </p:sp>
-            <mc:AlternateContent xmlns:mc="http://schemas.openxmlformats.org/markup-compatibility/2006">
-              <mc:Choice xmlns:a14="http://schemas.microsoft.com/office/drawing/2010/main" Requires="a14">
+            <mc:AlternateContent xmlns:mc="http://schemas.openxmlformats.org/markup-compatibility/2006" xmlns:a14="http://schemas.microsoft.com/office/drawing/2010/main">
+              <mc:Choice Requires="a14">
                 <p:sp>
                   <p:nvSpPr>
                     <p:cNvPr id="99" name="文本框 98">
@@ -4593,7 +4593,7 @@
                   </p:txBody>
                 </p:sp>
               </mc:Choice>
-              <mc:Fallback>
+              <mc:Fallback xmlns="">
                 <p:sp>
                   <p:nvSpPr>
                     <p:cNvPr id="99" name="文本框 98">
@@ -4638,8 +4638,8 @@
                 </p:sp>
               </mc:Fallback>
             </mc:AlternateContent>
-            <mc:AlternateContent xmlns:mc="http://schemas.openxmlformats.org/markup-compatibility/2006">
-              <mc:Choice xmlns:a14="http://schemas.microsoft.com/office/drawing/2010/main" Requires="a14">
+            <mc:AlternateContent xmlns:mc="http://schemas.openxmlformats.org/markup-compatibility/2006" xmlns:a14="http://schemas.microsoft.com/office/drawing/2010/main">
+              <mc:Choice Requires="a14">
                 <p:sp>
                   <p:nvSpPr>
                     <p:cNvPr id="104" name="文本框 103">
@@ -4708,7 +4708,7 @@
                   </p:txBody>
                 </p:sp>
               </mc:Choice>
-              <mc:Fallback>
+              <mc:Fallback xmlns="">
                 <p:sp>
                   <p:nvSpPr>
                     <p:cNvPr id="104" name="文本框 103">
@@ -5513,8 +5513,8 @@
                 </a:p>
               </p:txBody>
             </p:sp>
-            <mc:AlternateContent xmlns:mc="http://schemas.openxmlformats.org/markup-compatibility/2006">
-              <mc:Choice xmlns:a14="http://schemas.microsoft.com/office/drawing/2010/main" Requires="a14">
+            <mc:AlternateContent xmlns:mc="http://schemas.openxmlformats.org/markup-compatibility/2006" xmlns:a14="http://schemas.microsoft.com/office/drawing/2010/main">
+              <mc:Choice Requires="a14">
                 <p:sp>
                   <p:nvSpPr>
                     <p:cNvPr id="181" name="文本框 180">
@@ -5583,7 +5583,7 @@
                   </p:txBody>
                 </p:sp>
               </mc:Choice>
-              <mc:Fallback>
+              <mc:Fallback xmlns="">
                 <p:sp>
                   <p:nvSpPr>
                     <p:cNvPr id="181" name="文本框 180">
@@ -5628,8 +5628,8 @@
                 </p:sp>
               </mc:Fallback>
             </mc:AlternateContent>
-            <mc:AlternateContent xmlns:mc="http://schemas.openxmlformats.org/markup-compatibility/2006">
-              <mc:Choice xmlns:a14="http://schemas.microsoft.com/office/drawing/2010/main" Requires="a14">
+            <mc:AlternateContent xmlns:mc="http://schemas.openxmlformats.org/markup-compatibility/2006" xmlns:a14="http://schemas.microsoft.com/office/drawing/2010/main">
+              <mc:Choice Requires="a14">
                 <p:sp>
                   <p:nvSpPr>
                     <p:cNvPr id="182" name="文本框 181">
@@ -5698,7 +5698,7 @@
                   </p:txBody>
                 </p:sp>
               </mc:Choice>
-              <mc:Fallback>
+              <mc:Fallback xmlns="">
                 <p:sp>
                   <p:nvSpPr>
                     <p:cNvPr id="182" name="文本框 181">
@@ -6483,8 +6483,8 @@
               </a:p>
             </p:txBody>
           </p:sp>
-          <mc:AlternateContent xmlns:mc="http://schemas.openxmlformats.org/markup-compatibility/2006">
-            <mc:Choice xmlns:a14="http://schemas.microsoft.com/office/drawing/2010/main" Requires="a14">
+          <mc:AlternateContent xmlns:mc="http://schemas.openxmlformats.org/markup-compatibility/2006" xmlns:a14="http://schemas.microsoft.com/office/drawing/2010/main">
+            <mc:Choice Requires="a14">
               <p:sp>
                 <p:nvSpPr>
                   <p:cNvPr id="199" name="文本框 198">
@@ -6553,7 +6553,7 @@
                 </p:txBody>
               </p:sp>
             </mc:Choice>
-            <mc:Fallback>
+            <mc:Fallback xmlns="">
               <p:sp>
                 <p:nvSpPr>
                   <p:cNvPr id="199" name="文本框 198">
@@ -6598,8 +6598,8 @@
               </p:sp>
             </mc:Fallback>
           </mc:AlternateContent>
-          <mc:AlternateContent xmlns:mc="http://schemas.openxmlformats.org/markup-compatibility/2006">
-            <mc:Choice xmlns:a14="http://schemas.microsoft.com/office/drawing/2010/main" Requires="a14">
+          <mc:AlternateContent xmlns:mc="http://schemas.openxmlformats.org/markup-compatibility/2006" xmlns:a14="http://schemas.microsoft.com/office/drawing/2010/main">
+            <mc:Choice Requires="a14">
               <p:sp>
                 <p:nvSpPr>
                   <p:cNvPr id="200" name="文本框 199">
@@ -6668,7 +6668,7 @@
                 </p:txBody>
               </p:sp>
             </mc:Choice>
-            <mc:Fallback>
+            <mc:Fallback xmlns="">
               <p:sp>
                 <p:nvSpPr>
                   <p:cNvPr id="200" name="文本框 199">
@@ -7622,8 +7622,8 @@
                 </a:p>
               </p:txBody>
             </p:sp>
-            <mc:AlternateContent xmlns:mc="http://schemas.openxmlformats.org/markup-compatibility/2006">
-              <mc:Choice xmlns:a14="http://schemas.microsoft.com/office/drawing/2010/main" Requires="a14">
+            <mc:AlternateContent xmlns:mc="http://schemas.openxmlformats.org/markup-compatibility/2006" xmlns:a14="http://schemas.microsoft.com/office/drawing/2010/main">
+              <mc:Choice Requires="a14">
                 <p:sp>
                   <p:nvSpPr>
                     <p:cNvPr id="280" name="文本框 279">
@@ -7692,7 +7692,7 @@
                   </p:txBody>
                 </p:sp>
               </mc:Choice>
-              <mc:Fallback>
+              <mc:Fallback xmlns="">
                 <p:sp>
                   <p:nvSpPr>
                     <p:cNvPr id="280" name="文本框 279">
@@ -8076,8 +8076,8 @@
                 </a:p>
               </p:txBody>
             </p:sp>
-            <mc:AlternateContent xmlns:mc="http://schemas.openxmlformats.org/markup-compatibility/2006">
-              <mc:Choice xmlns:a14="http://schemas.microsoft.com/office/drawing/2010/main" Requires="a14">
+            <mc:AlternateContent xmlns:mc="http://schemas.openxmlformats.org/markup-compatibility/2006" xmlns:a14="http://schemas.microsoft.com/office/drawing/2010/main">
+              <mc:Choice Requires="a14">
                 <p:sp>
                   <p:nvSpPr>
                     <p:cNvPr id="304" name="文本框 303">
@@ -8146,7 +8146,7 @@
                   </p:txBody>
                 </p:sp>
               </mc:Choice>
-              <mc:Fallback>
+              <mc:Fallback xmlns="">
                 <p:sp>
                   <p:nvSpPr>
                     <p:cNvPr id="304" name="文本框 303">
@@ -8530,8 +8530,8 @@
                 </a:p>
               </p:txBody>
             </p:sp>
-            <mc:AlternateContent xmlns:mc="http://schemas.openxmlformats.org/markup-compatibility/2006">
-              <mc:Choice xmlns:a14="http://schemas.microsoft.com/office/drawing/2010/main" Requires="a14">
+            <mc:AlternateContent xmlns:mc="http://schemas.openxmlformats.org/markup-compatibility/2006" xmlns:a14="http://schemas.microsoft.com/office/drawing/2010/main">
+              <mc:Choice Requires="a14">
                 <p:sp>
                   <p:nvSpPr>
                     <p:cNvPr id="311" name="文本框 310">
@@ -8600,7 +8600,7 @@
                   </p:txBody>
                 </p:sp>
               </mc:Choice>
-              <mc:Fallback>
+              <mc:Fallback xmlns="">
                 <p:sp>
                   <p:nvSpPr>
                     <p:cNvPr id="311" name="文本框 310">
@@ -8922,8 +8922,8 @@
               </a:fontRef>
             </p:style>
           </p:cxnSp>
-          <mc:AlternateContent xmlns:mc="http://schemas.openxmlformats.org/markup-compatibility/2006">
-            <mc:Choice xmlns:a14="http://schemas.microsoft.com/office/drawing/2010/main" Requires="a14">
+          <mc:AlternateContent xmlns:mc="http://schemas.openxmlformats.org/markup-compatibility/2006" xmlns:a14="http://schemas.microsoft.com/office/drawing/2010/main">
+            <mc:Choice Requires="a14">
               <p:sp>
                 <p:nvSpPr>
                   <p:cNvPr id="325" name="文本框 324">
@@ -8973,7 +8973,7 @@
                 </p:txBody>
               </p:sp>
             </mc:Choice>
-            <mc:Fallback>
+            <mc:Fallback xmlns="">
               <p:sp>
                 <p:nvSpPr>
                   <p:cNvPr id="325" name="文本框 324">
@@ -9392,8 +9392,8 @@
                   </p:sp>
                 </p:grpSp>
               </p:grpSp>
-              <mc:AlternateContent xmlns:mc="http://schemas.openxmlformats.org/markup-compatibility/2006">
-                <mc:Choice xmlns:a14="http://schemas.microsoft.com/office/drawing/2010/main" Requires="a14">
+              <mc:AlternateContent xmlns:mc="http://schemas.openxmlformats.org/markup-compatibility/2006" xmlns:a14="http://schemas.microsoft.com/office/drawing/2010/main">
+                <mc:Choice Requires="a14">
                   <p:sp>
                     <p:nvSpPr>
                       <p:cNvPr id="254" name="文本框 253">
@@ -9443,7 +9443,7 @@
                     </p:txBody>
                   </p:sp>
                 </mc:Choice>
-                <mc:Fallback>
+                <mc:Fallback xmlns="">
                   <p:sp>
                     <p:nvSpPr>
                       <p:cNvPr id="254" name="文本框 253">
@@ -19322,6 +19322,481 @@
           </a:p>
         </p:txBody>
       </p:sp>
+      <p:cxnSp>
+        <p:nvCxnSpPr>
+          <p:cNvPr id="56" name="直接箭头连接符 55">
+            <a:extLst>
+              <a:ext uri="{FF2B5EF4-FFF2-40B4-BE49-F238E27FC236}">
+                <a16:creationId xmlns:a16="http://schemas.microsoft.com/office/drawing/2014/main" id="{065090F1-D08C-A166-CA4D-7E5F5979C16F}"/>
+              </a:ext>
+            </a:extLst>
+          </p:cNvPr>
+          <p:cNvCxnSpPr>
+            <a:cxnSpLocks/>
+          </p:cNvCxnSpPr>
+          <p:nvPr/>
+        </p:nvCxnSpPr>
+        <p:spPr>
+          <a:xfrm rot="16200000">
+            <a:off x="5680073" y="3425299"/>
+            <a:ext cx="1050066" cy="0"/>
+          </a:xfrm>
+          <a:prstGeom prst="straightConnector1">
+            <a:avLst/>
+          </a:prstGeom>
+          <a:ln w="28575">
+            <a:solidFill>
+              <a:schemeClr val="bg1">
+                <a:lumMod val="50000"/>
+              </a:schemeClr>
+            </a:solidFill>
+            <a:tailEnd type="triangle"/>
+          </a:ln>
+        </p:spPr>
+        <p:style>
+          <a:lnRef idx="1">
+            <a:schemeClr val="dk1"/>
+          </a:lnRef>
+          <a:fillRef idx="0">
+            <a:schemeClr val="dk1"/>
+          </a:fillRef>
+          <a:effectRef idx="0">
+            <a:schemeClr val="dk1"/>
+          </a:effectRef>
+          <a:fontRef idx="minor">
+            <a:schemeClr val="tx1"/>
+          </a:fontRef>
+        </p:style>
+      </p:cxnSp>
+      <p:sp>
+        <p:nvSpPr>
+          <p:cNvPr id="57" name="矩形: 圆角 56">
+            <a:extLst>
+              <a:ext uri="{FF2B5EF4-FFF2-40B4-BE49-F238E27FC236}">
+                <a16:creationId xmlns:a16="http://schemas.microsoft.com/office/drawing/2014/main" id="{B9673872-DF03-CFB1-C79F-71E8F239E818}"/>
+              </a:ext>
+            </a:extLst>
+          </p:cNvPr>
+          <p:cNvSpPr/>
+          <p:nvPr/>
+        </p:nvSpPr>
+        <p:spPr>
+          <a:xfrm rot="16200000">
+            <a:off x="6073659" y="1876446"/>
+            <a:ext cx="320040" cy="1113918"/>
+          </a:xfrm>
+          <a:prstGeom prst="roundRect">
+            <a:avLst/>
+          </a:prstGeom>
+          <a:noFill/>
+          <a:ln w="28575">
+            <a:solidFill>
+              <a:srgbClr val="C00000"/>
+            </a:solidFill>
+          </a:ln>
+        </p:spPr>
+        <p:style>
+          <a:lnRef idx="2">
+            <a:schemeClr val="accent1">
+              <a:shade val="15000"/>
+            </a:schemeClr>
+          </a:lnRef>
+          <a:fillRef idx="1">
+            <a:schemeClr val="accent1"/>
+          </a:fillRef>
+          <a:effectRef idx="0">
+            <a:schemeClr val="accent1"/>
+          </a:effectRef>
+          <a:fontRef idx="minor">
+            <a:schemeClr val="lt1"/>
+          </a:fontRef>
+        </p:style>
+        <p:txBody>
+          <a:bodyPr rtlCol="0" anchor="ctr"/>
+          <a:lstStyle/>
+          <a:p>
+            <a:pPr algn="ctr"/>
+            <a:endParaRPr lang="zh-CN" altLang="en-US"/>
+          </a:p>
+        </p:txBody>
+      </p:sp>
+      <p:grpSp>
+        <p:nvGrpSpPr>
+          <p:cNvPr id="58" name="组合 57">
+            <a:extLst>
+              <a:ext uri="{FF2B5EF4-FFF2-40B4-BE49-F238E27FC236}">
+                <a16:creationId xmlns:a16="http://schemas.microsoft.com/office/drawing/2014/main" id="{65E6453E-1ED6-6322-9CE8-F509E6ED5970}"/>
+              </a:ext>
+            </a:extLst>
+          </p:cNvPr>
+          <p:cNvGrpSpPr/>
+          <p:nvPr/>
+        </p:nvGrpSpPr>
+        <p:grpSpPr>
+          <a:xfrm rot="16200000">
+            <a:off x="6122941" y="1918318"/>
+            <a:ext cx="227635" cy="1023793"/>
+            <a:chOff x="11367235" y="2230918"/>
+            <a:chExt cx="227635" cy="1023793"/>
+          </a:xfrm>
+        </p:grpSpPr>
+        <p:sp>
+          <p:nvSpPr>
+            <p:cNvPr id="59" name="椭圆 58">
+              <a:extLst>
+                <a:ext uri="{FF2B5EF4-FFF2-40B4-BE49-F238E27FC236}">
+                  <a16:creationId xmlns:a16="http://schemas.microsoft.com/office/drawing/2014/main" id="{4203F391-4C44-7450-03AF-23BA5CE3F4EE}"/>
+                </a:ext>
+              </a:extLst>
+            </p:cNvPr>
+            <p:cNvSpPr>
+              <a:spLocks noChangeAspect="1"/>
+            </p:cNvSpPr>
+            <p:nvPr/>
+          </p:nvSpPr>
+          <p:spPr>
+            <a:xfrm flipV="1">
+              <a:off x="11367235" y="2230918"/>
+              <a:ext cx="227635" cy="227635"/>
+            </a:xfrm>
+            <a:prstGeom prst="ellipse">
+              <a:avLst/>
+            </a:prstGeom>
+            <a:solidFill>
+              <a:srgbClr val="C00000"/>
+            </a:solidFill>
+            <a:ln>
+              <a:noFill/>
+            </a:ln>
+          </p:spPr>
+          <p:style>
+            <a:lnRef idx="2">
+              <a:schemeClr val="accent1">
+                <a:shade val="15000"/>
+              </a:schemeClr>
+            </a:lnRef>
+            <a:fillRef idx="1">
+              <a:schemeClr val="accent1"/>
+            </a:fillRef>
+            <a:effectRef idx="0">
+              <a:schemeClr val="accent1"/>
+            </a:effectRef>
+            <a:fontRef idx="minor">
+              <a:schemeClr val="lt1"/>
+            </a:fontRef>
+          </p:style>
+          <p:txBody>
+            <a:bodyPr rtlCol="0" anchor="ctr"/>
+            <a:lstStyle/>
+            <a:p>
+              <a:pPr algn="ctr"/>
+              <a:endParaRPr lang="zh-CN" altLang="en-US" sz="1050" b="1" dirty="0">
+                <a:solidFill>
+                  <a:schemeClr val="tx1"/>
+                </a:solidFill>
+                <a:latin typeface="宋体" panose="02010600030101010101" pitchFamily="2" charset="-122"/>
+                <a:ea typeface="宋体" panose="02010600030101010101" pitchFamily="2" charset="-122"/>
+              </a:endParaRPr>
+            </a:p>
+          </p:txBody>
+        </p:sp>
+        <p:sp>
+          <p:nvSpPr>
+            <p:cNvPr id="60" name="椭圆 59">
+              <a:extLst>
+                <a:ext uri="{FF2B5EF4-FFF2-40B4-BE49-F238E27FC236}">
+                  <a16:creationId xmlns:a16="http://schemas.microsoft.com/office/drawing/2014/main" id="{4A54F9FB-6E5F-747F-6B6E-57A8E7E0BCB6}"/>
+                </a:ext>
+              </a:extLst>
+            </p:cNvPr>
+            <p:cNvSpPr>
+              <a:spLocks noChangeAspect="1"/>
+            </p:cNvSpPr>
+            <p:nvPr/>
+          </p:nvSpPr>
+          <p:spPr>
+            <a:xfrm flipV="1">
+              <a:off x="11367235" y="2496304"/>
+              <a:ext cx="227635" cy="227635"/>
+            </a:xfrm>
+            <a:prstGeom prst="ellipse">
+              <a:avLst/>
+            </a:prstGeom>
+            <a:solidFill>
+              <a:srgbClr val="C00000"/>
+            </a:solidFill>
+            <a:ln>
+              <a:noFill/>
+            </a:ln>
+          </p:spPr>
+          <p:style>
+            <a:lnRef idx="2">
+              <a:schemeClr val="accent1">
+                <a:shade val="15000"/>
+              </a:schemeClr>
+            </a:lnRef>
+            <a:fillRef idx="1">
+              <a:schemeClr val="accent1"/>
+            </a:fillRef>
+            <a:effectRef idx="0">
+              <a:schemeClr val="accent1"/>
+            </a:effectRef>
+            <a:fontRef idx="minor">
+              <a:schemeClr val="lt1"/>
+            </a:fontRef>
+          </p:style>
+          <p:txBody>
+            <a:bodyPr rtlCol="0" anchor="ctr"/>
+            <a:lstStyle/>
+            <a:p>
+              <a:pPr algn="ctr"/>
+              <a:endParaRPr lang="zh-CN" altLang="en-US" sz="1050" b="1" dirty="0">
+                <a:solidFill>
+                  <a:schemeClr val="tx1"/>
+                </a:solidFill>
+                <a:latin typeface="宋体" panose="02010600030101010101" pitchFamily="2" charset="-122"/>
+                <a:ea typeface="宋体" panose="02010600030101010101" pitchFamily="2" charset="-122"/>
+              </a:endParaRPr>
+            </a:p>
+          </p:txBody>
+        </p:sp>
+        <p:sp>
+          <p:nvSpPr>
+            <p:cNvPr id="94" name="椭圆 93">
+              <a:extLst>
+                <a:ext uri="{FF2B5EF4-FFF2-40B4-BE49-F238E27FC236}">
+                  <a16:creationId xmlns:a16="http://schemas.microsoft.com/office/drawing/2014/main" id="{97C9EE58-A997-BC78-6DA8-2E07B1AB052A}"/>
+                </a:ext>
+              </a:extLst>
+            </p:cNvPr>
+            <p:cNvSpPr>
+              <a:spLocks noChangeAspect="1"/>
+            </p:cNvSpPr>
+            <p:nvPr/>
+          </p:nvSpPr>
+          <p:spPr>
+            <a:xfrm flipV="1">
+              <a:off x="11367235" y="2761690"/>
+              <a:ext cx="227635" cy="227635"/>
+            </a:xfrm>
+            <a:prstGeom prst="ellipse">
+              <a:avLst/>
+            </a:prstGeom>
+            <a:solidFill>
+              <a:srgbClr val="C00000"/>
+            </a:solidFill>
+            <a:ln>
+              <a:noFill/>
+            </a:ln>
+          </p:spPr>
+          <p:style>
+            <a:lnRef idx="2">
+              <a:schemeClr val="accent1">
+                <a:shade val="15000"/>
+              </a:schemeClr>
+            </a:lnRef>
+            <a:fillRef idx="1">
+              <a:schemeClr val="accent1"/>
+            </a:fillRef>
+            <a:effectRef idx="0">
+              <a:schemeClr val="accent1"/>
+            </a:effectRef>
+            <a:fontRef idx="minor">
+              <a:schemeClr val="lt1"/>
+            </a:fontRef>
+          </p:style>
+          <p:txBody>
+            <a:bodyPr rtlCol="0" anchor="ctr"/>
+            <a:lstStyle/>
+            <a:p>
+              <a:pPr algn="ctr"/>
+              <a:endParaRPr lang="zh-CN" altLang="en-US" sz="1050" b="1" dirty="0">
+                <a:solidFill>
+                  <a:schemeClr val="tx1"/>
+                </a:solidFill>
+                <a:latin typeface="宋体" panose="02010600030101010101" pitchFamily="2" charset="-122"/>
+                <a:ea typeface="宋体" panose="02010600030101010101" pitchFamily="2" charset="-122"/>
+              </a:endParaRPr>
+            </a:p>
+          </p:txBody>
+        </p:sp>
+        <p:sp>
+          <p:nvSpPr>
+            <p:cNvPr id="95" name="椭圆 94">
+              <a:extLst>
+                <a:ext uri="{FF2B5EF4-FFF2-40B4-BE49-F238E27FC236}">
+                  <a16:creationId xmlns:a16="http://schemas.microsoft.com/office/drawing/2014/main" id="{1E9B309C-1B18-109B-C8D1-89E54260AFAC}"/>
+                </a:ext>
+              </a:extLst>
+            </p:cNvPr>
+            <p:cNvSpPr>
+              <a:spLocks noChangeAspect="1"/>
+            </p:cNvSpPr>
+            <p:nvPr/>
+          </p:nvSpPr>
+          <p:spPr>
+            <a:xfrm flipV="1">
+              <a:off x="11367235" y="3027076"/>
+              <a:ext cx="227635" cy="227635"/>
+            </a:xfrm>
+            <a:prstGeom prst="ellipse">
+              <a:avLst/>
+            </a:prstGeom>
+            <a:solidFill>
+              <a:srgbClr val="C00000"/>
+            </a:solidFill>
+            <a:ln>
+              <a:noFill/>
+            </a:ln>
+          </p:spPr>
+          <p:style>
+            <a:lnRef idx="2">
+              <a:schemeClr val="accent1">
+                <a:shade val="15000"/>
+              </a:schemeClr>
+            </a:lnRef>
+            <a:fillRef idx="1">
+              <a:schemeClr val="accent1"/>
+            </a:fillRef>
+            <a:effectRef idx="0">
+              <a:schemeClr val="accent1"/>
+            </a:effectRef>
+            <a:fontRef idx="minor">
+              <a:schemeClr val="lt1"/>
+            </a:fontRef>
+          </p:style>
+          <p:txBody>
+            <a:bodyPr rtlCol="0" anchor="ctr"/>
+            <a:lstStyle/>
+            <a:p>
+              <a:pPr algn="ctr"/>
+              <a:endParaRPr lang="zh-CN" altLang="en-US" sz="1050" b="1" dirty="0">
+                <a:solidFill>
+                  <a:schemeClr val="tx1"/>
+                </a:solidFill>
+                <a:latin typeface="宋体" panose="02010600030101010101" pitchFamily="2" charset="-122"/>
+                <a:ea typeface="宋体" panose="02010600030101010101" pitchFamily="2" charset="-122"/>
+              </a:endParaRPr>
+            </a:p>
+          </p:txBody>
+        </p:sp>
+      </p:grpSp>
+      <p:cxnSp>
+        <p:nvCxnSpPr>
+          <p:cNvPr id="96" name="直接箭头连接符 95">
+            <a:extLst>
+              <a:ext uri="{FF2B5EF4-FFF2-40B4-BE49-F238E27FC236}">
+                <a16:creationId xmlns:a16="http://schemas.microsoft.com/office/drawing/2014/main" id="{877C971A-F204-55B8-7060-0D3325E5AE30}"/>
+              </a:ext>
+            </a:extLst>
+          </p:cNvPr>
+          <p:cNvCxnSpPr>
+            <a:cxnSpLocks/>
+          </p:cNvCxnSpPr>
+          <p:nvPr/>
+        </p:nvCxnSpPr>
+        <p:spPr>
+          <a:xfrm rot="16200000">
+            <a:off x="7633935" y="1795551"/>
+            <a:ext cx="0" cy="1241682"/>
+          </a:xfrm>
+          <a:prstGeom prst="straightConnector1">
+            <a:avLst/>
+          </a:prstGeom>
+          <a:ln w="28575">
+            <a:solidFill>
+              <a:schemeClr val="bg1">
+                <a:lumMod val="50000"/>
+              </a:schemeClr>
+            </a:solidFill>
+            <a:tailEnd type="triangle"/>
+          </a:ln>
+        </p:spPr>
+        <p:style>
+          <a:lnRef idx="1">
+            <a:schemeClr val="dk1"/>
+          </a:lnRef>
+          <a:fillRef idx="0">
+            <a:schemeClr val="dk1"/>
+          </a:fillRef>
+          <a:effectRef idx="0">
+            <a:schemeClr val="dk1"/>
+          </a:effectRef>
+          <a:fontRef idx="minor">
+            <a:schemeClr val="tx1"/>
+          </a:fontRef>
+        </p:style>
+      </p:cxnSp>
+      <p:sp>
+        <p:nvSpPr>
+          <p:cNvPr id="120" name="矩形: 圆角 119">
+            <a:extLst>
+              <a:ext uri="{FF2B5EF4-FFF2-40B4-BE49-F238E27FC236}">
+                <a16:creationId xmlns:a16="http://schemas.microsoft.com/office/drawing/2014/main" id="{DA3AD5E6-2FAC-4BD0-F8BC-9EBE1F62E691}"/>
+              </a:ext>
+            </a:extLst>
+          </p:cNvPr>
+          <p:cNvSpPr/>
+          <p:nvPr/>
+        </p:nvSpPr>
+        <p:spPr>
+          <a:xfrm>
+            <a:off x="8586231" y="2017501"/>
+            <a:ext cx="1321789" cy="796158"/>
+          </a:xfrm>
+          <a:prstGeom prst="roundRect">
+            <a:avLst/>
+          </a:prstGeom>
+          <a:solidFill>
+            <a:schemeClr val="tx2">
+              <a:lumMod val="20000"/>
+              <a:lumOff val="80000"/>
+            </a:schemeClr>
+          </a:solidFill>
+          <a:ln w="28575">
+            <a:solidFill>
+              <a:schemeClr val="bg1">
+                <a:lumMod val="50000"/>
+              </a:schemeClr>
+            </a:solidFill>
+            <a:prstDash val="solid"/>
+          </a:ln>
+        </p:spPr>
+        <p:style>
+          <a:lnRef idx="2">
+            <a:schemeClr val="accent1">
+              <a:shade val="15000"/>
+            </a:schemeClr>
+          </a:lnRef>
+          <a:fillRef idx="1">
+            <a:schemeClr val="accent1"/>
+          </a:fillRef>
+          <a:effectRef idx="0">
+            <a:schemeClr val="accent1"/>
+          </a:effectRef>
+          <a:fontRef idx="minor">
+            <a:schemeClr val="lt1"/>
+          </a:fontRef>
+        </p:style>
+        <p:txBody>
+          <a:bodyPr vert="horz" rtlCol="0" anchor="ctr"/>
+          <a:lstStyle/>
+          <a:p>
+            <a:pPr algn="ctr"/>
+            <a:r>
+              <a:rPr lang="zh-CN" altLang="en-US" dirty="0">
+                <a:solidFill>
+                  <a:schemeClr val="tx1"/>
+                </a:solidFill>
+                <a:latin typeface="宋体" panose="02010600030101010101" pitchFamily="2" charset="-122"/>
+                <a:ea typeface="宋体" panose="02010600030101010101" pitchFamily="2" charset="-122"/>
+                <a:cs typeface="Times New Roman" panose="02020603050405020304" pitchFamily="18" charset="0"/>
+              </a:rPr>
+              <a:t>计算得分</a:t>
+            </a:r>
+          </a:p>
+        </p:txBody>
+      </p:sp>
     </p:spTree>
     <p:extLst>
       <p:ext uri="{BB962C8B-B14F-4D97-AF65-F5344CB8AC3E}">

--- a/竖立图片.pptx
+++ b/竖立图片.pptx
@@ -18619,7 +18619,7 @@
           <p:nvPr>
             <p:extLst>
               <p:ext uri="{D42A27DB-BD31-4B8C-83A1-F6EECF244321}">
-                <p14:modId xmlns:p14="http://schemas.microsoft.com/office/powerpoint/2010/main" val="2938400104"/>
+                <p14:modId xmlns:p14="http://schemas.microsoft.com/office/powerpoint/2010/main" val="691328715"/>
               </p:ext>
             </p:extLst>
           </p:nvPr>
@@ -18682,7 +18682,7 @@
           <p:nvPr>
             <p:extLst>
               <p:ext uri="{D42A27DB-BD31-4B8C-83A1-F6EECF244321}">
-                <p14:modId xmlns:p14="http://schemas.microsoft.com/office/powerpoint/2010/main" val="1632295381"/>
+                <p14:modId xmlns:p14="http://schemas.microsoft.com/office/powerpoint/2010/main" val="357938675"/>
               </p:ext>
             </p:extLst>
           </p:nvPr>
@@ -18745,7 +18745,7 @@
           <p:nvPr>
             <p:extLst>
               <p:ext uri="{D42A27DB-BD31-4B8C-83A1-F6EECF244321}">
-                <p14:modId xmlns:p14="http://schemas.microsoft.com/office/powerpoint/2010/main" val="3930245891"/>
+                <p14:modId xmlns:p14="http://schemas.microsoft.com/office/powerpoint/2010/main" val="1775797664"/>
               </p:ext>
             </p:extLst>
           </p:nvPr>
@@ -18808,7 +18808,7 @@
           <p:nvPr>
             <p:extLst>
               <p:ext uri="{D42A27DB-BD31-4B8C-83A1-F6EECF244321}">
-                <p14:modId xmlns:p14="http://schemas.microsoft.com/office/powerpoint/2010/main" val="1589888993"/>
+                <p14:modId xmlns:p14="http://schemas.microsoft.com/office/powerpoint/2010/main" val="1240144248"/>
               </p:ext>
             </p:extLst>
           </p:nvPr>
@@ -18871,7 +18871,7 @@
           <p:nvPr>
             <p:extLst>
               <p:ext uri="{D42A27DB-BD31-4B8C-83A1-F6EECF244321}">
-                <p14:modId xmlns:p14="http://schemas.microsoft.com/office/powerpoint/2010/main" val="1244859286"/>
+                <p14:modId xmlns:p14="http://schemas.microsoft.com/office/powerpoint/2010/main" val="1914341518"/>
               </p:ext>
             </p:extLst>
           </p:nvPr>
@@ -18934,7 +18934,7 @@
           <p:nvPr>
             <p:extLst>
               <p:ext uri="{D42A27DB-BD31-4B8C-83A1-F6EECF244321}">
-                <p14:modId xmlns:p14="http://schemas.microsoft.com/office/powerpoint/2010/main" val="455604611"/>
+                <p14:modId xmlns:p14="http://schemas.microsoft.com/office/powerpoint/2010/main" val="2253681906"/>
               </p:ext>
             </p:extLst>
           </p:nvPr>
@@ -19049,7 +19049,7 @@
           <p:nvPr>
             <p:extLst>
               <p:ext uri="{D42A27DB-BD31-4B8C-83A1-F6EECF244321}">
-                <p14:modId xmlns:p14="http://schemas.microsoft.com/office/powerpoint/2010/main" val="263210896"/>
+                <p14:modId xmlns:p14="http://schemas.microsoft.com/office/powerpoint/2010/main" val="3044582118"/>
               </p:ext>
             </p:extLst>
           </p:nvPr>
@@ -19112,7 +19112,7 @@
           <p:nvPr>
             <p:extLst>
               <p:ext uri="{D42A27DB-BD31-4B8C-83A1-F6EECF244321}">
-                <p14:modId xmlns:p14="http://schemas.microsoft.com/office/powerpoint/2010/main" val="1113510952"/>
+                <p14:modId xmlns:p14="http://schemas.microsoft.com/office/powerpoint/2010/main" val="2767291523"/>
               </p:ext>
             </p:extLst>
           </p:nvPr>
@@ -19175,7 +19175,7 @@
           <p:nvPr>
             <p:extLst>
               <p:ext uri="{D42A27DB-BD31-4B8C-83A1-F6EECF244321}">
-                <p14:modId xmlns:p14="http://schemas.microsoft.com/office/powerpoint/2010/main" val="3620333882"/>
+                <p14:modId xmlns:p14="http://schemas.microsoft.com/office/powerpoint/2010/main" val="2990032674"/>
               </p:ext>
             </p:extLst>
           </p:nvPr>
@@ -19238,7 +19238,7 @@
           <p:nvPr>
             <p:extLst>
               <p:ext uri="{D42A27DB-BD31-4B8C-83A1-F6EECF244321}">
-                <p14:modId xmlns:p14="http://schemas.microsoft.com/office/powerpoint/2010/main" val="2375297142"/>
+                <p14:modId xmlns:p14="http://schemas.microsoft.com/office/powerpoint/2010/main" val="3733216434"/>
               </p:ext>
             </p:extLst>
           </p:nvPr>
@@ -19322,52 +19322,6 @@
           </a:p>
         </p:txBody>
       </p:sp>
-      <p:cxnSp>
-        <p:nvCxnSpPr>
-          <p:cNvPr id="56" name="直接箭头连接符 55">
-            <a:extLst>
-              <a:ext uri="{FF2B5EF4-FFF2-40B4-BE49-F238E27FC236}">
-                <a16:creationId xmlns:a16="http://schemas.microsoft.com/office/drawing/2014/main" id="{065090F1-D08C-A166-CA4D-7E5F5979C16F}"/>
-              </a:ext>
-            </a:extLst>
-          </p:cNvPr>
-          <p:cNvCxnSpPr>
-            <a:cxnSpLocks/>
-          </p:cNvCxnSpPr>
-          <p:nvPr/>
-        </p:nvCxnSpPr>
-        <p:spPr>
-          <a:xfrm rot="16200000">
-            <a:off x="5680073" y="3425299"/>
-            <a:ext cx="1050066" cy="0"/>
-          </a:xfrm>
-          <a:prstGeom prst="straightConnector1">
-            <a:avLst/>
-          </a:prstGeom>
-          <a:ln w="28575">
-            <a:solidFill>
-              <a:schemeClr val="bg1">
-                <a:lumMod val="50000"/>
-              </a:schemeClr>
-            </a:solidFill>
-            <a:tailEnd type="triangle"/>
-          </a:ln>
-        </p:spPr>
-        <p:style>
-          <a:lnRef idx="1">
-            <a:schemeClr val="dk1"/>
-          </a:lnRef>
-          <a:fillRef idx="0">
-            <a:schemeClr val="dk1"/>
-          </a:fillRef>
-          <a:effectRef idx="0">
-            <a:schemeClr val="dk1"/>
-          </a:effectRef>
-          <a:fontRef idx="minor">
-            <a:schemeClr val="tx1"/>
-          </a:fontRef>
-        </p:style>
-      </p:cxnSp>
       <p:sp>
         <p:nvSpPr>
           <p:cNvPr id="57" name="矩形: 圆角 56">
@@ -19382,7 +19336,7 @@
         </p:nvSpPr>
         <p:spPr>
           <a:xfrm rot="16200000">
-            <a:off x="6073659" y="1876446"/>
+            <a:off x="6073659" y="2201566"/>
             <a:ext cx="320040" cy="1113918"/>
           </a:xfrm>
           <a:prstGeom prst="roundRect">
@@ -19434,7 +19388,7 @@
         </p:nvGrpSpPr>
         <p:grpSpPr>
           <a:xfrm rot="16200000">
-            <a:off x="6122941" y="1918318"/>
+            <a:off x="6122941" y="2243438"/>
             <a:ext cx="227635" cy="1023793"/>
             <a:chOff x="11367235" y="2230918"/>
             <a:chExt cx="227635" cy="1023793"/>
@@ -19697,7 +19651,7 @@
         </p:nvCxnSpPr>
         <p:spPr>
           <a:xfrm rot="16200000">
-            <a:off x="7633935" y="1795551"/>
+            <a:off x="7633935" y="2120671"/>
             <a:ext cx="0" cy="1241682"/>
           </a:xfrm>
           <a:prstGeom prst="straightConnector1">
@@ -19741,7 +19695,7 @@
         </p:nvSpPr>
         <p:spPr>
           <a:xfrm>
-            <a:off x="8586231" y="2017501"/>
+            <a:off x="8586231" y="2342621"/>
             <a:ext cx="1321789" cy="796158"/>
           </a:xfrm>
           <a:prstGeom prst="roundRect">
@@ -19797,6 +19751,52 @@
           </a:p>
         </p:txBody>
       </p:sp>
+      <p:cxnSp>
+        <p:nvCxnSpPr>
+          <p:cNvPr id="3" name="直接箭头连接符 44">
+            <a:extLst>
+              <a:ext uri="{FF2B5EF4-FFF2-40B4-BE49-F238E27FC236}">
+                <a16:creationId xmlns:a16="http://schemas.microsoft.com/office/drawing/2014/main" id="{F102385E-18FB-70B5-F0E5-A66DC7D3FF5F}"/>
+              </a:ext>
+            </a:extLst>
+          </p:cNvPr>
+          <p:cNvCxnSpPr>
+            <a:cxnSpLocks/>
+          </p:cNvCxnSpPr>
+          <p:nvPr/>
+        </p:nvCxnSpPr>
+        <p:spPr>
+          <a:xfrm rot="16200000">
+            <a:off x="5848893" y="3547814"/>
+            <a:ext cx="689576" cy="0"/>
+          </a:xfrm>
+          <a:prstGeom prst="straightConnector1">
+            <a:avLst/>
+          </a:prstGeom>
+          <a:ln w="28575">
+            <a:solidFill>
+              <a:schemeClr val="bg1">
+                <a:lumMod val="50000"/>
+              </a:schemeClr>
+            </a:solidFill>
+            <a:tailEnd type="triangle"/>
+          </a:ln>
+        </p:spPr>
+        <p:style>
+          <a:lnRef idx="1">
+            <a:schemeClr val="dk1"/>
+          </a:lnRef>
+          <a:fillRef idx="0">
+            <a:schemeClr val="dk1"/>
+          </a:fillRef>
+          <a:effectRef idx="0">
+            <a:schemeClr val="dk1"/>
+          </a:effectRef>
+          <a:fontRef idx="minor">
+            <a:schemeClr val="tx1"/>
+          </a:fontRef>
+        </p:style>
+      </p:cxnSp>
     </p:spTree>
     <p:extLst>
       <p:ext uri="{BB962C8B-B14F-4D97-AF65-F5344CB8AC3E}">
